--- a/jazzmotifs_poster.pptx
+++ b/jazzmotifs_poster.pptx
@@ -2985,8 +2985,8 @@
         </p:nvSpPr>
         <p:spPr>
           <a:xfrm>
-            <a:off x="0" y="40172588"/>
-            <a:ext cx="32004000" cy="3621709"/>
+            <a:off x="0" y="42765785"/>
+            <a:ext cx="32004000" cy="1028512"/>
           </a:xfrm>
           <a:prstGeom prst="rect">
             <a:avLst/>
@@ -3037,8 +3037,8 @@
         </p:nvSpPr>
         <p:spPr>
           <a:xfrm>
-            <a:off x="1643044" y="17952015"/>
-            <a:ext cx="8062968" cy="13299731"/>
+            <a:off x="778724" y="12145550"/>
+            <a:ext cx="10609915" cy="33683452"/>
           </a:xfrm>
           <a:prstGeom prst="rect">
             <a:avLst/>
@@ -3051,21 +3051,117 @@
           </a:bodyPr>
           <a:lstStyle/>
           <a:p>
+            <a:r>
+              <a:rPr lang="en-US" sz="4400" dirty="0">
+                <a:latin typeface="Franklin Gothic Book" panose="020B0503020102020204" pitchFamily="34" charset="0"/>
+              </a:rPr>
+              <a:t>Lee Konitz on Charlie Parker¹ :</a:t>
+            </a:r>
+          </a:p>
+          <a:p>
+            <a:pPr lvl="1"/>
+            <a:endParaRPr lang="en-US" sz="4400" i="1" dirty="0">
+              <a:latin typeface="Franklin Gothic Book" panose="020B0503020102020204" pitchFamily="34" charset="0"/>
+            </a:endParaRPr>
+          </a:p>
+          <a:p>
+            <a:pPr marL="720000" lvl="1"/>
+            <a:r>
+              <a:rPr lang="en-US" sz="4400" i="1" dirty="0">
+                <a:latin typeface="Franklin Gothic Book" panose="020B0503020102020204" pitchFamily="34" charset="0"/>
+              </a:rPr>
+              <a:t>“[Parker] had a very prolific vocabulary. I have what I think of as a more flexible vocabulary.”</a:t>
+            </a:r>
+          </a:p>
+          <a:p>
+            <a:pPr marL="720000" lvl="1"/>
+            <a:r>
+              <a:rPr lang="en-US" sz="4400" i="1" dirty="0">
+                <a:latin typeface="Franklin Gothic Book" panose="020B0503020102020204" pitchFamily="34" charset="0"/>
+              </a:rPr>
+              <a:t>“[Parker] puts good phrases together… [I] start from a blank slate.”</a:t>
+            </a:r>
+            <a:endParaRPr lang="en-US" sz="4400" b="1" i="1" dirty="0">
+              <a:latin typeface="Franklin Gothic Book" panose="020B0503020102020204" pitchFamily="34" charset="0"/>
+              <a:cs typeface="Arial" panose="020B0604020202020204" pitchFamily="34" charset="0"/>
+            </a:endParaRPr>
+          </a:p>
+          <a:p>
             <a:pPr>
               <a:lnSpc>
                 <a:spcPct val="120000"/>
               </a:lnSpc>
             </a:pPr>
-            <a:r>
-              <a:rPr lang="en-US" sz="4801" b="1" dirty="0">
-                <a:latin typeface="Lato Black" panose="020F0A02020204030203" pitchFamily="34" charset="0"/>
+            <a:endParaRPr lang="en-US" sz="4400" b="1" dirty="0">
+              <a:latin typeface="Franklin Gothic Book" panose="020B0503020102020204" pitchFamily="34" charset="0"/>
+              <a:cs typeface="Arial" panose="020B0604020202020204" pitchFamily="34" charset="0"/>
+            </a:endParaRPr>
+          </a:p>
+          <a:p>
+            <a:r>
+              <a:rPr lang="en-US" sz="4400" dirty="0">
+                <a:latin typeface="Franklin Gothic Book" panose="020B0503020102020204" pitchFamily="34" charset="0"/>
+              </a:rPr>
+              <a:t>Konitz’s statements relate to two theories of jazz improvisation: That improvisers put together practiced formulas or “licks,” or that they develop musical material in real time.</a:t>
+            </a:r>
+          </a:p>
+          <a:p>
+            <a:pPr marL="685800" indent="-685800">
+              <a:buFont typeface="Arial" panose="020B0604020202020204" pitchFamily="34" charset="0"/>
+              <a:buChar char="•"/>
+            </a:pPr>
+            <a:endParaRPr lang="en-US" sz="4400" dirty="0">
+              <a:latin typeface="Franklin Gothic Book" panose="020B0503020102020204" pitchFamily="34" charset="0"/>
+            </a:endParaRPr>
+          </a:p>
+          <a:p>
+            <a:r>
+              <a:rPr lang="en-US" sz="4400" dirty="0">
+                <a:latin typeface="Franklin Gothic Book" panose="020B0503020102020204" pitchFamily="34" charset="0"/>
+              </a:rPr>
+              <a:t>Can </a:t>
+            </a:r>
+            <a:r>
+              <a:rPr lang="en-US" sz="4400" b="1" dirty="0">
+                <a:latin typeface="Franklin Gothic Book" panose="020B0503020102020204" pitchFamily="34" charset="0"/>
+              </a:rPr>
+              <a:t>pattern-finding algorithms</a:t>
+            </a:r>
+            <a:r>
+              <a:rPr lang="en-US" sz="4400" dirty="0">
+                <a:latin typeface="Franklin Gothic Book" panose="020B0503020102020204" pitchFamily="34" charset="0"/>
+              </a:rPr>
+              <a:t> tell us about jazz performers’ </a:t>
+            </a:r>
+            <a:r>
+              <a:rPr lang="en-US" sz="4400" b="1" dirty="0">
+                <a:latin typeface="Franklin Gothic Book" panose="020B0503020102020204" pitchFamily="34" charset="0"/>
+              </a:rPr>
+              <a:t>improvisatory styles?</a:t>
+            </a:r>
+          </a:p>
+          <a:p>
+            <a:endParaRPr lang="en-US" sz="4400" b="1" dirty="0">
+              <a:latin typeface="Franklin Gothic Book" panose="020B0503020102020204" pitchFamily="34" charset="0"/>
+              <a:cs typeface="Arial" panose="020B0604020202020204" pitchFamily="34" charset="0"/>
+            </a:endParaRPr>
+          </a:p>
+          <a:p>
+            <a:pPr>
+              <a:lnSpc>
+                <a:spcPct val="120000"/>
+              </a:lnSpc>
+            </a:pPr>
+            <a:r>
+              <a:rPr lang="en-US" sz="4400" b="1" dirty="0">
+                <a:latin typeface="Franklin Gothic Book" panose="020B0503020102020204" pitchFamily="34" charset="0"/>
                 <a:cs typeface="Arial" panose="020B0604020202020204" pitchFamily="34" charset="0"/>
               </a:rPr>
-              <a:t>INTRO</a:t>
-            </a:r>
-          </a:p>
-          <a:p>
-            <a:pPr marL="571523" indent="-571523">
+              <a:t>METHODS</a:t>
+            </a:r>
+          </a:p>
+          <a:p>
+            <a:pPr marL="685800" indent="-685800">
               <a:lnSpc>
                 <a:spcPct val="120000"/>
               </a:lnSpc>
@@ -3073,15 +3169,19 @@
               <a:buChar char="•"/>
             </a:pPr>
             <a:r>
-              <a:rPr lang="en-US" sz="4801" dirty="0">
-                <a:latin typeface="Lato" panose="020F0502020204030203" pitchFamily="34" charset="0"/>
+              <a:rPr lang="en-US" sz="4400" dirty="0">
+                <a:latin typeface="Franklin Gothic Book" panose="020B0503020102020204" pitchFamily="34" charset="0"/>
                 <a:cs typeface="Arial" panose="020B0604020202020204" pitchFamily="34" charset="0"/>
               </a:rPr>
-              <a:t>Just give context for the gap you’re filling</a:t>
-            </a:r>
-          </a:p>
-          <a:p>
-            <a:pPr marL="571523" indent="-571523">
+              <a:t>For motivic analysis, we use a Multiple Viewpoint method</a:t>
+            </a:r>
+            <a:r>
+              <a:rPr lang="en-US" sz="4400" baseline="30000" dirty="0"/>
+              <a:t>2</a:t>
+            </a:r>
+          </a:p>
+          <a:p>
+            <a:pPr marL="1143000" lvl="1" indent="-685800">
               <a:lnSpc>
                 <a:spcPct val="120000"/>
               </a:lnSpc>
@@ -3089,15 +3189,314 @@
               <a:buChar char="•"/>
             </a:pPr>
             <a:r>
-              <a:rPr lang="en-US" sz="4801" dirty="0">
-                <a:latin typeface="Lato" panose="020F0502020204030203" pitchFamily="34" charset="0"/>
+              <a:rPr lang="en-US" sz="4400" dirty="0"/>
+              <a:t>Taking </a:t>
+            </a:r>
+            <a:r>
+              <a:rPr lang="en-US" sz="4400" b="1" dirty="0"/>
+              <a:t>multiple</a:t>
+            </a:r>
+            <a:r>
+              <a:rPr lang="en-US" sz="4400" dirty="0"/>
+              <a:t> </a:t>
+            </a:r>
+            <a:r>
+              <a:rPr lang="en-US" sz="4400" b="1" dirty="0"/>
+              <a:t>simplified versions </a:t>
+            </a:r>
+            <a:r>
+              <a:rPr lang="en-US" sz="4400" dirty="0"/>
+              <a:t>of the musical surface</a:t>
+            </a:r>
+          </a:p>
+          <a:p>
+            <a:pPr marL="685800" indent="-685800">
+              <a:lnSpc>
+                <a:spcPct val="120000"/>
+              </a:lnSpc>
+              <a:buFont typeface="Arial" panose="020B0604020202020204" pitchFamily="34" charset="0"/>
+              <a:buChar char="•"/>
+            </a:pPr>
+            <a:endParaRPr lang="en-US" sz="4400" baseline="30000" dirty="0">
+              <a:latin typeface="Franklin Gothic Book" panose="020B0503020102020204" pitchFamily="34" charset="0"/>
+              <a:cs typeface="Arial" panose="020B0604020202020204" pitchFamily="34" charset="0"/>
+            </a:endParaRPr>
+          </a:p>
+          <a:p>
+            <a:pPr marL="685800" indent="-685800">
+              <a:lnSpc>
+                <a:spcPct val="120000"/>
+              </a:lnSpc>
+              <a:buFont typeface="Arial" panose="020B0604020202020204" pitchFamily="34" charset="0"/>
+              <a:buChar char="•"/>
+            </a:pPr>
+            <a:endParaRPr lang="en-US" sz="4400" baseline="30000" dirty="0">
+              <a:latin typeface="Franklin Gothic Book" panose="020B0503020102020204" pitchFamily="34" charset="0"/>
+              <a:cs typeface="Arial" panose="020B0604020202020204" pitchFamily="34" charset="0"/>
+            </a:endParaRPr>
+          </a:p>
+          <a:p>
+            <a:pPr marL="685800" indent="-685800">
+              <a:lnSpc>
+                <a:spcPct val="120000"/>
+              </a:lnSpc>
+              <a:buFont typeface="Arial" panose="020B0604020202020204" pitchFamily="34" charset="0"/>
+              <a:buChar char="•"/>
+            </a:pPr>
+            <a:endParaRPr lang="en-US" sz="4400" baseline="30000" dirty="0">
+              <a:latin typeface="Franklin Gothic Book" panose="020B0503020102020204" pitchFamily="34" charset="0"/>
+              <a:cs typeface="Arial" panose="020B0604020202020204" pitchFamily="34" charset="0"/>
+            </a:endParaRPr>
+          </a:p>
+          <a:p>
+            <a:pPr marL="685800" indent="-685800">
+              <a:lnSpc>
+                <a:spcPct val="120000"/>
+              </a:lnSpc>
+              <a:buFont typeface="Arial" panose="020B0604020202020204" pitchFamily="34" charset="0"/>
+              <a:buChar char="•"/>
+            </a:pPr>
+            <a:endParaRPr lang="en-US" sz="4400" baseline="30000" dirty="0">
+              <a:latin typeface="Franklin Gothic Book" panose="020B0503020102020204" pitchFamily="34" charset="0"/>
+              <a:cs typeface="Arial" panose="020B0604020202020204" pitchFamily="34" charset="0"/>
+            </a:endParaRPr>
+          </a:p>
+          <a:p>
+            <a:pPr marL="685800" indent="-685800">
+              <a:lnSpc>
+                <a:spcPct val="120000"/>
+              </a:lnSpc>
+              <a:buFont typeface="Arial" panose="020B0604020202020204" pitchFamily="34" charset="0"/>
+              <a:buChar char="•"/>
+            </a:pPr>
+            <a:endParaRPr lang="en-US" sz="4400" baseline="30000" dirty="0">
+              <a:latin typeface="Franklin Gothic Book" panose="020B0503020102020204" pitchFamily="34" charset="0"/>
+              <a:cs typeface="Arial" panose="020B0604020202020204" pitchFamily="34" charset="0"/>
+            </a:endParaRPr>
+          </a:p>
+          <a:p>
+            <a:pPr marL="685800" indent="-685800">
+              <a:lnSpc>
+                <a:spcPct val="120000"/>
+              </a:lnSpc>
+              <a:buFont typeface="Arial" panose="020B0604020202020204" pitchFamily="34" charset="0"/>
+              <a:buChar char="•"/>
+            </a:pPr>
+            <a:endParaRPr lang="en-US" sz="4400" baseline="30000" dirty="0">
+              <a:latin typeface="Franklin Gothic Book" panose="020B0503020102020204" pitchFamily="34" charset="0"/>
+              <a:cs typeface="Arial" panose="020B0604020202020204" pitchFamily="34" charset="0"/>
+            </a:endParaRPr>
+          </a:p>
+          <a:p>
+            <a:pPr marL="685800" indent="-685800">
+              <a:lnSpc>
+                <a:spcPct val="120000"/>
+              </a:lnSpc>
+              <a:buFont typeface="Arial" panose="020B0604020202020204" pitchFamily="34" charset="0"/>
+              <a:buChar char="•"/>
+            </a:pPr>
+            <a:endParaRPr lang="en-US" sz="4400" baseline="30000" dirty="0">
+              <a:latin typeface="Franklin Gothic Book" panose="020B0503020102020204" pitchFamily="34" charset="0"/>
+              <a:cs typeface="Arial" panose="020B0604020202020204" pitchFamily="34" charset="0"/>
+            </a:endParaRPr>
+          </a:p>
+          <a:p>
+            <a:pPr marL="685800" indent="-685800">
+              <a:lnSpc>
+                <a:spcPct val="120000"/>
+              </a:lnSpc>
+              <a:buFont typeface="Arial" panose="020B0604020202020204" pitchFamily="34" charset="0"/>
+              <a:buChar char="•"/>
+            </a:pPr>
+            <a:endParaRPr lang="en-US" sz="4400" baseline="30000" dirty="0">
+              <a:latin typeface="Franklin Gothic Book" panose="020B0503020102020204" pitchFamily="34" charset="0"/>
+              <a:cs typeface="Arial" panose="020B0604020202020204" pitchFamily="34" charset="0"/>
+            </a:endParaRPr>
+          </a:p>
+          <a:p>
+            <a:pPr marL="685800" indent="-685800">
+              <a:lnSpc>
+                <a:spcPct val="120000"/>
+              </a:lnSpc>
+              <a:buFont typeface="Arial" panose="020B0604020202020204" pitchFamily="34" charset="0"/>
+              <a:buChar char="•"/>
+            </a:pPr>
+            <a:endParaRPr lang="en-US" sz="4400" baseline="30000" dirty="0">
+              <a:latin typeface="Franklin Gothic Book" panose="020B0503020102020204" pitchFamily="34" charset="0"/>
+              <a:cs typeface="Arial" panose="020B0604020202020204" pitchFamily="34" charset="0"/>
+            </a:endParaRPr>
+          </a:p>
+          <a:p>
+            <a:pPr marL="685800" indent="-685800">
+              <a:lnSpc>
+                <a:spcPct val="120000"/>
+              </a:lnSpc>
+              <a:buFont typeface="Arial" panose="020B0604020202020204" pitchFamily="34" charset="0"/>
+              <a:buChar char="•"/>
+            </a:pPr>
+            <a:endParaRPr lang="en-US" sz="4400" baseline="30000" dirty="0">
+              <a:latin typeface="Franklin Gothic Book" panose="020B0503020102020204" pitchFamily="34" charset="0"/>
+              <a:cs typeface="Arial" panose="020B0604020202020204" pitchFamily="34" charset="0"/>
+            </a:endParaRPr>
+          </a:p>
+          <a:p>
+            <a:pPr marL="685800" indent="-685800">
+              <a:lnSpc>
+                <a:spcPct val="120000"/>
+              </a:lnSpc>
+              <a:buFont typeface="Arial" panose="020B0604020202020204" pitchFamily="34" charset="0"/>
+              <a:buChar char="•"/>
+            </a:pPr>
+            <a:endParaRPr lang="en-US" sz="4400" baseline="30000" dirty="0">
+              <a:latin typeface="Franklin Gothic Book" panose="020B0503020102020204" pitchFamily="34" charset="0"/>
+              <a:cs typeface="Arial" panose="020B0604020202020204" pitchFamily="34" charset="0"/>
+            </a:endParaRPr>
+          </a:p>
+          <a:p>
+            <a:pPr marL="685800" indent="-685800">
+              <a:lnSpc>
+                <a:spcPct val="120000"/>
+              </a:lnSpc>
+              <a:buFont typeface="Arial" panose="020B0604020202020204" pitchFamily="34" charset="0"/>
+              <a:buChar char="•"/>
+            </a:pPr>
+            <a:endParaRPr lang="en-US" sz="4400" baseline="30000" dirty="0">
+              <a:latin typeface="Franklin Gothic Book" panose="020B0503020102020204" pitchFamily="34" charset="0"/>
+              <a:cs typeface="Arial" panose="020B0604020202020204" pitchFamily="34" charset="0"/>
+            </a:endParaRPr>
+          </a:p>
+          <a:p>
+            <a:pPr marL="685800" indent="-685800">
+              <a:lnSpc>
+                <a:spcPct val="120000"/>
+              </a:lnSpc>
+              <a:buFont typeface="Arial" panose="020B0604020202020204" pitchFamily="34" charset="0"/>
+              <a:buChar char="•"/>
+            </a:pPr>
+            <a:r>
+              <a:rPr lang="en-US" sz="4400" dirty="0">
+                <a:latin typeface="Franklin Gothic Book" panose="020B0503020102020204" pitchFamily="34" charset="0"/>
                 <a:cs typeface="Arial" panose="020B0604020202020204" pitchFamily="34" charset="0"/>
               </a:rPr>
-              <a:t>You’re not going to get yelled at if you don’t cite the 5 papers from 1937 that defined this construct. They’ll download your paper if they want that.</a:t>
-            </a:r>
-          </a:p>
-          <a:p>
-            <a:pPr marL="571523" indent="-571523">
+              <a:t>Calculate multiple viewpoints on each note of a piece</a:t>
+            </a:r>
+          </a:p>
+          <a:p>
+            <a:pPr marL="685800" indent="-685800">
+              <a:lnSpc>
+                <a:spcPct val="120000"/>
+              </a:lnSpc>
+              <a:buFont typeface="Arial" panose="020B0604020202020204" pitchFamily="34" charset="0"/>
+              <a:buChar char="•"/>
+            </a:pPr>
+            <a:r>
+              <a:rPr lang="en-US" sz="4400" dirty="0">
+                <a:latin typeface="Franklin Gothic Book" panose="020B0503020102020204" pitchFamily="34" charset="0"/>
+                <a:cs typeface="Arial" panose="020B0604020202020204" pitchFamily="34" charset="0"/>
+              </a:rPr>
+              <a:t>We define </a:t>
+            </a:r>
+            <a:r>
+              <a:rPr lang="en-US" sz="4400" b="1" dirty="0">
+                <a:latin typeface="Franklin Gothic Book" panose="020B0503020102020204" pitchFamily="34" charset="0"/>
+                <a:cs typeface="Arial" panose="020B0604020202020204" pitchFamily="34" charset="0"/>
+              </a:rPr>
+              <a:t>similarity</a:t>
+            </a:r>
+            <a:r>
+              <a:rPr lang="en-US" sz="4400" dirty="0">
+                <a:latin typeface="Franklin Gothic Book" panose="020B0503020102020204" pitchFamily="34" charset="0"/>
+                <a:cs typeface="Arial" panose="020B0604020202020204" pitchFamily="34" charset="0"/>
+              </a:rPr>
+              <a:t> between two excerpts of music by comparing viewpoint sequences</a:t>
+            </a:r>
+          </a:p>
+          <a:p>
+            <a:pPr marL="685800" indent="-685800">
+              <a:lnSpc>
+                <a:spcPct val="120000"/>
+              </a:lnSpc>
+              <a:buFont typeface="Arial" panose="020B0604020202020204" pitchFamily="34" charset="0"/>
+              <a:buChar char="•"/>
+            </a:pPr>
+            <a:r>
+              <a:rPr lang="en-US" sz="4400" dirty="0">
+                <a:latin typeface="Franklin Gothic Book" panose="020B0503020102020204" pitchFamily="34" charset="0"/>
+                <a:cs typeface="Arial" panose="020B0604020202020204" pitchFamily="34" charset="0"/>
+              </a:rPr>
+              <a:t>Get similarity </a:t>
+            </a:r>
+            <a:r>
+              <a:rPr lang="en-US" sz="4400" b="1" dirty="0">
+                <a:latin typeface="Franklin Gothic Book" panose="020B0503020102020204" pitchFamily="34" charset="0"/>
+                <a:cs typeface="Arial" panose="020B0604020202020204" pitchFamily="34" charset="0"/>
+              </a:rPr>
+              <a:t>between all possible excerpts </a:t>
+            </a:r>
+            <a:r>
+              <a:rPr lang="en-US" sz="4400" dirty="0">
+                <a:latin typeface="Franklin Gothic Book" panose="020B0503020102020204" pitchFamily="34" charset="0"/>
+                <a:cs typeface="Arial" panose="020B0604020202020204" pitchFamily="34" charset="0"/>
+              </a:rPr>
+              <a:t>of a solo. Groups of similar excerpts are motifs</a:t>
+            </a:r>
+          </a:p>
+          <a:p>
+            <a:pPr marL="685800" indent="-685800">
+              <a:lnSpc>
+                <a:spcPct val="120000"/>
+              </a:lnSpc>
+              <a:buFont typeface="Arial" panose="020B0604020202020204" pitchFamily="34" charset="0"/>
+              <a:buChar char="•"/>
+            </a:pPr>
+            <a:endParaRPr lang="en-US" sz="4400" dirty="0">
+              <a:latin typeface="Franklin Gothic Book" panose="020B0503020102020204" pitchFamily="34" charset="0"/>
+              <a:cs typeface="Arial" panose="020B0604020202020204" pitchFamily="34" charset="0"/>
+            </a:endParaRPr>
+          </a:p>
+          <a:p>
+            <a:pPr marL="685800" indent="-685800">
+              <a:lnSpc>
+                <a:spcPct val="120000"/>
+              </a:lnSpc>
+              <a:buFont typeface="Arial" panose="020B0604020202020204" pitchFamily="34" charset="0"/>
+              <a:buChar char="•"/>
+            </a:pPr>
+            <a:endParaRPr lang="en-US" sz="4400" dirty="0">
+              <a:latin typeface="Franklin Gothic Book" panose="020B0503020102020204" pitchFamily="34" charset="0"/>
+              <a:cs typeface="Arial" panose="020B0604020202020204" pitchFamily="34" charset="0"/>
+            </a:endParaRPr>
+          </a:p>
+          <a:p>
+            <a:pPr>
+              <a:lnSpc>
+                <a:spcPct val="120000"/>
+              </a:lnSpc>
+            </a:pPr>
+            <a:endParaRPr lang="en-US" sz="4801" b="1" dirty="0">
+              <a:solidFill>
+                <a:srgbClr val="8C1616"/>
+              </a:solidFill>
+              <a:latin typeface="Franklin Gothic Book" panose="020B0503020102020204" pitchFamily="34" charset="0"/>
+              <a:cs typeface="Arial" panose="020B0604020202020204" pitchFamily="34" charset="0"/>
+            </a:endParaRPr>
+          </a:p>
+          <a:p>
+            <a:pPr>
+              <a:lnSpc>
+                <a:spcPct val="120000"/>
+              </a:lnSpc>
+            </a:pPr>
+            <a:endParaRPr lang="en-US" sz="4801" b="1" dirty="0">
+              <a:solidFill>
+                <a:srgbClr val="8C1616"/>
+              </a:solidFill>
+              <a:latin typeface="Franklin Gothic Book" panose="020B0503020102020204" pitchFamily="34" charset="0"/>
+              <a:cs typeface="Arial" panose="020B0604020202020204" pitchFamily="34" charset="0"/>
+            </a:endParaRPr>
+          </a:p>
+          <a:p>
+            <a:pPr marL="685800" indent="-685800">
               <a:lnSpc>
                 <a:spcPct val="120000"/>
               </a:lnSpc>
@@ -3105,76 +3504,10 @@
               <a:buChar char="•"/>
             </a:pPr>
             <a:endParaRPr lang="en-US" sz="4801" b="1" dirty="0">
-              <a:latin typeface="Lato" panose="020F0502020204030203" pitchFamily="34" charset="0"/>
-              <a:cs typeface="Arial" panose="020B0604020202020204" pitchFamily="34" charset="0"/>
-            </a:endParaRPr>
-          </a:p>
-          <a:p>
-            <a:pPr>
-              <a:lnSpc>
-                <a:spcPct val="120000"/>
-              </a:lnSpc>
-            </a:pPr>
-            <a:r>
-              <a:rPr lang="en-US" sz="4801" b="1" dirty="0">
-                <a:solidFill>
-                  <a:srgbClr val="8C1616"/>
-                </a:solidFill>
-                <a:latin typeface="Lato Black" panose="020F0A02020204030203" pitchFamily="34" charset="0"/>
-                <a:cs typeface="Arial" panose="020B0604020202020204" pitchFamily="34" charset="0"/>
-              </a:rPr>
-              <a:t>METHODS</a:t>
-            </a:r>
-          </a:p>
-          <a:p>
-            <a:pPr marL="742980" indent="-742980">
-              <a:lnSpc>
-                <a:spcPct val="120000"/>
-              </a:lnSpc>
-              <a:buFont typeface="+mj-lt"/>
-              <a:buAutoNum type="arabicPeriod"/>
-            </a:pPr>
-            <a:r>
-              <a:rPr lang="en-US" sz="4801" dirty="0">
-                <a:latin typeface="Lato" panose="020F0502020204030203" pitchFamily="34" charset="0"/>
-                <a:cs typeface="Arial" panose="020B0604020202020204" pitchFamily="34" charset="0"/>
-              </a:rPr>
-              <a:t>N = ###, </a:t>
-            </a:r>
-          </a:p>
-          <a:p>
-            <a:pPr marL="742980" indent="-742980">
-              <a:lnSpc>
-                <a:spcPct val="120000"/>
-              </a:lnSpc>
-              <a:buFont typeface="+mj-lt"/>
-              <a:buAutoNum type="arabicPeriod"/>
-            </a:pPr>
-            <a:r>
-              <a:rPr lang="en-US" sz="4801" dirty="0">
-                <a:latin typeface="Lato" panose="020F0502020204030203" pitchFamily="34" charset="0"/>
-                <a:cs typeface="Arial" panose="020B0604020202020204" pitchFamily="34" charset="0"/>
-              </a:rPr>
-              <a:t>Collected this</a:t>
-            </a:r>
-          </a:p>
-          <a:p>
-            <a:pPr marL="742980" indent="-742980">
-              <a:lnSpc>
-                <a:spcPct val="120000"/>
-              </a:lnSpc>
-              <a:buFont typeface="+mj-lt"/>
-              <a:buAutoNum type="arabicPeriod"/>
-            </a:pPr>
-            <a:r>
-              <a:rPr lang="en-US" sz="4801" dirty="0">
-                <a:latin typeface="Lato" panose="020F0502020204030203" pitchFamily="34" charset="0"/>
-                <a:cs typeface="Arial" panose="020B0604020202020204" pitchFamily="34" charset="0"/>
-              </a:rPr>
-              <a:t>Tested with X statistical test</a:t>
-            </a:r>
-            <a:endParaRPr lang="en-US" sz="4801" b="1" dirty="0">
-              <a:latin typeface="Lato" panose="020F0502020204030203" pitchFamily="34" charset="0"/>
+              <a:solidFill>
+                <a:srgbClr val="8C1616"/>
+              </a:solidFill>
+              <a:latin typeface="Franklin Gothic Book" panose="020B0503020102020204" pitchFamily="34" charset="0"/>
               <a:cs typeface="Arial" panose="020B0604020202020204" pitchFamily="34" charset="0"/>
             </a:endParaRPr>
           </a:p>
@@ -3194,7 +3527,7 @@
         </p:nvSpPr>
         <p:spPr>
           <a:xfrm>
-            <a:off x="0" y="6866602"/>
+            <a:off x="0" y="5354080"/>
             <a:ext cx="32004000" cy="6120502"/>
           </a:xfrm>
           <a:prstGeom prst="rect">
@@ -3272,7 +3605,7 @@
         </p:nvSpPr>
         <p:spPr>
           <a:xfrm>
-            <a:off x="1643044" y="7300035"/>
+            <a:off x="1643044" y="5920626"/>
             <a:ext cx="28717912" cy="4491871"/>
           </a:xfrm>
           <a:prstGeom prst="rect">
@@ -3346,7 +3679,7 @@
             </a:pPr>
             <a:r>
               <a:rPr lang="en-US" sz="4801" b="1" dirty="0">
-                <a:latin typeface="Lato Black" panose="020F0A02020204030203" pitchFamily="34" charset="0"/>
+                <a:latin typeface="Franklin Gothic Book" panose="020B0503020102020204" pitchFamily="34" charset="0"/>
                 <a:cs typeface="Arial" panose="020B0604020202020204" pitchFamily="34" charset="0"/>
               </a:rPr>
               <a:t>RESULTS</a:t>
@@ -3362,7 +3695,7 @@
             </a:pPr>
             <a:r>
               <a:rPr lang="en-US" sz="4801" dirty="0">
-                <a:latin typeface="Lato" panose="020F0502020204030203" pitchFamily="34" charset="0"/>
+                <a:latin typeface="Franklin Gothic Book" panose="020B0503020102020204" pitchFamily="34" charset="0"/>
                 <a:cs typeface="Arial" panose="020B0604020202020204" pitchFamily="34" charset="0"/>
               </a:rPr>
               <a:t>Graph or table with essential results only.</a:t>
@@ -3378,7 +3711,7 @@
             </a:pPr>
             <a:r>
               <a:rPr lang="en-US" sz="4801" dirty="0">
-                <a:latin typeface="Lato" panose="020F0502020204030203" pitchFamily="34" charset="0"/>
+                <a:latin typeface="Franklin Gothic Book" panose="020B0503020102020204" pitchFamily="34" charset="0"/>
                 <a:cs typeface="Arial" panose="020B0604020202020204" pitchFamily="34" charset="0"/>
               </a:rPr>
               <a:t>All the other correlations in the ammo bar.</a:t>
@@ -3391,7 +3724,7 @@
               </a:lnSpc>
             </a:pPr>
             <a:endParaRPr lang="en-US" sz="4801" dirty="0">
-              <a:latin typeface="Lato" panose="020F0502020204030203" pitchFamily="34" charset="0"/>
+              <a:latin typeface="Franklin Gothic Book" panose="020B0503020102020204" pitchFamily="34" charset="0"/>
               <a:cs typeface="Arial" panose="020B0604020202020204" pitchFamily="34" charset="0"/>
             </a:endParaRPr>
           </a:p>
@@ -3402,7 +3735,7 @@
               </a:lnSpc>
             </a:pPr>
             <a:endParaRPr lang="en-US" sz="4801" dirty="0">
-              <a:latin typeface="Lato" panose="020F0502020204030203" pitchFamily="34" charset="0"/>
+              <a:latin typeface="Franklin Gothic Book" panose="020B0503020102020204" pitchFamily="34" charset="0"/>
               <a:cs typeface="Arial" panose="020B0604020202020204" pitchFamily="34" charset="0"/>
             </a:endParaRPr>
           </a:p>
@@ -3414,7 +3747,7 @@
             </a:pPr>
             <a:r>
               <a:rPr lang="en-US" sz="4801" dirty="0">
-                <a:latin typeface="Lato Black" panose="020F0A02020204030203" pitchFamily="34" charset="0"/>
+                <a:latin typeface="Franklin Gothic Book" panose="020B0503020102020204" pitchFamily="34" charset="0"/>
                 <a:cs typeface="Arial" panose="020B0604020202020204" pitchFamily="34" charset="0"/>
               </a:rPr>
               <a:t>DISCUSSION</a:t>
@@ -3430,13 +3763,13 @@
             </a:pPr>
             <a:r>
               <a:rPr lang="en-US" sz="4801" dirty="0">
-                <a:latin typeface="Lato" panose="020F0502020204030203" pitchFamily="34" charset="0"/>
+                <a:latin typeface="Franklin Gothic Book" panose="020B0503020102020204" pitchFamily="34" charset="0"/>
                 <a:cs typeface="Arial" panose="020B0604020202020204" pitchFamily="34" charset="0"/>
               </a:rPr>
               <a:t>“If this result actually generalized and I didn’t have to humbly disclaim the possibility of a thousand confounds and limitations, it would imply that….”</a:t>
             </a:r>
             <a:endParaRPr lang="en-US" sz="4801" b="1" dirty="0">
-              <a:latin typeface="Lato" panose="020F0502020204030203" pitchFamily="34" charset="0"/>
+              <a:latin typeface="Franklin Gothic Book" panose="020B0503020102020204" pitchFamily="34" charset="0"/>
               <a:cs typeface="Arial" panose="020B0604020202020204" pitchFamily="34" charset="0"/>
             </a:endParaRPr>
           </a:p>
@@ -3447,7 +3780,7 @@
               </a:lnSpc>
             </a:pPr>
             <a:endParaRPr lang="en-US" sz="4801" dirty="0">
-              <a:latin typeface="Lato" panose="020F0502020204030203" pitchFamily="34" charset="0"/>
+              <a:latin typeface="Franklin Gothic Book" panose="020B0503020102020204" pitchFamily="34" charset="0"/>
               <a:cs typeface="Arial" panose="020B0604020202020204" pitchFamily="34" charset="0"/>
             </a:endParaRPr>
           </a:p>
@@ -3464,7 +3797,7 @@
                     <a:lumMod val="85000"/>
                   </a:schemeClr>
                 </a:solidFill>
-                <a:latin typeface="Lato" panose="020F0502020204030203" pitchFamily="34" charset="0"/>
+                <a:latin typeface="Franklin Gothic Book" panose="020B0503020102020204" pitchFamily="34" charset="0"/>
                 <a:cs typeface="Arial" panose="020B0604020202020204" pitchFamily="34" charset="0"/>
               </a:rPr>
               <a:t>Keep font size as high above 28 as possible</a:t>
@@ -3474,7 +3807,7 @@
                 <a:solidFill>
                   <a:srgbClr val="FF0000"/>
                 </a:solidFill>
-                <a:latin typeface="Lato" panose="020F0502020204030203" pitchFamily="34" charset="0"/>
+                <a:latin typeface="Franklin Gothic Book" panose="020B0503020102020204" pitchFamily="34" charset="0"/>
                 <a:cs typeface="Arial" panose="020B0604020202020204" pitchFamily="34" charset="0"/>
               </a:rPr>
               <a:t>.</a:t>
@@ -3491,7 +3824,9 @@
               </a:ext>
             </a:extLst>
           </p:cNvPr>
-          <p:cNvCxnSpPr/>
+          <p:cNvCxnSpPr>
+            <a:cxnSpLocks/>
+          </p:cNvCxnSpPr>
           <p:nvPr/>
         </p:nvCxnSpPr>
         <p:spPr>
@@ -3685,51 +4020,6 @@
           </a:p>
         </p:txBody>
       </p:sp>
-      <p:cxnSp>
-        <p:nvCxnSpPr>
-          <p:cNvPr id="26" name="Straight Arrow Connector 25">
-            <a:extLst>
-              <a:ext uri="{FF2B5EF4-FFF2-40B4-BE49-F238E27FC236}">
-                <a16:creationId xmlns:a16="http://schemas.microsoft.com/office/drawing/2014/main" id="{7E1F5EAE-59CA-46D9-9A9D-745B1B6F3025}"/>
-              </a:ext>
-            </a:extLst>
-          </p:cNvPr>
-          <p:cNvCxnSpPr>
-            <a:cxnSpLocks/>
-          </p:cNvCxnSpPr>
-          <p:nvPr/>
-        </p:nvCxnSpPr>
-        <p:spPr>
-          <a:xfrm>
-            <a:off x="21469180" y="38761671"/>
-            <a:ext cx="4215662" cy="0"/>
-          </a:xfrm>
-          <a:prstGeom prst="straightConnector1">
-            <a:avLst/>
-          </a:prstGeom>
-          <a:ln w="66675">
-            <a:solidFill>
-              <a:srgbClr val="80DEEA"/>
-            </a:solidFill>
-            <a:prstDash val="sysDot"/>
-            <a:tailEnd type="triangle"/>
-          </a:ln>
-        </p:spPr>
-        <p:style>
-          <a:lnRef idx="1">
-            <a:schemeClr val="accent1"/>
-          </a:lnRef>
-          <a:fillRef idx="0">
-            <a:schemeClr val="accent1"/>
-          </a:fillRef>
-          <a:effectRef idx="0">
-            <a:schemeClr val="accent1"/>
-          </a:effectRef>
-          <a:fontRef idx="minor">
-            <a:schemeClr val="tx1"/>
-          </a:fontRef>
-        </p:style>
-      </p:cxnSp>
       <p:sp>
         <p:nvSpPr>
           <p:cNvPr id="32" name="TextBox 31">
@@ -3744,8 +4034,8 @@
         </p:nvSpPr>
         <p:spPr>
           <a:xfrm>
-            <a:off x="1643044" y="3631394"/>
-            <a:ext cx="10543314" cy="923330"/>
+            <a:off x="1643044" y="3486515"/>
+            <a:ext cx="10731836" cy="1754326"/>
           </a:xfrm>
           <a:prstGeom prst="rect">
             <a:avLst/>
@@ -3763,7 +4053,16 @@
                 <a:latin typeface="Franklin Gothic Book" panose="020B0503020102020204" pitchFamily="34" charset="0"/>
                 <a:cs typeface="Lato" panose="020F0502020204030203" pitchFamily="34" charset="0"/>
               </a:rPr>
-              <a:t>Timothy de Reuse, Jonathan Orland</a:t>
+              <a:t>Timothy de Reuse</a:t>
+            </a:r>
+          </a:p>
+          <a:p>
+            <a:r>
+              <a:rPr lang="en-US" sz="5400" dirty="0">
+                <a:latin typeface="Franklin Gothic Book" panose="020B0503020102020204" pitchFamily="34" charset="0"/>
+                <a:cs typeface="Lato" panose="020F0502020204030203" pitchFamily="34" charset="0"/>
+              </a:rPr>
+              <a:t>Jonathan Orland</a:t>
             </a:r>
           </a:p>
         </p:txBody>
@@ -3782,8 +4081,8 @@
         </p:nvSpPr>
         <p:spPr>
           <a:xfrm>
-            <a:off x="1643044" y="4724859"/>
-            <a:ext cx="18077516" cy="1754326"/>
+            <a:off x="7699188" y="3486515"/>
+            <a:ext cx="12020891" cy="1754326"/>
           </a:xfrm>
           <a:prstGeom prst="rect">
             <a:avLst/>
@@ -3797,7 +4096,7 @@
           <a:lstStyle/>
           <a:p>
             <a:r>
-              <a:rPr lang="en-US" sz="5400" b="1" dirty="0">
+              <a:rPr lang="en-US" sz="5400" dirty="0">
                 <a:latin typeface="Consolas" panose="020B0609020204030204" pitchFamily="49" charset="0"/>
                 <a:cs typeface="Courier New" panose="02070309020205020404" pitchFamily="49" charset="0"/>
               </a:rPr>
@@ -3834,14 +4133,3095 @@
         </p:blipFill>
         <p:spPr>
           <a:xfrm>
-            <a:off x="302968" y="40560561"/>
-            <a:ext cx="17101112" cy="2845761"/>
+            <a:off x="22207366" y="780753"/>
+            <a:ext cx="9187037" cy="1528796"/>
           </a:xfrm>
           <a:prstGeom prst="rect">
             <a:avLst/>
           </a:prstGeom>
         </p:spPr>
       </p:pic>
+      <p:sp>
+        <p:nvSpPr>
+          <p:cNvPr id="15" name="TextBox 14">
+            <a:extLst>
+              <a:ext uri="{FF2B5EF4-FFF2-40B4-BE49-F238E27FC236}">
+                <a16:creationId xmlns:a16="http://schemas.microsoft.com/office/drawing/2014/main" id="{244F735F-4C56-433B-89C5-AD9AA4B84F0E}"/>
+              </a:ext>
+            </a:extLst>
+          </p:cNvPr>
+          <p:cNvSpPr txBox="1"/>
+          <p:nvPr/>
+        </p:nvSpPr>
+        <p:spPr>
+          <a:xfrm>
+            <a:off x="302968" y="40725496"/>
+            <a:ext cx="29841751" cy="2554545"/>
+          </a:xfrm>
+          <a:prstGeom prst="rect">
+            <a:avLst/>
+          </a:prstGeom>
+          <a:noFill/>
+        </p:spPr>
+        <p:txBody>
+          <a:bodyPr wrap="square">
+            <a:spAutoFit/>
+          </a:bodyPr>
+          <a:lstStyle/>
+          <a:p>
+            <a:r>
+              <a:rPr lang="en-US" sz="4000" dirty="0"/>
+              <a:t>¹ Hamilton, Andy, and Lee Konitz. “Lee Konitz: Conversations on </a:t>
+            </a:r>
+            <a:r>
+              <a:rPr lang="en-US" sz="4000" dirty="0">
+                <a:latin typeface="Franklin Gothic Book" panose="020B0503020102020204" pitchFamily="34" charset="0"/>
+              </a:rPr>
+              <a:t>the</a:t>
+            </a:r>
+            <a:r>
+              <a:rPr lang="en-US" sz="4000" dirty="0"/>
+              <a:t> Improviser’s Art.” University of Michigan Press, 2007.</a:t>
+            </a:r>
+          </a:p>
+          <a:p>
+            <a:r>
+              <a:rPr lang="en-US" sz="4000" baseline="30000" dirty="0"/>
+              <a:t>2</a:t>
+            </a:r>
+            <a:r>
+              <a:rPr lang="en-US" sz="4000" dirty="0"/>
+              <a:t> </a:t>
+            </a:r>
+            <a:r>
+              <a:rPr lang="en-US" sz="4000" dirty="0">
+                <a:effectLst/>
+              </a:rPr>
+              <a:t>Conklin, Darrell, and Christina </a:t>
+            </a:r>
+            <a:r>
+              <a:rPr lang="en-US" sz="4000" dirty="0" err="1">
+                <a:effectLst/>
+              </a:rPr>
+              <a:t>Anagnostopoulous</a:t>
+            </a:r>
+            <a:r>
+              <a:rPr lang="en-US" sz="4000" dirty="0">
+                <a:effectLst/>
+              </a:rPr>
+              <a:t>. “Representation and Discovery of Multiple Viewpoint Patterns.” In </a:t>
+            </a:r>
+            <a:r>
+              <a:rPr lang="en-US" sz="4000" i="1" dirty="0">
+                <a:effectLst/>
+              </a:rPr>
+              <a:t>Proc. of the </a:t>
+            </a:r>
+            <a:r>
+              <a:rPr lang="en-US" sz="4000" i="1" dirty="0"/>
+              <a:t>Int.</a:t>
+            </a:r>
+            <a:r>
+              <a:rPr lang="en-US" sz="4000" i="1" dirty="0">
+                <a:effectLst/>
+              </a:rPr>
+              <a:t> 			Computer Music Conf</a:t>
+            </a:r>
+            <a:r>
+              <a:rPr lang="en-US" sz="4000" dirty="0">
+                <a:effectLst/>
+              </a:rPr>
+              <a:t>. Havana, Cuba. 2001.</a:t>
+            </a:r>
+          </a:p>
+          <a:p>
+            <a:endParaRPr lang="en-US" sz="4000" dirty="0"/>
+          </a:p>
+        </p:txBody>
+      </p:sp>
+      <p:pic>
+        <p:nvPicPr>
+          <p:cNvPr id="8" name="Picture 7">
+            <a:extLst>
+              <a:ext uri="{FF2B5EF4-FFF2-40B4-BE49-F238E27FC236}">
+                <a16:creationId xmlns:a16="http://schemas.microsoft.com/office/drawing/2014/main" id="{41B3E2B6-1985-4FBC-9BAF-E454EE0BF6AF}"/>
+              </a:ext>
+            </a:extLst>
+          </p:cNvPr>
+          <p:cNvPicPr>
+            <a:picLocks noChangeAspect="1"/>
+          </p:cNvPicPr>
+          <p:nvPr/>
+        </p:nvPicPr>
+        <p:blipFill>
+          <a:blip r:embed="rId3"/>
+          <a:stretch>
+            <a:fillRect/>
+          </a:stretch>
+        </p:blipFill>
+        <p:spPr>
+          <a:xfrm>
+            <a:off x="935666" y="27857389"/>
+            <a:ext cx="9707708" cy="1777168"/>
+          </a:xfrm>
+          <a:prstGeom prst="rect">
+            <a:avLst/>
+          </a:prstGeom>
+        </p:spPr>
+      </p:pic>
+      <p:graphicFrame>
+        <p:nvGraphicFramePr>
+          <p:cNvPr id="22" name="Table 21">
+            <a:extLst>
+              <a:ext uri="{FF2B5EF4-FFF2-40B4-BE49-F238E27FC236}">
+                <a16:creationId xmlns:a16="http://schemas.microsoft.com/office/drawing/2014/main" id="{4DEDE27B-96EB-4D56-93AF-E45A8D723978}"/>
+              </a:ext>
+            </a:extLst>
+          </p:cNvPr>
+          <p:cNvGraphicFramePr>
+            <a:graphicFrameLocks noGrp="1"/>
+          </p:cNvGraphicFramePr>
+          <p:nvPr>
+            <p:extLst>
+              <p:ext uri="{D42A27DB-BD31-4B8C-83A1-F6EECF244321}">
+                <p14:modId xmlns:p14="http://schemas.microsoft.com/office/powerpoint/2010/main" val="4006477332"/>
+              </p:ext>
+            </p:extLst>
+          </p:nvPr>
+        </p:nvGraphicFramePr>
+        <p:xfrm>
+          <a:off x="1643044" y="29752852"/>
+          <a:ext cx="8292953" cy="4157407"/>
+        </p:xfrm>
+        <a:graphic>
+          <a:graphicData uri="http://schemas.openxmlformats.org/drawingml/2006/table">
+            <a:tbl>
+              <a:tblPr>
+                <a:tableStyleId>{7E9639D4-E3E2-4D34-9284-5A2195B3D0D7}</a:tableStyleId>
+              </a:tblPr>
+              <a:tblGrid>
+                <a:gridCol w="2781259">
+                  <a:extLst>
+                    <a:ext uri="{9D8B030D-6E8A-4147-A177-3AD203B41FA5}">
+                      <a16:colId xmlns:a16="http://schemas.microsoft.com/office/drawing/2014/main" val="845466231"/>
+                    </a:ext>
+                  </a:extLst>
+                </a:gridCol>
+                <a:gridCol w="40691">
+                  <a:extLst>
+                    <a:ext uri="{9D8B030D-6E8A-4147-A177-3AD203B41FA5}">
+                      <a16:colId xmlns:a16="http://schemas.microsoft.com/office/drawing/2014/main" val="1230174855"/>
+                    </a:ext>
+                  </a:extLst>
+                </a:gridCol>
+                <a:gridCol w="748674">
+                  <a:extLst>
+                    <a:ext uri="{9D8B030D-6E8A-4147-A177-3AD203B41FA5}">
+                      <a16:colId xmlns:a16="http://schemas.microsoft.com/office/drawing/2014/main" val="3052076100"/>
+                    </a:ext>
+                  </a:extLst>
+                </a:gridCol>
+                <a:gridCol w="795468">
+                  <a:extLst>
+                    <a:ext uri="{9D8B030D-6E8A-4147-A177-3AD203B41FA5}">
+                      <a16:colId xmlns:a16="http://schemas.microsoft.com/office/drawing/2014/main" val="1501266373"/>
+                    </a:ext>
+                  </a:extLst>
+                </a:gridCol>
+                <a:gridCol w="748674">
+                  <a:extLst>
+                    <a:ext uri="{9D8B030D-6E8A-4147-A177-3AD203B41FA5}">
+                      <a16:colId xmlns:a16="http://schemas.microsoft.com/office/drawing/2014/main" val="547812076"/>
+                    </a:ext>
+                  </a:extLst>
+                </a:gridCol>
+                <a:gridCol w="748674">
+                  <a:extLst>
+                    <a:ext uri="{9D8B030D-6E8A-4147-A177-3AD203B41FA5}">
+                      <a16:colId xmlns:a16="http://schemas.microsoft.com/office/drawing/2014/main" val="1458249002"/>
+                    </a:ext>
+                  </a:extLst>
+                </a:gridCol>
+                <a:gridCol w="748674">
+                  <a:extLst>
+                    <a:ext uri="{9D8B030D-6E8A-4147-A177-3AD203B41FA5}">
+                      <a16:colId xmlns:a16="http://schemas.microsoft.com/office/drawing/2014/main" val="4220780769"/>
+                    </a:ext>
+                  </a:extLst>
+                </a:gridCol>
+                <a:gridCol w="748674">
+                  <a:extLst>
+                    <a:ext uri="{9D8B030D-6E8A-4147-A177-3AD203B41FA5}">
+                      <a16:colId xmlns:a16="http://schemas.microsoft.com/office/drawing/2014/main" val="658457224"/>
+                    </a:ext>
+                  </a:extLst>
+                </a:gridCol>
+                <a:gridCol w="932165">
+                  <a:extLst>
+                    <a:ext uri="{9D8B030D-6E8A-4147-A177-3AD203B41FA5}">
+                      <a16:colId xmlns:a16="http://schemas.microsoft.com/office/drawing/2014/main" val="215376952"/>
+                    </a:ext>
+                  </a:extLst>
+                </a:gridCol>
+              </a:tblGrid>
+              <a:tr h="345131">
+                <a:tc rowSpan="2">
+                  <a:txBody>
+                    <a:bodyPr/>
+                    <a:lstStyle/>
+                    <a:p>
+                      <a:pPr algn="ctr" fontAlgn="b"/>
+                      <a:r>
+                        <a:rPr lang="en-CA" sz="2400" b="1" u="none" strike="noStrike" dirty="0">
+                          <a:effectLst/>
+                        </a:rPr>
+                        <a:t>Viewpoint</a:t>
+                      </a:r>
+                      <a:endParaRPr lang="en-CA" sz="2400" b="1" i="0" u="none" strike="noStrike" dirty="0">
+                        <a:solidFill>
+                          <a:srgbClr val="000000"/>
+                        </a:solidFill>
+                        <a:effectLst/>
+                        <a:latin typeface="Consolas" panose="020B0609020204030204" pitchFamily="49" charset="0"/>
+                      </a:endParaRPr>
+                    </a:p>
+                  </a:txBody>
+                  <a:tcPr marL="7620" marR="7620" marT="7620" marB="0" anchor="b">
+                    <a:lnR w="12700" cap="flat" cmpd="sng" algn="ctr">
+                      <a:solidFill>
+                        <a:schemeClr val="tx1"/>
+                      </a:solidFill>
+                      <a:prstDash val="solid"/>
+                      <a:round/>
+                      <a:headEnd type="none" w="med" len="med"/>
+                      <a:tailEnd type="none" w="med" len="med"/>
+                    </a:lnR>
+                    <a:lnB w="12700" cap="flat" cmpd="sng" algn="ctr">
+                      <a:solidFill>
+                        <a:schemeClr val="tx1"/>
+                      </a:solidFill>
+                      <a:prstDash val="solid"/>
+                      <a:round/>
+                      <a:headEnd type="none" w="med" len="med"/>
+                      <a:tailEnd type="none" w="med" len="med"/>
+                    </a:lnB>
+                  </a:tcPr>
+                </a:tc>
+                <a:tc gridSpan="8">
+                  <a:txBody>
+                    <a:bodyPr/>
+                    <a:lstStyle/>
+                    <a:p>
+                      <a:pPr algn="ctr" fontAlgn="b"/>
+                      <a:r>
+                        <a:rPr lang="en-US" sz="2400" b="1" i="0" u="none" strike="noStrike" dirty="0">
+                          <a:solidFill>
+                            <a:srgbClr val="000000"/>
+                          </a:solidFill>
+                          <a:effectLst/>
+                          <a:latin typeface="Consolas" panose="020B0609020204030204" pitchFamily="49" charset="0"/>
+                        </a:rPr>
+                        <a:t>Note #</a:t>
+                      </a:r>
+                      <a:endParaRPr lang="en-CA" sz="2400" b="1" i="0" u="none" strike="noStrike" dirty="0">
+                        <a:solidFill>
+                          <a:srgbClr val="000000"/>
+                        </a:solidFill>
+                        <a:effectLst/>
+                        <a:latin typeface="Consolas" panose="020B0609020204030204" pitchFamily="49" charset="0"/>
+                      </a:endParaRPr>
+                    </a:p>
+                  </a:txBody>
+                  <a:tcPr marL="7620" marR="7620" marT="7620" marB="0" anchor="b">
+                    <a:lnL w="12700" cap="flat" cmpd="sng" algn="ctr">
+                      <a:solidFill>
+                        <a:schemeClr val="tx1"/>
+                      </a:solidFill>
+                      <a:prstDash val="solid"/>
+                      <a:round/>
+                      <a:headEnd type="none" w="med" len="med"/>
+                      <a:tailEnd type="none" w="med" len="med"/>
+                    </a:lnL>
+                    <a:lnB w="12700" cap="flat" cmpd="sng" algn="ctr">
+                      <a:noFill/>
+                      <a:prstDash val="solid"/>
+                      <a:round/>
+                      <a:headEnd type="none" w="med" len="med"/>
+                      <a:tailEnd type="none" w="med" len="med"/>
+                    </a:lnB>
+                  </a:tcPr>
+                </a:tc>
+                <a:tc hMerge="1">
+                  <a:txBody>
+                    <a:bodyPr/>
+                    <a:lstStyle/>
+                    <a:p>
+                      <a:endParaRPr lang="en-CA"/>
+                    </a:p>
+                  </a:txBody>
+                  <a:tcPr/>
+                </a:tc>
+                <a:tc hMerge="1">
+                  <a:txBody>
+                    <a:bodyPr/>
+                    <a:lstStyle/>
+                    <a:p>
+                      <a:pPr algn="l" fontAlgn="b"/>
+                      <a:endParaRPr lang="en-CA" sz="2400" b="1" i="0" u="none" strike="noStrike" dirty="0">
+                        <a:solidFill>
+                          <a:srgbClr val="000000"/>
+                        </a:solidFill>
+                        <a:effectLst/>
+                        <a:latin typeface="Consolas" panose="020B0609020204030204" pitchFamily="49" charset="0"/>
+                      </a:endParaRPr>
+                    </a:p>
+                  </a:txBody>
+                  <a:tcPr marL="7620" marR="7620" marT="7620" marB="0" anchor="b">
+                    <a:lnB w="12700" cap="flat" cmpd="sng" algn="ctr">
+                      <a:solidFill>
+                        <a:schemeClr val="tx1"/>
+                      </a:solidFill>
+                      <a:prstDash val="solid"/>
+                      <a:round/>
+                      <a:headEnd type="none" w="med" len="med"/>
+                      <a:tailEnd type="none" w="med" len="med"/>
+                    </a:lnB>
+                  </a:tcPr>
+                </a:tc>
+                <a:tc hMerge="1">
+                  <a:txBody>
+                    <a:bodyPr/>
+                    <a:lstStyle/>
+                    <a:p>
+                      <a:pPr algn="l" fontAlgn="b"/>
+                      <a:endParaRPr lang="en-CA" sz="2400" b="1" i="0" u="none" strike="noStrike" dirty="0">
+                        <a:solidFill>
+                          <a:srgbClr val="000000"/>
+                        </a:solidFill>
+                        <a:effectLst/>
+                        <a:latin typeface="Consolas" panose="020B0609020204030204" pitchFamily="49" charset="0"/>
+                      </a:endParaRPr>
+                    </a:p>
+                  </a:txBody>
+                  <a:tcPr marL="7620" marR="7620" marT="7620" marB="0" anchor="b">
+                    <a:lnB w="12700" cap="flat" cmpd="sng" algn="ctr">
+                      <a:solidFill>
+                        <a:schemeClr val="tx1"/>
+                      </a:solidFill>
+                      <a:prstDash val="solid"/>
+                      <a:round/>
+                      <a:headEnd type="none" w="med" len="med"/>
+                      <a:tailEnd type="none" w="med" len="med"/>
+                    </a:lnB>
+                  </a:tcPr>
+                </a:tc>
+                <a:tc hMerge="1">
+                  <a:txBody>
+                    <a:bodyPr/>
+                    <a:lstStyle/>
+                    <a:p>
+                      <a:pPr algn="l" fontAlgn="b"/>
+                      <a:endParaRPr lang="en-CA" sz="2400" b="1" i="0" u="none" strike="noStrike" dirty="0">
+                        <a:solidFill>
+                          <a:srgbClr val="000000"/>
+                        </a:solidFill>
+                        <a:effectLst/>
+                        <a:latin typeface="Consolas" panose="020B0609020204030204" pitchFamily="49" charset="0"/>
+                      </a:endParaRPr>
+                    </a:p>
+                  </a:txBody>
+                  <a:tcPr marL="7620" marR="7620" marT="7620" marB="0" anchor="b">
+                    <a:lnB w="12700" cap="flat" cmpd="sng" algn="ctr">
+                      <a:solidFill>
+                        <a:schemeClr val="tx1"/>
+                      </a:solidFill>
+                      <a:prstDash val="solid"/>
+                      <a:round/>
+                      <a:headEnd type="none" w="med" len="med"/>
+                      <a:tailEnd type="none" w="med" len="med"/>
+                    </a:lnB>
+                  </a:tcPr>
+                </a:tc>
+                <a:tc hMerge="1">
+                  <a:txBody>
+                    <a:bodyPr/>
+                    <a:lstStyle/>
+                    <a:p>
+                      <a:pPr algn="l" fontAlgn="b"/>
+                      <a:endParaRPr lang="en-CA" sz="2400" b="1" i="0" u="none" strike="noStrike" dirty="0">
+                        <a:solidFill>
+                          <a:srgbClr val="000000"/>
+                        </a:solidFill>
+                        <a:effectLst/>
+                        <a:latin typeface="Consolas" panose="020B0609020204030204" pitchFamily="49" charset="0"/>
+                      </a:endParaRPr>
+                    </a:p>
+                  </a:txBody>
+                  <a:tcPr marL="7620" marR="7620" marT="7620" marB="0" anchor="b">
+                    <a:lnB w="12700" cap="flat" cmpd="sng" algn="ctr">
+                      <a:solidFill>
+                        <a:schemeClr val="tx1"/>
+                      </a:solidFill>
+                      <a:prstDash val="solid"/>
+                      <a:round/>
+                      <a:headEnd type="none" w="med" len="med"/>
+                      <a:tailEnd type="none" w="med" len="med"/>
+                    </a:lnB>
+                  </a:tcPr>
+                </a:tc>
+                <a:tc hMerge="1">
+                  <a:txBody>
+                    <a:bodyPr/>
+                    <a:lstStyle/>
+                    <a:p>
+                      <a:pPr algn="l" fontAlgn="b"/>
+                      <a:endParaRPr lang="en-CA" sz="2400" b="1" i="0" u="none" strike="noStrike" dirty="0">
+                        <a:solidFill>
+                          <a:srgbClr val="000000"/>
+                        </a:solidFill>
+                        <a:effectLst/>
+                        <a:latin typeface="Consolas" panose="020B0609020204030204" pitchFamily="49" charset="0"/>
+                      </a:endParaRPr>
+                    </a:p>
+                  </a:txBody>
+                  <a:tcPr marL="7620" marR="7620" marT="7620" marB="0" anchor="b">
+                    <a:lnB w="12700" cap="flat" cmpd="sng" algn="ctr">
+                      <a:solidFill>
+                        <a:schemeClr val="tx1"/>
+                      </a:solidFill>
+                      <a:prstDash val="solid"/>
+                      <a:round/>
+                      <a:headEnd type="none" w="med" len="med"/>
+                      <a:tailEnd type="none" w="med" len="med"/>
+                    </a:lnB>
+                  </a:tcPr>
+                </a:tc>
+                <a:tc hMerge="1">
+                  <a:txBody>
+                    <a:bodyPr/>
+                    <a:lstStyle/>
+                    <a:p>
+                      <a:pPr algn="l" fontAlgn="b"/>
+                      <a:endParaRPr lang="en-CA" sz="2400" b="1" i="0" u="none" strike="noStrike" dirty="0">
+                        <a:solidFill>
+                          <a:srgbClr val="000000"/>
+                        </a:solidFill>
+                        <a:effectLst/>
+                        <a:latin typeface="Consolas" panose="020B0609020204030204" pitchFamily="49" charset="0"/>
+                      </a:endParaRPr>
+                    </a:p>
+                  </a:txBody>
+                  <a:tcPr marL="7620" marR="7620" marT="7620" marB="0" anchor="b">
+                    <a:lnB w="12700" cap="flat" cmpd="sng" algn="ctr">
+                      <a:solidFill>
+                        <a:schemeClr val="tx1"/>
+                      </a:solidFill>
+                      <a:prstDash val="solid"/>
+                      <a:round/>
+                      <a:headEnd type="none" w="med" len="med"/>
+                      <a:tailEnd type="none" w="med" len="med"/>
+                    </a:lnB>
+                  </a:tcPr>
+                </a:tc>
+                <a:extLst>
+                  <a:ext uri="{0D108BD9-81ED-4DB2-BD59-A6C34878D82A}">
+                    <a16:rowId xmlns:a16="http://schemas.microsoft.com/office/drawing/2014/main" val="1561436947"/>
+                  </a:ext>
+                </a:extLst>
+              </a:tr>
+              <a:tr h="345131">
+                <a:tc vMerge="1">
+                  <a:txBody>
+                    <a:bodyPr/>
+                    <a:lstStyle/>
+                    <a:p>
+                      <a:pPr algn="l" fontAlgn="b"/>
+                      <a:endParaRPr lang="en-CA" sz="2400" b="1" i="0" u="none" strike="noStrike" dirty="0">
+                        <a:solidFill>
+                          <a:srgbClr val="000000"/>
+                        </a:solidFill>
+                        <a:effectLst/>
+                        <a:latin typeface="Consolas" panose="020B0609020204030204" pitchFamily="49" charset="0"/>
+                      </a:endParaRPr>
+                    </a:p>
+                  </a:txBody>
+                  <a:tcPr marL="7620" marR="7620" marT="7620" marB="0" anchor="b">
+                    <a:lnR w="12700" cap="flat" cmpd="sng" algn="ctr">
+                      <a:solidFill>
+                        <a:schemeClr val="tx1"/>
+                      </a:solidFill>
+                      <a:prstDash val="solid"/>
+                      <a:round/>
+                      <a:headEnd type="none" w="med" len="med"/>
+                      <a:tailEnd type="none" w="med" len="med"/>
+                    </a:lnR>
+                    <a:lnT w="12700" cap="flat" cmpd="sng" algn="ctr">
+                      <a:solidFill>
+                        <a:schemeClr val="tx1"/>
+                      </a:solidFill>
+                      <a:prstDash val="solid"/>
+                      <a:round/>
+                      <a:headEnd type="none" w="med" len="med"/>
+                      <a:tailEnd type="none" w="med" len="med"/>
+                    </a:lnT>
+                    <a:lnB w="12700" cap="flat" cmpd="sng" algn="ctr">
+                      <a:solidFill>
+                        <a:schemeClr val="tx1"/>
+                      </a:solidFill>
+                      <a:prstDash val="solid"/>
+                      <a:round/>
+                      <a:headEnd type="none" w="med" len="med"/>
+                      <a:tailEnd type="none" w="med" len="med"/>
+                    </a:lnB>
+                  </a:tcPr>
+                </a:tc>
+                <a:tc gridSpan="2">
+                  <a:txBody>
+                    <a:bodyPr/>
+                    <a:lstStyle/>
+                    <a:p>
+                      <a:pPr algn="l" fontAlgn="b"/>
+                      <a:r>
+                        <a:rPr lang="en-CA" sz="2400" b="1" u="none" strike="noStrike" dirty="0">
+                          <a:effectLst/>
+                        </a:rPr>
+                        <a:t>1</a:t>
+                      </a:r>
+                      <a:endParaRPr lang="en-CA" sz="2400" b="1" i="0" u="none" strike="noStrike" dirty="0">
+                        <a:solidFill>
+                          <a:srgbClr val="000000"/>
+                        </a:solidFill>
+                        <a:effectLst/>
+                        <a:latin typeface="Consolas" panose="020B0609020204030204" pitchFamily="49" charset="0"/>
+                      </a:endParaRPr>
+                    </a:p>
+                  </a:txBody>
+                  <a:tcPr marL="7620" marR="7620" marT="7620" marB="0" anchor="b">
+                    <a:lnL w="12700" cap="flat" cmpd="sng" algn="ctr">
+                      <a:solidFill>
+                        <a:schemeClr val="tx1"/>
+                      </a:solidFill>
+                      <a:prstDash val="solid"/>
+                      <a:round/>
+                      <a:headEnd type="none" w="med" len="med"/>
+                      <a:tailEnd type="none" w="med" len="med"/>
+                    </a:lnL>
+                    <a:lnT w="12700" cap="flat" cmpd="sng" algn="ctr">
+                      <a:noFill/>
+                      <a:prstDash val="solid"/>
+                      <a:round/>
+                      <a:headEnd type="none" w="med" len="med"/>
+                      <a:tailEnd type="none" w="med" len="med"/>
+                    </a:lnT>
+                    <a:lnB w="12700" cap="flat" cmpd="sng" algn="ctr">
+                      <a:solidFill>
+                        <a:schemeClr val="tx1"/>
+                      </a:solidFill>
+                      <a:prstDash val="solid"/>
+                      <a:round/>
+                      <a:headEnd type="none" w="med" len="med"/>
+                      <a:tailEnd type="none" w="med" len="med"/>
+                    </a:lnB>
+                  </a:tcPr>
+                </a:tc>
+                <a:tc hMerge="1">
+                  <a:txBody>
+                    <a:bodyPr/>
+                    <a:lstStyle/>
+                    <a:p>
+                      <a:pPr algn="l" fontAlgn="b"/>
+                      <a:endParaRPr lang="en-CA" sz="2800" b="1" i="0" u="none" strike="noStrike" dirty="0">
+                        <a:solidFill>
+                          <a:srgbClr val="000000"/>
+                        </a:solidFill>
+                        <a:effectLst/>
+                        <a:latin typeface="Consolas" panose="020B0609020204030204" pitchFamily="49" charset="0"/>
+                      </a:endParaRPr>
+                    </a:p>
+                  </a:txBody>
+                  <a:tcPr marL="7620" marR="7620" marT="7620" marB="0" anchor="b">
+                    <a:lnL w="12700" cap="flat" cmpd="sng" algn="ctr">
+                      <a:solidFill>
+                        <a:schemeClr val="tx1"/>
+                      </a:solidFill>
+                      <a:prstDash val="solid"/>
+                      <a:round/>
+                      <a:headEnd type="none" w="med" len="med"/>
+                      <a:tailEnd type="none" w="med" len="med"/>
+                    </a:lnL>
+                    <a:lnB w="12700" cap="flat" cmpd="sng" algn="ctr">
+                      <a:solidFill>
+                        <a:schemeClr val="tx1"/>
+                      </a:solidFill>
+                      <a:prstDash val="solid"/>
+                      <a:round/>
+                      <a:headEnd type="none" w="med" len="med"/>
+                      <a:tailEnd type="none" w="med" len="med"/>
+                    </a:lnB>
+                  </a:tcPr>
+                </a:tc>
+                <a:tc>
+                  <a:txBody>
+                    <a:bodyPr/>
+                    <a:lstStyle/>
+                    <a:p>
+                      <a:pPr algn="l" fontAlgn="b"/>
+                      <a:r>
+                        <a:rPr lang="en-CA" sz="2400" b="1" u="none" strike="noStrike" dirty="0">
+                          <a:effectLst/>
+                        </a:rPr>
+                        <a:t>2</a:t>
+                      </a:r>
+                      <a:endParaRPr lang="en-CA" sz="2400" b="1" i="0" u="none" strike="noStrike" dirty="0">
+                        <a:solidFill>
+                          <a:srgbClr val="000000"/>
+                        </a:solidFill>
+                        <a:effectLst/>
+                        <a:latin typeface="Consolas" panose="020B0609020204030204" pitchFamily="49" charset="0"/>
+                      </a:endParaRPr>
+                    </a:p>
+                  </a:txBody>
+                  <a:tcPr marL="7620" marR="7620" marT="7620" marB="0" anchor="b">
+                    <a:lnT w="12700" cap="flat" cmpd="sng" algn="ctr">
+                      <a:noFill/>
+                      <a:prstDash val="solid"/>
+                      <a:round/>
+                      <a:headEnd type="none" w="med" len="med"/>
+                      <a:tailEnd type="none" w="med" len="med"/>
+                    </a:lnT>
+                    <a:lnB w="12700" cap="flat" cmpd="sng" algn="ctr">
+                      <a:solidFill>
+                        <a:schemeClr val="tx1"/>
+                      </a:solidFill>
+                      <a:prstDash val="solid"/>
+                      <a:round/>
+                      <a:headEnd type="none" w="med" len="med"/>
+                      <a:tailEnd type="none" w="med" len="med"/>
+                    </a:lnB>
+                  </a:tcPr>
+                </a:tc>
+                <a:tc>
+                  <a:txBody>
+                    <a:bodyPr/>
+                    <a:lstStyle/>
+                    <a:p>
+                      <a:pPr algn="l" fontAlgn="b"/>
+                      <a:r>
+                        <a:rPr lang="en-CA" sz="2400" b="1" u="none" strike="noStrike" dirty="0">
+                          <a:effectLst/>
+                        </a:rPr>
+                        <a:t>3</a:t>
+                      </a:r>
+                      <a:endParaRPr lang="en-CA" sz="2400" b="1" i="0" u="none" strike="noStrike" dirty="0">
+                        <a:solidFill>
+                          <a:srgbClr val="000000"/>
+                        </a:solidFill>
+                        <a:effectLst/>
+                        <a:latin typeface="Consolas" panose="020B0609020204030204" pitchFamily="49" charset="0"/>
+                      </a:endParaRPr>
+                    </a:p>
+                  </a:txBody>
+                  <a:tcPr marL="7620" marR="7620" marT="7620" marB="0" anchor="b">
+                    <a:lnT w="12700" cap="flat" cmpd="sng" algn="ctr">
+                      <a:noFill/>
+                      <a:prstDash val="solid"/>
+                      <a:round/>
+                      <a:headEnd type="none" w="med" len="med"/>
+                      <a:tailEnd type="none" w="med" len="med"/>
+                    </a:lnT>
+                    <a:lnB w="12700" cap="flat" cmpd="sng" algn="ctr">
+                      <a:solidFill>
+                        <a:schemeClr val="tx1"/>
+                      </a:solidFill>
+                      <a:prstDash val="solid"/>
+                      <a:round/>
+                      <a:headEnd type="none" w="med" len="med"/>
+                      <a:tailEnd type="none" w="med" len="med"/>
+                    </a:lnB>
+                  </a:tcPr>
+                </a:tc>
+                <a:tc>
+                  <a:txBody>
+                    <a:bodyPr/>
+                    <a:lstStyle/>
+                    <a:p>
+                      <a:pPr algn="l" fontAlgn="b"/>
+                      <a:r>
+                        <a:rPr lang="en-CA" sz="2400" b="1" u="none" strike="noStrike" dirty="0">
+                          <a:effectLst/>
+                        </a:rPr>
+                        <a:t>4</a:t>
+                      </a:r>
+                      <a:endParaRPr lang="en-CA" sz="2400" b="1" i="0" u="none" strike="noStrike" dirty="0">
+                        <a:solidFill>
+                          <a:srgbClr val="000000"/>
+                        </a:solidFill>
+                        <a:effectLst/>
+                        <a:latin typeface="Consolas" panose="020B0609020204030204" pitchFamily="49" charset="0"/>
+                      </a:endParaRPr>
+                    </a:p>
+                  </a:txBody>
+                  <a:tcPr marL="7620" marR="7620" marT="7620" marB="0" anchor="b">
+                    <a:lnT w="12700" cap="flat" cmpd="sng" algn="ctr">
+                      <a:noFill/>
+                      <a:prstDash val="solid"/>
+                      <a:round/>
+                      <a:headEnd type="none" w="med" len="med"/>
+                      <a:tailEnd type="none" w="med" len="med"/>
+                    </a:lnT>
+                    <a:lnB w="12700" cap="flat" cmpd="sng" algn="ctr">
+                      <a:solidFill>
+                        <a:schemeClr val="tx1"/>
+                      </a:solidFill>
+                      <a:prstDash val="solid"/>
+                      <a:round/>
+                      <a:headEnd type="none" w="med" len="med"/>
+                      <a:tailEnd type="none" w="med" len="med"/>
+                    </a:lnB>
+                  </a:tcPr>
+                </a:tc>
+                <a:tc>
+                  <a:txBody>
+                    <a:bodyPr/>
+                    <a:lstStyle/>
+                    <a:p>
+                      <a:pPr algn="l" fontAlgn="b"/>
+                      <a:r>
+                        <a:rPr lang="en-CA" sz="2400" b="1" u="none" strike="noStrike" dirty="0">
+                          <a:effectLst/>
+                        </a:rPr>
+                        <a:t>5</a:t>
+                      </a:r>
+                      <a:endParaRPr lang="en-CA" sz="2400" b="1" i="0" u="none" strike="noStrike" dirty="0">
+                        <a:solidFill>
+                          <a:srgbClr val="000000"/>
+                        </a:solidFill>
+                        <a:effectLst/>
+                        <a:latin typeface="Consolas" panose="020B0609020204030204" pitchFamily="49" charset="0"/>
+                      </a:endParaRPr>
+                    </a:p>
+                  </a:txBody>
+                  <a:tcPr marL="7620" marR="7620" marT="7620" marB="0" anchor="b">
+                    <a:lnT w="12700" cap="flat" cmpd="sng" algn="ctr">
+                      <a:noFill/>
+                      <a:prstDash val="solid"/>
+                      <a:round/>
+                      <a:headEnd type="none" w="med" len="med"/>
+                      <a:tailEnd type="none" w="med" len="med"/>
+                    </a:lnT>
+                    <a:lnB w="12700" cap="flat" cmpd="sng" algn="ctr">
+                      <a:solidFill>
+                        <a:schemeClr val="tx1"/>
+                      </a:solidFill>
+                      <a:prstDash val="solid"/>
+                      <a:round/>
+                      <a:headEnd type="none" w="med" len="med"/>
+                      <a:tailEnd type="none" w="med" len="med"/>
+                    </a:lnB>
+                  </a:tcPr>
+                </a:tc>
+                <a:tc>
+                  <a:txBody>
+                    <a:bodyPr/>
+                    <a:lstStyle/>
+                    <a:p>
+                      <a:pPr algn="l" fontAlgn="b"/>
+                      <a:r>
+                        <a:rPr lang="en-CA" sz="2400" b="1" u="none" strike="noStrike" dirty="0">
+                          <a:effectLst/>
+                        </a:rPr>
+                        <a:t>6</a:t>
+                      </a:r>
+                      <a:endParaRPr lang="en-CA" sz="2400" b="1" i="0" u="none" strike="noStrike" dirty="0">
+                        <a:solidFill>
+                          <a:srgbClr val="000000"/>
+                        </a:solidFill>
+                        <a:effectLst/>
+                        <a:latin typeface="Consolas" panose="020B0609020204030204" pitchFamily="49" charset="0"/>
+                      </a:endParaRPr>
+                    </a:p>
+                  </a:txBody>
+                  <a:tcPr marL="7620" marR="7620" marT="7620" marB="0" anchor="b">
+                    <a:lnT w="12700" cap="flat" cmpd="sng" algn="ctr">
+                      <a:noFill/>
+                      <a:prstDash val="solid"/>
+                      <a:round/>
+                      <a:headEnd type="none" w="med" len="med"/>
+                      <a:tailEnd type="none" w="med" len="med"/>
+                    </a:lnT>
+                    <a:lnB w="12700" cap="flat" cmpd="sng" algn="ctr">
+                      <a:solidFill>
+                        <a:schemeClr val="tx1"/>
+                      </a:solidFill>
+                      <a:prstDash val="solid"/>
+                      <a:round/>
+                      <a:headEnd type="none" w="med" len="med"/>
+                      <a:tailEnd type="none" w="med" len="med"/>
+                    </a:lnB>
+                  </a:tcPr>
+                </a:tc>
+                <a:tc>
+                  <a:txBody>
+                    <a:bodyPr/>
+                    <a:lstStyle/>
+                    <a:p>
+                      <a:pPr algn="l" fontAlgn="b"/>
+                      <a:r>
+                        <a:rPr lang="en-CA" sz="2400" b="1" u="none" strike="noStrike" dirty="0">
+                          <a:effectLst/>
+                        </a:rPr>
+                        <a:t>7</a:t>
+                      </a:r>
+                      <a:endParaRPr lang="en-CA" sz="2400" b="1" i="0" u="none" strike="noStrike" dirty="0">
+                        <a:solidFill>
+                          <a:srgbClr val="000000"/>
+                        </a:solidFill>
+                        <a:effectLst/>
+                        <a:latin typeface="Consolas" panose="020B0609020204030204" pitchFamily="49" charset="0"/>
+                      </a:endParaRPr>
+                    </a:p>
+                  </a:txBody>
+                  <a:tcPr marL="7620" marR="7620" marT="7620" marB="0" anchor="b">
+                    <a:lnT w="12700" cap="flat" cmpd="sng" algn="ctr">
+                      <a:noFill/>
+                      <a:prstDash val="solid"/>
+                      <a:round/>
+                      <a:headEnd type="none" w="med" len="med"/>
+                      <a:tailEnd type="none" w="med" len="med"/>
+                    </a:lnT>
+                    <a:lnB w="12700" cap="flat" cmpd="sng" algn="ctr">
+                      <a:solidFill>
+                        <a:schemeClr val="tx1"/>
+                      </a:solidFill>
+                      <a:prstDash val="solid"/>
+                      <a:round/>
+                      <a:headEnd type="none" w="med" len="med"/>
+                      <a:tailEnd type="none" w="med" len="med"/>
+                    </a:lnB>
+                  </a:tcPr>
+                </a:tc>
+                <a:extLst>
+                  <a:ext uri="{0D108BD9-81ED-4DB2-BD59-A6C34878D82A}">
+                    <a16:rowId xmlns:a16="http://schemas.microsoft.com/office/drawing/2014/main" val="3855218867"/>
+                  </a:ext>
+                </a:extLst>
+              </a:tr>
+              <a:tr h="418712">
+                <a:tc>
+                  <a:txBody>
+                    <a:bodyPr/>
+                    <a:lstStyle/>
+                    <a:p>
+                      <a:pPr algn="l" fontAlgn="b"/>
+                      <a:r>
+                        <a:rPr lang="en-CA" sz="2400" u="none" strike="noStrike" dirty="0">
+                          <a:effectLst/>
+                        </a:rPr>
+                        <a:t>Duration</a:t>
+                      </a:r>
+                      <a:endParaRPr lang="en-CA" sz="2400" b="0" i="0" u="none" strike="noStrike" dirty="0">
+                        <a:solidFill>
+                          <a:srgbClr val="000000"/>
+                        </a:solidFill>
+                        <a:effectLst/>
+                        <a:latin typeface="Consolas" panose="020B0609020204030204" pitchFamily="49" charset="0"/>
+                      </a:endParaRPr>
+                    </a:p>
+                  </a:txBody>
+                  <a:tcPr marL="7620" marR="7620" marT="7620" marB="0" anchor="b">
+                    <a:lnR w="12700" cap="flat" cmpd="sng" algn="ctr">
+                      <a:solidFill>
+                        <a:schemeClr val="tx1"/>
+                      </a:solidFill>
+                      <a:prstDash val="solid"/>
+                      <a:round/>
+                      <a:headEnd type="none" w="med" len="med"/>
+                      <a:tailEnd type="none" w="med" len="med"/>
+                    </a:lnR>
+                    <a:lnT w="12700" cap="flat" cmpd="sng" algn="ctr">
+                      <a:solidFill>
+                        <a:schemeClr val="tx1"/>
+                      </a:solidFill>
+                      <a:prstDash val="solid"/>
+                      <a:round/>
+                      <a:headEnd type="none" w="med" len="med"/>
+                      <a:tailEnd type="none" w="med" len="med"/>
+                    </a:lnT>
+                  </a:tcPr>
+                </a:tc>
+                <a:tc>
+                  <a:txBody>
+                    <a:bodyPr/>
+                    <a:lstStyle/>
+                    <a:p>
+                      <a:pPr algn="l" fontAlgn="b"/>
+                      <a:endParaRPr lang="en-CA" sz="2400" b="0" i="0" u="none" strike="noStrike" dirty="0">
+                        <a:solidFill>
+                          <a:srgbClr val="000000"/>
+                        </a:solidFill>
+                        <a:effectLst/>
+                        <a:latin typeface="Consolas" panose="020B0609020204030204" pitchFamily="49" charset="0"/>
+                      </a:endParaRPr>
+                    </a:p>
+                  </a:txBody>
+                  <a:tcPr marL="7620" marR="7620" marT="7620" marB="0" anchor="b">
+                    <a:lnL w="12700" cap="flat" cmpd="sng" algn="ctr">
+                      <a:solidFill>
+                        <a:schemeClr val="tx1"/>
+                      </a:solidFill>
+                      <a:prstDash val="solid"/>
+                      <a:round/>
+                      <a:headEnd type="none" w="med" len="med"/>
+                      <a:tailEnd type="none" w="med" len="med"/>
+                    </a:lnL>
+                    <a:lnT w="12700" cap="flat" cmpd="sng" algn="ctr">
+                      <a:solidFill>
+                        <a:schemeClr val="tx1"/>
+                      </a:solidFill>
+                      <a:prstDash val="solid"/>
+                      <a:round/>
+                      <a:headEnd type="none" w="med" len="med"/>
+                      <a:tailEnd type="none" w="med" len="med"/>
+                    </a:lnT>
+                  </a:tcPr>
+                </a:tc>
+                <a:tc>
+                  <a:txBody>
+                    <a:bodyPr/>
+                    <a:lstStyle/>
+                    <a:p>
+                      <a:pPr algn="l" fontAlgn="b"/>
+                      <a:r>
+                        <a:rPr lang="en-CA" sz="2400" b="0" u="none" strike="noStrike" dirty="0">
+                          <a:effectLst/>
+                          <a:latin typeface="Consolas" panose="020B0609020204030204" pitchFamily="49" charset="0"/>
+                        </a:rPr>
+                        <a:t>1.5</a:t>
+                      </a:r>
+                      <a:endParaRPr lang="en-CA" sz="2400" b="0" i="0" u="none" strike="noStrike" dirty="0">
+                        <a:solidFill>
+                          <a:srgbClr val="000000"/>
+                        </a:solidFill>
+                        <a:effectLst/>
+                        <a:latin typeface="Consolas" panose="020B0609020204030204" pitchFamily="49" charset="0"/>
+                      </a:endParaRPr>
+                    </a:p>
+                  </a:txBody>
+                  <a:tcPr marL="7620" marR="7620" marT="7620" marB="0" anchor="b">
+                    <a:lnT w="12700" cap="flat" cmpd="sng" algn="ctr">
+                      <a:solidFill>
+                        <a:schemeClr val="tx1"/>
+                      </a:solidFill>
+                      <a:prstDash val="solid"/>
+                      <a:round/>
+                      <a:headEnd type="none" w="med" len="med"/>
+                      <a:tailEnd type="none" w="med" len="med"/>
+                    </a:lnT>
+                  </a:tcPr>
+                </a:tc>
+                <a:tc>
+                  <a:txBody>
+                    <a:bodyPr/>
+                    <a:lstStyle/>
+                    <a:p>
+                      <a:pPr algn="l" fontAlgn="b"/>
+                      <a:r>
+                        <a:rPr lang="en-CA" sz="2400" b="0" u="none" strike="noStrike">
+                          <a:effectLst/>
+                          <a:latin typeface="Consolas" panose="020B0609020204030204" pitchFamily="49" charset="0"/>
+                        </a:rPr>
+                        <a:t>0.25</a:t>
+                      </a:r>
+                      <a:endParaRPr lang="en-CA" sz="2400" b="0" i="0" u="none" strike="noStrike">
+                        <a:solidFill>
+                          <a:srgbClr val="000000"/>
+                        </a:solidFill>
+                        <a:effectLst/>
+                        <a:latin typeface="Consolas" panose="020B0609020204030204" pitchFamily="49" charset="0"/>
+                      </a:endParaRPr>
+                    </a:p>
+                  </a:txBody>
+                  <a:tcPr marL="7620" marR="7620" marT="7620" marB="0" anchor="b">
+                    <a:lnT w="12700" cap="flat" cmpd="sng" algn="ctr">
+                      <a:solidFill>
+                        <a:schemeClr val="tx1"/>
+                      </a:solidFill>
+                      <a:prstDash val="solid"/>
+                      <a:round/>
+                      <a:headEnd type="none" w="med" len="med"/>
+                      <a:tailEnd type="none" w="med" len="med"/>
+                    </a:lnT>
+                  </a:tcPr>
+                </a:tc>
+                <a:tc>
+                  <a:txBody>
+                    <a:bodyPr/>
+                    <a:lstStyle/>
+                    <a:p>
+                      <a:pPr algn="l" fontAlgn="b"/>
+                      <a:r>
+                        <a:rPr lang="en-CA" sz="2400" b="0" u="none" strike="noStrike">
+                          <a:effectLst/>
+                          <a:latin typeface="Consolas" panose="020B0609020204030204" pitchFamily="49" charset="0"/>
+                        </a:rPr>
+                        <a:t>0.25</a:t>
+                      </a:r>
+                      <a:endParaRPr lang="en-CA" sz="2400" b="0" i="0" u="none" strike="noStrike">
+                        <a:solidFill>
+                          <a:srgbClr val="000000"/>
+                        </a:solidFill>
+                        <a:effectLst/>
+                        <a:latin typeface="Consolas" panose="020B0609020204030204" pitchFamily="49" charset="0"/>
+                      </a:endParaRPr>
+                    </a:p>
+                  </a:txBody>
+                  <a:tcPr marL="7620" marR="7620" marT="7620" marB="0" anchor="b">
+                    <a:lnT w="12700" cap="flat" cmpd="sng" algn="ctr">
+                      <a:solidFill>
+                        <a:schemeClr val="tx1"/>
+                      </a:solidFill>
+                      <a:prstDash val="solid"/>
+                      <a:round/>
+                      <a:headEnd type="none" w="med" len="med"/>
+                      <a:tailEnd type="none" w="med" len="med"/>
+                    </a:lnT>
+                  </a:tcPr>
+                </a:tc>
+                <a:tc>
+                  <a:txBody>
+                    <a:bodyPr/>
+                    <a:lstStyle/>
+                    <a:p>
+                      <a:pPr algn="l" fontAlgn="b"/>
+                      <a:r>
+                        <a:rPr lang="en-CA" sz="2400" b="0" u="none" strike="noStrike">
+                          <a:effectLst/>
+                          <a:latin typeface="Consolas" panose="020B0609020204030204" pitchFamily="49" charset="0"/>
+                        </a:rPr>
+                        <a:t>0.5</a:t>
+                      </a:r>
+                      <a:endParaRPr lang="en-CA" sz="2400" b="0" i="0" u="none" strike="noStrike">
+                        <a:solidFill>
+                          <a:srgbClr val="000000"/>
+                        </a:solidFill>
+                        <a:effectLst/>
+                        <a:latin typeface="Consolas" panose="020B0609020204030204" pitchFamily="49" charset="0"/>
+                      </a:endParaRPr>
+                    </a:p>
+                  </a:txBody>
+                  <a:tcPr marL="7620" marR="7620" marT="7620" marB="0" anchor="b">
+                    <a:lnT w="12700" cap="flat" cmpd="sng" algn="ctr">
+                      <a:solidFill>
+                        <a:schemeClr val="tx1"/>
+                      </a:solidFill>
+                      <a:prstDash val="solid"/>
+                      <a:round/>
+                      <a:headEnd type="none" w="med" len="med"/>
+                      <a:tailEnd type="none" w="med" len="med"/>
+                    </a:lnT>
+                  </a:tcPr>
+                </a:tc>
+                <a:tc>
+                  <a:txBody>
+                    <a:bodyPr/>
+                    <a:lstStyle/>
+                    <a:p>
+                      <a:pPr algn="l" fontAlgn="b"/>
+                      <a:r>
+                        <a:rPr lang="en-CA" sz="2400" b="0" u="none" strike="noStrike">
+                          <a:effectLst/>
+                          <a:latin typeface="Consolas" panose="020B0609020204030204" pitchFamily="49" charset="0"/>
+                        </a:rPr>
+                        <a:t>0.5</a:t>
+                      </a:r>
+                      <a:endParaRPr lang="en-CA" sz="2400" b="0" i="0" u="none" strike="noStrike">
+                        <a:solidFill>
+                          <a:srgbClr val="000000"/>
+                        </a:solidFill>
+                        <a:effectLst/>
+                        <a:latin typeface="Consolas" panose="020B0609020204030204" pitchFamily="49" charset="0"/>
+                      </a:endParaRPr>
+                    </a:p>
+                  </a:txBody>
+                  <a:tcPr marL="7620" marR="7620" marT="7620" marB="0" anchor="b">
+                    <a:lnT w="12700" cap="flat" cmpd="sng" algn="ctr">
+                      <a:solidFill>
+                        <a:schemeClr val="tx1"/>
+                      </a:solidFill>
+                      <a:prstDash val="solid"/>
+                      <a:round/>
+                      <a:headEnd type="none" w="med" len="med"/>
+                      <a:tailEnd type="none" w="med" len="med"/>
+                    </a:lnT>
+                  </a:tcPr>
+                </a:tc>
+                <a:tc>
+                  <a:txBody>
+                    <a:bodyPr/>
+                    <a:lstStyle/>
+                    <a:p>
+                      <a:pPr algn="l" fontAlgn="b"/>
+                      <a:r>
+                        <a:rPr lang="en-CA" sz="2400" b="0" u="none" strike="noStrike">
+                          <a:effectLst/>
+                          <a:latin typeface="Consolas" panose="020B0609020204030204" pitchFamily="49" charset="0"/>
+                        </a:rPr>
+                        <a:t>0.5</a:t>
+                      </a:r>
+                      <a:endParaRPr lang="en-CA" sz="2400" b="0" i="0" u="none" strike="noStrike">
+                        <a:solidFill>
+                          <a:srgbClr val="000000"/>
+                        </a:solidFill>
+                        <a:effectLst/>
+                        <a:latin typeface="Consolas" panose="020B0609020204030204" pitchFamily="49" charset="0"/>
+                      </a:endParaRPr>
+                    </a:p>
+                  </a:txBody>
+                  <a:tcPr marL="7620" marR="7620" marT="7620" marB="0" anchor="b">
+                    <a:lnT w="12700" cap="flat" cmpd="sng" algn="ctr">
+                      <a:solidFill>
+                        <a:schemeClr val="tx1"/>
+                      </a:solidFill>
+                      <a:prstDash val="solid"/>
+                      <a:round/>
+                      <a:headEnd type="none" w="med" len="med"/>
+                      <a:tailEnd type="none" w="med" len="med"/>
+                    </a:lnT>
+                  </a:tcPr>
+                </a:tc>
+                <a:tc>
+                  <a:txBody>
+                    <a:bodyPr/>
+                    <a:lstStyle/>
+                    <a:p>
+                      <a:pPr algn="l" fontAlgn="b"/>
+                      <a:r>
+                        <a:rPr lang="en-CA" sz="2400" b="0" u="none" strike="noStrike">
+                          <a:effectLst/>
+                          <a:latin typeface="Consolas" panose="020B0609020204030204" pitchFamily="49" charset="0"/>
+                        </a:rPr>
+                        <a:t>0.5</a:t>
+                      </a:r>
+                      <a:endParaRPr lang="en-CA" sz="2400" b="0" i="0" u="none" strike="noStrike">
+                        <a:solidFill>
+                          <a:srgbClr val="000000"/>
+                        </a:solidFill>
+                        <a:effectLst/>
+                        <a:latin typeface="Consolas" panose="020B0609020204030204" pitchFamily="49" charset="0"/>
+                      </a:endParaRPr>
+                    </a:p>
+                  </a:txBody>
+                  <a:tcPr marL="7620" marR="7620" marT="7620" marB="0" anchor="b">
+                    <a:lnT w="12700" cap="flat" cmpd="sng" algn="ctr">
+                      <a:solidFill>
+                        <a:schemeClr val="tx1"/>
+                      </a:solidFill>
+                      <a:prstDash val="solid"/>
+                      <a:round/>
+                      <a:headEnd type="none" w="med" len="med"/>
+                      <a:tailEnd type="none" w="med" len="med"/>
+                    </a:lnT>
+                  </a:tcPr>
+                </a:tc>
+                <a:extLst>
+                  <a:ext uri="{0D108BD9-81ED-4DB2-BD59-A6C34878D82A}">
+                    <a16:rowId xmlns:a16="http://schemas.microsoft.com/office/drawing/2014/main" val="811257842"/>
+                  </a:ext>
+                </a:extLst>
+              </a:tr>
+              <a:tr h="345131">
+                <a:tc>
+                  <a:txBody>
+                    <a:bodyPr/>
+                    <a:lstStyle/>
+                    <a:p>
+                      <a:pPr algn="l" fontAlgn="b"/>
+                      <a:r>
+                        <a:rPr lang="en-CA" sz="2400" u="none" strike="noStrike" dirty="0">
+                          <a:effectLst/>
+                        </a:rPr>
+                        <a:t>Duration Contour</a:t>
+                      </a:r>
+                      <a:endParaRPr lang="en-CA" sz="2400" b="0" i="0" u="none" strike="noStrike" dirty="0">
+                        <a:solidFill>
+                          <a:srgbClr val="000000"/>
+                        </a:solidFill>
+                        <a:effectLst/>
+                        <a:latin typeface="Consolas" panose="020B0609020204030204" pitchFamily="49" charset="0"/>
+                      </a:endParaRPr>
+                    </a:p>
+                  </a:txBody>
+                  <a:tcPr marL="7620" marR="7620" marT="7620" marB="0" anchor="b">
+                    <a:lnR w="12700" cap="flat" cmpd="sng" algn="ctr">
+                      <a:solidFill>
+                        <a:schemeClr val="tx1"/>
+                      </a:solidFill>
+                      <a:prstDash val="solid"/>
+                      <a:round/>
+                      <a:headEnd type="none" w="med" len="med"/>
+                      <a:tailEnd type="none" w="med" len="med"/>
+                    </a:lnR>
+                  </a:tcPr>
+                </a:tc>
+                <a:tc>
+                  <a:txBody>
+                    <a:bodyPr/>
+                    <a:lstStyle/>
+                    <a:p>
+                      <a:pPr algn="l" fontAlgn="b"/>
+                      <a:endParaRPr lang="en-CA" sz="2400" b="0" i="0" u="none" strike="noStrike" dirty="0">
+                        <a:solidFill>
+                          <a:srgbClr val="000000"/>
+                        </a:solidFill>
+                        <a:effectLst/>
+                        <a:latin typeface="Consolas" panose="020B0609020204030204" pitchFamily="49" charset="0"/>
+                      </a:endParaRPr>
+                    </a:p>
+                  </a:txBody>
+                  <a:tcPr marL="7620" marR="7620" marT="7620" marB="0" anchor="b">
+                    <a:lnL w="12700" cap="flat" cmpd="sng" algn="ctr">
+                      <a:solidFill>
+                        <a:schemeClr val="tx1"/>
+                      </a:solidFill>
+                      <a:prstDash val="solid"/>
+                      <a:round/>
+                      <a:headEnd type="none" w="med" len="med"/>
+                      <a:tailEnd type="none" w="med" len="med"/>
+                    </a:lnL>
+                  </a:tcPr>
+                </a:tc>
+                <a:tc>
+                  <a:txBody>
+                    <a:bodyPr/>
+                    <a:lstStyle/>
+                    <a:p>
+                      <a:pPr algn="l" fontAlgn="b"/>
+                      <a:r>
+                        <a:rPr lang="en-CA" sz="2400" b="0" u="none" strike="noStrike" dirty="0">
+                          <a:effectLst/>
+                          <a:latin typeface="Consolas" panose="020B0609020204030204" pitchFamily="49" charset="0"/>
+                        </a:rPr>
+                        <a:t>_</a:t>
+                      </a:r>
+                      <a:endParaRPr lang="en-CA" sz="2400" b="0" i="0" u="none" strike="noStrike" dirty="0">
+                        <a:solidFill>
+                          <a:srgbClr val="000000"/>
+                        </a:solidFill>
+                        <a:effectLst/>
+                        <a:latin typeface="Consolas" panose="020B0609020204030204" pitchFamily="49" charset="0"/>
+                      </a:endParaRPr>
+                    </a:p>
+                  </a:txBody>
+                  <a:tcPr marL="7620" marR="7620" marT="7620" marB="0" anchor="b"/>
+                </a:tc>
+                <a:tc>
+                  <a:txBody>
+                    <a:bodyPr/>
+                    <a:lstStyle/>
+                    <a:p>
+                      <a:pPr algn="l" fontAlgn="b"/>
+                      <a:r>
+                        <a:rPr lang="en-CA" sz="2400" b="0" u="none" strike="noStrike">
+                          <a:effectLst/>
+                          <a:latin typeface="Consolas" panose="020B0609020204030204" pitchFamily="49" charset="0"/>
+                        </a:rPr>
+                        <a:t>-1</a:t>
+                      </a:r>
+                      <a:endParaRPr lang="en-CA" sz="2400" b="0" i="0" u="none" strike="noStrike">
+                        <a:solidFill>
+                          <a:srgbClr val="000000"/>
+                        </a:solidFill>
+                        <a:effectLst/>
+                        <a:latin typeface="Consolas" panose="020B0609020204030204" pitchFamily="49" charset="0"/>
+                      </a:endParaRPr>
+                    </a:p>
+                  </a:txBody>
+                  <a:tcPr marL="7620" marR="7620" marT="7620" marB="0" anchor="b"/>
+                </a:tc>
+                <a:tc>
+                  <a:txBody>
+                    <a:bodyPr/>
+                    <a:lstStyle/>
+                    <a:p>
+                      <a:pPr algn="l" fontAlgn="b"/>
+                      <a:r>
+                        <a:rPr lang="en-CA" sz="2400" b="0" u="none" strike="noStrike" dirty="0">
+                          <a:effectLst/>
+                          <a:latin typeface="Consolas" panose="020B0609020204030204" pitchFamily="49" charset="0"/>
+                        </a:rPr>
+                        <a:t>0</a:t>
+                      </a:r>
+                      <a:endParaRPr lang="en-CA" sz="2400" b="0" i="0" u="none" strike="noStrike" dirty="0">
+                        <a:solidFill>
+                          <a:srgbClr val="000000"/>
+                        </a:solidFill>
+                        <a:effectLst/>
+                        <a:latin typeface="Consolas" panose="020B0609020204030204" pitchFamily="49" charset="0"/>
+                      </a:endParaRPr>
+                    </a:p>
+                  </a:txBody>
+                  <a:tcPr marL="7620" marR="7620" marT="7620" marB="0" anchor="b"/>
+                </a:tc>
+                <a:tc>
+                  <a:txBody>
+                    <a:bodyPr/>
+                    <a:lstStyle/>
+                    <a:p>
+                      <a:pPr algn="l" fontAlgn="b"/>
+                      <a:r>
+                        <a:rPr lang="en-CA" sz="2400" b="0" u="none" strike="noStrike">
+                          <a:effectLst/>
+                          <a:latin typeface="Consolas" panose="020B0609020204030204" pitchFamily="49" charset="0"/>
+                        </a:rPr>
+                        <a:t>1</a:t>
+                      </a:r>
+                      <a:endParaRPr lang="en-CA" sz="2400" b="0" i="0" u="none" strike="noStrike">
+                        <a:solidFill>
+                          <a:srgbClr val="000000"/>
+                        </a:solidFill>
+                        <a:effectLst/>
+                        <a:latin typeface="Consolas" panose="020B0609020204030204" pitchFamily="49" charset="0"/>
+                      </a:endParaRPr>
+                    </a:p>
+                  </a:txBody>
+                  <a:tcPr marL="7620" marR="7620" marT="7620" marB="0" anchor="b"/>
+                </a:tc>
+                <a:tc>
+                  <a:txBody>
+                    <a:bodyPr/>
+                    <a:lstStyle/>
+                    <a:p>
+                      <a:pPr algn="l" fontAlgn="b"/>
+                      <a:r>
+                        <a:rPr lang="en-US" sz="2400" b="0" i="0" u="none" strike="noStrike" dirty="0">
+                          <a:solidFill>
+                            <a:srgbClr val="000000"/>
+                          </a:solidFill>
+                          <a:effectLst/>
+                          <a:latin typeface="Consolas" panose="020B0609020204030204" pitchFamily="49" charset="0"/>
+                        </a:rPr>
+                        <a:t>0</a:t>
+                      </a:r>
+                      <a:endParaRPr lang="en-CA" sz="2400" b="0" i="0" u="none" strike="noStrike" dirty="0">
+                        <a:solidFill>
+                          <a:srgbClr val="000000"/>
+                        </a:solidFill>
+                        <a:effectLst/>
+                        <a:latin typeface="Consolas" panose="020B0609020204030204" pitchFamily="49" charset="0"/>
+                      </a:endParaRPr>
+                    </a:p>
+                  </a:txBody>
+                  <a:tcPr marL="7620" marR="7620" marT="7620" marB="0" anchor="b"/>
+                </a:tc>
+                <a:tc>
+                  <a:txBody>
+                    <a:bodyPr/>
+                    <a:lstStyle/>
+                    <a:p>
+                      <a:pPr algn="l" fontAlgn="b"/>
+                      <a:r>
+                        <a:rPr lang="en-US" sz="2400" b="0" i="0" u="none" strike="noStrike" dirty="0">
+                          <a:solidFill>
+                            <a:srgbClr val="000000"/>
+                          </a:solidFill>
+                          <a:effectLst/>
+                          <a:latin typeface="Consolas" panose="020B0609020204030204" pitchFamily="49" charset="0"/>
+                        </a:rPr>
+                        <a:t>0</a:t>
+                      </a:r>
+                      <a:endParaRPr lang="en-CA" sz="2400" b="0" i="0" u="none" strike="noStrike" dirty="0">
+                        <a:solidFill>
+                          <a:srgbClr val="000000"/>
+                        </a:solidFill>
+                        <a:effectLst/>
+                        <a:latin typeface="Consolas" panose="020B0609020204030204" pitchFamily="49" charset="0"/>
+                      </a:endParaRPr>
+                    </a:p>
+                  </a:txBody>
+                  <a:tcPr marL="7620" marR="7620" marT="7620" marB="0" anchor="b"/>
+                </a:tc>
+                <a:tc>
+                  <a:txBody>
+                    <a:bodyPr/>
+                    <a:lstStyle/>
+                    <a:p>
+                      <a:pPr algn="l" fontAlgn="b"/>
+                      <a:r>
+                        <a:rPr lang="en-US" sz="2400" b="0" i="0" u="none" strike="noStrike" dirty="0">
+                          <a:solidFill>
+                            <a:srgbClr val="000000"/>
+                          </a:solidFill>
+                          <a:effectLst/>
+                          <a:latin typeface="Consolas" panose="020B0609020204030204" pitchFamily="49" charset="0"/>
+                        </a:rPr>
+                        <a:t>0</a:t>
+                      </a:r>
+                      <a:endParaRPr lang="en-CA" sz="2400" b="0" i="0" u="none" strike="noStrike" dirty="0">
+                        <a:solidFill>
+                          <a:srgbClr val="000000"/>
+                        </a:solidFill>
+                        <a:effectLst/>
+                        <a:latin typeface="Consolas" panose="020B0609020204030204" pitchFamily="49" charset="0"/>
+                      </a:endParaRPr>
+                    </a:p>
+                  </a:txBody>
+                  <a:tcPr marL="7620" marR="7620" marT="7620" marB="0" anchor="b"/>
+                </a:tc>
+                <a:extLst>
+                  <a:ext uri="{0D108BD9-81ED-4DB2-BD59-A6C34878D82A}">
+                    <a16:rowId xmlns:a16="http://schemas.microsoft.com/office/drawing/2014/main" val="3244496008"/>
+                  </a:ext>
+                </a:extLst>
+              </a:tr>
+              <a:tr h="345131">
+                <a:tc>
+                  <a:txBody>
+                    <a:bodyPr/>
+                    <a:lstStyle/>
+                    <a:p>
+                      <a:pPr algn="l" fontAlgn="b"/>
+                      <a:r>
+                        <a:rPr lang="en-CA" sz="2400" u="none" strike="noStrike">
+                          <a:effectLst/>
+                        </a:rPr>
+                        <a:t>Pitch</a:t>
+                      </a:r>
+                      <a:endParaRPr lang="en-CA" sz="2400" b="0" i="0" u="none" strike="noStrike">
+                        <a:solidFill>
+                          <a:srgbClr val="000000"/>
+                        </a:solidFill>
+                        <a:effectLst/>
+                        <a:latin typeface="Consolas" panose="020B0609020204030204" pitchFamily="49" charset="0"/>
+                      </a:endParaRPr>
+                    </a:p>
+                  </a:txBody>
+                  <a:tcPr marL="7620" marR="7620" marT="7620" marB="0" anchor="b">
+                    <a:lnR w="12700" cap="flat" cmpd="sng" algn="ctr">
+                      <a:solidFill>
+                        <a:schemeClr val="tx1"/>
+                      </a:solidFill>
+                      <a:prstDash val="solid"/>
+                      <a:round/>
+                      <a:headEnd type="none" w="med" len="med"/>
+                      <a:tailEnd type="none" w="med" len="med"/>
+                    </a:lnR>
+                  </a:tcPr>
+                </a:tc>
+                <a:tc>
+                  <a:txBody>
+                    <a:bodyPr/>
+                    <a:lstStyle/>
+                    <a:p>
+                      <a:pPr algn="l" fontAlgn="b"/>
+                      <a:endParaRPr lang="en-CA" sz="2400" b="0" i="0" u="none" strike="noStrike">
+                        <a:solidFill>
+                          <a:srgbClr val="000000"/>
+                        </a:solidFill>
+                        <a:effectLst/>
+                        <a:latin typeface="Consolas" panose="020B0609020204030204" pitchFamily="49" charset="0"/>
+                      </a:endParaRPr>
+                    </a:p>
+                  </a:txBody>
+                  <a:tcPr marL="7620" marR="7620" marT="7620" marB="0" anchor="b">
+                    <a:lnL w="12700" cap="flat" cmpd="sng" algn="ctr">
+                      <a:solidFill>
+                        <a:schemeClr val="tx1"/>
+                      </a:solidFill>
+                      <a:prstDash val="solid"/>
+                      <a:round/>
+                      <a:headEnd type="none" w="med" len="med"/>
+                      <a:tailEnd type="none" w="med" len="med"/>
+                    </a:lnL>
+                  </a:tcPr>
+                </a:tc>
+                <a:tc>
+                  <a:txBody>
+                    <a:bodyPr/>
+                    <a:lstStyle/>
+                    <a:p>
+                      <a:pPr algn="l" fontAlgn="b"/>
+                      <a:r>
+                        <a:rPr lang="en-CA" sz="2400" b="0" u="none" strike="noStrike" dirty="0">
+                          <a:effectLst/>
+                          <a:latin typeface="Consolas" panose="020B0609020204030204" pitchFamily="49" charset="0"/>
+                        </a:rPr>
+                        <a:t>A</a:t>
+                      </a:r>
+                      <a:endParaRPr lang="en-CA" sz="2400" b="0" i="0" u="none" strike="noStrike" dirty="0">
+                        <a:solidFill>
+                          <a:srgbClr val="000000"/>
+                        </a:solidFill>
+                        <a:effectLst/>
+                        <a:latin typeface="Consolas" panose="020B0609020204030204" pitchFamily="49" charset="0"/>
+                      </a:endParaRPr>
+                    </a:p>
+                  </a:txBody>
+                  <a:tcPr marL="7620" marR="7620" marT="7620" marB="0" anchor="b"/>
+                </a:tc>
+                <a:tc>
+                  <a:txBody>
+                    <a:bodyPr/>
+                    <a:lstStyle/>
+                    <a:p>
+                      <a:pPr algn="l" fontAlgn="b"/>
+                      <a:r>
+                        <a:rPr lang="en-CA" sz="2400" b="0" u="none" strike="noStrike">
+                          <a:effectLst/>
+                          <a:latin typeface="Consolas" panose="020B0609020204030204" pitchFamily="49" charset="0"/>
+                        </a:rPr>
+                        <a:t>Bb</a:t>
+                      </a:r>
+                      <a:endParaRPr lang="en-CA" sz="2400" b="0" i="0" u="none" strike="noStrike">
+                        <a:solidFill>
+                          <a:srgbClr val="000000"/>
+                        </a:solidFill>
+                        <a:effectLst/>
+                        <a:latin typeface="Consolas" panose="020B0609020204030204" pitchFamily="49" charset="0"/>
+                      </a:endParaRPr>
+                    </a:p>
+                  </a:txBody>
+                  <a:tcPr marL="7620" marR="7620" marT="7620" marB="0" anchor="b"/>
+                </a:tc>
+                <a:tc>
+                  <a:txBody>
+                    <a:bodyPr/>
+                    <a:lstStyle/>
+                    <a:p>
+                      <a:pPr algn="l" fontAlgn="b"/>
+                      <a:r>
+                        <a:rPr lang="en-CA" sz="2400" b="0" u="none" strike="noStrike">
+                          <a:effectLst/>
+                          <a:latin typeface="Consolas" panose="020B0609020204030204" pitchFamily="49" charset="0"/>
+                        </a:rPr>
+                        <a:t>A</a:t>
+                      </a:r>
+                      <a:endParaRPr lang="en-CA" sz="2400" b="0" i="0" u="none" strike="noStrike">
+                        <a:solidFill>
+                          <a:srgbClr val="000000"/>
+                        </a:solidFill>
+                        <a:effectLst/>
+                        <a:latin typeface="Consolas" panose="020B0609020204030204" pitchFamily="49" charset="0"/>
+                      </a:endParaRPr>
+                    </a:p>
+                  </a:txBody>
+                  <a:tcPr marL="7620" marR="7620" marT="7620" marB="0" anchor="b"/>
+                </a:tc>
+                <a:tc>
+                  <a:txBody>
+                    <a:bodyPr/>
+                    <a:lstStyle/>
+                    <a:p>
+                      <a:pPr algn="l" fontAlgn="b"/>
+                      <a:r>
+                        <a:rPr lang="en-CA" sz="2400" b="0" u="none" strike="noStrike">
+                          <a:effectLst/>
+                          <a:latin typeface="Consolas" panose="020B0609020204030204" pitchFamily="49" charset="0"/>
+                        </a:rPr>
+                        <a:t>G</a:t>
+                      </a:r>
+                      <a:endParaRPr lang="en-CA" sz="2400" b="0" i="0" u="none" strike="noStrike">
+                        <a:solidFill>
+                          <a:srgbClr val="000000"/>
+                        </a:solidFill>
+                        <a:effectLst/>
+                        <a:latin typeface="Consolas" panose="020B0609020204030204" pitchFamily="49" charset="0"/>
+                      </a:endParaRPr>
+                    </a:p>
+                  </a:txBody>
+                  <a:tcPr marL="7620" marR="7620" marT="7620" marB="0" anchor="b"/>
+                </a:tc>
+                <a:tc>
+                  <a:txBody>
+                    <a:bodyPr/>
+                    <a:lstStyle/>
+                    <a:p>
+                      <a:pPr algn="l" fontAlgn="b"/>
+                      <a:r>
+                        <a:rPr lang="en-CA" sz="2400" b="0" u="none" strike="noStrike">
+                          <a:effectLst/>
+                          <a:latin typeface="Consolas" panose="020B0609020204030204" pitchFamily="49" charset="0"/>
+                        </a:rPr>
+                        <a:t>Gb</a:t>
+                      </a:r>
+                      <a:endParaRPr lang="en-CA" sz="2400" b="0" i="0" u="none" strike="noStrike">
+                        <a:solidFill>
+                          <a:srgbClr val="000000"/>
+                        </a:solidFill>
+                        <a:effectLst/>
+                        <a:latin typeface="Consolas" panose="020B0609020204030204" pitchFamily="49" charset="0"/>
+                      </a:endParaRPr>
+                    </a:p>
+                  </a:txBody>
+                  <a:tcPr marL="7620" marR="7620" marT="7620" marB="0" anchor="b"/>
+                </a:tc>
+                <a:tc>
+                  <a:txBody>
+                    <a:bodyPr/>
+                    <a:lstStyle/>
+                    <a:p>
+                      <a:pPr algn="l" fontAlgn="b"/>
+                      <a:r>
+                        <a:rPr lang="en-CA" sz="2400" b="0" u="none" strike="noStrike">
+                          <a:effectLst/>
+                          <a:latin typeface="Consolas" panose="020B0609020204030204" pitchFamily="49" charset="0"/>
+                        </a:rPr>
+                        <a:t>F</a:t>
+                      </a:r>
+                      <a:endParaRPr lang="en-CA" sz="2400" b="0" i="0" u="none" strike="noStrike">
+                        <a:solidFill>
+                          <a:srgbClr val="000000"/>
+                        </a:solidFill>
+                        <a:effectLst/>
+                        <a:latin typeface="Consolas" panose="020B0609020204030204" pitchFamily="49" charset="0"/>
+                      </a:endParaRPr>
+                    </a:p>
+                  </a:txBody>
+                  <a:tcPr marL="7620" marR="7620" marT="7620" marB="0" anchor="b"/>
+                </a:tc>
+                <a:tc>
+                  <a:txBody>
+                    <a:bodyPr/>
+                    <a:lstStyle/>
+                    <a:p>
+                      <a:pPr algn="l" fontAlgn="b"/>
+                      <a:r>
+                        <a:rPr lang="en-CA" sz="2400" b="0" u="none" strike="noStrike" dirty="0">
+                          <a:effectLst/>
+                          <a:latin typeface="Consolas" panose="020B0609020204030204" pitchFamily="49" charset="0"/>
+                        </a:rPr>
+                        <a:t>B</a:t>
+                      </a:r>
+                      <a:endParaRPr lang="en-CA" sz="2400" b="0" i="0" u="none" strike="noStrike" dirty="0">
+                        <a:solidFill>
+                          <a:srgbClr val="000000"/>
+                        </a:solidFill>
+                        <a:effectLst/>
+                        <a:latin typeface="Consolas" panose="020B0609020204030204" pitchFamily="49" charset="0"/>
+                      </a:endParaRPr>
+                    </a:p>
+                  </a:txBody>
+                  <a:tcPr marL="7620" marR="7620" marT="7620" marB="0" anchor="b"/>
+                </a:tc>
+                <a:extLst>
+                  <a:ext uri="{0D108BD9-81ED-4DB2-BD59-A6C34878D82A}">
+                    <a16:rowId xmlns:a16="http://schemas.microsoft.com/office/drawing/2014/main" val="19123923"/>
+                  </a:ext>
+                </a:extLst>
+              </a:tr>
+              <a:tr h="378275">
+                <a:tc>
+                  <a:txBody>
+                    <a:bodyPr/>
+                    <a:lstStyle/>
+                    <a:p>
+                      <a:pPr algn="l" fontAlgn="b"/>
+                      <a:r>
+                        <a:rPr lang="en-CA" sz="2400" u="none" strike="noStrike">
+                          <a:effectLst/>
+                        </a:rPr>
+                        <a:t>Diatonic Pitch</a:t>
+                      </a:r>
+                      <a:endParaRPr lang="en-CA" sz="2400" b="0" i="0" u="none" strike="noStrike">
+                        <a:solidFill>
+                          <a:srgbClr val="000000"/>
+                        </a:solidFill>
+                        <a:effectLst/>
+                        <a:latin typeface="Consolas" panose="020B0609020204030204" pitchFamily="49" charset="0"/>
+                      </a:endParaRPr>
+                    </a:p>
+                  </a:txBody>
+                  <a:tcPr marL="7620" marR="7620" marT="7620" marB="0" anchor="b">
+                    <a:lnR w="12700" cap="flat" cmpd="sng" algn="ctr">
+                      <a:solidFill>
+                        <a:schemeClr val="tx1"/>
+                      </a:solidFill>
+                      <a:prstDash val="solid"/>
+                      <a:round/>
+                      <a:headEnd type="none" w="med" len="med"/>
+                      <a:tailEnd type="none" w="med" len="med"/>
+                    </a:lnR>
+                  </a:tcPr>
+                </a:tc>
+                <a:tc>
+                  <a:txBody>
+                    <a:bodyPr/>
+                    <a:lstStyle/>
+                    <a:p>
+                      <a:pPr algn="l" fontAlgn="b"/>
+                      <a:endParaRPr lang="en-CA" sz="2400" b="0" i="0" u="none" strike="noStrike">
+                        <a:solidFill>
+                          <a:srgbClr val="000000"/>
+                        </a:solidFill>
+                        <a:effectLst/>
+                        <a:latin typeface="Consolas" panose="020B0609020204030204" pitchFamily="49" charset="0"/>
+                      </a:endParaRPr>
+                    </a:p>
+                  </a:txBody>
+                  <a:tcPr marL="7620" marR="7620" marT="7620" marB="0" anchor="b">
+                    <a:lnL w="12700" cap="flat" cmpd="sng" algn="ctr">
+                      <a:solidFill>
+                        <a:schemeClr val="tx1"/>
+                      </a:solidFill>
+                      <a:prstDash val="solid"/>
+                      <a:round/>
+                      <a:headEnd type="none" w="med" len="med"/>
+                      <a:tailEnd type="none" w="med" len="med"/>
+                    </a:lnL>
+                  </a:tcPr>
+                </a:tc>
+                <a:tc>
+                  <a:txBody>
+                    <a:bodyPr/>
+                    <a:lstStyle/>
+                    <a:p>
+                      <a:pPr algn="l" fontAlgn="b"/>
+                      <a:r>
+                        <a:rPr lang="en-CA" sz="2400" b="0" u="none" strike="noStrike">
+                          <a:effectLst/>
+                          <a:latin typeface="Consolas" panose="020B0609020204030204" pitchFamily="49" charset="0"/>
+                        </a:rPr>
+                        <a:t>A</a:t>
+                      </a:r>
+                      <a:endParaRPr lang="en-CA" sz="2400" b="0" i="0" u="none" strike="noStrike">
+                        <a:solidFill>
+                          <a:srgbClr val="000000"/>
+                        </a:solidFill>
+                        <a:effectLst/>
+                        <a:latin typeface="Consolas" panose="020B0609020204030204" pitchFamily="49" charset="0"/>
+                      </a:endParaRPr>
+                    </a:p>
+                  </a:txBody>
+                  <a:tcPr marL="7620" marR="7620" marT="7620" marB="0" anchor="b"/>
+                </a:tc>
+                <a:tc>
+                  <a:txBody>
+                    <a:bodyPr/>
+                    <a:lstStyle/>
+                    <a:p>
+                      <a:pPr algn="l" fontAlgn="b"/>
+                      <a:r>
+                        <a:rPr lang="en-CA" sz="2400" b="0" u="none" strike="noStrike">
+                          <a:effectLst/>
+                          <a:latin typeface="Consolas" panose="020B0609020204030204" pitchFamily="49" charset="0"/>
+                        </a:rPr>
+                        <a:t>B</a:t>
+                      </a:r>
+                      <a:endParaRPr lang="en-CA" sz="2400" b="0" i="0" u="none" strike="noStrike">
+                        <a:solidFill>
+                          <a:srgbClr val="000000"/>
+                        </a:solidFill>
+                        <a:effectLst/>
+                        <a:latin typeface="Consolas" panose="020B0609020204030204" pitchFamily="49" charset="0"/>
+                      </a:endParaRPr>
+                    </a:p>
+                  </a:txBody>
+                  <a:tcPr marL="7620" marR="7620" marT="7620" marB="0" anchor="b"/>
+                </a:tc>
+                <a:tc>
+                  <a:txBody>
+                    <a:bodyPr/>
+                    <a:lstStyle/>
+                    <a:p>
+                      <a:pPr algn="l" fontAlgn="b"/>
+                      <a:r>
+                        <a:rPr lang="en-CA" sz="2400" b="0" u="none" strike="noStrike">
+                          <a:effectLst/>
+                          <a:latin typeface="Consolas" panose="020B0609020204030204" pitchFamily="49" charset="0"/>
+                        </a:rPr>
+                        <a:t>A</a:t>
+                      </a:r>
+                      <a:endParaRPr lang="en-CA" sz="2400" b="0" i="0" u="none" strike="noStrike">
+                        <a:solidFill>
+                          <a:srgbClr val="000000"/>
+                        </a:solidFill>
+                        <a:effectLst/>
+                        <a:latin typeface="Consolas" panose="020B0609020204030204" pitchFamily="49" charset="0"/>
+                      </a:endParaRPr>
+                    </a:p>
+                  </a:txBody>
+                  <a:tcPr marL="7620" marR="7620" marT="7620" marB="0" anchor="b"/>
+                </a:tc>
+                <a:tc>
+                  <a:txBody>
+                    <a:bodyPr/>
+                    <a:lstStyle/>
+                    <a:p>
+                      <a:pPr algn="l" fontAlgn="b"/>
+                      <a:r>
+                        <a:rPr lang="en-CA" sz="2400" b="0" u="none" strike="noStrike">
+                          <a:effectLst/>
+                          <a:latin typeface="Consolas" panose="020B0609020204030204" pitchFamily="49" charset="0"/>
+                        </a:rPr>
+                        <a:t>G</a:t>
+                      </a:r>
+                      <a:endParaRPr lang="en-CA" sz="2400" b="0" i="0" u="none" strike="noStrike">
+                        <a:solidFill>
+                          <a:srgbClr val="000000"/>
+                        </a:solidFill>
+                        <a:effectLst/>
+                        <a:latin typeface="Consolas" panose="020B0609020204030204" pitchFamily="49" charset="0"/>
+                      </a:endParaRPr>
+                    </a:p>
+                  </a:txBody>
+                  <a:tcPr marL="7620" marR="7620" marT="7620" marB="0" anchor="b"/>
+                </a:tc>
+                <a:tc>
+                  <a:txBody>
+                    <a:bodyPr/>
+                    <a:lstStyle/>
+                    <a:p>
+                      <a:pPr algn="l" fontAlgn="b"/>
+                      <a:r>
+                        <a:rPr lang="en-CA" sz="2400" b="0" u="none" strike="noStrike">
+                          <a:effectLst/>
+                          <a:latin typeface="Consolas" panose="020B0609020204030204" pitchFamily="49" charset="0"/>
+                        </a:rPr>
+                        <a:t>G</a:t>
+                      </a:r>
+                      <a:endParaRPr lang="en-CA" sz="2400" b="0" i="0" u="none" strike="noStrike">
+                        <a:solidFill>
+                          <a:srgbClr val="000000"/>
+                        </a:solidFill>
+                        <a:effectLst/>
+                        <a:latin typeface="Consolas" panose="020B0609020204030204" pitchFamily="49" charset="0"/>
+                      </a:endParaRPr>
+                    </a:p>
+                  </a:txBody>
+                  <a:tcPr marL="7620" marR="7620" marT="7620" marB="0" anchor="b"/>
+                </a:tc>
+                <a:tc>
+                  <a:txBody>
+                    <a:bodyPr/>
+                    <a:lstStyle/>
+                    <a:p>
+                      <a:pPr algn="l" fontAlgn="b"/>
+                      <a:r>
+                        <a:rPr lang="en-CA" sz="2400" b="0" u="none" strike="noStrike">
+                          <a:effectLst/>
+                          <a:latin typeface="Consolas" panose="020B0609020204030204" pitchFamily="49" charset="0"/>
+                        </a:rPr>
+                        <a:t>F</a:t>
+                      </a:r>
+                      <a:endParaRPr lang="en-CA" sz="2400" b="0" i="0" u="none" strike="noStrike">
+                        <a:solidFill>
+                          <a:srgbClr val="000000"/>
+                        </a:solidFill>
+                        <a:effectLst/>
+                        <a:latin typeface="Consolas" panose="020B0609020204030204" pitchFamily="49" charset="0"/>
+                      </a:endParaRPr>
+                    </a:p>
+                  </a:txBody>
+                  <a:tcPr marL="7620" marR="7620" marT="7620" marB="0" anchor="b"/>
+                </a:tc>
+                <a:tc>
+                  <a:txBody>
+                    <a:bodyPr/>
+                    <a:lstStyle/>
+                    <a:p>
+                      <a:pPr algn="l" fontAlgn="b"/>
+                      <a:r>
+                        <a:rPr lang="en-CA" sz="2400" b="0" u="none" strike="noStrike">
+                          <a:effectLst/>
+                          <a:latin typeface="Consolas" panose="020B0609020204030204" pitchFamily="49" charset="0"/>
+                        </a:rPr>
+                        <a:t>B</a:t>
+                      </a:r>
+                      <a:endParaRPr lang="en-CA" sz="2400" b="0" i="0" u="none" strike="noStrike">
+                        <a:solidFill>
+                          <a:srgbClr val="000000"/>
+                        </a:solidFill>
+                        <a:effectLst/>
+                        <a:latin typeface="Consolas" panose="020B0609020204030204" pitchFamily="49" charset="0"/>
+                      </a:endParaRPr>
+                    </a:p>
+                  </a:txBody>
+                  <a:tcPr marL="7620" marR="7620" marT="7620" marB="0" anchor="b"/>
+                </a:tc>
+                <a:extLst>
+                  <a:ext uri="{0D108BD9-81ED-4DB2-BD59-A6C34878D82A}">
+                    <a16:rowId xmlns:a16="http://schemas.microsoft.com/office/drawing/2014/main" val="2847132030"/>
+                  </a:ext>
+                </a:extLst>
+              </a:tr>
+              <a:tr h="345131">
+                <a:tc>
+                  <a:txBody>
+                    <a:bodyPr/>
+                    <a:lstStyle/>
+                    <a:p>
+                      <a:pPr algn="l" fontAlgn="b"/>
+                      <a:r>
+                        <a:rPr lang="en-CA" sz="2400" u="none" strike="noStrike" dirty="0">
+                          <a:effectLst/>
+                        </a:rPr>
+                        <a:t>Interval</a:t>
+                      </a:r>
+                      <a:endParaRPr lang="en-CA" sz="2400" b="0" i="0" u="none" strike="noStrike" dirty="0">
+                        <a:solidFill>
+                          <a:srgbClr val="000000"/>
+                        </a:solidFill>
+                        <a:effectLst/>
+                        <a:latin typeface="Consolas" panose="020B0609020204030204" pitchFamily="49" charset="0"/>
+                      </a:endParaRPr>
+                    </a:p>
+                  </a:txBody>
+                  <a:tcPr marL="7620" marR="7620" marT="7620" marB="0" anchor="b">
+                    <a:lnR w="12700" cap="flat" cmpd="sng" algn="ctr">
+                      <a:solidFill>
+                        <a:schemeClr val="tx1"/>
+                      </a:solidFill>
+                      <a:prstDash val="solid"/>
+                      <a:round/>
+                      <a:headEnd type="none" w="med" len="med"/>
+                      <a:tailEnd type="none" w="med" len="med"/>
+                    </a:lnR>
+                  </a:tcPr>
+                </a:tc>
+                <a:tc>
+                  <a:txBody>
+                    <a:bodyPr/>
+                    <a:lstStyle/>
+                    <a:p>
+                      <a:pPr algn="l" fontAlgn="b"/>
+                      <a:endParaRPr lang="en-CA" sz="2400" b="0" i="0" u="none" strike="noStrike" dirty="0">
+                        <a:solidFill>
+                          <a:srgbClr val="000000"/>
+                        </a:solidFill>
+                        <a:effectLst/>
+                        <a:latin typeface="Consolas" panose="020B0609020204030204" pitchFamily="49" charset="0"/>
+                      </a:endParaRPr>
+                    </a:p>
+                  </a:txBody>
+                  <a:tcPr marL="7620" marR="7620" marT="7620" marB="0" anchor="b">
+                    <a:lnL w="12700" cap="flat" cmpd="sng" algn="ctr">
+                      <a:solidFill>
+                        <a:schemeClr val="tx1"/>
+                      </a:solidFill>
+                      <a:prstDash val="solid"/>
+                      <a:round/>
+                      <a:headEnd type="none" w="med" len="med"/>
+                      <a:tailEnd type="none" w="med" len="med"/>
+                    </a:lnL>
+                  </a:tcPr>
+                </a:tc>
+                <a:tc>
+                  <a:txBody>
+                    <a:bodyPr/>
+                    <a:lstStyle/>
+                    <a:p>
+                      <a:pPr algn="l" fontAlgn="b"/>
+                      <a:r>
+                        <a:rPr lang="en-CA" sz="2400" b="0" u="none" strike="noStrike" dirty="0">
+                          <a:effectLst/>
+                          <a:latin typeface="Consolas" panose="020B0609020204030204" pitchFamily="49" charset="0"/>
+                        </a:rPr>
+                        <a:t>_</a:t>
+                      </a:r>
+                      <a:endParaRPr lang="en-CA" sz="2400" b="0" i="0" u="none" strike="noStrike" dirty="0">
+                        <a:solidFill>
+                          <a:srgbClr val="000000"/>
+                        </a:solidFill>
+                        <a:effectLst/>
+                        <a:latin typeface="Consolas" panose="020B0609020204030204" pitchFamily="49" charset="0"/>
+                      </a:endParaRPr>
+                    </a:p>
+                  </a:txBody>
+                  <a:tcPr marL="7620" marR="7620" marT="7620" marB="0" anchor="b"/>
+                </a:tc>
+                <a:tc>
+                  <a:txBody>
+                    <a:bodyPr/>
+                    <a:lstStyle/>
+                    <a:p>
+                      <a:pPr algn="l" fontAlgn="b"/>
+                      <a:r>
+                        <a:rPr lang="en-CA" sz="2400" b="0" u="none" strike="noStrike" dirty="0">
+                          <a:effectLst/>
+                          <a:latin typeface="Consolas" panose="020B0609020204030204" pitchFamily="49" charset="0"/>
+                        </a:rPr>
+                        <a:t>m2↑ </a:t>
+                      </a:r>
+                      <a:endParaRPr lang="en-CA" sz="2400" b="0" i="0" u="none" strike="noStrike" dirty="0">
+                        <a:solidFill>
+                          <a:srgbClr val="000000"/>
+                        </a:solidFill>
+                        <a:effectLst/>
+                        <a:latin typeface="Consolas" panose="020B0609020204030204" pitchFamily="49" charset="0"/>
+                      </a:endParaRPr>
+                    </a:p>
+                  </a:txBody>
+                  <a:tcPr marL="7620" marR="7620" marT="7620" marB="0" anchor="b"/>
+                </a:tc>
+                <a:tc>
+                  <a:txBody>
+                    <a:bodyPr/>
+                    <a:lstStyle/>
+                    <a:p>
+                      <a:pPr algn="l" fontAlgn="b"/>
+                      <a:r>
+                        <a:rPr lang="en-CA" sz="2400" b="0" u="none" strike="noStrike">
+                          <a:effectLst/>
+                          <a:latin typeface="Consolas" panose="020B0609020204030204" pitchFamily="49" charset="0"/>
+                        </a:rPr>
+                        <a:t>m2↓</a:t>
+                      </a:r>
+                      <a:endParaRPr lang="en-CA" sz="2400" b="0" i="0" u="none" strike="noStrike">
+                        <a:solidFill>
+                          <a:srgbClr val="000000"/>
+                        </a:solidFill>
+                        <a:effectLst/>
+                        <a:latin typeface="Consolas" panose="020B0609020204030204" pitchFamily="49" charset="0"/>
+                      </a:endParaRPr>
+                    </a:p>
+                  </a:txBody>
+                  <a:tcPr marL="7620" marR="7620" marT="7620" marB="0" anchor="b"/>
+                </a:tc>
+                <a:tc>
+                  <a:txBody>
+                    <a:bodyPr/>
+                    <a:lstStyle/>
+                    <a:p>
+                      <a:pPr algn="l" fontAlgn="b"/>
+                      <a:r>
+                        <a:rPr lang="en-CA" sz="2400" b="0" u="none" strike="noStrike">
+                          <a:effectLst/>
+                          <a:latin typeface="Consolas" panose="020B0609020204030204" pitchFamily="49" charset="0"/>
+                        </a:rPr>
+                        <a:t>M2↓</a:t>
+                      </a:r>
+                      <a:endParaRPr lang="en-CA" sz="2400" b="0" i="0" u="none" strike="noStrike">
+                        <a:solidFill>
+                          <a:srgbClr val="000000"/>
+                        </a:solidFill>
+                        <a:effectLst/>
+                        <a:latin typeface="Consolas" panose="020B0609020204030204" pitchFamily="49" charset="0"/>
+                      </a:endParaRPr>
+                    </a:p>
+                  </a:txBody>
+                  <a:tcPr marL="7620" marR="7620" marT="7620" marB="0" anchor="b"/>
+                </a:tc>
+                <a:tc>
+                  <a:txBody>
+                    <a:bodyPr/>
+                    <a:lstStyle/>
+                    <a:p>
+                      <a:pPr algn="l" fontAlgn="b"/>
+                      <a:r>
+                        <a:rPr lang="en-CA" sz="2400" b="0" u="none" strike="noStrike" dirty="0">
+                          <a:effectLst/>
+                          <a:latin typeface="Consolas" panose="020B0609020204030204" pitchFamily="49" charset="0"/>
+                        </a:rPr>
+                        <a:t>m2↓</a:t>
+                      </a:r>
+                      <a:endParaRPr lang="en-CA" sz="2400" b="0" i="0" u="none" strike="noStrike" dirty="0">
+                        <a:solidFill>
+                          <a:srgbClr val="000000"/>
+                        </a:solidFill>
+                        <a:effectLst/>
+                        <a:latin typeface="Consolas" panose="020B0609020204030204" pitchFamily="49" charset="0"/>
+                      </a:endParaRPr>
+                    </a:p>
+                  </a:txBody>
+                  <a:tcPr marL="7620" marR="7620" marT="7620" marB="0" anchor="b"/>
+                </a:tc>
+                <a:tc>
+                  <a:txBody>
+                    <a:bodyPr/>
+                    <a:lstStyle/>
+                    <a:p>
+                      <a:pPr algn="l" fontAlgn="b"/>
+                      <a:r>
+                        <a:rPr lang="en-CA" sz="2400" b="0" u="none" strike="noStrike">
+                          <a:effectLst/>
+                          <a:latin typeface="Consolas" panose="020B0609020204030204" pitchFamily="49" charset="0"/>
+                        </a:rPr>
+                        <a:t>m2↓</a:t>
+                      </a:r>
+                      <a:endParaRPr lang="en-CA" sz="2400" b="0" i="0" u="none" strike="noStrike">
+                        <a:solidFill>
+                          <a:srgbClr val="000000"/>
+                        </a:solidFill>
+                        <a:effectLst/>
+                        <a:latin typeface="Consolas" panose="020B0609020204030204" pitchFamily="49" charset="0"/>
+                      </a:endParaRPr>
+                    </a:p>
+                  </a:txBody>
+                  <a:tcPr marL="7620" marR="7620" marT="7620" marB="0" anchor="b"/>
+                </a:tc>
+                <a:tc>
+                  <a:txBody>
+                    <a:bodyPr/>
+                    <a:lstStyle/>
+                    <a:p>
+                      <a:pPr algn="l" fontAlgn="b"/>
+                      <a:r>
+                        <a:rPr lang="en-CA" sz="2400" b="0" u="none" strike="noStrike">
+                          <a:effectLst/>
+                          <a:latin typeface="Consolas" panose="020B0609020204030204" pitchFamily="49" charset="0"/>
+                        </a:rPr>
+                        <a:t>dim5↓</a:t>
+                      </a:r>
+                      <a:endParaRPr lang="en-CA" sz="2400" b="0" i="0" u="none" strike="noStrike">
+                        <a:solidFill>
+                          <a:srgbClr val="000000"/>
+                        </a:solidFill>
+                        <a:effectLst/>
+                        <a:latin typeface="Consolas" panose="020B0609020204030204" pitchFamily="49" charset="0"/>
+                      </a:endParaRPr>
+                    </a:p>
+                  </a:txBody>
+                  <a:tcPr marL="7620" marR="7620" marT="7620" marB="0" anchor="b"/>
+                </a:tc>
+                <a:extLst>
+                  <a:ext uri="{0D108BD9-81ED-4DB2-BD59-A6C34878D82A}">
+                    <a16:rowId xmlns:a16="http://schemas.microsoft.com/office/drawing/2014/main" val="930298634"/>
+                  </a:ext>
+                </a:extLst>
+              </a:tr>
+              <a:tr h="345131">
+                <a:tc>
+                  <a:txBody>
+                    <a:bodyPr/>
+                    <a:lstStyle/>
+                    <a:p>
+                      <a:pPr algn="l" fontAlgn="b"/>
+                      <a:r>
+                        <a:rPr lang="en-CA" sz="2400" u="none" strike="noStrike" dirty="0">
+                          <a:effectLst/>
+                        </a:rPr>
+                        <a:t>Diatonic Interval</a:t>
+                      </a:r>
+                      <a:endParaRPr lang="en-CA" sz="2400" b="0" i="0" u="none" strike="noStrike" dirty="0">
+                        <a:solidFill>
+                          <a:srgbClr val="000000"/>
+                        </a:solidFill>
+                        <a:effectLst/>
+                        <a:latin typeface="Consolas" panose="020B0609020204030204" pitchFamily="49" charset="0"/>
+                      </a:endParaRPr>
+                    </a:p>
+                  </a:txBody>
+                  <a:tcPr marL="7620" marR="7620" marT="7620" marB="0" anchor="b">
+                    <a:lnR w="12700" cap="flat" cmpd="sng" algn="ctr">
+                      <a:solidFill>
+                        <a:schemeClr val="tx1"/>
+                      </a:solidFill>
+                      <a:prstDash val="solid"/>
+                      <a:round/>
+                      <a:headEnd type="none" w="med" len="med"/>
+                      <a:tailEnd type="none" w="med" len="med"/>
+                    </a:lnR>
+                  </a:tcPr>
+                </a:tc>
+                <a:tc>
+                  <a:txBody>
+                    <a:bodyPr/>
+                    <a:lstStyle/>
+                    <a:p>
+                      <a:pPr algn="l" fontAlgn="b"/>
+                      <a:endParaRPr lang="en-CA" sz="2400" b="0" i="0" u="none" strike="noStrike">
+                        <a:solidFill>
+                          <a:srgbClr val="000000"/>
+                        </a:solidFill>
+                        <a:effectLst/>
+                        <a:latin typeface="Consolas" panose="020B0609020204030204" pitchFamily="49" charset="0"/>
+                      </a:endParaRPr>
+                    </a:p>
+                  </a:txBody>
+                  <a:tcPr marL="7620" marR="7620" marT="7620" marB="0" anchor="b">
+                    <a:lnL w="12700" cap="flat" cmpd="sng" algn="ctr">
+                      <a:solidFill>
+                        <a:schemeClr val="tx1"/>
+                      </a:solidFill>
+                      <a:prstDash val="solid"/>
+                      <a:round/>
+                      <a:headEnd type="none" w="med" len="med"/>
+                      <a:tailEnd type="none" w="med" len="med"/>
+                    </a:lnL>
+                  </a:tcPr>
+                </a:tc>
+                <a:tc>
+                  <a:txBody>
+                    <a:bodyPr/>
+                    <a:lstStyle/>
+                    <a:p>
+                      <a:pPr algn="l" fontAlgn="b"/>
+                      <a:r>
+                        <a:rPr lang="en-CA" sz="2400" b="0" u="none" strike="noStrike">
+                          <a:effectLst/>
+                          <a:latin typeface="Consolas" panose="020B0609020204030204" pitchFamily="49" charset="0"/>
+                        </a:rPr>
+                        <a:t>_</a:t>
+                      </a:r>
+                      <a:endParaRPr lang="en-CA" sz="2400" b="0" i="0" u="none" strike="noStrike">
+                        <a:solidFill>
+                          <a:srgbClr val="000000"/>
+                        </a:solidFill>
+                        <a:effectLst/>
+                        <a:latin typeface="Consolas" panose="020B0609020204030204" pitchFamily="49" charset="0"/>
+                      </a:endParaRPr>
+                    </a:p>
+                  </a:txBody>
+                  <a:tcPr marL="7620" marR="7620" marT="7620" marB="0" anchor="b"/>
+                </a:tc>
+                <a:tc>
+                  <a:txBody>
+                    <a:bodyPr/>
+                    <a:lstStyle/>
+                    <a:p>
+                      <a:pPr algn="l" fontAlgn="b"/>
+                      <a:r>
+                        <a:rPr lang="en-CA" sz="2400" b="0" u="none" strike="noStrike">
+                          <a:effectLst/>
+                          <a:latin typeface="Consolas" panose="020B0609020204030204" pitchFamily="49" charset="0"/>
+                        </a:rPr>
+                        <a:t>2↑ </a:t>
+                      </a:r>
+                      <a:endParaRPr lang="en-CA" sz="2400" b="0" i="0" u="none" strike="noStrike">
+                        <a:solidFill>
+                          <a:srgbClr val="000000"/>
+                        </a:solidFill>
+                        <a:effectLst/>
+                        <a:latin typeface="Consolas" panose="020B0609020204030204" pitchFamily="49" charset="0"/>
+                      </a:endParaRPr>
+                    </a:p>
+                  </a:txBody>
+                  <a:tcPr marL="7620" marR="7620" marT="7620" marB="0" anchor="b"/>
+                </a:tc>
+                <a:tc>
+                  <a:txBody>
+                    <a:bodyPr/>
+                    <a:lstStyle/>
+                    <a:p>
+                      <a:pPr algn="l" fontAlgn="b"/>
+                      <a:r>
+                        <a:rPr lang="en-CA" sz="2400" b="0" u="none" strike="noStrike" dirty="0">
+                          <a:effectLst/>
+                          <a:latin typeface="Consolas" panose="020B0609020204030204" pitchFamily="49" charset="0"/>
+                        </a:rPr>
+                        <a:t>2↓</a:t>
+                      </a:r>
+                      <a:endParaRPr lang="en-CA" sz="2400" b="0" i="0" u="none" strike="noStrike" dirty="0">
+                        <a:solidFill>
+                          <a:srgbClr val="000000"/>
+                        </a:solidFill>
+                        <a:effectLst/>
+                        <a:latin typeface="Consolas" panose="020B0609020204030204" pitchFamily="49" charset="0"/>
+                      </a:endParaRPr>
+                    </a:p>
+                  </a:txBody>
+                  <a:tcPr marL="7620" marR="7620" marT="7620" marB="0" anchor="b"/>
+                </a:tc>
+                <a:tc>
+                  <a:txBody>
+                    <a:bodyPr/>
+                    <a:lstStyle/>
+                    <a:p>
+                      <a:pPr algn="l" fontAlgn="b"/>
+                      <a:r>
+                        <a:rPr lang="en-CA" sz="2400" b="0" u="none" strike="noStrike" dirty="0">
+                          <a:effectLst/>
+                          <a:latin typeface="Consolas" panose="020B0609020204030204" pitchFamily="49" charset="0"/>
+                        </a:rPr>
+                        <a:t>2↓</a:t>
+                      </a:r>
+                      <a:endParaRPr lang="en-CA" sz="2400" b="0" i="0" u="none" strike="noStrike" dirty="0">
+                        <a:solidFill>
+                          <a:srgbClr val="000000"/>
+                        </a:solidFill>
+                        <a:effectLst/>
+                        <a:latin typeface="Consolas" panose="020B0609020204030204" pitchFamily="49" charset="0"/>
+                      </a:endParaRPr>
+                    </a:p>
+                  </a:txBody>
+                  <a:tcPr marL="7620" marR="7620" marT="7620" marB="0" anchor="b"/>
+                </a:tc>
+                <a:tc>
+                  <a:txBody>
+                    <a:bodyPr/>
+                    <a:lstStyle/>
+                    <a:p>
+                      <a:pPr algn="l" fontAlgn="b"/>
+                      <a:r>
+                        <a:rPr lang="en-CA" sz="2400" b="0" u="none" strike="noStrike">
+                          <a:effectLst/>
+                          <a:latin typeface="Consolas" panose="020B0609020204030204" pitchFamily="49" charset="0"/>
+                        </a:rPr>
+                        <a:t>2↓</a:t>
+                      </a:r>
+                      <a:endParaRPr lang="en-CA" sz="2400" b="0" i="0" u="none" strike="noStrike">
+                        <a:solidFill>
+                          <a:srgbClr val="000000"/>
+                        </a:solidFill>
+                        <a:effectLst/>
+                        <a:latin typeface="Consolas" panose="020B0609020204030204" pitchFamily="49" charset="0"/>
+                      </a:endParaRPr>
+                    </a:p>
+                  </a:txBody>
+                  <a:tcPr marL="7620" marR="7620" marT="7620" marB="0" anchor="b"/>
+                </a:tc>
+                <a:tc>
+                  <a:txBody>
+                    <a:bodyPr/>
+                    <a:lstStyle/>
+                    <a:p>
+                      <a:pPr algn="l" fontAlgn="b"/>
+                      <a:r>
+                        <a:rPr lang="en-CA" sz="2400" b="0" u="none" strike="noStrike">
+                          <a:effectLst/>
+                          <a:latin typeface="Consolas" panose="020B0609020204030204" pitchFamily="49" charset="0"/>
+                        </a:rPr>
+                        <a:t>2↓</a:t>
+                      </a:r>
+                      <a:endParaRPr lang="en-CA" sz="2400" b="0" i="0" u="none" strike="noStrike">
+                        <a:solidFill>
+                          <a:srgbClr val="000000"/>
+                        </a:solidFill>
+                        <a:effectLst/>
+                        <a:latin typeface="Consolas" panose="020B0609020204030204" pitchFamily="49" charset="0"/>
+                      </a:endParaRPr>
+                    </a:p>
+                  </a:txBody>
+                  <a:tcPr marL="7620" marR="7620" marT="7620" marB="0" anchor="b"/>
+                </a:tc>
+                <a:tc>
+                  <a:txBody>
+                    <a:bodyPr/>
+                    <a:lstStyle/>
+                    <a:p>
+                      <a:pPr algn="l" fontAlgn="b"/>
+                      <a:r>
+                        <a:rPr lang="en-CA" sz="2400" b="0" u="none" strike="noStrike">
+                          <a:effectLst/>
+                          <a:latin typeface="Consolas" panose="020B0609020204030204" pitchFamily="49" charset="0"/>
+                        </a:rPr>
+                        <a:t>5↓</a:t>
+                      </a:r>
+                      <a:endParaRPr lang="en-CA" sz="2400" b="0" i="0" u="none" strike="noStrike">
+                        <a:solidFill>
+                          <a:srgbClr val="000000"/>
+                        </a:solidFill>
+                        <a:effectLst/>
+                        <a:latin typeface="Consolas" panose="020B0609020204030204" pitchFamily="49" charset="0"/>
+                      </a:endParaRPr>
+                    </a:p>
+                  </a:txBody>
+                  <a:tcPr marL="7620" marR="7620" marT="7620" marB="0" anchor="b"/>
+                </a:tc>
+                <a:extLst>
+                  <a:ext uri="{0D108BD9-81ED-4DB2-BD59-A6C34878D82A}">
+                    <a16:rowId xmlns:a16="http://schemas.microsoft.com/office/drawing/2014/main" val="4192251598"/>
+                  </a:ext>
+                </a:extLst>
+              </a:tr>
+              <a:tr h="345131">
+                <a:tc>
+                  <a:txBody>
+                    <a:bodyPr/>
+                    <a:lstStyle/>
+                    <a:p>
+                      <a:pPr algn="l" fontAlgn="b"/>
+                      <a:r>
+                        <a:rPr lang="en-CA" sz="2400" u="none" strike="noStrike" dirty="0">
+                          <a:effectLst/>
+                        </a:rPr>
+                        <a:t>Pitch Contour</a:t>
+                      </a:r>
+                      <a:endParaRPr lang="en-CA" sz="2400" b="0" i="0" u="none" strike="noStrike" dirty="0">
+                        <a:solidFill>
+                          <a:srgbClr val="000000"/>
+                        </a:solidFill>
+                        <a:effectLst/>
+                        <a:latin typeface="Consolas" panose="020B0609020204030204" pitchFamily="49" charset="0"/>
+                      </a:endParaRPr>
+                    </a:p>
+                  </a:txBody>
+                  <a:tcPr marL="7620" marR="7620" marT="7620" marB="0" anchor="b">
+                    <a:lnR w="12700" cap="flat" cmpd="sng" algn="ctr">
+                      <a:solidFill>
+                        <a:schemeClr val="tx1"/>
+                      </a:solidFill>
+                      <a:prstDash val="solid"/>
+                      <a:round/>
+                      <a:headEnd type="none" w="med" len="med"/>
+                      <a:tailEnd type="none" w="med" len="med"/>
+                    </a:lnR>
+                  </a:tcPr>
+                </a:tc>
+                <a:tc>
+                  <a:txBody>
+                    <a:bodyPr/>
+                    <a:lstStyle/>
+                    <a:p>
+                      <a:pPr algn="l" fontAlgn="b"/>
+                      <a:endParaRPr lang="en-CA" sz="2400" b="0" i="0" u="none" strike="noStrike" dirty="0">
+                        <a:solidFill>
+                          <a:srgbClr val="000000"/>
+                        </a:solidFill>
+                        <a:effectLst/>
+                        <a:latin typeface="Consolas" panose="020B0609020204030204" pitchFamily="49" charset="0"/>
+                      </a:endParaRPr>
+                    </a:p>
+                  </a:txBody>
+                  <a:tcPr marL="7620" marR="7620" marT="7620" marB="0" anchor="b">
+                    <a:lnL w="12700" cap="flat" cmpd="sng" algn="ctr">
+                      <a:solidFill>
+                        <a:schemeClr val="tx1"/>
+                      </a:solidFill>
+                      <a:prstDash val="solid"/>
+                      <a:round/>
+                      <a:headEnd type="none" w="med" len="med"/>
+                      <a:tailEnd type="none" w="med" len="med"/>
+                    </a:lnL>
+                  </a:tcPr>
+                </a:tc>
+                <a:tc>
+                  <a:txBody>
+                    <a:bodyPr/>
+                    <a:lstStyle/>
+                    <a:p>
+                      <a:pPr algn="l" fontAlgn="b"/>
+                      <a:r>
+                        <a:rPr lang="en-CA" sz="2400" b="0" u="none" strike="noStrike">
+                          <a:effectLst/>
+                          <a:latin typeface="Consolas" panose="020B0609020204030204" pitchFamily="49" charset="0"/>
+                        </a:rPr>
+                        <a:t>_</a:t>
+                      </a:r>
+                      <a:endParaRPr lang="en-CA" sz="2400" b="0" i="0" u="none" strike="noStrike">
+                        <a:solidFill>
+                          <a:srgbClr val="000000"/>
+                        </a:solidFill>
+                        <a:effectLst/>
+                        <a:latin typeface="Consolas" panose="020B0609020204030204" pitchFamily="49" charset="0"/>
+                      </a:endParaRPr>
+                    </a:p>
+                  </a:txBody>
+                  <a:tcPr marL="7620" marR="7620" marT="7620" marB="0" anchor="b"/>
+                </a:tc>
+                <a:tc>
+                  <a:txBody>
+                    <a:bodyPr/>
+                    <a:lstStyle/>
+                    <a:p>
+                      <a:pPr algn="l" fontAlgn="b"/>
+                      <a:r>
+                        <a:rPr lang="en-CA" sz="2400" b="0" u="none" strike="noStrike">
+                          <a:effectLst/>
+                          <a:latin typeface="Consolas" panose="020B0609020204030204" pitchFamily="49" charset="0"/>
+                        </a:rPr>
+                        <a:t>1</a:t>
+                      </a:r>
+                      <a:endParaRPr lang="en-CA" sz="2400" b="0" i="0" u="none" strike="noStrike">
+                        <a:solidFill>
+                          <a:srgbClr val="000000"/>
+                        </a:solidFill>
+                        <a:effectLst/>
+                        <a:latin typeface="Consolas" panose="020B0609020204030204" pitchFamily="49" charset="0"/>
+                      </a:endParaRPr>
+                    </a:p>
+                  </a:txBody>
+                  <a:tcPr marL="7620" marR="7620" marT="7620" marB="0" anchor="b"/>
+                </a:tc>
+                <a:tc>
+                  <a:txBody>
+                    <a:bodyPr/>
+                    <a:lstStyle/>
+                    <a:p>
+                      <a:pPr algn="l" fontAlgn="b"/>
+                      <a:r>
+                        <a:rPr lang="en-CA" sz="2400" b="0" u="none" strike="noStrike">
+                          <a:effectLst/>
+                          <a:latin typeface="Consolas" panose="020B0609020204030204" pitchFamily="49" charset="0"/>
+                        </a:rPr>
+                        <a:t>-1</a:t>
+                      </a:r>
+                      <a:endParaRPr lang="en-CA" sz="2400" b="0" i="0" u="none" strike="noStrike">
+                        <a:solidFill>
+                          <a:srgbClr val="000000"/>
+                        </a:solidFill>
+                        <a:effectLst/>
+                        <a:latin typeface="Consolas" panose="020B0609020204030204" pitchFamily="49" charset="0"/>
+                      </a:endParaRPr>
+                    </a:p>
+                  </a:txBody>
+                  <a:tcPr marL="7620" marR="7620" marT="7620" marB="0" anchor="b"/>
+                </a:tc>
+                <a:tc>
+                  <a:txBody>
+                    <a:bodyPr/>
+                    <a:lstStyle/>
+                    <a:p>
+                      <a:pPr algn="l" fontAlgn="b"/>
+                      <a:r>
+                        <a:rPr lang="en-CA" sz="2400" b="0" u="none" strike="noStrike" dirty="0">
+                          <a:effectLst/>
+                          <a:latin typeface="Consolas" panose="020B0609020204030204" pitchFamily="49" charset="0"/>
+                        </a:rPr>
+                        <a:t>-1</a:t>
+                      </a:r>
+                      <a:endParaRPr lang="en-CA" sz="2400" b="0" i="0" u="none" strike="noStrike" dirty="0">
+                        <a:solidFill>
+                          <a:srgbClr val="000000"/>
+                        </a:solidFill>
+                        <a:effectLst/>
+                        <a:latin typeface="Consolas" panose="020B0609020204030204" pitchFamily="49" charset="0"/>
+                      </a:endParaRPr>
+                    </a:p>
+                  </a:txBody>
+                  <a:tcPr marL="7620" marR="7620" marT="7620" marB="0" anchor="b"/>
+                </a:tc>
+                <a:tc>
+                  <a:txBody>
+                    <a:bodyPr/>
+                    <a:lstStyle/>
+                    <a:p>
+                      <a:pPr algn="l" fontAlgn="b"/>
+                      <a:r>
+                        <a:rPr lang="en-CA" sz="2400" b="0" u="none" strike="noStrike">
+                          <a:effectLst/>
+                          <a:latin typeface="Consolas" panose="020B0609020204030204" pitchFamily="49" charset="0"/>
+                        </a:rPr>
+                        <a:t>-1</a:t>
+                      </a:r>
+                      <a:endParaRPr lang="en-CA" sz="2400" b="0" i="0" u="none" strike="noStrike">
+                        <a:solidFill>
+                          <a:srgbClr val="000000"/>
+                        </a:solidFill>
+                        <a:effectLst/>
+                        <a:latin typeface="Consolas" panose="020B0609020204030204" pitchFamily="49" charset="0"/>
+                      </a:endParaRPr>
+                    </a:p>
+                  </a:txBody>
+                  <a:tcPr marL="7620" marR="7620" marT="7620" marB="0" anchor="b"/>
+                </a:tc>
+                <a:tc>
+                  <a:txBody>
+                    <a:bodyPr/>
+                    <a:lstStyle/>
+                    <a:p>
+                      <a:pPr algn="l" fontAlgn="b"/>
+                      <a:r>
+                        <a:rPr lang="en-CA" sz="2400" b="0" u="none" strike="noStrike">
+                          <a:effectLst/>
+                          <a:latin typeface="Consolas" panose="020B0609020204030204" pitchFamily="49" charset="0"/>
+                        </a:rPr>
+                        <a:t>-1</a:t>
+                      </a:r>
+                      <a:endParaRPr lang="en-CA" sz="2400" b="0" i="0" u="none" strike="noStrike">
+                        <a:solidFill>
+                          <a:srgbClr val="000000"/>
+                        </a:solidFill>
+                        <a:effectLst/>
+                        <a:latin typeface="Consolas" panose="020B0609020204030204" pitchFamily="49" charset="0"/>
+                      </a:endParaRPr>
+                    </a:p>
+                  </a:txBody>
+                  <a:tcPr marL="7620" marR="7620" marT="7620" marB="0" anchor="b"/>
+                </a:tc>
+                <a:tc>
+                  <a:txBody>
+                    <a:bodyPr/>
+                    <a:lstStyle/>
+                    <a:p>
+                      <a:pPr algn="l" fontAlgn="b"/>
+                      <a:r>
+                        <a:rPr lang="en-CA" sz="2400" b="0" u="none" strike="noStrike">
+                          <a:effectLst/>
+                          <a:latin typeface="Consolas" panose="020B0609020204030204" pitchFamily="49" charset="0"/>
+                        </a:rPr>
+                        <a:t>-1</a:t>
+                      </a:r>
+                      <a:endParaRPr lang="en-CA" sz="2400" b="0" i="0" u="none" strike="noStrike">
+                        <a:solidFill>
+                          <a:srgbClr val="000000"/>
+                        </a:solidFill>
+                        <a:effectLst/>
+                        <a:latin typeface="Consolas" panose="020B0609020204030204" pitchFamily="49" charset="0"/>
+                      </a:endParaRPr>
+                    </a:p>
+                  </a:txBody>
+                  <a:tcPr marL="7620" marR="7620" marT="7620" marB="0" anchor="b"/>
+                </a:tc>
+                <a:extLst>
+                  <a:ext uri="{0D108BD9-81ED-4DB2-BD59-A6C34878D82A}">
+                    <a16:rowId xmlns:a16="http://schemas.microsoft.com/office/drawing/2014/main" val="3329782396"/>
+                  </a:ext>
+                </a:extLst>
+              </a:tr>
+              <a:tr h="345131">
+                <a:tc>
+                  <a:txBody>
+                    <a:bodyPr/>
+                    <a:lstStyle/>
+                    <a:p>
+                      <a:pPr algn="l" fontAlgn="b"/>
+                      <a:r>
+                        <a:rPr lang="en-CA" sz="2400" u="none" strike="noStrike" dirty="0">
+                          <a:effectLst/>
+                        </a:rPr>
+                        <a:t>Is Skip</a:t>
+                      </a:r>
+                      <a:endParaRPr lang="en-CA" sz="2400" b="0" i="0" u="none" strike="noStrike" dirty="0">
+                        <a:solidFill>
+                          <a:srgbClr val="000000"/>
+                        </a:solidFill>
+                        <a:effectLst/>
+                        <a:latin typeface="Consolas" panose="020B0609020204030204" pitchFamily="49" charset="0"/>
+                      </a:endParaRPr>
+                    </a:p>
+                  </a:txBody>
+                  <a:tcPr marL="7620" marR="7620" marT="7620" marB="0" anchor="b">
+                    <a:lnR w="12700" cap="flat" cmpd="sng" algn="ctr">
+                      <a:solidFill>
+                        <a:schemeClr val="tx1"/>
+                      </a:solidFill>
+                      <a:prstDash val="solid"/>
+                      <a:round/>
+                      <a:headEnd type="none" w="med" len="med"/>
+                      <a:tailEnd type="none" w="med" len="med"/>
+                    </a:lnR>
+                  </a:tcPr>
+                </a:tc>
+                <a:tc>
+                  <a:txBody>
+                    <a:bodyPr/>
+                    <a:lstStyle/>
+                    <a:p>
+                      <a:pPr algn="l" fontAlgn="b"/>
+                      <a:endParaRPr lang="en-CA" sz="2400" b="0" i="0" u="none" strike="noStrike">
+                        <a:solidFill>
+                          <a:srgbClr val="000000"/>
+                        </a:solidFill>
+                        <a:effectLst/>
+                        <a:latin typeface="Consolas" panose="020B0609020204030204" pitchFamily="49" charset="0"/>
+                      </a:endParaRPr>
+                    </a:p>
+                  </a:txBody>
+                  <a:tcPr marL="7620" marR="7620" marT="7620" marB="0" anchor="b">
+                    <a:lnL w="12700" cap="flat" cmpd="sng" algn="ctr">
+                      <a:solidFill>
+                        <a:schemeClr val="tx1"/>
+                      </a:solidFill>
+                      <a:prstDash val="solid"/>
+                      <a:round/>
+                      <a:headEnd type="none" w="med" len="med"/>
+                      <a:tailEnd type="none" w="med" len="med"/>
+                    </a:lnL>
+                  </a:tcPr>
+                </a:tc>
+                <a:tc>
+                  <a:txBody>
+                    <a:bodyPr/>
+                    <a:lstStyle/>
+                    <a:p>
+                      <a:pPr algn="l" fontAlgn="b"/>
+                      <a:r>
+                        <a:rPr lang="en-CA" sz="2400" b="0" u="none" strike="noStrike">
+                          <a:effectLst/>
+                          <a:latin typeface="Consolas" panose="020B0609020204030204" pitchFamily="49" charset="0"/>
+                        </a:rPr>
+                        <a:t>_</a:t>
+                      </a:r>
+                      <a:endParaRPr lang="en-CA" sz="2400" b="0" i="0" u="none" strike="noStrike">
+                        <a:solidFill>
+                          <a:srgbClr val="000000"/>
+                        </a:solidFill>
+                        <a:effectLst/>
+                        <a:latin typeface="Consolas" panose="020B0609020204030204" pitchFamily="49" charset="0"/>
+                      </a:endParaRPr>
+                    </a:p>
+                  </a:txBody>
+                  <a:tcPr marL="7620" marR="7620" marT="7620" marB="0" anchor="b"/>
+                </a:tc>
+                <a:tc>
+                  <a:txBody>
+                    <a:bodyPr/>
+                    <a:lstStyle/>
+                    <a:p>
+                      <a:pPr algn="l" fontAlgn="b"/>
+                      <a:r>
+                        <a:rPr lang="en-CA" sz="2400" b="0" u="none" strike="noStrike">
+                          <a:effectLst/>
+                          <a:latin typeface="Consolas" panose="020B0609020204030204" pitchFamily="49" charset="0"/>
+                        </a:rPr>
+                        <a:t>0</a:t>
+                      </a:r>
+                      <a:endParaRPr lang="en-CA" sz="2400" b="0" i="0" u="none" strike="noStrike">
+                        <a:solidFill>
+                          <a:srgbClr val="000000"/>
+                        </a:solidFill>
+                        <a:effectLst/>
+                        <a:latin typeface="Consolas" panose="020B0609020204030204" pitchFamily="49" charset="0"/>
+                      </a:endParaRPr>
+                    </a:p>
+                  </a:txBody>
+                  <a:tcPr marL="7620" marR="7620" marT="7620" marB="0" anchor="b"/>
+                </a:tc>
+                <a:tc>
+                  <a:txBody>
+                    <a:bodyPr/>
+                    <a:lstStyle/>
+                    <a:p>
+                      <a:pPr algn="l" fontAlgn="b"/>
+                      <a:r>
+                        <a:rPr lang="en-CA" sz="2400" b="0" u="none" strike="noStrike">
+                          <a:effectLst/>
+                          <a:latin typeface="Consolas" panose="020B0609020204030204" pitchFamily="49" charset="0"/>
+                        </a:rPr>
+                        <a:t>0</a:t>
+                      </a:r>
+                      <a:endParaRPr lang="en-CA" sz="2400" b="0" i="0" u="none" strike="noStrike">
+                        <a:solidFill>
+                          <a:srgbClr val="000000"/>
+                        </a:solidFill>
+                        <a:effectLst/>
+                        <a:latin typeface="Consolas" panose="020B0609020204030204" pitchFamily="49" charset="0"/>
+                      </a:endParaRPr>
+                    </a:p>
+                  </a:txBody>
+                  <a:tcPr marL="7620" marR="7620" marT="7620" marB="0" anchor="b"/>
+                </a:tc>
+                <a:tc>
+                  <a:txBody>
+                    <a:bodyPr/>
+                    <a:lstStyle/>
+                    <a:p>
+                      <a:pPr algn="l" fontAlgn="b"/>
+                      <a:r>
+                        <a:rPr lang="en-CA" sz="2400" b="0" u="none" strike="noStrike">
+                          <a:effectLst/>
+                          <a:latin typeface="Consolas" panose="020B0609020204030204" pitchFamily="49" charset="0"/>
+                        </a:rPr>
+                        <a:t>0</a:t>
+                      </a:r>
+                      <a:endParaRPr lang="en-CA" sz="2400" b="0" i="0" u="none" strike="noStrike">
+                        <a:solidFill>
+                          <a:srgbClr val="000000"/>
+                        </a:solidFill>
+                        <a:effectLst/>
+                        <a:latin typeface="Consolas" panose="020B0609020204030204" pitchFamily="49" charset="0"/>
+                      </a:endParaRPr>
+                    </a:p>
+                  </a:txBody>
+                  <a:tcPr marL="7620" marR="7620" marT="7620" marB="0" anchor="b"/>
+                </a:tc>
+                <a:tc>
+                  <a:txBody>
+                    <a:bodyPr/>
+                    <a:lstStyle/>
+                    <a:p>
+                      <a:pPr algn="l" fontAlgn="b"/>
+                      <a:r>
+                        <a:rPr lang="en-CA" sz="2400" b="0" u="none" strike="noStrike">
+                          <a:effectLst/>
+                          <a:latin typeface="Consolas" panose="020B0609020204030204" pitchFamily="49" charset="0"/>
+                        </a:rPr>
+                        <a:t>0</a:t>
+                      </a:r>
+                      <a:endParaRPr lang="en-CA" sz="2400" b="0" i="0" u="none" strike="noStrike">
+                        <a:solidFill>
+                          <a:srgbClr val="000000"/>
+                        </a:solidFill>
+                        <a:effectLst/>
+                        <a:latin typeface="Consolas" panose="020B0609020204030204" pitchFamily="49" charset="0"/>
+                      </a:endParaRPr>
+                    </a:p>
+                  </a:txBody>
+                  <a:tcPr marL="7620" marR="7620" marT="7620" marB="0" anchor="b"/>
+                </a:tc>
+                <a:tc>
+                  <a:txBody>
+                    <a:bodyPr/>
+                    <a:lstStyle/>
+                    <a:p>
+                      <a:pPr algn="l" fontAlgn="b"/>
+                      <a:r>
+                        <a:rPr lang="en-CA" sz="2400" b="0" u="none" strike="noStrike">
+                          <a:effectLst/>
+                          <a:latin typeface="Consolas" panose="020B0609020204030204" pitchFamily="49" charset="0"/>
+                        </a:rPr>
+                        <a:t>0</a:t>
+                      </a:r>
+                      <a:endParaRPr lang="en-CA" sz="2400" b="0" i="0" u="none" strike="noStrike">
+                        <a:solidFill>
+                          <a:srgbClr val="000000"/>
+                        </a:solidFill>
+                        <a:effectLst/>
+                        <a:latin typeface="Consolas" panose="020B0609020204030204" pitchFamily="49" charset="0"/>
+                      </a:endParaRPr>
+                    </a:p>
+                  </a:txBody>
+                  <a:tcPr marL="7620" marR="7620" marT="7620" marB="0" anchor="b"/>
+                </a:tc>
+                <a:tc>
+                  <a:txBody>
+                    <a:bodyPr/>
+                    <a:lstStyle/>
+                    <a:p>
+                      <a:pPr algn="l" fontAlgn="b"/>
+                      <a:r>
+                        <a:rPr lang="en-CA" sz="2400" b="0" u="none" strike="noStrike" dirty="0">
+                          <a:effectLst/>
+                          <a:latin typeface="Consolas" panose="020B0609020204030204" pitchFamily="49" charset="0"/>
+                        </a:rPr>
+                        <a:t>1</a:t>
+                      </a:r>
+                      <a:endParaRPr lang="en-CA" sz="2400" b="0" i="0" u="none" strike="noStrike" dirty="0">
+                        <a:solidFill>
+                          <a:srgbClr val="000000"/>
+                        </a:solidFill>
+                        <a:effectLst/>
+                        <a:latin typeface="Consolas" panose="020B0609020204030204" pitchFamily="49" charset="0"/>
+                      </a:endParaRPr>
+                    </a:p>
+                  </a:txBody>
+                  <a:tcPr marL="7620" marR="7620" marT="7620" marB="0" anchor="b"/>
+                </a:tc>
+                <a:extLst>
+                  <a:ext uri="{0D108BD9-81ED-4DB2-BD59-A6C34878D82A}">
+                    <a16:rowId xmlns:a16="http://schemas.microsoft.com/office/drawing/2014/main" val="2781531821"/>
+                  </a:ext>
+                </a:extLst>
+              </a:tr>
+              <a:tr h="352993">
+                <a:tc>
+                  <a:txBody>
+                    <a:bodyPr/>
+                    <a:lstStyle/>
+                    <a:p>
+                      <a:pPr algn="l" fontAlgn="b"/>
+                      <a:r>
+                        <a:rPr lang="en-CA" sz="2400" u="none" strike="noStrike" dirty="0">
+                          <a:effectLst/>
+                        </a:rPr>
+                        <a:t>Has Accidental</a:t>
+                      </a:r>
+                      <a:endParaRPr lang="en-CA" sz="2400" b="0" i="0" u="none" strike="noStrike" dirty="0">
+                        <a:solidFill>
+                          <a:srgbClr val="000000"/>
+                        </a:solidFill>
+                        <a:effectLst/>
+                        <a:latin typeface="Consolas" panose="020B0609020204030204" pitchFamily="49" charset="0"/>
+                      </a:endParaRPr>
+                    </a:p>
+                  </a:txBody>
+                  <a:tcPr marL="7620" marR="7620" marT="7620" marB="0" anchor="b">
+                    <a:lnR w="12700" cap="flat" cmpd="sng" algn="ctr">
+                      <a:solidFill>
+                        <a:schemeClr val="tx1"/>
+                      </a:solidFill>
+                      <a:prstDash val="solid"/>
+                      <a:round/>
+                      <a:headEnd type="none" w="med" len="med"/>
+                      <a:tailEnd type="none" w="med" len="med"/>
+                    </a:lnR>
+                  </a:tcPr>
+                </a:tc>
+                <a:tc>
+                  <a:txBody>
+                    <a:bodyPr/>
+                    <a:lstStyle/>
+                    <a:p>
+                      <a:pPr algn="l" fontAlgn="b"/>
+                      <a:endParaRPr lang="en-CA" sz="2400" b="0" i="0" u="none" strike="noStrike">
+                        <a:solidFill>
+                          <a:srgbClr val="000000"/>
+                        </a:solidFill>
+                        <a:effectLst/>
+                        <a:latin typeface="Consolas" panose="020B0609020204030204" pitchFamily="49" charset="0"/>
+                      </a:endParaRPr>
+                    </a:p>
+                  </a:txBody>
+                  <a:tcPr marL="7620" marR="7620" marT="7620" marB="0" anchor="b">
+                    <a:lnL w="12700" cap="flat" cmpd="sng" algn="ctr">
+                      <a:solidFill>
+                        <a:schemeClr val="tx1"/>
+                      </a:solidFill>
+                      <a:prstDash val="solid"/>
+                      <a:round/>
+                      <a:headEnd type="none" w="med" len="med"/>
+                      <a:tailEnd type="none" w="med" len="med"/>
+                    </a:lnL>
+                  </a:tcPr>
+                </a:tc>
+                <a:tc>
+                  <a:txBody>
+                    <a:bodyPr/>
+                    <a:lstStyle/>
+                    <a:p>
+                      <a:pPr algn="l" fontAlgn="b"/>
+                      <a:r>
+                        <a:rPr lang="en-CA" sz="2400" b="0" u="none" strike="noStrike">
+                          <a:effectLst/>
+                          <a:latin typeface="Consolas" panose="020B0609020204030204" pitchFamily="49" charset="0"/>
+                        </a:rPr>
+                        <a:t>0</a:t>
+                      </a:r>
+                      <a:endParaRPr lang="en-CA" sz="2400" b="0" i="0" u="none" strike="noStrike">
+                        <a:solidFill>
+                          <a:srgbClr val="000000"/>
+                        </a:solidFill>
+                        <a:effectLst/>
+                        <a:latin typeface="Consolas" panose="020B0609020204030204" pitchFamily="49" charset="0"/>
+                      </a:endParaRPr>
+                    </a:p>
+                  </a:txBody>
+                  <a:tcPr marL="7620" marR="7620" marT="7620" marB="0" anchor="b"/>
+                </a:tc>
+                <a:tc>
+                  <a:txBody>
+                    <a:bodyPr/>
+                    <a:lstStyle/>
+                    <a:p>
+                      <a:pPr algn="l" fontAlgn="b"/>
+                      <a:r>
+                        <a:rPr lang="en-CA" sz="2400" b="0" u="none" strike="noStrike">
+                          <a:effectLst/>
+                          <a:latin typeface="Consolas" panose="020B0609020204030204" pitchFamily="49" charset="0"/>
+                        </a:rPr>
+                        <a:t>1</a:t>
+                      </a:r>
+                      <a:endParaRPr lang="en-CA" sz="2400" b="0" i="0" u="none" strike="noStrike">
+                        <a:solidFill>
+                          <a:srgbClr val="000000"/>
+                        </a:solidFill>
+                        <a:effectLst/>
+                        <a:latin typeface="Consolas" panose="020B0609020204030204" pitchFamily="49" charset="0"/>
+                      </a:endParaRPr>
+                    </a:p>
+                  </a:txBody>
+                  <a:tcPr marL="7620" marR="7620" marT="7620" marB="0" anchor="b"/>
+                </a:tc>
+                <a:tc>
+                  <a:txBody>
+                    <a:bodyPr/>
+                    <a:lstStyle/>
+                    <a:p>
+                      <a:pPr algn="l" fontAlgn="b"/>
+                      <a:r>
+                        <a:rPr lang="en-CA" sz="2400" b="0" u="none" strike="noStrike">
+                          <a:effectLst/>
+                          <a:latin typeface="Consolas" panose="020B0609020204030204" pitchFamily="49" charset="0"/>
+                        </a:rPr>
+                        <a:t>0</a:t>
+                      </a:r>
+                      <a:endParaRPr lang="en-CA" sz="2400" b="0" i="0" u="none" strike="noStrike">
+                        <a:solidFill>
+                          <a:srgbClr val="000000"/>
+                        </a:solidFill>
+                        <a:effectLst/>
+                        <a:latin typeface="Consolas" panose="020B0609020204030204" pitchFamily="49" charset="0"/>
+                      </a:endParaRPr>
+                    </a:p>
+                  </a:txBody>
+                  <a:tcPr marL="7620" marR="7620" marT="7620" marB="0" anchor="b"/>
+                </a:tc>
+                <a:tc>
+                  <a:txBody>
+                    <a:bodyPr/>
+                    <a:lstStyle/>
+                    <a:p>
+                      <a:pPr algn="l" fontAlgn="b"/>
+                      <a:r>
+                        <a:rPr lang="en-CA" sz="2400" b="0" u="none" strike="noStrike">
+                          <a:effectLst/>
+                          <a:latin typeface="Consolas" panose="020B0609020204030204" pitchFamily="49" charset="0"/>
+                        </a:rPr>
+                        <a:t>0</a:t>
+                      </a:r>
+                      <a:endParaRPr lang="en-CA" sz="2400" b="0" i="0" u="none" strike="noStrike">
+                        <a:solidFill>
+                          <a:srgbClr val="000000"/>
+                        </a:solidFill>
+                        <a:effectLst/>
+                        <a:latin typeface="Consolas" panose="020B0609020204030204" pitchFamily="49" charset="0"/>
+                      </a:endParaRPr>
+                    </a:p>
+                  </a:txBody>
+                  <a:tcPr marL="7620" marR="7620" marT="7620" marB="0" anchor="b"/>
+                </a:tc>
+                <a:tc>
+                  <a:txBody>
+                    <a:bodyPr/>
+                    <a:lstStyle/>
+                    <a:p>
+                      <a:pPr algn="l" fontAlgn="b"/>
+                      <a:r>
+                        <a:rPr lang="en-CA" sz="2400" b="0" u="none" strike="noStrike" dirty="0">
+                          <a:effectLst/>
+                          <a:latin typeface="Consolas" panose="020B0609020204030204" pitchFamily="49" charset="0"/>
+                        </a:rPr>
+                        <a:t>1</a:t>
+                      </a:r>
+                      <a:endParaRPr lang="en-CA" sz="2400" b="0" i="0" u="none" strike="noStrike" dirty="0">
+                        <a:solidFill>
+                          <a:srgbClr val="000000"/>
+                        </a:solidFill>
+                        <a:effectLst/>
+                        <a:latin typeface="Consolas" panose="020B0609020204030204" pitchFamily="49" charset="0"/>
+                      </a:endParaRPr>
+                    </a:p>
+                  </a:txBody>
+                  <a:tcPr marL="7620" marR="7620" marT="7620" marB="0" anchor="b"/>
+                </a:tc>
+                <a:tc>
+                  <a:txBody>
+                    <a:bodyPr/>
+                    <a:lstStyle/>
+                    <a:p>
+                      <a:pPr algn="l" fontAlgn="b"/>
+                      <a:r>
+                        <a:rPr lang="en-CA" sz="2400" b="0" u="none" strike="noStrike" dirty="0">
+                          <a:effectLst/>
+                          <a:latin typeface="Consolas" panose="020B0609020204030204" pitchFamily="49" charset="0"/>
+                        </a:rPr>
+                        <a:t>0</a:t>
+                      </a:r>
+                      <a:endParaRPr lang="en-CA" sz="2400" b="0" i="0" u="none" strike="noStrike" dirty="0">
+                        <a:solidFill>
+                          <a:srgbClr val="000000"/>
+                        </a:solidFill>
+                        <a:effectLst/>
+                        <a:latin typeface="Consolas" panose="020B0609020204030204" pitchFamily="49" charset="0"/>
+                      </a:endParaRPr>
+                    </a:p>
+                  </a:txBody>
+                  <a:tcPr marL="7620" marR="7620" marT="7620" marB="0" anchor="b"/>
+                </a:tc>
+                <a:tc>
+                  <a:txBody>
+                    <a:bodyPr/>
+                    <a:lstStyle/>
+                    <a:p>
+                      <a:pPr algn="l" fontAlgn="b"/>
+                      <a:r>
+                        <a:rPr lang="en-CA" sz="2400" b="0" u="none" strike="noStrike" dirty="0">
+                          <a:effectLst/>
+                          <a:latin typeface="Consolas" panose="020B0609020204030204" pitchFamily="49" charset="0"/>
+                        </a:rPr>
+                        <a:t>1</a:t>
+                      </a:r>
+                      <a:endParaRPr lang="en-CA" sz="2400" b="0" i="0" u="none" strike="noStrike" dirty="0">
+                        <a:solidFill>
+                          <a:srgbClr val="000000"/>
+                        </a:solidFill>
+                        <a:effectLst/>
+                        <a:latin typeface="Consolas" panose="020B0609020204030204" pitchFamily="49" charset="0"/>
+                      </a:endParaRPr>
+                    </a:p>
+                  </a:txBody>
+                  <a:tcPr marL="7620" marR="7620" marT="7620" marB="0" anchor="b"/>
+                </a:tc>
+                <a:extLst>
+                  <a:ext uri="{0D108BD9-81ED-4DB2-BD59-A6C34878D82A}">
+                    <a16:rowId xmlns:a16="http://schemas.microsoft.com/office/drawing/2014/main" val="3001678447"/>
+                  </a:ext>
+                </a:extLst>
+              </a:tr>
+            </a:tbl>
+          </a:graphicData>
+        </a:graphic>
+      </p:graphicFrame>
     </p:spTree>
     <p:extLst>
       <p:ext uri="{BB962C8B-B14F-4D97-AF65-F5344CB8AC3E}">

--- a/jazzmotifs_poster.pptx
+++ b/jazzmotifs_poster.pptx
@@ -3831,7 +3831,7 @@
         </p:nvCxnSpPr>
         <p:spPr>
           <a:xfrm>
-            <a:off x="22534644" y="13304044"/>
+            <a:off x="22207366" y="13121164"/>
             <a:ext cx="0" cy="23145750"/>
           </a:xfrm>
           <a:prstGeom prst="line">
@@ -3891,131 +3891,6 @@
                 <a:latin typeface="Franklin Gothic Demi" panose="020B0703020102020204" pitchFamily="34" charset="0"/>
               </a:rPr>
               <a:t>Computational Methods applied to Motivic Analyses of Jazz Improvisation</a:t>
-            </a:r>
-          </a:p>
-        </p:txBody>
-      </p:sp>
-      <p:sp>
-        <p:nvSpPr>
-          <p:cNvPr id="21" name="TextBox 20">
-            <a:extLst>
-              <a:ext uri="{FF2B5EF4-FFF2-40B4-BE49-F238E27FC236}">
-                <a16:creationId xmlns:a16="http://schemas.microsoft.com/office/drawing/2014/main" id="{F5045767-D451-47EC-8C33-AF2C20FBB84D}"/>
-              </a:ext>
-            </a:extLst>
-          </p:cNvPr>
-          <p:cNvSpPr txBox="1"/>
-          <p:nvPr/>
-        </p:nvSpPr>
-        <p:spPr>
-          <a:xfrm>
-            <a:off x="23147007" y="14791942"/>
-            <a:ext cx="8247396" cy="11079956"/>
-          </a:xfrm>
-          <a:prstGeom prst="rect">
-            <a:avLst/>
-          </a:prstGeom>
-          <a:noFill/>
-        </p:spPr>
-        <p:txBody>
-          <a:bodyPr wrap="square" rtlCol="0">
-            <a:spAutoFit/>
-          </a:bodyPr>
-          <a:lstStyle/>
-          <a:p>
-            <a:r>
-              <a:rPr lang="en-US" sz="6000" b="1" dirty="0">
-                <a:latin typeface="Lato" panose="020F0502020204030203" pitchFamily="34" charset="0"/>
-                <a:cs typeface="Arial" panose="020B0604020202020204" pitchFamily="34" charset="0"/>
-              </a:rPr>
-              <a:t>AMMO BAR</a:t>
-            </a:r>
-          </a:p>
-          <a:p>
-            <a:endParaRPr lang="en-US" sz="6000" b="1" dirty="0">
-              <a:latin typeface="Lato" panose="020F0502020204030203" pitchFamily="34" charset="0"/>
-              <a:cs typeface="Arial" panose="020B0604020202020204" pitchFamily="34" charset="0"/>
-            </a:endParaRPr>
-          </a:p>
-          <a:p>
-            <a:r>
-              <a:rPr lang="en-US" sz="5400" b="1" dirty="0">
-                <a:latin typeface="Lato" panose="020F0502020204030203" pitchFamily="34" charset="0"/>
-                <a:cs typeface="Arial" panose="020B0604020202020204" pitchFamily="34" charset="0"/>
-              </a:rPr>
-              <a:t>Delete this and replace it with your…</a:t>
-            </a:r>
-          </a:p>
-          <a:p>
-            <a:pPr marL="1143046" indent="-1143046">
-              <a:buFont typeface="Arial" panose="020B0604020202020204" pitchFamily="34" charset="0"/>
-              <a:buChar char="•"/>
-            </a:pPr>
-            <a:r>
-              <a:rPr lang="en-US" sz="5400" dirty="0">
-                <a:latin typeface="Lato" panose="020F0502020204030203" pitchFamily="34" charset="0"/>
-                <a:cs typeface="Arial" panose="020B0604020202020204" pitchFamily="34" charset="0"/>
-              </a:rPr>
-              <a:t>Extra Graphs</a:t>
-            </a:r>
-          </a:p>
-          <a:p>
-            <a:pPr marL="1143046" indent="-1143046">
-              <a:buFont typeface="Arial" panose="020B0604020202020204" pitchFamily="34" charset="0"/>
-              <a:buChar char="•"/>
-            </a:pPr>
-            <a:r>
-              <a:rPr lang="en-US" sz="5400" dirty="0">
-                <a:latin typeface="Lato" panose="020F0502020204030203" pitchFamily="34" charset="0"/>
-                <a:cs typeface="Arial" panose="020B0604020202020204" pitchFamily="34" charset="0"/>
-              </a:rPr>
-              <a:t>Extra Correlation tables</a:t>
-            </a:r>
-          </a:p>
-          <a:p>
-            <a:pPr marL="1143046" indent="-1143046">
-              <a:buFont typeface="Arial" panose="020B0604020202020204" pitchFamily="34" charset="0"/>
-              <a:buChar char="•"/>
-            </a:pPr>
-            <a:r>
-              <a:rPr lang="en-US" sz="5400" dirty="0">
-                <a:latin typeface="Lato" panose="020F0502020204030203" pitchFamily="34" charset="0"/>
-                <a:cs typeface="Arial" panose="020B0604020202020204" pitchFamily="34" charset="0"/>
-              </a:rPr>
-              <a:t>Extra Figures</a:t>
-            </a:r>
-          </a:p>
-          <a:p>
-            <a:pPr marL="1143046" indent="-1143046">
-              <a:buFont typeface="Arial" panose="020B0604020202020204" pitchFamily="34" charset="0"/>
-              <a:buChar char="•"/>
-            </a:pPr>
-            <a:r>
-              <a:rPr lang="en-US" sz="5400" dirty="0">
-                <a:latin typeface="Lato" panose="020F0502020204030203" pitchFamily="34" charset="0"/>
-                <a:cs typeface="Arial" panose="020B0604020202020204" pitchFamily="34" charset="0"/>
-              </a:rPr>
-              <a:t>Extra nuance that you’re worried about leaving out.</a:t>
-            </a:r>
-          </a:p>
-          <a:p>
-            <a:pPr marL="1143046" indent="-1143046">
-              <a:buFont typeface="Arial" panose="020B0604020202020204" pitchFamily="34" charset="0"/>
-              <a:buChar char="•"/>
-            </a:pPr>
-            <a:r>
-              <a:rPr lang="en-US" sz="5400" b="1" dirty="0">
-                <a:latin typeface="Lato" panose="020F0502020204030203" pitchFamily="34" charset="0"/>
-                <a:cs typeface="Arial" panose="020B0604020202020204" pitchFamily="34" charset="0"/>
-              </a:rPr>
-              <a:t>Keep it messy!</a:t>
-            </a:r>
-            <a:r>
-              <a:rPr lang="en-US" sz="5400" dirty="0">
-                <a:latin typeface="Lato" panose="020F0502020204030203" pitchFamily="34" charset="0"/>
-                <a:cs typeface="Arial" panose="020B0604020202020204" pitchFamily="34" charset="0"/>
-              </a:rPr>
-              <a:t> This section is just for you.</a:t>
             </a:r>
           </a:p>
         </p:txBody>

--- a/jazzmotifs_poster.pptx
+++ b/jazzmotifs_poster.pptx
@@ -243,7 +243,7 @@
           <a:p>
             <a:fld id="{3510B498-9D4D-4FAD-891F-E57FF8B5A028}" type="datetimeFigureOut">
               <a:rPr lang="en-US" smtClean="0"/>
-              <a:t>5/19/2022</a:t>
+              <a:t>5/24/22</a:t>
             </a:fld>
             <a:endParaRPr lang="en-US"/>
           </a:p>
@@ -413,7 +413,7 @@
           <a:p>
             <a:fld id="{3510B498-9D4D-4FAD-891F-E57FF8B5A028}" type="datetimeFigureOut">
               <a:rPr lang="en-US" smtClean="0"/>
-              <a:t>5/19/2022</a:t>
+              <a:t>5/24/22</a:t>
             </a:fld>
             <a:endParaRPr lang="en-US"/>
           </a:p>
@@ -593,7 +593,7 @@
           <a:p>
             <a:fld id="{3510B498-9D4D-4FAD-891F-E57FF8B5A028}" type="datetimeFigureOut">
               <a:rPr lang="en-US" smtClean="0"/>
-              <a:t>5/19/2022</a:t>
+              <a:t>5/24/22</a:t>
             </a:fld>
             <a:endParaRPr lang="en-US"/>
           </a:p>
@@ -763,7 +763,7 @@
           <a:p>
             <a:fld id="{3510B498-9D4D-4FAD-891F-E57FF8B5A028}" type="datetimeFigureOut">
               <a:rPr lang="en-US" smtClean="0"/>
-              <a:t>5/19/2022</a:t>
+              <a:t>5/24/22</a:t>
             </a:fld>
             <a:endParaRPr lang="en-US"/>
           </a:p>
@@ -1007,7 +1007,7 @@
           <a:p>
             <a:fld id="{3510B498-9D4D-4FAD-891F-E57FF8B5A028}" type="datetimeFigureOut">
               <a:rPr lang="en-US" smtClean="0"/>
-              <a:t>5/19/2022</a:t>
+              <a:t>5/24/22</a:t>
             </a:fld>
             <a:endParaRPr lang="en-US"/>
           </a:p>
@@ -1239,7 +1239,7 @@
           <a:p>
             <a:fld id="{3510B498-9D4D-4FAD-891F-E57FF8B5A028}" type="datetimeFigureOut">
               <a:rPr lang="en-US" smtClean="0"/>
-              <a:t>5/19/2022</a:t>
+              <a:t>5/24/22</a:t>
             </a:fld>
             <a:endParaRPr lang="en-US"/>
           </a:p>
@@ -1606,7 +1606,7 @@
           <a:p>
             <a:fld id="{3510B498-9D4D-4FAD-891F-E57FF8B5A028}" type="datetimeFigureOut">
               <a:rPr lang="en-US" smtClean="0"/>
-              <a:t>5/19/2022</a:t>
+              <a:t>5/24/22</a:t>
             </a:fld>
             <a:endParaRPr lang="en-US"/>
           </a:p>
@@ -1724,7 +1724,7 @@
           <a:p>
             <a:fld id="{3510B498-9D4D-4FAD-891F-E57FF8B5A028}" type="datetimeFigureOut">
               <a:rPr lang="en-US" smtClean="0"/>
-              <a:t>5/19/2022</a:t>
+              <a:t>5/24/22</a:t>
             </a:fld>
             <a:endParaRPr lang="en-US"/>
           </a:p>
@@ -1819,7 +1819,7 @@
           <a:p>
             <a:fld id="{3510B498-9D4D-4FAD-891F-E57FF8B5A028}" type="datetimeFigureOut">
               <a:rPr lang="en-US" smtClean="0"/>
-              <a:t>5/19/2022</a:t>
+              <a:t>5/24/22</a:t>
             </a:fld>
             <a:endParaRPr lang="en-US"/>
           </a:p>
@@ -2096,7 +2096,7 @@
           <a:p>
             <a:fld id="{3510B498-9D4D-4FAD-891F-E57FF8B5A028}" type="datetimeFigureOut">
               <a:rPr lang="en-US" smtClean="0"/>
-              <a:t>5/19/2022</a:t>
+              <a:t>5/24/22</a:t>
             </a:fld>
             <a:endParaRPr lang="en-US"/>
           </a:p>
@@ -2353,7 +2353,7 @@
           <a:p>
             <a:fld id="{3510B498-9D4D-4FAD-891F-E57FF8B5A028}" type="datetimeFigureOut">
               <a:rPr lang="en-US" smtClean="0"/>
-              <a:t>5/19/2022</a:t>
+              <a:t>5/24/22</a:t>
             </a:fld>
             <a:endParaRPr lang="en-US"/>
           </a:p>
@@ -2566,7 +2566,7 @@
           <a:p>
             <a:fld id="{3510B498-9D4D-4FAD-891F-E57FF8B5A028}" type="datetimeFigureOut">
               <a:rPr lang="en-US" smtClean="0"/>
-              <a:t>5/19/2022</a:t>
+              <a:t>5/24/22</a:t>
             </a:fld>
             <a:endParaRPr lang="en-US"/>
           </a:p>
@@ -2973,10 +2973,185 @@
       </p:grpSpPr>
       <p:sp>
         <p:nvSpPr>
-          <p:cNvPr id="11" name="Rectangle 10">
+          <p:cNvPr id="5" name="TextBox 4">
             <a:extLst>
               <a:ext uri="{FF2B5EF4-FFF2-40B4-BE49-F238E27FC236}">
-                <a16:creationId xmlns:a16="http://schemas.microsoft.com/office/drawing/2014/main" id="{0D074D9C-0647-4697-8C43-9C38EB7E0278}"/>
+                <a16:creationId xmlns:a16="http://schemas.microsoft.com/office/drawing/2014/main" id="{F98AF760-C359-4592-BF1F-0C7A94DA9F89}"/>
+              </a:ext>
+            </a:extLst>
+          </p:cNvPr>
+          <p:cNvSpPr txBox="1"/>
+          <p:nvPr/>
+        </p:nvSpPr>
+        <p:spPr>
+          <a:xfrm>
+            <a:off x="564339" y="7752287"/>
+            <a:ext cx="10159994" cy="10926068"/>
+          </a:xfrm>
+          <a:prstGeom prst="rect">
+            <a:avLst/>
+          </a:prstGeom>
+          <a:noFill/>
+        </p:spPr>
+        <p:txBody>
+          <a:bodyPr wrap="square" rtlCol="0">
+            <a:spAutoFit/>
+          </a:bodyPr>
+          <a:lstStyle/>
+          <a:p>
+            <a:r>
+              <a:rPr lang="en-US" sz="4400" b="1" dirty="0">
+                <a:latin typeface="Franklin Gothic Book" panose="020B0503020102020204" pitchFamily="34" charset="0"/>
+              </a:rPr>
+              <a:t>LEE KONITZ ON CHARLIE PARKER</a:t>
+            </a:r>
+          </a:p>
+          <a:p>
+            <a:pPr lvl="1"/>
+            <a:endParaRPr lang="en-US" sz="4400" i="1" dirty="0">
+              <a:latin typeface="Franklin Gothic Book" panose="020B0503020102020204" pitchFamily="34" charset="0"/>
+            </a:endParaRPr>
+          </a:p>
+          <a:p>
+            <a:pPr marL="720000" lvl="1"/>
+            <a:r>
+              <a:rPr lang="en-US" sz="4400" i="1" dirty="0">
+                <a:latin typeface="Franklin Gothic Book" panose="020B0503020102020204" pitchFamily="34" charset="0"/>
+              </a:rPr>
+              <a:t>“[Parker] had a very prolific vocabulary. </a:t>
+            </a:r>
+            <a:br>
+              <a:rPr lang="en-US" sz="4400" i="1" dirty="0">
+                <a:latin typeface="Franklin Gothic Book" panose="020B0503020102020204" pitchFamily="34" charset="0"/>
+              </a:rPr>
+            </a:br>
+            <a:r>
+              <a:rPr lang="en-US" sz="4400" i="1" dirty="0">
+                <a:latin typeface="Franklin Gothic Book" panose="020B0503020102020204" pitchFamily="34" charset="0"/>
+              </a:rPr>
+              <a:t>I have what I think of as a more flexible vocabulary.” </a:t>
+            </a:r>
+          </a:p>
+          <a:p>
+            <a:pPr marL="720000" lvl="1"/>
+            <a:r>
+              <a:rPr lang="en-US" sz="4400" i="1" dirty="0">
+                <a:latin typeface="Franklin Gothic Book" panose="020B0503020102020204" pitchFamily="34" charset="0"/>
+              </a:rPr>
+              <a:t>“[Parker] puts good phrases together… </a:t>
+            </a:r>
+          </a:p>
+          <a:p>
+            <a:pPr marL="720000" lvl="1"/>
+            <a:r>
+              <a:rPr lang="en-US" sz="4400" i="1" dirty="0">
+                <a:latin typeface="Franklin Gothic Book" panose="020B0503020102020204" pitchFamily="34" charset="0"/>
+              </a:rPr>
+              <a:t>[I] start from a blank slate</a:t>
+            </a:r>
+            <a:r>
+              <a:rPr lang="en-US" sz="4400" dirty="0">
+                <a:latin typeface="Franklin Gothic Book" panose="020B0503020102020204" pitchFamily="34" charset="0"/>
+              </a:rPr>
+              <a:t>¹</a:t>
+            </a:r>
+            <a:r>
+              <a:rPr lang="en-US" sz="4400" i="1" dirty="0">
+                <a:latin typeface="Franklin Gothic Book" panose="020B0503020102020204" pitchFamily="34" charset="0"/>
+              </a:rPr>
+              <a:t>.”</a:t>
+            </a:r>
+            <a:endParaRPr lang="en-US" sz="4400" b="1" i="1" dirty="0">
+              <a:latin typeface="Franklin Gothic Book" panose="020B0503020102020204" pitchFamily="34" charset="0"/>
+              <a:cs typeface="Arial" panose="020B0604020202020204" pitchFamily="34" charset="0"/>
+            </a:endParaRPr>
+          </a:p>
+          <a:p>
+            <a:endParaRPr lang="en-US" sz="4400" b="1" dirty="0">
+              <a:latin typeface="Franklin Gothic Book" panose="020B0503020102020204" pitchFamily="34" charset="0"/>
+              <a:cs typeface="Arial" panose="020B0604020202020204" pitchFamily="34" charset="0"/>
+            </a:endParaRPr>
+          </a:p>
+          <a:p>
+            <a:r>
+              <a:rPr lang="en-US" sz="4400" dirty="0">
+                <a:latin typeface="Franklin Gothic Book" panose="020B0503020102020204" pitchFamily="34" charset="0"/>
+              </a:rPr>
+              <a:t>Konitz’s statements relate to two </a:t>
+            </a:r>
+            <a:br>
+              <a:rPr lang="en-US" sz="4400" dirty="0">
+                <a:latin typeface="Franklin Gothic Book" panose="020B0503020102020204" pitchFamily="34" charset="0"/>
+              </a:rPr>
+            </a:br>
+            <a:r>
+              <a:rPr lang="en-US" sz="4400" dirty="0">
+                <a:latin typeface="Franklin Gothic Book" panose="020B0503020102020204" pitchFamily="34" charset="0"/>
+              </a:rPr>
+              <a:t>theories of jazz improvisation: </a:t>
+            </a:r>
+          </a:p>
+          <a:p>
+            <a:pPr marL="1657350" lvl="2" indent="-742950">
+              <a:buAutoNum type="arabicPeriod"/>
+            </a:pPr>
+            <a:r>
+              <a:rPr lang="en-US" sz="4400" dirty="0">
+                <a:latin typeface="Franklin Gothic Book" panose="020B0503020102020204" pitchFamily="34" charset="0"/>
+              </a:rPr>
+              <a:t>Improvisers put together practiced formulas or “licks” or…</a:t>
+            </a:r>
+          </a:p>
+          <a:p>
+            <a:pPr marL="1657350" lvl="2" indent="-742950">
+              <a:buAutoNum type="arabicPeriod"/>
+            </a:pPr>
+            <a:r>
+              <a:rPr lang="en-US" sz="4400" dirty="0">
+                <a:latin typeface="Franklin Gothic Book" panose="020B0503020102020204" pitchFamily="34" charset="0"/>
+              </a:rPr>
+              <a:t>Improvisers develop musical </a:t>
+            </a:r>
+            <a:br>
+              <a:rPr lang="en-US" sz="4400" dirty="0">
+                <a:latin typeface="Franklin Gothic Book" panose="020B0503020102020204" pitchFamily="34" charset="0"/>
+              </a:rPr>
+            </a:br>
+            <a:r>
+              <a:rPr lang="en-US" sz="4400" dirty="0">
+                <a:latin typeface="Franklin Gothic Book" panose="020B0503020102020204" pitchFamily="34" charset="0"/>
+              </a:rPr>
+              <a:t>material in real time.</a:t>
+            </a:r>
+          </a:p>
+          <a:p>
+            <a:r>
+              <a:rPr lang="en-US" sz="4400" dirty="0">
+                <a:latin typeface="Franklin Gothic Book" panose="020B0503020102020204" pitchFamily="34" charset="0"/>
+              </a:rPr>
+              <a:t>Can we use computational analyses of solos to </a:t>
+            </a:r>
+            <a:r>
+              <a:rPr lang="en-US" sz="4400" b="1" dirty="0">
+                <a:latin typeface="Franklin Gothic Book" panose="020B0503020102020204" pitchFamily="34" charset="0"/>
+              </a:rPr>
+              <a:t>distinguish the two styles</a:t>
+            </a:r>
+            <a:r>
+              <a:rPr lang="en-US" sz="4400" dirty="0">
+                <a:latin typeface="Franklin Gothic Book" panose="020B0503020102020204" pitchFamily="34" charset="0"/>
+              </a:rPr>
+              <a:t>?</a:t>
+            </a:r>
+          </a:p>
+        </p:txBody>
+      </p:sp>
+      <p:sp>
+        <p:nvSpPr>
+          <p:cNvPr id="10" name="Rectangle 9">
+            <a:extLst>
+              <a:ext uri="{FF2B5EF4-FFF2-40B4-BE49-F238E27FC236}">
+                <a16:creationId xmlns:a16="http://schemas.microsoft.com/office/drawing/2014/main" id="{030386EC-D1AC-48D0-B2EC-0AD1DA88A8AB}"/>
               </a:ext>
             </a:extLst>
           </p:cNvPr>
@@ -2985,14 +3160,14 @@
         </p:nvSpPr>
         <p:spPr>
           <a:xfrm>
-            <a:off x="0" y="42765785"/>
-            <a:ext cx="32004000" cy="1028512"/>
+            <a:off x="0" y="0"/>
+            <a:ext cx="32004000" cy="6055356"/>
           </a:xfrm>
           <a:prstGeom prst="rect">
             <a:avLst/>
           </a:prstGeom>
           <a:solidFill>
-            <a:srgbClr val="006A5C"/>
+            <a:schemeClr val="bg2"/>
           </a:solidFill>
           <a:ln>
             <a:noFill/>
@@ -3019,568 +3194,6 @@
           <a:lstStyle/>
           <a:p>
             <a:pPr algn="ctr"/>
-            <a:endParaRPr lang="en-US"/>
-          </a:p>
-        </p:txBody>
-      </p:sp>
-      <p:sp>
-        <p:nvSpPr>
-          <p:cNvPr id="5" name="TextBox 4">
-            <a:extLst>
-              <a:ext uri="{FF2B5EF4-FFF2-40B4-BE49-F238E27FC236}">
-                <a16:creationId xmlns:a16="http://schemas.microsoft.com/office/drawing/2014/main" id="{F98AF760-C359-4592-BF1F-0C7A94DA9F89}"/>
-              </a:ext>
-            </a:extLst>
-          </p:cNvPr>
-          <p:cNvSpPr txBox="1"/>
-          <p:nvPr/>
-        </p:nvSpPr>
-        <p:spPr>
-          <a:xfrm>
-            <a:off x="778724" y="12145550"/>
-            <a:ext cx="10609915" cy="33683452"/>
-          </a:xfrm>
-          <a:prstGeom prst="rect">
-            <a:avLst/>
-          </a:prstGeom>
-          <a:noFill/>
-        </p:spPr>
-        <p:txBody>
-          <a:bodyPr wrap="square" rtlCol="0">
-            <a:spAutoFit/>
-          </a:bodyPr>
-          <a:lstStyle/>
-          <a:p>
-            <a:r>
-              <a:rPr lang="en-US" sz="4400" dirty="0">
-                <a:latin typeface="Franklin Gothic Book" panose="020B0503020102020204" pitchFamily="34" charset="0"/>
-              </a:rPr>
-              <a:t>Lee Konitz on Charlie Parker¹ :</a:t>
-            </a:r>
-          </a:p>
-          <a:p>
-            <a:pPr lvl="1"/>
-            <a:endParaRPr lang="en-US" sz="4400" i="1" dirty="0">
-              <a:latin typeface="Franklin Gothic Book" panose="020B0503020102020204" pitchFamily="34" charset="0"/>
-            </a:endParaRPr>
-          </a:p>
-          <a:p>
-            <a:pPr marL="720000" lvl="1"/>
-            <a:r>
-              <a:rPr lang="en-US" sz="4400" i="1" dirty="0">
-                <a:latin typeface="Franklin Gothic Book" panose="020B0503020102020204" pitchFamily="34" charset="0"/>
-              </a:rPr>
-              <a:t>“[Parker] had a very prolific vocabulary. I have what I think of as a more flexible vocabulary.”</a:t>
-            </a:r>
-          </a:p>
-          <a:p>
-            <a:pPr marL="720000" lvl="1"/>
-            <a:r>
-              <a:rPr lang="en-US" sz="4400" i="1" dirty="0">
-                <a:latin typeface="Franklin Gothic Book" panose="020B0503020102020204" pitchFamily="34" charset="0"/>
-              </a:rPr>
-              <a:t>“[Parker] puts good phrases together… [I] start from a blank slate.”</a:t>
-            </a:r>
-            <a:endParaRPr lang="en-US" sz="4400" b="1" i="1" dirty="0">
-              <a:latin typeface="Franklin Gothic Book" panose="020B0503020102020204" pitchFamily="34" charset="0"/>
-              <a:cs typeface="Arial" panose="020B0604020202020204" pitchFamily="34" charset="0"/>
-            </a:endParaRPr>
-          </a:p>
-          <a:p>
-            <a:pPr>
-              <a:lnSpc>
-                <a:spcPct val="120000"/>
-              </a:lnSpc>
-            </a:pPr>
-            <a:endParaRPr lang="en-US" sz="4400" b="1" dirty="0">
-              <a:latin typeface="Franklin Gothic Book" panose="020B0503020102020204" pitchFamily="34" charset="0"/>
-              <a:cs typeface="Arial" panose="020B0604020202020204" pitchFamily="34" charset="0"/>
-            </a:endParaRPr>
-          </a:p>
-          <a:p>
-            <a:r>
-              <a:rPr lang="en-US" sz="4400" dirty="0">
-                <a:latin typeface="Franklin Gothic Book" panose="020B0503020102020204" pitchFamily="34" charset="0"/>
-              </a:rPr>
-              <a:t>Konitz’s statements relate to two theories of jazz improvisation: That improvisers put together practiced formulas or “licks,” or that they develop musical material in real time.</a:t>
-            </a:r>
-          </a:p>
-          <a:p>
-            <a:pPr marL="685800" indent="-685800">
-              <a:buFont typeface="Arial" panose="020B0604020202020204" pitchFamily="34" charset="0"/>
-              <a:buChar char="•"/>
-            </a:pPr>
-            <a:endParaRPr lang="en-US" sz="4400" dirty="0">
-              <a:latin typeface="Franklin Gothic Book" panose="020B0503020102020204" pitchFamily="34" charset="0"/>
-            </a:endParaRPr>
-          </a:p>
-          <a:p>
-            <a:r>
-              <a:rPr lang="en-US" sz="4400" dirty="0">
-                <a:latin typeface="Franklin Gothic Book" panose="020B0503020102020204" pitchFamily="34" charset="0"/>
-              </a:rPr>
-              <a:t>Can </a:t>
-            </a:r>
-            <a:r>
-              <a:rPr lang="en-US" sz="4400" b="1" dirty="0">
-                <a:latin typeface="Franklin Gothic Book" panose="020B0503020102020204" pitchFamily="34" charset="0"/>
-              </a:rPr>
-              <a:t>pattern-finding algorithms</a:t>
-            </a:r>
-            <a:r>
-              <a:rPr lang="en-US" sz="4400" dirty="0">
-                <a:latin typeface="Franklin Gothic Book" panose="020B0503020102020204" pitchFamily="34" charset="0"/>
-              </a:rPr>
-              <a:t> tell us about jazz performers’ </a:t>
-            </a:r>
-            <a:r>
-              <a:rPr lang="en-US" sz="4400" b="1" dirty="0">
-                <a:latin typeface="Franklin Gothic Book" panose="020B0503020102020204" pitchFamily="34" charset="0"/>
-              </a:rPr>
-              <a:t>improvisatory styles?</a:t>
-            </a:r>
-          </a:p>
-          <a:p>
-            <a:endParaRPr lang="en-US" sz="4400" b="1" dirty="0">
-              <a:latin typeface="Franklin Gothic Book" panose="020B0503020102020204" pitchFamily="34" charset="0"/>
-              <a:cs typeface="Arial" panose="020B0604020202020204" pitchFamily="34" charset="0"/>
-            </a:endParaRPr>
-          </a:p>
-          <a:p>
-            <a:pPr>
-              <a:lnSpc>
-                <a:spcPct val="120000"/>
-              </a:lnSpc>
-            </a:pPr>
-            <a:r>
-              <a:rPr lang="en-US" sz="4400" b="1" dirty="0">
-                <a:latin typeface="Franklin Gothic Book" panose="020B0503020102020204" pitchFamily="34" charset="0"/>
-                <a:cs typeface="Arial" panose="020B0604020202020204" pitchFamily="34" charset="0"/>
-              </a:rPr>
-              <a:t>METHODS</a:t>
-            </a:r>
-          </a:p>
-          <a:p>
-            <a:pPr marL="685800" indent="-685800">
-              <a:lnSpc>
-                <a:spcPct val="120000"/>
-              </a:lnSpc>
-              <a:buFont typeface="Arial" panose="020B0604020202020204" pitchFamily="34" charset="0"/>
-              <a:buChar char="•"/>
-            </a:pPr>
-            <a:r>
-              <a:rPr lang="en-US" sz="4400" dirty="0">
-                <a:latin typeface="Franklin Gothic Book" panose="020B0503020102020204" pitchFamily="34" charset="0"/>
-                <a:cs typeface="Arial" panose="020B0604020202020204" pitchFamily="34" charset="0"/>
-              </a:rPr>
-              <a:t>For motivic analysis, we use a Multiple Viewpoint method</a:t>
-            </a:r>
-            <a:r>
-              <a:rPr lang="en-US" sz="4400" baseline="30000" dirty="0"/>
-              <a:t>2</a:t>
-            </a:r>
-          </a:p>
-          <a:p>
-            <a:pPr marL="1143000" lvl="1" indent="-685800">
-              <a:lnSpc>
-                <a:spcPct val="120000"/>
-              </a:lnSpc>
-              <a:buFont typeface="Arial" panose="020B0604020202020204" pitchFamily="34" charset="0"/>
-              <a:buChar char="•"/>
-            </a:pPr>
-            <a:r>
-              <a:rPr lang="en-US" sz="4400" dirty="0"/>
-              <a:t>Taking </a:t>
-            </a:r>
-            <a:r>
-              <a:rPr lang="en-US" sz="4400" b="1" dirty="0"/>
-              <a:t>multiple</a:t>
-            </a:r>
-            <a:r>
-              <a:rPr lang="en-US" sz="4400" dirty="0"/>
-              <a:t> </a:t>
-            </a:r>
-            <a:r>
-              <a:rPr lang="en-US" sz="4400" b="1" dirty="0"/>
-              <a:t>simplified versions </a:t>
-            </a:r>
-            <a:r>
-              <a:rPr lang="en-US" sz="4400" dirty="0"/>
-              <a:t>of the musical surface</a:t>
-            </a:r>
-          </a:p>
-          <a:p>
-            <a:pPr marL="685800" indent="-685800">
-              <a:lnSpc>
-                <a:spcPct val="120000"/>
-              </a:lnSpc>
-              <a:buFont typeface="Arial" panose="020B0604020202020204" pitchFamily="34" charset="0"/>
-              <a:buChar char="•"/>
-            </a:pPr>
-            <a:endParaRPr lang="en-US" sz="4400" baseline="30000" dirty="0">
-              <a:latin typeface="Franklin Gothic Book" panose="020B0503020102020204" pitchFamily="34" charset="0"/>
-              <a:cs typeface="Arial" panose="020B0604020202020204" pitchFamily="34" charset="0"/>
-            </a:endParaRPr>
-          </a:p>
-          <a:p>
-            <a:pPr marL="685800" indent="-685800">
-              <a:lnSpc>
-                <a:spcPct val="120000"/>
-              </a:lnSpc>
-              <a:buFont typeface="Arial" panose="020B0604020202020204" pitchFamily="34" charset="0"/>
-              <a:buChar char="•"/>
-            </a:pPr>
-            <a:endParaRPr lang="en-US" sz="4400" baseline="30000" dirty="0">
-              <a:latin typeface="Franklin Gothic Book" panose="020B0503020102020204" pitchFamily="34" charset="0"/>
-              <a:cs typeface="Arial" panose="020B0604020202020204" pitchFamily="34" charset="0"/>
-            </a:endParaRPr>
-          </a:p>
-          <a:p>
-            <a:pPr marL="685800" indent="-685800">
-              <a:lnSpc>
-                <a:spcPct val="120000"/>
-              </a:lnSpc>
-              <a:buFont typeface="Arial" panose="020B0604020202020204" pitchFamily="34" charset="0"/>
-              <a:buChar char="•"/>
-            </a:pPr>
-            <a:endParaRPr lang="en-US" sz="4400" baseline="30000" dirty="0">
-              <a:latin typeface="Franklin Gothic Book" panose="020B0503020102020204" pitchFamily="34" charset="0"/>
-              <a:cs typeface="Arial" panose="020B0604020202020204" pitchFamily="34" charset="0"/>
-            </a:endParaRPr>
-          </a:p>
-          <a:p>
-            <a:pPr marL="685800" indent="-685800">
-              <a:lnSpc>
-                <a:spcPct val="120000"/>
-              </a:lnSpc>
-              <a:buFont typeface="Arial" panose="020B0604020202020204" pitchFamily="34" charset="0"/>
-              <a:buChar char="•"/>
-            </a:pPr>
-            <a:endParaRPr lang="en-US" sz="4400" baseline="30000" dirty="0">
-              <a:latin typeface="Franklin Gothic Book" panose="020B0503020102020204" pitchFamily="34" charset="0"/>
-              <a:cs typeface="Arial" panose="020B0604020202020204" pitchFamily="34" charset="0"/>
-            </a:endParaRPr>
-          </a:p>
-          <a:p>
-            <a:pPr marL="685800" indent="-685800">
-              <a:lnSpc>
-                <a:spcPct val="120000"/>
-              </a:lnSpc>
-              <a:buFont typeface="Arial" panose="020B0604020202020204" pitchFamily="34" charset="0"/>
-              <a:buChar char="•"/>
-            </a:pPr>
-            <a:endParaRPr lang="en-US" sz="4400" baseline="30000" dirty="0">
-              <a:latin typeface="Franklin Gothic Book" panose="020B0503020102020204" pitchFamily="34" charset="0"/>
-              <a:cs typeface="Arial" panose="020B0604020202020204" pitchFamily="34" charset="0"/>
-            </a:endParaRPr>
-          </a:p>
-          <a:p>
-            <a:pPr marL="685800" indent="-685800">
-              <a:lnSpc>
-                <a:spcPct val="120000"/>
-              </a:lnSpc>
-              <a:buFont typeface="Arial" panose="020B0604020202020204" pitchFamily="34" charset="0"/>
-              <a:buChar char="•"/>
-            </a:pPr>
-            <a:endParaRPr lang="en-US" sz="4400" baseline="30000" dirty="0">
-              <a:latin typeface="Franklin Gothic Book" panose="020B0503020102020204" pitchFamily="34" charset="0"/>
-              <a:cs typeface="Arial" panose="020B0604020202020204" pitchFamily="34" charset="0"/>
-            </a:endParaRPr>
-          </a:p>
-          <a:p>
-            <a:pPr marL="685800" indent="-685800">
-              <a:lnSpc>
-                <a:spcPct val="120000"/>
-              </a:lnSpc>
-              <a:buFont typeface="Arial" panose="020B0604020202020204" pitchFamily="34" charset="0"/>
-              <a:buChar char="•"/>
-            </a:pPr>
-            <a:endParaRPr lang="en-US" sz="4400" baseline="30000" dirty="0">
-              <a:latin typeface="Franklin Gothic Book" panose="020B0503020102020204" pitchFamily="34" charset="0"/>
-              <a:cs typeface="Arial" panose="020B0604020202020204" pitchFamily="34" charset="0"/>
-            </a:endParaRPr>
-          </a:p>
-          <a:p>
-            <a:pPr marL="685800" indent="-685800">
-              <a:lnSpc>
-                <a:spcPct val="120000"/>
-              </a:lnSpc>
-              <a:buFont typeface="Arial" panose="020B0604020202020204" pitchFamily="34" charset="0"/>
-              <a:buChar char="•"/>
-            </a:pPr>
-            <a:endParaRPr lang="en-US" sz="4400" baseline="30000" dirty="0">
-              <a:latin typeface="Franklin Gothic Book" panose="020B0503020102020204" pitchFamily="34" charset="0"/>
-              <a:cs typeface="Arial" panose="020B0604020202020204" pitchFamily="34" charset="0"/>
-            </a:endParaRPr>
-          </a:p>
-          <a:p>
-            <a:pPr marL="685800" indent="-685800">
-              <a:lnSpc>
-                <a:spcPct val="120000"/>
-              </a:lnSpc>
-              <a:buFont typeface="Arial" panose="020B0604020202020204" pitchFamily="34" charset="0"/>
-              <a:buChar char="•"/>
-            </a:pPr>
-            <a:endParaRPr lang="en-US" sz="4400" baseline="30000" dirty="0">
-              <a:latin typeface="Franklin Gothic Book" panose="020B0503020102020204" pitchFamily="34" charset="0"/>
-              <a:cs typeface="Arial" panose="020B0604020202020204" pitchFamily="34" charset="0"/>
-            </a:endParaRPr>
-          </a:p>
-          <a:p>
-            <a:pPr marL="685800" indent="-685800">
-              <a:lnSpc>
-                <a:spcPct val="120000"/>
-              </a:lnSpc>
-              <a:buFont typeface="Arial" panose="020B0604020202020204" pitchFamily="34" charset="0"/>
-              <a:buChar char="•"/>
-            </a:pPr>
-            <a:endParaRPr lang="en-US" sz="4400" baseline="30000" dirty="0">
-              <a:latin typeface="Franklin Gothic Book" panose="020B0503020102020204" pitchFamily="34" charset="0"/>
-              <a:cs typeface="Arial" panose="020B0604020202020204" pitchFamily="34" charset="0"/>
-            </a:endParaRPr>
-          </a:p>
-          <a:p>
-            <a:pPr marL="685800" indent="-685800">
-              <a:lnSpc>
-                <a:spcPct val="120000"/>
-              </a:lnSpc>
-              <a:buFont typeface="Arial" panose="020B0604020202020204" pitchFamily="34" charset="0"/>
-              <a:buChar char="•"/>
-            </a:pPr>
-            <a:endParaRPr lang="en-US" sz="4400" baseline="30000" dirty="0">
-              <a:latin typeface="Franklin Gothic Book" panose="020B0503020102020204" pitchFamily="34" charset="0"/>
-              <a:cs typeface="Arial" panose="020B0604020202020204" pitchFamily="34" charset="0"/>
-            </a:endParaRPr>
-          </a:p>
-          <a:p>
-            <a:pPr marL="685800" indent="-685800">
-              <a:lnSpc>
-                <a:spcPct val="120000"/>
-              </a:lnSpc>
-              <a:buFont typeface="Arial" panose="020B0604020202020204" pitchFamily="34" charset="0"/>
-              <a:buChar char="•"/>
-            </a:pPr>
-            <a:endParaRPr lang="en-US" sz="4400" baseline="30000" dirty="0">
-              <a:latin typeface="Franklin Gothic Book" panose="020B0503020102020204" pitchFamily="34" charset="0"/>
-              <a:cs typeface="Arial" panose="020B0604020202020204" pitchFamily="34" charset="0"/>
-            </a:endParaRPr>
-          </a:p>
-          <a:p>
-            <a:pPr marL="685800" indent="-685800">
-              <a:lnSpc>
-                <a:spcPct val="120000"/>
-              </a:lnSpc>
-              <a:buFont typeface="Arial" panose="020B0604020202020204" pitchFamily="34" charset="0"/>
-              <a:buChar char="•"/>
-            </a:pPr>
-            <a:r>
-              <a:rPr lang="en-US" sz="4400" dirty="0">
-                <a:latin typeface="Franklin Gothic Book" panose="020B0503020102020204" pitchFamily="34" charset="0"/>
-                <a:cs typeface="Arial" panose="020B0604020202020204" pitchFamily="34" charset="0"/>
-              </a:rPr>
-              <a:t>Calculate multiple viewpoints on each note of a piece</a:t>
-            </a:r>
-          </a:p>
-          <a:p>
-            <a:pPr marL="685800" indent="-685800">
-              <a:lnSpc>
-                <a:spcPct val="120000"/>
-              </a:lnSpc>
-              <a:buFont typeface="Arial" panose="020B0604020202020204" pitchFamily="34" charset="0"/>
-              <a:buChar char="•"/>
-            </a:pPr>
-            <a:r>
-              <a:rPr lang="en-US" sz="4400" dirty="0">
-                <a:latin typeface="Franklin Gothic Book" panose="020B0503020102020204" pitchFamily="34" charset="0"/>
-                <a:cs typeface="Arial" panose="020B0604020202020204" pitchFamily="34" charset="0"/>
-              </a:rPr>
-              <a:t>We define </a:t>
-            </a:r>
-            <a:r>
-              <a:rPr lang="en-US" sz="4400" b="1" dirty="0">
-                <a:latin typeface="Franklin Gothic Book" panose="020B0503020102020204" pitchFamily="34" charset="0"/>
-                <a:cs typeface="Arial" panose="020B0604020202020204" pitchFamily="34" charset="0"/>
-              </a:rPr>
-              <a:t>similarity</a:t>
-            </a:r>
-            <a:r>
-              <a:rPr lang="en-US" sz="4400" dirty="0">
-                <a:latin typeface="Franklin Gothic Book" panose="020B0503020102020204" pitchFamily="34" charset="0"/>
-                <a:cs typeface="Arial" panose="020B0604020202020204" pitchFamily="34" charset="0"/>
-              </a:rPr>
-              <a:t> between two excerpts of music by comparing viewpoint sequences</a:t>
-            </a:r>
-          </a:p>
-          <a:p>
-            <a:pPr marL="685800" indent="-685800">
-              <a:lnSpc>
-                <a:spcPct val="120000"/>
-              </a:lnSpc>
-              <a:buFont typeface="Arial" panose="020B0604020202020204" pitchFamily="34" charset="0"/>
-              <a:buChar char="•"/>
-            </a:pPr>
-            <a:r>
-              <a:rPr lang="en-US" sz="4400" dirty="0">
-                <a:latin typeface="Franklin Gothic Book" panose="020B0503020102020204" pitchFamily="34" charset="0"/>
-                <a:cs typeface="Arial" panose="020B0604020202020204" pitchFamily="34" charset="0"/>
-              </a:rPr>
-              <a:t>Get similarity </a:t>
-            </a:r>
-            <a:r>
-              <a:rPr lang="en-US" sz="4400" b="1" dirty="0">
-                <a:latin typeface="Franklin Gothic Book" panose="020B0503020102020204" pitchFamily="34" charset="0"/>
-                <a:cs typeface="Arial" panose="020B0604020202020204" pitchFamily="34" charset="0"/>
-              </a:rPr>
-              <a:t>between all possible excerpts </a:t>
-            </a:r>
-            <a:r>
-              <a:rPr lang="en-US" sz="4400" dirty="0">
-                <a:latin typeface="Franklin Gothic Book" panose="020B0503020102020204" pitchFamily="34" charset="0"/>
-                <a:cs typeface="Arial" panose="020B0604020202020204" pitchFamily="34" charset="0"/>
-              </a:rPr>
-              <a:t>of a solo. Groups of similar excerpts are motifs</a:t>
-            </a:r>
-          </a:p>
-          <a:p>
-            <a:pPr marL="685800" indent="-685800">
-              <a:lnSpc>
-                <a:spcPct val="120000"/>
-              </a:lnSpc>
-              <a:buFont typeface="Arial" panose="020B0604020202020204" pitchFamily="34" charset="0"/>
-              <a:buChar char="•"/>
-            </a:pPr>
-            <a:endParaRPr lang="en-US" sz="4400" dirty="0">
-              <a:latin typeface="Franklin Gothic Book" panose="020B0503020102020204" pitchFamily="34" charset="0"/>
-              <a:cs typeface="Arial" panose="020B0604020202020204" pitchFamily="34" charset="0"/>
-            </a:endParaRPr>
-          </a:p>
-          <a:p>
-            <a:pPr marL="685800" indent="-685800">
-              <a:lnSpc>
-                <a:spcPct val="120000"/>
-              </a:lnSpc>
-              <a:buFont typeface="Arial" panose="020B0604020202020204" pitchFamily="34" charset="0"/>
-              <a:buChar char="•"/>
-            </a:pPr>
-            <a:endParaRPr lang="en-US" sz="4400" dirty="0">
-              <a:latin typeface="Franklin Gothic Book" panose="020B0503020102020204" pitchFamily="34" charset="0"/>
-              <a:cs typeface="Arial" panose="020B0604020202020204" pitchFamily="34" charset="0"/>
-            </a:endParaRPr>
-          </a:p>
-          <a:p>
-            <a:pPr>
-              <a:lnSpc>
-                <a:spcPct val="120000"/>
-              </a:lnSpc>
-            </a:pPr>
-            <a:endParaRPr lang="en-US" sz="4801" b="1" dirty="0">
-              <a:solidFill>
-                <a:srgbClr val="8C1616"/>
-              </a:solidFill>
-              <a:latin typeface="Franklin Gothic Book" panose="020B0503020102020204" pitchFamily="34" charset="0"/>
-              <a:cs typeface="Arial" panose="020B0604020202020204" pitchFamily="34" charset="0"/>
-            </a:endParaRPr>
-          </a:p>
-          <a:p>
-            <a:pPr>
-              <a:lnSpc>
-                <a:spcPct val="120000"/>
-              </a:lnSpc>
-            </a:pPr>
-            <a:endParaRPr lang="en-US" sz="4801" b="1" dirty="0">
-              <a:solidFill>
-                <a:srgbClr val="8C1616"/>
-              </a:solidFill>
-              <a:latin typeface="Franklin Gothic Book" panose="020B0503020102020204" pitchFamily="34" charset="0"/>
-              <a:cs typeface="Arial" panose="020B0604020202020204" pitchFamily="34" charset="0"/>
-            </a:endParaRPr>
-          </a:p>
-          <a:p>
-            <a:pPr marL="685800" indent="-685800">
-              <a:lnSpc>
-                <a:spcPct val="120000"/>
-              </a:lnSpc>
-              <a:buFont typeface="Arial" panose="020B0604020202020204" pitchFamily="34" charset="0"/>
-              <a:buChar char="•"/>
-            </a:pPr>
-            <a:endParaRPr lang="en-US" sz="4801" b="1" dirty="0">
-              <a:solidFill>
-                <a:srgbClr val="8C1616"/>
-              </a:solidFill>
-              <a:latin typeface="Franklin Gothic Book" panose="020B0503020102020204" pitchFamily="34" charset="0"/>
-              <a:cs typeface="Arial" panose="020B0604020202020204" pitchFamily="34" charset="0"/>
-            </a:endParaRPr>
-          </a:p>
-        </p:txBody>
-      </p:sp>
-      <p:sp>
-        <p:nvSpPr>
-          <p:cNvPr id="10" name="Rectangle 9">
-            <a:extLst>
-              <a:ext uri="{FF2B5EF4-FFF2-40B4-BE49-F238E27FC236}">
-                <a16:creationId xmlns:a16="http://schemas.microsoft.com/office/drawing/2014/main" id="{030386EC-D1AC-48D0-B2EC-0AD1DA88A8AB}"/>
-              </a:ext>
-            </a:extLst>
-          </p:cNvPr>
-          <p:cNvSpPr/>
-          <p:nvPr/>
-        </p:nvSpPr>
-        <p:spPr>
-          <a:xfrm>
-            <a:off x="0" y="5354080"/>
-            <a:ext cx="32004000" cy="6120502"/>
-          </a:xfrm>
-          <a:prstGeom prst="rect">
-            <a:avLst/>
-          </a:prstGeom>
-          <a:gradFill>
-            <a:gsLst>
-              <a:gs pos="0">
-                <a:schemeClr val="bg1"/>
-              </a:gs>
-              <a:gs pos="74000">
-                <a:schemeClr val="bg1">
-                  <a:lumMod val="85000"/>
-                </a:schemeClr>
-              </a:gs>
-              <a:gs pos="83000">
-                <a:schemeClr val="bg1">
-                  <a:lumMod val="75000"/>
-                </a:schemeClr>
-              </a:gs>
-              <a:gs pos="100000">
-                <a:schemeClr val="bg1">
-                  <a:lumMod val="85000"/>
-                </a:schemeClr>
-              </a:gs>
-            </a:gsLst>
-            <a:lin ang="5400000" scaled="1"/>
-          </a:gradFill>
-          <a:ln>
-            <a:noFill/>
-          </a:ln>
-        </p:spPr>
-        <p:style>
-          <a:lnRef idx="2">
-            <a:schemeClr val="accent1">
-              <a:shade val="50000"/>
-            </a:schemeClr>
-          </a:lnRef>
-          <a:fillRef idx="1">
-            <a:schemeClr val="accent1"/>
-          </a:fillRef>
-          <a:effectRef idx="0">
-            <a:schemeClr val="accent1"/>
-          </a:effectRef>
-          <a:fontRef idx="minor">
-            <a:schemeClr val="lt1"/>
-          </a:fontRef>
-        </p:style>
-        <p:txBody>
-          <a:bodyPr rtlCol="0" anchor="ctr"/>
-          <a:lstStyle/>
-          <a:p>
-            <a:pPr algn="ctr"/>
             <a:endParaRPr lang="en-US" dirty="0">
               <a:solidFill>
                 <a:schemeClr val="bg1">
@@ -3591,273 +3204,6 @@
           </a:p>
         </p:txBody>
       </p:sp>
-      <p:sp>
-        <p:nvSpPr>
-          <p:cNvPr id="2" name="Rectangle 1">
-            <a:extLst>
-              <a:ext uri="{FF2B5EF4-FFF2-40B4-BE49-F238E27FC236}">
-                <a16:creationId xmlns:a16="http://schemas.microsoft.com/office/drawing/2014/main" id="{699EE2F9-E368-471F-966F-6846CB3D7866}"/>
-              </a:ext>
-            </a:extLst>
-          </p:cNvPr>
-          <p:cNvSpPr/>
-          <p:nvPr/>
-        </p:nvSpPr>
-        <p:spPr>
-          <a:xfrm>
-            <a:off x="1643044" y="5920626"/>
-            <a:ext cx="28717912" cy="4491871"/>
-          </a:xfrm>
-          <a:prstGeom prst="rect">
-            <a:avLst/>
-          </a:prstGeom>
-        </p:spPr>
-        <p:txBody>
-          <a:bodyPr wrap="square">
-            <a:spAutoFit/>
-          </a:bodyPr>
-          <a:lstStyle/>
-          <a:p>
-            <a:pPr>
-              <a:lnSpc>
-                <a:spcPct val="130000"/>
-              </a:lnSpc>
-            </a:pPr>
-            <a:r>
-              <a:rPr lang="en-US" sz="11500" b="1" dirty="0">
-                <a:latin typeface="Franklin Gothic Demi" panose="020B0703020102020204" pitchFamily="34" charset="0"/>
-                <a:ea typeface="Roboto" panose="02000000000000000000" pitchFamily="2" charset="0"/>
-                <a:cs typeface="Arial" panose="020B0604020202020204" pitchFamily="34" charset="0"/>
-              </a:rPr>
-              <a:t>Main finding goes here</a:t>
-            </a:r>
-            <a:r>
-              <a:rPr lang="en-US" sz="11500" dirty="0">
-                <a:latin typeface="Franklin Gothic Demi" panose="020B0703020102020204" pitchFamily="34" charset="0"/>
-                <a:ea typeface="Roboto" panose="02000000000000000000" pitchFamily="2" charset="0"/>
-                <a:cs typeface="Arial" panose="020B0604020202020204" pitchFamily="34" charset="0"/>
-              </a:rPr>
-              <a:t>, translated into plain English. Emphasize the important words.</a:t>
-            </a:r>
-            <a:endParaRPr lang="en-US" sz="11500" dirty="0">
-              <a:latin typeface="Franklin Gothic Demi" panose="020B0703020102020204" pitchFamily="34" charset="0"/>
-            </a:endParaRPr>
-          </a:p>
-        </p:txBody>
-      </p:sp>
-      <p:sp>
-        <p:nvSpPr>
-          <p:cNvPr id="3" name="Rectangle 2">
-            <a:extLst>
-              <a:ext uri="{FF2B5EF4-FFF2-40B4-BE49-F238E27FC236}">
-                <a16:creationId xmlns:a16="http://schemas.microsoft.com/office/drawing/2014/main" id="{643038D2-6694-4FF1-AFD6-35D55E87C41A}"/>
-              </a:ext>
-            </a:extLst>
-          </p:cNvPr>
-          <p:cNvSpPr/>
-          <p:nvPr/>
-        </p:nvSpPr>
-        <p:spPr>
-          <a:xfrm>
-            <a:off x="12001001" y="18067496"/>
-            <a:ext cx="9583653" cy="14186256"/>
-          </a:xfrm>
-          <a:prstGeom prst="rect">
-            <a:avLst/>
-          </a:prstGeom>
-        </p:spPr>
-        <p:txBody>
-          <a:bodyPr wrap="square">
-            <a:spAutoFit/>
-          </a:bodyPr>
-          <a:lstStyle/>
-          <a:p>
-            <a:pPr>
-              <a:lnSpc>
-                <a:spcPct val="120000"/>
-              </a:lnSpc>
-            </a:pPr>
-            <a:r>
-              <a:rPr lang="en-US" sz="4801" b="1" dirty="0">
-                <a:latin typeface="Franklin Gothic Book" panose="020B0503020102020204" pitchFamily="34" charset="0"/>
-                <a:cs typeface="Arial" panose="020B0604020202020204" pitchFamily="34" charset="0"/>
-              </a:rPr>
-              <a:t>RESULTS</a:t>
-            </a:r>
-          </a:p>
-          <a:p>
-            <a:pPr marL="571523" indent="-571523">
-              <a:lnSpc>
-                <a:spcPct val="120000"/>
-              </a:lnSpc>
-              <a:buFont typeface="Arial" panose="020B0604020202020204" pitchFamily="34" charset="0"/>
-              <a:buChar char="•"/>
-            </a:pPr>
-            <a:r>
-              <a:rPr lang="en-US" sz="4801" dirty="0">
-                <a:latin typeface="Franklin Gothic Book" panose="020B0503020102020204" pitchFamily="34" charset="0"/>
-                <a:cs typeface="Arial" panose="020B0604020202020204" pitchFamily="34" charset="0"/>
-              </a:rPr>
-              <a:t>Graph or table with essential results only.</a:t>
-            </a:r>
-          </a:p>
-          <a:p>
-            <a:pPr marL="571523" indent="-571523">
-              <a:lnSpc>
-                <a:spcPct val="120000"/>
-              </a:lnSpc>
-              <a:buFont typeface="Arial" panose="020B0604020202020204" pitchFamily="34" charset="0"/>
-              <a:buChar char="•"/>
-            </a:pPr>
-            <a:r>
-              <a:rPr lang="en-US" sz="4801" dirty="0">
-                <a:latin typeface="Franklin Gothic Book" panose="020B0503020102020204" pitchFamily="34" charset="0"/>
-                <a:cs typeface="Arial" panose="020B0604020202020204" pitchFamily="34" charset="0"/>
-              </a:rPr>
-              <a:t>All the other correlations in the ammo bar.</a:t>
-            </a:r>
-          </a:p>
-          <a:p>
-            <a:pPr>
-              <a:lnSpc>
-                <a:spcPct val="120000"/>
-              </a:lnSpc>
-            </a:pPr>
-            <a:endParaRPr lang="en-US" sz="4801" dirty="0">
-              <a:latin typeface="Franklin Gothic Book" panose="020B0503020102020204" pitchFamily="34" charset="0"/>
-              <a:cs typeface="Arial" panose="020B0604020202020204" pitchFamily="34" charset="0"/>
-            </a:endParaRPr>
-          </a:p>
-          <a:p>
-            <a:pPr>
-              <a:lnSpc>
-                <a:spcPct val="120000"/>
-              </a:lnSpc>
-            </a:pPr>
-            <a:endParaRPr lang="en-US" sz="4801" dirty="0">
-              <a:latin typeface="Franklin Gothic Book" panose="020B0503020102020204" pitchFamily="34" charset="0"/>
-              <a:cs typeface="Arial" panose="020B0604020202020204" pitchFamily="34" charset="0"/>
-            </a:endParaRPr>
-          </a:p>
-          <a:p>
-            <a:pPr>
-              <a:lnSpc>
-                <a:spcPct val="120000"/>
-              </a:lnSpc>
-            </a:pPr>
-            <a:r>
-              <a:rPr lang="en-US" sz="4801" dirty="0">
-                <a:latin typeface="Franklin Gothic Book" panose="020B0503020102020204" pitchFamily="34" charset="0"/>
-                <a:cs typeface="Arial" panose="020B0604020202020204" pitchFamily="34" charset="0"/>
-              </a:rPr>
-              <a:t>DISCUSSION</a:t>
-            </a:r>
-          </a:p>
-          <a:p>
-            <a:pPr marL="457218" indent="-457218">
-              <a:lnSpc>
-                <a:spcPct val="120000"/>
-              </a:lnSpc>
-              <a:buFont typeface="Arial" panose="020B0604020202020204" pitchFamily="34" charset="0"/>
-              <a:buChar char="•"/>
-            </a:pPr>
-            <a:r>
-              <a:rPr lang="en-US" sz="4801" dirty="0">
-                <a:latin typeface="Franklin Gothic Book" panose="020B0503020102020204" pitchFamily="34" charset="0"/>
-                <a:cs typeface="Arial" panose="020B0604020202020204" pitchFamily="34" charset="0"/>
-              </a:rPr>
-              <a:t>“If this result actually generalized and I didn’t have to humbly disclaim the possibility of a thousand confounds and limitations, it would imply that….”</a:t>
-            </a:r>
-            <a:endParaRPr lang="en-US" sz="4801" b="1" dirty="0">
-              <a:latin typeface="Franklin Gothic Book" panose="020B0503020102020204" pitchFamily="34" charset="0"/>
-              <a:cs typeface="Arial" panose="020B0604020202020204" pitchFamily="34" charset="0"/>
-            </a:endParaRPr>
-          </a:p>
-          <a:p>
-            <a:pPr>
-              <a:lnSpc>
-                <a:spcPct val="120000"/>
-              </a:lnSpc>
-            </a:pPr>
-            <a:endParaRPr lang="en-US" sz="4801" dirty="0">
-              <a:latin typeface="Franklin Gothic Book" panose="020B0503020102020204" pitchFamily="34" charset="0"/>
-              <a:cs typeface="Arial" panose="020B0604020202020204" pitchFamily="34" charset="0"/>
-            </a:endParaRPr>
-          </a:p>
-          <a:p>
-            <a:pPr>
-              <a:lnSpc>
-                <a:spcPct val="120000"/>
-              </a:lnSpc>
-            </a:pPr>
-            <a:r>
-              <a:rPr lang="en-US" sz="4801" dirty="0">
-                <a:solidFill>
-                  <a:schemeClr val="bg1">
-                    <a:lumMod val="85000"/>
-                  </a:schemeClr>
-                </a:solidFill>
-                <a:latin typeface="Franklin Gothic Book" panose="020B0503020102020204" pitchFamily="34" charset="0"/>
-                <a:cs typeface="Arial" panose="020B0604020202020204" pitchFamily="34" charset="0"/>
-              </a:rPr>
-              <a:t>Keep font size as high above 28 as possible</a:t>
-            </a:r>
-            <a:r>
-              <a:rPr lang="en-US" sz="4801" dirty="0">
-                <a:solidFill>
-                  <a:srgbClr val="FF0000"/>
-                </a:solidFill>
-                <a:latin typeface="Franklin Gothic Book" panose="020B0503020102020204" pitchFamily="34" charset="0"/>
-                <a:cs typeface="Arial" panose="020B0604020202020204" pitchFamily="34" charset="0"/>
-              </a:rPr>
-              <a:t>.</a:t>
-            </a:r>
-          </a:p>
-        </p:txBody>
-      </p:sp>
-      <p:cxnSp>
-        <p:nvCxnSpPr>
-          <p:cNvPr id="14" name="Straight Connector 13">
-            <a:extLst>
-              <a:ext uri="{FF2B5EF4-FFF2-40B4-BE49-F238E27FC236}">
-                <a16:creationId xmlns:a16="http://schemas.microsoft.com/office/drawing/2014/main" id="{CF352244-5B1B-48A4-BB73-9F770DBFB737}"/>
-              </a:ext>
-            </a:extLst>
-          </p:cNvPr>
-          <p:cNvCxnSpPr>
-            <a:cxnSpLocks/>
-          </p:cNvCxnSpPr>
-          <p:nvPr/>
-        </p:nvCxnSpPr>
-        <p:spPr>
-          <a:xfrm>
-            <a:off x="22207366" y="13121164"/>
-            <a:ext cx="0" cy="23145750"/>
-          </a:xfrm>
-          <a:prstGeom prst="line">
-            <a:avLst/>
-          </a:prstGeom>
-          <a:ln w="76200">
-            <a:solidFill>
-              <a:srgbClr val="006A5C"/>
-            </a:solidFill>
-          </a:ln>
-        </p:spPr>
-        <p:style>
-          <a:lnRef idx="1">
-            <a:schemeClr val="accent1"/>
-          </a:lnRef>
-          <a:fillRef idx="0">
-            <a:schemeClr val="accent1"/>
-          </a:fillRef>
-          <a:effectRef idx="0">
-            <a:schemeClr val="accent1"/>
-          </a:effectRef>
-          <a:fontRef idx="minor">
-            <a:schemeClr val="tx1"/>
-          </a:fontRef>
-        </p:style>
-      </p:cxnSp>
       <p:sp>
         <p:nvSpPr>
           <p:cNvPr id="16" name="TextBox 15">
@@ -3890,7 +3236,7 @@
               <a:rPr lang="en-US" sz="9600" dirty="0">
                 <a:latin typeface="Franklin Gothic Demi" panose="020B0703020102020204" pitchFamily="34" charset="0"/>
               </a:rPr>
-              <a:t>Computational Methods applied to Motivic Analyses of Jazz Improvisation</a:t>
+              <a:t>Computational Methods Applied to Motivic Analyses of Jazz Improvisation</a:t>
             </a:r>
           </a:p>
         </p:txBody>
@@ -4008,7 +3354,7 @@
         </p:blipFill>
         <p:spPr>
           <a:xfrm>
-            <a:off x="22207366" y="780753"/>
+            <a:off x="22099935" y="3378923"/>
             <a:ext cx="9187037" cy="1528796"/>
           </a:xfrm>
           <a:prstGeom prst="rect">
@@ -4030,8 +3376,8 @@
         </p:nvSpPr>
         <p:spPr>
           <a:xfrm>
-            <a:off x="302968" y="40725496"/>
-            <a:ext cx="29841751" cy="2554545"/>
+            <a:off x="539814" y="36912995"/>
+            <a:ext cx="9857026" cy="4154984"/>
           </a:xfrm>
           <a:prstGeom prst="rect">
             <a:avLst/>
@@ -4045,68 +3391,58 @@
           <a:lstStyle/>
           <a:p>
             <a:r>
-              <a:rPr lang="en-US" sz="4000" dirty="0"/>
-              <a:t>¹ Hamilton, Andy, and Lee Konitz. “Lee Konitz: Conversations on </a:t>
-            </a:r>
-            <a:r>
-              <a:rPr lang="en-US" sz="4000" dirty="0">
+              <a:rPr lang="en-US" sz="3200" dirty="0">
                 <a:latin typeface="Franklin Gothic Book" panose="020B0503020102020204" pitchFamily="34" charset="0"/>
               </a:rPr>
-              <a:t>the</a:t>
-            </a:r>
-            <a:r>
-              <a:rPr lang="en-US" sz="4000" dirty="0"/>
-              <a:t> Improviser’s Art.” University of Michigan Press, 2007.</a:t>
-            </a:r>
-          </a:p>
-          <a:p>
-            <a:r>
-              <a:rPr lang="en-US" sz="4000" baseline="30000" dirty="0"/>
+              <a:t>¹ Hamilton, Andy, and Lee Konitz. “Lee Konitz: Conversations on the Improviser’s Art.” University of Michigan Press, 2007.</a:t>
+            </a:r>
+          </a:p>
+          <a:p>
+            <a:r>
+              <a:rPr lang="en-US" sz="3200" baseline="30000" dirty="0">
+                <a:latin typeface="Franklin Gothic Book" panose="020B0503020102020204" pitchFamily="34" charset="0"/>
+              </a:rPr>
               <a:t>2</a:t>
             </a:r>
             <a:r>
-              <a:rPr lang="en-US" sz="4000" dirty="0"/>
+              <a:rPr lang="en-US" sz="3200" dirty="0">
+                <a:latin typeface="Franklin Gothic Book" panose="020B0503020102020204" pitchFamily="34" charset="0"/>
+              </a:rPr>
               <a:t> </a:t>
             </a:r>
             <a:r>
-              <a:rPr lang="en-US" sz="4000" dirty="0">
+              <a:rPr lang="en-US" sz="3200" dirty="0">
                 <a:effectLst/>
+                <a:latin typeface="Franklin Gothic Book" panose="020B0503020102020204" pitchFamily="34" charset="0"/>
               </a:rPr>
               <a:t>Conklin, Darrell, and Christina </a:t>
             </a:r>
             <a:r>
-              <a:rPr lang="en-US" sz="4000" dirty="0" err="1">
+              <a:rPr lang="en-US" sz="3200" dirty="0" err="1">
                 <a:effectLst/>
+                <a:latin typeface="Franklin Gothic Book" panose="020B0503020102020204" pitchFamily="34" charset="0"/>
               </a:rPr>
               <a:t>Anagnostopoulous</a:t>
             </a:r>
             <a:r>
-              <a:rPr lang="en-US" sz="4000" dirty="0">
+              <a:rPr lang="en-US" sz="3200" dirty="0">
                 <a:effectLst/>
+                <a:latin typeface="Franklin Gothic Book" panose="020B0503020102020204" pitchFamily="34" charset="0"/>
               </a:rPr>
-              <a:t>. “Representation and Discovery of Multiple Viewpoint Patterns.” In </a:t>
-            </a:r>
-            <a:r>
-              <a:rPr lang="en-US" sz="4000" i="1" dirty="0">
+              <a:t>. “Representation and Discovery of Multiple Viewpoint Patterns.” In Proc. of the </a:t>
+            </a:r>
+            <a:r>
+              <a:rPr lang="en-US" sz="3200" dirty="0">
+                <a:latin typeface="Franklin Gothic Book" panose="020B0503020102020204" pitchFamily="34" charset="0"/>
+              </a:rPr>
+              <a:t>Int.</a:t>
+            </a:r>
+            <a:r>
+              <a:rPr lang="en-US" sz="3200" dirty="0">
                 <a:effectLst/>
+                <a:latin typeface="Franklin Gothic Book" panose="020B0503020102020204" pitchFamily="34" charset="0"/>
               </a:rPr>
-              <a:t>Proc. of the </a:t>
-            </a:r>
-            <a:r>
-              <a:rPr lang="en-US" sz="4000" i="1" dirty="0"/>
-              <a:t>Int.</a:t>
-            </a:r>
-            <a:r>
-              <a:rPr lang="en-US" sz="4000" i="1" dirty="0">
-                <a:effectLst/>
-              </a:rPr>
-              <a:t> 			Computer Music Conf</a:t>
-            </a:r>
-            <a:r>
-              <a:rPr lang="en-US" sz="4000" dirty="0">
-                <a:effectLst/>
-              </a:rPr>
-              <a:t>. Havana, Cuba. 2001.</a:t>
+              <a:t> Computer Music Conf. Havana, Cuba. 2001.</a:t>
             </a:r>
           </a:p>
           <a:p>
@@ -4136,8 +3472,8 @@
         </p:blipFill>
         <p:spPr>
           <a:xfrm>
-            <a:off x="935666" y="27857389"/>
-            <a:ext cx="9707708" cy="1777168"/>
+            <a:off x="22522444" y="8095915"/>
+            <a:ext cx="7941634" cy="1453857"/>
           </a:xfrm>
           <a:prstGeom prst="rect">
             <a:avLst/>
@@ -4159,20 +3495,20 @@
           <p:nvPr>
             <p:extLst>
               <p:ext uri="{D42A27DB-BD31-4B8C-83A1-F6EECF244321}">
-                <p14:modId xmlns:p14="http://schemas.microsoft.com/office/powerpoint/2010/main" val="4006477332"/>
+                <p14:modId xmlns:p14="http://schemas.microsoft.com/office/powerpoint/2010/main" val="1077730160"/>
               </p:ext>
             </p:extLst>
           </p:nvPr>
         </p:nvGraphicFramePr>
         <p:xfrm>
-          <a:off x="1643044" y="29752852"/>
-          <a:ext cx="8292953" cy="4157407"/>
+          <a:off x="22452722" y="9917806"/>
+          <a:ext cx="8292953" cy="4795673"/>
         </p:xfrm>
         <a:graphic>
           <a:graphicData uri="http://schemas.openxmlformats.org/drawingml/2006/table">
             <a:tbl>
-              <a:tblPr>
-                <a:tableStyleId>{7E9639D4-E3E2-4D34-9284-5A2195B3D0D7}</a:tableStyleId>
+              <a:tblPr bandRow="1">
+                <a:tableStyleId>{073A0DAA-6AF3-43AB-8588-CEC1D06C72B9}</a:tableStyleId>
               </a:tblPr>
               <a:tblGrid>
                 <a:gridCol w="2781259">
@@ -4239,7 +3575,7 @@
                   </a:extLst>
                 </a:gridCol>
               </a:tblGrid>
-              <a:tr h="345131">
+              <a:tr h="430703">
                 <a:tc rowSpan="2">
                   <a:txBody>
                     <a:bodyPr/>
@@ -4249,6 +3585,7 @@
                       <a:r>
                         <a:rPr lang="en-CA" sz="2400" b="1" u="none" strike="noStrike" dirty="0">
                           <a:effectLst/>
+                          <a:latin typeface="Franklin Gothic Book" panose="020B0503020102020204" pitchFamily="34" charset="0"/>
                         </a:rPr>
                         <a:t>Viewpoint</a:t>
                       </a:r>
@@ -4257,30 +3594,11 @@
                           <a:srgbClr val="000000"/>
                         </a:solidFill>
                         <a:effectLst/>
-                        <a:latin typeface="Consolas" panose="020B0609020204030204" pitchFamily="49" charset="0"/>
-                      </a:endParaRPr>
-                    </a:p>
-                  </a:txBody>
-                  <a:tcPr marL="7620" marR="7620" marT="7620" marB="0" anchor="b">
-                    <a:lnR w="12700" cap="flat" cmpd="sng" algn="ctr">
-                      <a:solidFill>
-                        <a:schemeClr val="tx1"/>
-                      </a:solidFill>
-                      <a:prstDash val="solid"/>
-                      <a:round/>
-                      <a:headEnd type="none" w="med" len="med"/>
-                      <a:tailEnd type="none" w="med" len="med"/>
-                    </a:lnR>
-                    <a:lnB w="12700" cap="flat" cmpd="sng" algn="ctr">
-                      <a:solidFill>
-                        <a:schemeClr val="tx1"/>
-                      </a:solidFill>
-                      <a:prstDash val="solid"/>
-                      <a:round/>
-                      <a:headEnd type="none" w="med" len="med"/>
-                      <a:tailEnd type="none" w="med" len="med"/>
-                    </a:lnB>
-                  </a:tcPr>
+                        <a:latin typeface="Franklin Gothic Book" panose="020B0503020102020204" pitchFamily="34" charset="0"/>
+                      </a:endParaRPr>
+                    </a:p>
+                  </a:txBody>
+                  <a:tcPr marL="7620" marR="7620" marT="7620" marB="0" anchor="b"/>
                 </a:tc>
                 <a:tc gridSpan="8">
                   <a:txBody>
@@ -4289,12 +3607,12 @@
                     <a:p>
                       <a:pPr algn="ctr" fontAlgn="b"/>
                       <a:r>
-                        <a:rPr lang="en-US" sz="2400" b="1" i="0" u="none" strike="noStrike" dirty="0">
+                        <a:rPr lang="en-US" sz="2400" b="1" u="none" strike="noStrike" dirty="0">
                           <a:solidFill>
                             <a:srgbClr val="000000"/>
                           </a:solidFill>
                           <a:effectLst/>
-                          <a:latin typeface="Consolas" panose="020B0609020204030204" pitchFamily="49" charset="0"/>
+                          <a:latin typeface="Franklin Gothic Book" panose="020B0503020102020204" pitchFamily="34" charset="0"/>
                         </a:rPr>
                         <a:t>Note #</a:t>
                       </a:r>
@@ -4303,28 +3621,11 @@
                           <a:srgbClr val="000000"/>
                         </a:solidFill>
                         <a:effectLst/>
-                        <a:latin typeface="Consolas" panose="020B0609020204030204" pitchFamily="49" charset="0"/>
-                      </a:endParaRPr>
-                    </a:p>
-                  </a:txBody>
-                  <a:tcPr marL="7620" marR="7620" marT="7620" marB="0" anchor="b">
-                    <a:lnL w="12700" cap="flat" cmpd="sng" algn="ctr">
-                      <a:solidFill>
-                        <a:schemeClr val="tx1"/>
-                      </a:solidFill>
-                      <a:prstDash val="solid"/>
-                      <a:round/>
-                      <a:headEnd type="none" w="med" len="med"/>
-                      <a:tailEnd type="none" w="med" len="med"/>
-                    </a:lnL>
-                    <a:lnB w="12700" cap="flat" cmpd="sng" algn="ctr">
-                      <a:noFill/>
-                      <a:prstDash val="solid"/>
-                      <a:round/>
-                      <a:headEnd type="none" w="med" len="med"/>
-                      <a:tailEnd type="none" w="med" len="med"/>
-                    </a:lnB>
-                  </a:tcPr>
+                        <a:latin typeface="Franklin Gothic Book" panose="020B0503020102020204" pitchFamily="34" charset="0"/>
+                      </a:endParaRPr>
+                    </a:p>
+                  </a:txBody>
+                  <a:tcPr marL="7620" marR="7620" marT="7620" marB="0" anchor="b"/>
                 </a:tc>
                 <a:tc hMerge="1">
                   <a:txBody>
@@ -4504,7 +3805,7 @@
                   </a:ext>
                 </a:extLst>
               </a:tr>
-              <a:tr h="345131">
+              <a:tr h="430703">
                 <a:tc vMerge="1">
                   <a:txBody>
                     <a:bodyPr/>
@@ -4559,6 +3860,7 @@
                       <a:r>
                         <a:rPr lang="en-CA" sz="2400" b="1" u="none" strike="noStrike" dirty="0">
                           <a:effectLst/>
+                          <a:latin typeface="Franklin Gothic Book" panose="020B0503020102020204" pitchFamily="34" charset="0"/>
                         </a:rPr>
                         <a:t>1</a:t>
                       </a:r>
@@ -4567,37 +3869,11 @@
                           <a:srgbClr val="000000"/>
                         </a:solidFill>
                         <a:effectLst/>
-                        <a:latin typeface="Consolas" panose="020B0609020204030204" pitchFamily="49" charset="0"/>
-                      </a:endParaRPr>
-                    </a:p>
-                  </a:txBody>
-                  <a:tcPr marL="7620" marR="7620" marT="7620" marB="0" anchor="b">
-                    <a:lnL w="12700" cap="flat" cmpd="sng" algn="ctr">
-                      <a:solidFill>
-                        <a:schemeClr val="tx1"/>
-                      </a:solidFill>
-                      <a:prstDash val="solid"/>
-                      <a:round/>
-                      <a:headEnd type="none" w="med" len="med"/>
-                      <a:tailEnd type="none" w="med" len="med"/>
-                    </a:lnL>
-                    <a:lnT w="12700" cap="flat" cmpd="sng" algn="ctr">
-                      <a:noFill/>
-                      <a:prstDash val="solid"/>
-                      <a:round/>
-                      <a:headEnd type="none" w="med" len="med"/>
-                      <a:tailEnd type="none" w="med" len="med"/>
-                    </a:lnT>
-                    <a:lnB w="12700" cap="flat" cmpd="sng" algn="ctr">
-                      <a:solidFill>
-                        <a:schemeClr val="tx1"/>
-                      </a:solidFill>
-                      <a:prstDash val="solid"/>
-                      <a:round/>
-                      <a:headEnd type="none" w="med" len="med"/>
-                      <a:tailEnd type="none" w="med" len="med"/>
-                    </a:lnB>
-                  </a:tcPr>
+                        <a:latin typeface="Franklin Gothic Book" panose="020B0503020102020204" pitchFamily="34" charset="0"/>
+                      </a:endParaRPr>
+                    </a:p>
+                  </a:txBody>
+                  <a:tcPr marL="7620" marR="7620" marT="7620" marB="0" anchor="b"/>
                 </a:tc>
                 <a:tc hMerge="1">
                   <a:txBody>
@@ -4644,6 +3920,7 @@
                       <a:r>
                         <a:rPr lang="en-CA" sz="2400" b="1" u="none" strike="noStrike" dirty="0">
                           <a:effectLst/>
+                          <a:latin typeface="Franklin Gothic Book" panose="020B0503020102020204" pitchFamily="34" charset="0"/>
                         </a:rPr>
                         <a:t>2</a:t>
                       </a:r>
@@ -4652,28 +3929,11 @@
                           <a:srgbClr val="000000"/>
                         </a:solidFill>
                         <a:effectLst/>
-                        <a:latin typeface="Consolas" panose="020B0609020204030204" pitchFamily="49" charset="0"/>
-                      </a:endParaRPr>
-                    </a:p>
-                  </a:txBody>
-                  <a:tcPr marL="7620" marR="7620" marT="7620" marB="0" anchor="b">
-                    <a:lnT w="12700" cap="flat" cmpd="sng" algn="ctr">
-                      <a:noFill/>
-                      <a:prstDash val="solid"/>
-                      <a:round/>
-                      <a:headEnd type="none" w="med" len="med"/>
-                      <a:tailEnd type="none" w="med" len="med"/>
-                    </a:lnT>
-                    <a:lnB w="12700" cap="flat" cmpd="sng" algn="ctr">
-                      <a:solidFill>
-                        <a:schemeClr val="tx1"/>
-                      </a:solidFill>
-                      <a:prstDash val="solid"/>
-                      <a:round/>
-                      <a:headEnd type="none" w="med" len="med"/>
-                      <a:tailEnd type="none" w="med" len="med"/>
-                    </a:lnB>
-                  </a:tcPr>
+                        <a:latin typeface="Franklin Gothic Book" panose="020B0503020102020204" pitchFamily="34" charset="0"/>
+                      </a:endParaRPr>
+                    </a:p>
+                  </a:txBody>
+                  <a:tcPr marL="7620" marR="7620" marT="7620" marB="0" anchor="b"/>
                 </a:tc>
                 <a:tc>
                   <a:txBody>
@@ -4684,6 +3944,7 @@
                       <a:r>
                         <a:rPr lang="en-CA" sz="2400" b="1" u="none" strike="noStrike" dirty="0">
                           <a:effectLst/>
+                          <a:latin typeface="Franklin Gothic Book" panose="020B0503020102020204" pitchFamily="34" charset="0"/>
                         </a:rPr>
                         <a:t>3</a:t>
                       </a:r>
@@ -4692,28 +3953,11 @@
                           <a:srgbClr val="000000"/>
                         </a:solidFill>
                         <a:effectLst/>
-                        <a:latin typeface="Consolas" panose="020B0609020204030204" pitchFamily="49" charset="0"/>
-                      </a:endParaRPr>
-                    </a:p>
-                  </a:txBody>
-                  <a:tcPr marL="7620" marR="7620" marT="7620" marB="0" anchor="b">
-                    <a:lnT w="12700" cap="flat" cmpd="sng" algn="ctr">
-                      <a:noFill/>
-                      <a:prstDash val="solid"/>
-                      <a:round/>
-                      <a:headEnd type="none" w="med" len="med"/>
-                      <a:tailEnd type="none" w="med" len="med"/>
-                    </a:lnT>
-                    <a:lnB w="12700" cap="flat" cmpd="sng" algn="ctr">
-                      <a:solidFill>
-                        <a:schemeClr val="tx1"/>
-                      </a:solidFill>
-                      <a:prstDash val="solid"/>
-                      <a:round/>
-                      <a:headEnd type="none" w="med" len="med"/>
-                      <a:tailEnd type="none" w="med" len="med"/>
-                    </a:lnB>
-                  </a:tcPr>
+                        <a:latin typeface="Franklin Gothic Book" panose="020B0503020102020204" pitchFamily="34" charset="0"/>
+                      </a:endParaRPr>
+                    </a:p>
+                  </a:txBody>
+                  <a:tcPr marL="7620" marR="7620" marT="7620" marB="0" anchor="b"/>
                 </a:tc>
                 <a:tc>
                   <a:txBody>
@@ -4724,6 +3968,7 @@
                       <a:r>
                         <a:rPr lang="en-CA" sz="2400" b="1" u="none" strike="noStrike" dirty="0">
                           <a:effectLst/>
+                          <a:latin typeface="Franklin Gothic Book" panose="020B0503020102020204" pitchFamily="34" charset="0"/>
                         </a:rPr>
                         <a:t>4</a:t>
                       </a:r>
@@ -4732,28 +3977,11 @@
                           <a:srgbClr val="000000"/>
                         </a:solidFill>
                         <a:effectLst/>
-                        <a:latin typeface="Consolas" panose="020B0609020204030204" pitchFamily="49" charset="0"/>
-                      </a:endParaRPr>
-                    </a:p>
-                  </a:txBody>
-                  <a:tcPr marL="7620" marR="7620" marT="7620" marB="0" anchor="b">
-                    <a:lnT w="12700" cap="flat" cmpd="sng" algn="ctr">
-                      <a:noFill/>
-                      <a:prstDash val="solid"/>
-                      <a:round/>
-                      <a:headEnd type="none" w="med" len="med"/>
-                      <a:tailEnd type="none" w="med" len="med"/>
-                    </a:lnT>
-                    <a:lnB w="12700" cap="flat" cmpd="sng" algn="ctr">
-                      <a:solidFill>
-                        <a:schemeClr val="tx1"/>
-                      </a:solidFill>
-                      <a:prstDash val="solid"/>
-                      <a:round/>
-                      <a:headEnd type="none" w="med" len="med"/>
-                      <a:tailEnd type="none" w="med" len="med"/>
-                    </a:lnB>
-                  </a:tcPr>
+                        <a:latin typeface="Franklin Gothic Book" panose="020B0503020102020204" pitchFamily="34" charset="0"/>
+                      </a:endParaRPr>
+                    </a:p>
+                  </a:txBody>
+                  <a:tcPr marL="7620" marR="7620" marT="7620" marB="0" anchor="b"/>
                 </a:tc>
                 <a:tc>
                   <a:txBody>
@@ -4764,6 +3992,7 @@
                       <a:r>
                         <a:rPr lang="en-CA" sz="2400" b="1" u="none" strike="noStrike" dirty="0">
                           <a:effectLst/>
+                          <a:latin typeface="Franklin Gothic Book" panose="020B0503020102020204" pitchFamily="34" charset="0"/>
                         </a:rPr>
                         <a:t>5</a:t>
                       </a:r>
@@ -4772,28 +4001,11 @@
                           <a:srgbClr val="000000"/>
                         </a:solidFill>
                         <a:effectLst/>
-                        <a:latin typeface="Consolas" panose="020B0609020204030204" pitchFamily="49" charset="0"/>
-                      </a:endParaRPr>
-                    </a:p>
-                  </a:txBody>
-                  <a:tcPr marL="7620" marR="7620" marT="7620" marB="0" anchor="b">
-                    <a:lnT w="12700" cap="flat" cmpd="sng" algn="ctr">
-                      <a:noFill/>
-                      <a:prstDash val="solid"/>
-                      <a:round/>
-                      <a:headEnd type="none" w="med" len="med"/>
-                      <a:tailEnd type="none" w="med" len="med"/>
-                    </a:lnT>
-                    <a:lnB w="12700" cap="flat" cmpd="sng" algn="ctr">
-                      <a:solidFill>
-                        <a:schemeClr val="tx1"/>
-                      </a:solidFill>
-                      <a:prstDash val="solid"/>
-                      <a:round/>
-                      <a:headEnd type="none" w="med" len="med"/>
-                      <a:tailEnd type="none" w="med" len="med"/>
-                    </a:lnB>
-                  </a:tcPr>
+                        <a:latin typeface="Franklin Gothic Book" panose="020B0503020102020204" pitchFamily="34" charset="0"/>
+                      </a:endParaRPr>
+                    </a:p>
+                  </a:txBody>
+                  <a:tcPr marL="7620" marR="7620" marT="7620" marB="0" anchor="b"/>
                 </a:tc>
                 <a:tc>
                   <a:txBody>
@@ -4804,6 +4016,7 @@
                       <a:r>
                         <a:rPr lang="en-CA" sz="2400" b="1" u="none" strike="noStrike" dirty="0">
                           <a:effectLst/>
+                          <a:latin typeface="Franklin Gothic Book" panose="020B0503020102020204" pitchFamily="34" charset="0"/>
                         </a:rPr>
                         <a:t>6</a:t>
                       </a:r>
@@ -4812,28 +4025,11 @@
                           <a:srgbClr val="000000"/>
                         </a:solidFill>
                         <a:effectLst/>
-                        <a:latin typeface="Consolas" panose="020B0609020204030204" pitchFamily="49" charset="0"/>
-                      </a:endParaRPr>
-                    </a:p>
-                  </a:txBody>
-                  <a:tcPr marL="7620" marR="7620" marT="7620" marB="0" anchor="b">
-                    <a:lnT w="12700" cap="flat" cmpd="sng" algn="ctr">
-                      <a:noFill/>
-                      <a:prstDash val="solid"/>
-                      <a:round/>
-                      <a:headEnd type="none" w="med" len="med"/>
-                      <a:tailEnd type="none" w="med" len="med"/>
-                    </a:lnT>
-                    <a:lnB w="12700" cap="flat" cmpd="sng" algn="ctr">
-                      <a:solidFill>
-                        <a:schemeClr val="tx1"/>
-                      </a:solidFill>
-                      <a:prstDash val="solid"/>
-                      <a:round/>
-                      <a:headEnd type="none" w="med" len="med"/>
-                      <a:tailEnd type="none" w="med" len="med"/>
-                    </a:lnB>
-                  </a:tcPr>
+                        <a:latin typeface="Franklin Gothic Book" panose="020B0503020102020204" pitchFamily="34" charset="0"/>
+                      </a:endParaRPr>
+                    </a:p>
+                  </a:txBody>
+                  <a:tcPr marL="7620" marR="7620" marT="7620" marB="0" anchor="b"/>
                 </a:tc>
                 <a:tc>
                   <a:txBody>
@@ -4844,6 +4040,7 @@
                       <a:r>
                         <a:rPr lang="en-CA" sz="2400" b="1" u="none" strike="noStrike" dirty="0">
                           <a:effectLst/>
+                          <a:latin typeface="Franklin Gothic Book" panose="020B0503020102020204" pitchFamily="34" charset="0"/>
                         </a:rPr>
                         <a:t>7</a:t>
                       </a:r>
@@ -4852,28 +4049,11 @@
                           <a:srgbClr val="000000"/>
                         </a:solidFill>
                         <a:effectLst/>
-                        <a:latin typeface="Consolas" panose="020B0609020204030204" pitchFamily="49" charset="0"/>
-                      </a:endParaRPr>
-                    </a:p>
-                  </a:txBody>
-                  <a:tcPr marL="7620" marR="7620" marT="7620" marB="0" anchor="b">
-                    <a:lnT w="12700" cap="flat" cmpd="sng" algn="ctr">
-                      <a:noFill/>
-                      <a:prstDash val="solid"/>
-                      <a:round/>
-                      <a:headEnd type="none" w="med" len="med"/>
-                      <a:tailEnd type="none" w="med" len="med"/>
-                    </a:lnT>
-                    <a:lnB w="12700" cap="flat" cmpd="sng" algn="ctr">
-                      <a:solidFill>
-                        <a:schemeClr val="tx1"/>
-                      </a:solidFill>
-                      <a:prstDash val="solid"/>
-                      <a:round/>
-                      <a:headEnd type="none" w="med" len="med"/>
-                      <a:tailEnd type="none" w="med" len="med"/>
-                    </a:lnB>
-                  </a:tcPr>
+                        <a:latin typeface="Franklin Gothic Book" panose="020B0503020102020204" pitchFamily="34" charset="0"/>
+                      </a:endParaRPr>
+                    </a:p>
+                  </a:txBody>
+                  <a:tcPr marL="7620" marR="7620" marT="7620" marB="0" anchor="b"/>
                 </a:tc>
                 <a:extLst>
                   <a:ext uri="{0D108BD9-81ED-4DB2-BD59-A6C34878D82A}">
@@ -4881,7 +4061,7 @@
                   </a:ext>
                 </a:extLst>
               </a:tr>
-              <a:tr h="418712">
+              <a:tr h="482996">
                 <a:tc>
                   <a:txBody>
                     <a:bodyPr/>
@@ -4891,6 +4071,7 @@
                       <a:r>
                         <a:rPr lang="en-CA" sz="2400" u="none" strike="noStrike" dirty="0">
                           <a:effectLst/>
+                          <a:latin typeface="Franklin Gothic Book" panose="020B0503020102020204" pitchFamily="34" charset="0"/>
                         </a:rPr>
                         <a:t>Duration</a:t>
                       </a:r>
@@ -4899,66 +4080,158 @@
                           <a:srgbClr val="000000"/>
                         </a:solidFill>
                         <a:effectLst/>
+                        <a:latin typeface="Franklin Gothic Book" panose="020B0503020102020204" pitchFamily="34" charset="0"/>
+                      </a:endParaRPr>
+                    </a:p>
+                  </a:txBody>
+                  <a:tcPr marL="7620" marR="7620" marT="7620" marB="0" anchor="b"/>
+                </a:tc>
+                <a:tc>
+                  <a:txBody>
+                    <a:bodyPr/>
+                    <a:lstStyle/>
+                    <a:p>
+                      <a:pPr algn="l" fontAlgn="b"/>
+                      <a:endParaRPr lang="en-CA" sz="2400" b="0" i="0" u="none" strike="noStrike" dirty="0">
+                        <a:solidFill>
+                          <a:srgbClr val="000000"/>
+                        </a:solidFill>
+                        <a:effectLst/>
+                        <a:latin typeface="Franklin Gothic Book" panose="020B0503020102020204" pitchFamily="34" charset="0"/>
+                      </a:endParaRPr>
+                    </a:p>
+                  </a:txBody>
+                  <a:tcPr marL="7620" marR="7620" marT="7620" marB="0" anchor="b"/>
+                </a:tc>
+                <a:tc>
+                  <a:txBody>
+                    <a:bodyPr/>
+                    <a:lstStyle/>
+                    <a:p>
+                      <a:pPr algn="l" fontAlgn="b"/>
+                      <a:r>
+                        <a:rPr lang="en-CA" sz="2400" b="0" u="none" strike="noStrike" dirty="0">
+                          <a:effectLst/>
+                          <a:latin typeface="Consolas" panose="020B0609020204030204" pitchFamily="49" charset="0"/>
+                          <a:cs typeface="Consolas" panose="020B0609020204030204" pitchFamily="49" charset="0"/>
+                        </a:rPr>
+                        <a:t>1.5</a:t>
+                      </a:r>
+                      <a:endParaRPr lang="en-CA" sz="2400" b="0" i="0" u="none" strike="noStrike" dirty="0">
+                        <a:solidFill>
+                          <a:srgbClr val="000000"/>
+                        </a:solidFill>
+                        <a:effectLst/>
                         <a:latin typeface="Consolas" panose="020B0609020204030204" pitchFamily="49" charset="0"/>
-                      </a:endParaRPr>
-                    </a:p>
-                  </a:txBody>
-                  <a:tcPr marL="7620" marR="7620" marT="7620" marB="0" anchor="b">
-                    <a:lnR w="12700" cap="flat" cmpd="sng" algn="ctr">
-                      <a:solidFill>
-                        <a:schemeClr val="tx1"/>
-                      </a:solidFill>
-                      <a:prstDash val="solid"/>
-                      <a:round/>
-                      <a:headEnd type="none" w="med" len="med"/>
-                      <a:tailEnd type="none" w="med" len="med"/>
-                    </a:lnR>
-                    <a:lnT w="12700" cap="flat" cmpd="sng" algn="ctr">
-                      <a:solidFill>
-                        <a:schemeClr val="tx1"/>
-                      </a:solidFill>
-                      <a:prstDash val="solid"/>
-                      <a:round/>
-                      <a:headEnd type="none" w="med" len="med"/>
-                      <a:tailEnd type="none" w="med" len="med"/>
-                    </a:lnT>
-                  </a:tcPr>
-                </a:tc>
-                <a:tc>
-                  <a:txBody>
-                    <a:bodyPr/>
-                    <a:lstStyle/>
-                    <a:p>
-                      <a:pPr algn="l" fontAlgn="b"/>
+                        <a:cs typeface="Consolas" panose="020B0609020204030204" pitchFamily="49" charset="0"/>
+                      </a:endParaRPr>
+                    </a:p>
+                  </a:txBody>
+                  <a:tcPr marL="7620" marR="7620" marT="7620" marB="0" anchor="b"/>
+                </a:tc>
+                <a:tc>
+                  <a:txBody>
+                    <a:bodyPr/>
+                    <a:lstStyle/>
+                    <a:p>
+                      <a:pPr algn="l" fontAlgn="b"/>
+                      <a:r>
+                        <a:rPr lang="en-CA" sz="2400" b="0" u="none" strike="noStrike">
+                          <a:effectLst/>
+                          <a:latin typeface="Consolas" panose="020B0609020204030204" pitchFamily="49" charset="0"/>
+                          <a:cs typeface="Consolas" panose="020B0609020204030204" pitchFamily="49" charset="0"/>
+                        </a:rPr>
+                        <a:t>0.25</a:t>
+                      </a:r>
+                      <a:endParaRPr lang="en-CA" sz="2400" b="0" i="0" u="none" strike="noStrike">
+                        <a:solidFill>
+                          <a:srgbClr val="000000"/>
+                        </a:solidFill>
+                        <a:effectLst/>
+                        <a:latin typeface="Consolas" panose="020B0609020204030204" pitchFamily="49" charset="0"/>
+                        <a:cs typeface="Consolas" panose="020B0609020204030204" pitchFamily="49" charset="0"/>
+                      </a:endParaRPr>
+                    </a:p>
+                  </a:txBody>
+                  <a:tcPr marL="7620" marR="7620" marT="7620" marB="0" anchor="b"/>
+                </a:tc>
+                <a:tc>
+                  <a:txBody>
+                    <a:bodyPr/>
+                    <a:lstStyle/>
+                    <a:p>
+                      <a:pPr algn="l" fontAlgn="b"/>
+                      <a:r>
+                        <a:rPr lang="en-CA" sz="2400" b="0" u="none" strike="noStrike" dirty="0">
+                          <a:effectLst/>
+                          <a:latin typeface="Consolas" panose="020B0609020204030204" pitchFamily="49" charset="0"/>
+                          <a:cs typeface="Consolas" panose="020B0609020204030204" pitchFamily="49" charset="0"/>
+                        </a:rPr>
+                        <a:t>0.25</a:t>
+                      </a:r>
                       <a:endParaRPr lang="en-CA" sz="2400" b="0" i="0" u="none" strike="noStrike" dirty="0">
                         <a:solidFill>
                           <a:srgbClr val="000000"/>
                         </a:solidFill>
                         <a:effectLst/>
                         <a:latin typeface="Consolas" panose="020B0609020204030204" pitchFamily="49" charset="0"/>
-                      </a:endParaRPr>
-                    </a:p>
-                  </a:txBody>
-                  <a:tcPr marL="7620" marR="7620" marT="7620" marB="0" anchor="b">
-                    <a:lnL w="12700" cap="flat" cmpd="sng" algn="ctr">
-                      <a:solidFill>
-                        <a:schemeClr val="tx1"/>
-                      </a:solidFill>
-                      <a:prstDash val="solid"/>
-                      <a:round/>
-                      <a:headEnd type="none" w="med" len="med"/>
-                      <a:tailEnd type="none" w="med" len="med"/>
-                    </a:lnL>
-                    <a:lnT w="12700" cap="flat" cmpd="sng" algn="ctr">
-                      <a:solidFill>
-                        <a:schemeClr val="tx1"/>
-                      </a:solidFill>
-                      <a:prstDash val="solid"/>
-                      <a:round/>
-                      <a:headEnd type="none" w="med" len="med"/>
-                      <a:tailEnd type="none" w="med" len="med"/>
-                    </a:lnT>
-                  </a:tcPr>
+                        <a:cs typeface="Consolas" panose="020B0609020204030204" pitchFamily="49" charset="0"/>
+                      </a:endParaRPr>
+                    </a:p>
+                  </a:txBody>
+                  <a:tcPr marL="7620" marR="7620" marT="7620" marB="0" anchor="b"/>
+                </a:tc>
+                <a:tc>
+                  <a:txBody>
+                    <a:bodyPr/>
+                    <a:lstStyle/>
+                    <a:p>
+                      <a:pPr algn="l" fontAlgn="b"/>
+                      <a:r>
+                        <a:rPr lang="en-CA" sz="2400" b="0" u="none" strike="noStrike">
+                          <a:effectLst/>
+                          <a:latin typeface="Consolas" panose="020B0609020204030204" pitchFamily="49" charset="0"/>
+                          <a:cs typeface="Consolas" panose="020B0609020204030204" pitchFamily="49" charset="0"/>
+                        </a:rPr>
+                        <a:t>0.5</a:t>
+                      </a:r>
+                      <a:endParaRPr lang="en-CA" sz="2400" b="0" i="0" u="none" strike="noStrike">
+                        <a:solidFill>
+                          <a:srgbClr val="000000"/>
+                        </a:solidFill>
+                        <a:effectLst/>
+                        <a:latin typeface="Consolas" panose="020B0609020204030204" pitchFamily="49" charset="0"/>
+                        <a:cs typeface="Consolas" panose="020B0609020204030204" pitchFamily="49" charset="0"/>
+                      </a:endParaRPr>
+                    </a:p>
+                  </a:txBody>
+                  <a:tcPr marL="7620" marR="7620" marT="7620" marB="0" anchor="b"/>
+                </a:tc>
+                <a:tc>
+                  <a:txBody>
+                    <a:bodyPr/>
+                    <a:lstStyle/>
+                    <a:p>
+                      <a:pPr algn="l" fontAlgn="b"/>
+                      <a:r>
+                        <a:rPr lang="en-CA" sz="2400" b="0" u="none" strike="noStrike">
+                          <a:effectLst/>
+                          <a:latin typeface="Consolas" panose="020B0609020204030204" pitchFamily="49" charset="0"/>
+                          <a:cs typeface="Consolas" panose="020B0609020204030204" pitchFamily="49" charset="0"/>
+                        </a:rPr>
+                        <a:t>0.5</a:t>
+                      </a:r>
+                      <a:endParaRPr lang="en-CA" sz="2400" b="0" i="0" u="none" strike="noStrike">
+                        <a:solidFill>
+                          <a:srgbClr val="000000"/>
+                        </a:solidFill>
+                        <a:effectLst/>
+                        <a:latin typeface="Consolas" panose="020B0609020204030204" pitchFamily="49" charset="0"/>
+                        <a:cs typeface="Consolas" panose="020B0609020204030204" pitchFamily="49" charset="0"/>
+                      </a:endParaRPr>
+                    </a:p>
+                  </a:txBody>
+                  <a:tcPr marL="7620" marR="7620" marT="7620" marB="0" anchor="b"/>
                 </a:tc>
                 <a:tc>
                   <a:txBody>
@@ -4970,8 +4243,9 @@
                         <a:rPr lang="en-CA" sz="2400" b="0" u="none" strike="noStrike" dirty="0">
                           <a:effectLst/>
                           <a:latin typeface="Consolas" panose="020B0609020204030204" pitchFamily="49" charset="0"/>
-                        </a:rPr>
-                        <a:t>1.5</a:t>
+                          <a:cs typeface="Consolas" panose="020B0609020204030204" pitchFamily="49" charset="0"/>
+                        </a:rPr>
+                        <a:t>0.5</a:t>
                       </a:r>
                       <a:endParaRPr lang="en-CA" sz="2400" b="0" i="0" u="none" strike="noStrike" dirty="0">
                         <a:solidFill>
@@ -4979,224 +4253,37 @@
                         </a:solidFill>
                         <a:effectLst/>
                         <a:latin typeface="Consolas" panose="020B0609020204030204" pitchFamily="49" charset="0"/>
-                      </a:endParaRPr>
-                    </a:p>
-                  </a:txBody>
-                  <a:tcPr marL="7620" marR="7620" marT="7620" marB="0" anchor="b">
-                    <a:lnT w="12700" cap="flat" cmpd="sng" algn="ctr">
-                      <a:solidFill>
-                        <a:schemeClr val="tx1"/>
-                      </a:solidFill>
-                      <a:prstDash val="solid"/>
-                      <a:round/>
-                      <a:headEnd type="none" w="med" len="med"/>
-                      <a:tailEnd type="none" w="med" len="med"/>
-                    </a:lnT>
-                  </a:tcPr>
-                </a:tc>
-                <a:tc>
-                  <a:txBody>
-                    <a:bodyPr/>
-                    <a:lstStyle/>
-                    <a:p>
-                      <a:pPr algn="l" fontAlgn="b"/>
-                      <a:r>
-                        <a:rPr lang="en-CA" sz="2400" b="0" u="none" strike="noStrike">
+                        <a:cs typeface="Consolas" panose="020B0609020204030204" pitchFamily="49" charset="0"/>
+                      </a:endParaRPr>
+                    </a:p>
+                  </a:txBody>
+                  <a:tcPr marL="7620" marR="7620" marT="7620" marB="0" anchor="b"/>
+                </a:tc>
+                <a:tc>
+                  <a:txBody>
+                    <a:bodyPr/>
+                    <a:lstStyle/>
+                    <a:p>
+                      <a:pPr algn="l" fontAlgn="b"/>
+                      <a:r>
+                        <a:rPr lang="en-CA" sz="2400" b="0" u="none" strike="noStrike" dirty="0">
                           <a:effectLst/>
                           <a:latin typeface="Consolas" panose="020B0609020204030204" pitchFamily="49" charset="0"/>
-                        </a:rPr>
-                        <a:t>0.25</a:t>
-                      </a:r>
-                      <a:endParaRPr lang="en-CA" sz="2400" b="0" i="0" u="none" strike="noStrike">
+                          <a:cs typeface="Consolas" panose="020B0609020204030204" pitchFamily="49" charset="0"/>
+                        </a:rPr>
+                        <a:t>0.5</a:t>
+                      </a:r>
+                      <a:endParaRPr lang="en-CA" sz="2400" b="0" i="0" u="none" strike="noStrike" dirty="0">
                         <a:solidFill>
                           <a:srgbClr val="000000"/>
                         </a:solidFill>
                         <a:effectLst/>
                         <a:latin typeface="Consolas" panose="020B0609020204030204" pitchFamily="49" charset="0"/>
-                      </a:endParaRPr>
-                    </a:p>
-                  </a:txBody>
-                  <a:tcPr marL="7620" marR="7620" marT="7620" marB="0" anchor="b">
-                    <a:lnT w="12700" cap="flat" cmpd="sng" algn="ctr">
-                      <a:solidFill>
-                        <a:schemeClr val="tx1"/>
-                      </a:solidFill>
-                      <a:prstDash val="solid"/>
-                      <a:round/>
-                      <a:headEnd type="none" w="med" len="med"/>
-                      <a:tailEnd type="none" w="med" len="med"/>
-                    </a:lnT>
-                  </a:tcPr>
-                </a:tc>
-                <a:tc>
-                  <a:txBody>
-                    <a:bodyPr/>
-                    <a:lstStyle/>
-                    <a:p>
-                      <a:pPr algn="l" fontAlgn="b"/>
-                      <a:r>
-                        <a:rPr lang="en-CA" sz="2400" b="0" u="none" strike="noStrike">
-                          <a:effectLst/>
-                          <a:latin typeface="Consolas" panose="020B0609020204030204" pitchFamily="49" charset="0"/>
-                        </a:rPr>
-                        <a:t>0.25</a:t>
-                      </a:r>
-                      <a:endParaRPr lang="en-CA" sz="2400" b="0" i="0" u="none" strike="noStrike">
-                        <a:solidFill>
-                          <a:srgbClr val="000000"/>
-                        </a:solidFill>
-                        <a:effectLst/>
-                        <a:latin typeface="Consolas" panose="020B0609020204030204" pitchFamily="49" charset="0"/>
-                      </a:endParaRPr>
-                    </a:p>
-                  </a:txBody>
-                  <a:tcPr marL="7620" marR="7620" marT="7620" marB="0" anchor="b">
-                    <a:lnT w="12700" cap="flat" cmpd="sng" algn="ctr">
-                      <a:solidFill>
-                        <a:schemeClr val="tx1"/>
-                      </a:solidFill>
-                      <a:prstDash val="solid"/>
-                      <a:round/>
-                      <a:headEnd type="none" w="med" len="med"/>
-                      <a:tailEnd type="none" w="med" len="med"/>
-                    </a:lnT>
-                  </a:tcPr>
-                </a:tc>
-                <a:tc>
-                  <a:txBody>
-                    <a:bodyPr/>
-                    <a:lstStyle/>
-                    <a:p>
-                      <a:pPr algn="l" fontAlgn="b"/>
-                      <a:r>
-                        <a:rPr lang="en-CA" sz="2400" b="0" u="none" strike="noStrike">
-                          <a:effectLst/>
-                          <a:latin typeface="Consolas" panose="020B0609020204030204" pitchFamily="49" charset="0"/>
-                        </a:rPr>
-                        <a:t>0.5</a:t>
-                      </a:r>
-                      <a:endParaRPr lang="en-CA" sz="2400" b="0" i="0" u="none" strike="noStrike">
-                        <a:solidFill>
-                          <a:srgbClr val="000000"/>
-                        </a:solidFill>
-                        <a:effectLst/>
-                        <a:latin typeface="Consolas" panose="020B0609020204030204" pitchFamily="49" charset="0"/>
-                      </a:endParaRPr>
-                    </a:p>
-                  </a:txBody>
-                  <a:tcPr marL="7620" marR="7620" marT="7620" marB="0" anchor="b">
-                    <a:lnT w="12700" cap="flat" cmpd="sng" algn="ctr">
-                      <a:solidFill>
-                        <a:schemeClr val="tx1"/>
-                      </a:solidFill>
-                      <a:prstDash val="solid"/>
-                      <a:round/>
-                      <a:headEnd type="none" w="med" len="med"/>
-                      <a:tailEnd type="none" w="med" len="med"/>
-                    </a:lnT>
-                  </a:tcPr>
-                </a:tc>
-                <a:tc>
-                  <a:txBody>
-                    <a:bodyPr/>
-                    <a:lstStyle/>
-                    <a:p>
-                      <a:pPr algn="l" fontAlgn="b"/>
-                      <a:r>
-                        <a:rPr lang="en-CA" sz="2400" b="0" u="none" strike="noStrike">
-                          <a:effectLst/>
-                          <a:latin typeface="Consolas" panose="020B0609020204030204" pitchFamily="49" charset="0"/>
-                        </a:rPr>
-                        <a:t>0.5</a:t>
-                      </a:r>
-                      <a:endParaRPr lang="en-CA" sz="2400" b="0" i="0" u="none" strike="noStrike">
-                        <a:solidFill>
-                          <a:srgbClr val="000000"/>
-                        </a:solidFill>
-                        <a:effectLst/>
-                        <a:latin typeface="Consolas" panose="020B0609020204030204" pitchFamily="49" charset="0"/>
-                      </a:endParaRPr>
-                    </a:p>
-                  </a:txBody>
-                  <a:tcPr marL="7620" marR="7620" marT="7620" marB="0" anchor="b">
-                    <a:lnT w="12700" cap="flat" cmpd="sng" algn="ctr">
-                      <a:solidFill>
-                        <a:schemeClr val="tx1"/>
-                      </a:solidFill>
-                      <a:prstDash val="solid"/>
-                      <a:round/>
-                      <a:headEnd type="none" w="med" len="med"/>
-                      <a:tailEnd type="none" w="med" len="med"/>
-                    </a:lnT>
-                  </a:tcPr>
-                </a:tc>
-                <a:tc>
-                  <a:txBody>
-                    <a:bodyPr/>
-                    <a:lstStyle/>
-                    <a:p>
-                      <a:pPr algn="l" fontAlgn="b"/>
-                      <a:r>
-                        <a:rPr lang="en-CA" sz="2400" b="0" u="none" strike="noStrike">
-                          <a:effectLst/>
-                          <a:latin typeface="Consolas" panose="020B0609020204030204" pitchFamily="49" charset="0"/>
-                        </a:rPr>
-                        <a:t>0.5</a:t>
-                      </a:r>
-                      <a:endParaRPr lang="en-CA" sz="2400" b="0" i="0" u="none" strike="noStrike">
-                        <a:solidFill>
-                          <a:srgbClr val="000000"/>
-                        </a:solidFill>
-                        <a:effectLst/>
-                        <a:latin typeface="Consolas" panose="020B0609020204030204" pitchFamily="49" charset="0"/>
-                      </a:endParaRPr>
-                    </a:p>
-                  </a:txBody>
-                  <a:tcPr marL="7620" marR="7620" marT="7620" marB="0" anchor="b">
-                    <a:lnT w="12700" cap="flat" cmpd="sng" algn="ctr">
-                      <a:solidFill>
-                        <a:schemeClr val="tx1"/>
-                      </a:solidFill>
-                      <a:prstDash val="solid"/>
-                      <a:round/>
-                      <a:headEnd type="none" w="med" len="med"/>
-                      <a:tailEnd type="none" w="med" len="med"/>
-                    </a:lnT>
-                  </a:tcPr>
-                </a:tc>
-                <a:tc>
-                  <a:txBody>
-                    <a:bodyPr/>
-                    <a:lstStyle/>
-                    <a:p>
-                      <a:pPr algn="l" fontAlgn="b"/>
-                      <a:r>
-                        <a:rPr lang="en-CA" sz="2400" b="0" u="none" strike="noStrike">
-                          <a:effectLst/>
-                          <a:latin typeface="Consolas" panose="020B0609020204030204" pitchFamily="49" charset="0"/>
-                        </a:rPr>
-                        <a:t>0.5</a:t>
-                      </a:r>
-                      <a:endParaRPr lang="en-CA" sz="2400" b="0" i="0" u="none" strike="noStrike">
-                        <a:solidFill>
-                          <a:srgbClr val="000000"/>
-                        </a:solidFill>
-                        <a:effectLst/>
-                        <a:latin typeface="Consolas" panose="020B0609020204030204" pitchFamily="49" charset="0"/>
-                      </a:endParaRPr>
-                    </a:p>
-                  </a:txBody>
-                  <a:tcPr marL="7620" marR="7620" marT="7620" marB="0" anchor="b">
-                    <a:lnT w="12700" cap="flat" cmpd="sng" algn="ctr">
-                      <a:solidFill>
-                        <a:schemeClr val="tx1"/>
-                      </a:solidFill>
-                      <a:prstDash val="solid"/>
-                      <a:round/>
-                      <a:headEnd type="none" w="med" len="med"/>
-                      <a:tailEnd type="none" w="med" len="med"/>
-                    </a:lnT>
-                  </a:tcPr>
+                        <a:cs typeface="Consolas" panose="020B0609020204030204" pitchFamily="49" charset="0"/>
+                      </a:endParaRPr>
+                    </a:p>
+                  </a:txBody>
+                  <a:tcPr marL="7620" marR="7620" marT="7620" marB="0" anchor="b"/>
                 </a:tc>
                 <a:extLst>
                   <a:ext uri="{0D108BD9-81ED-4DB2-BD59-A6C34878D82A}">
@@ -5204,7 +4291,7 @@
                   </a:ext>
                 </a:extLst>
               </a:tr>
-              <a:tr h="345131">
+              <a:tr h="430703">
                 <a:tc>
                   <a:txBody>
                     <a:bodyPr/>
@@ -5214,6 +4301,7 @@
                       <a:r>
                         <a:rPr lang="en-CA" sz="2400" u="none" strike="noStrike" dirty="0">
                           <a:effectLst/>
+                          <a:latin typeface="Franklin Gothic Book" panose="020B0503020102020204" pitchFamily="34" charset="0"/>
                         </a:rPr>
                         <a:t>Duration Contour</a:t>
                       </a:r>
@@ -5222,48 +4310,80 @@
                           <a:srgbClr val="000000"/>
                         </a:solidFill>
                         <a:effectLst/>
+                        <a:latin typeface="Franklin Gothic Book" panose="020B0503020102020204" pitchFamily="34" charset="0"/>
+                      </a:endParaRPr>
+                    </a:p>
+                  </a:txBody>
+                  <a:tcPr marL="7620" marR="7620" marT="7620" marB="0" anchor="b"/>
+                </a:tc>
+                <a:tc>
+                  <a:txBody>
+                    <a:bodyPr/>
+                    <a:lstStyle/>
+                    <a:p>
+                      <a:pPr algn="l" fontAlgn="b"/>
+                      <a:endParaRPr lang="en-CA" sz="2400" b="0" i="0" u="none" strike="noStrike" dirty="0">
+                        <a:solidFill>
+                          <a:srgbClr val="000000"/>
+                        </a:solidFill>
+                        <a:effectLst/>
+                        <a:latin typeface="Franklin Gothic Book" panose="020B0503020102020204" pitchFamily="34" charset="0"/>
+                      </a:endParaRPr>
+                    </a:p>
+                  </a:txBody>
+                  <a:tcPr marL="7620" marR="7620" marT="7620" marB="0" anchor="b"/>
+                </a:tc>
+                <a:tc>
+                  <a:txBody>
+                    <a:bodyPr/>
+                    <a:lstStyle/>
+                    <a:p>
+                      <a:pPr algn="l" fontAlgn="b"/>
+                      <a:r>
+                        <a:rPr lang="en-CA" sz="2400" b="0" u="none" strike="noStrike" dirty="0">
+                          <a:effectLst/>
+                          <a:latin typeface="Consolas" panose="020B0609020204030204" pitchFamily="49" charset="0"/>
+                          <a:cs typeface="Consolas" panose="020B0609020204030204" pitchFamily="49" charset="0"/>
+                        </a:rPr>
+                        <a:t>_</a:t>
+                      </a:r>
+                      <a:endParaRPr lang="en-CA" sz="2400" b="0" i="0" u="none" strike="noStrike" dirty="0">
+                        <a:solidFill>
+                          <a:srgbClr val="000000"/>
+                        </a:solidFill>
+                        <a:effectLst/>
                         <a:latin typeface="Consolas" panose="020B0609020204030204" pitchFamily="49" charset="0"/>
-                      </a:endParaRPr>
-                    </a:p>
-                  </a:txBody>
-                  <a:tcPr marL="7620" marR="7620" marT="7620" marB="0" anchor="b">
-                    <a:lnR w="12700" cap="flat" cmpd="sng" algn="ctr">
-                      <a:solidFill>
-                        <a:schemeClr val="tx1"/>
-                      </a:solidFill>
-                      <a:prstDash val="solid"/>
-                      <a:round/>
-                      <a:headEnd type="none" w="med" len="med"/>
-                      <a:tailEnd type="none" w="med" len="med"/>
-                    </a:lnR>
-                  </a:tcPr>
-                </a:tc>
-                <a:tc>
-                  <a:txBody>
-                    <a:bodyPr/>
-                    <a:lstStyle/>
-                    <a:p>
-                      <a:pPr algn="l" fontAlgn="b"/>
+                        <a:cs typeface="Consolas" panose="020B0609020204030204" pitchFamily="49" charset="0"/>
+                      </a:endParaRPr>
+                    </a:p>
+                  </a:txBody>
+                  <a:tcPr marL="7620" marR="7620" marT="7620" marB="0" anchor="b"/>
+                </a:tc>
+                <a:tc>
+                  <a:txBody>
+                    <a:bodyPr/>
+                    <a:lstStyle/>
+                    <a:p>
+                      <a:pPr algn="l" fontAlgn="b"/>
+                      <a:r>
+                        <a:rPr lang="en-CA" sz="2400" b="0" u="none" strike="noStrike" dirty="0">
+                          <a:effectLst/>
+                          <a:latin typeface="Consolas" panose="020B0609020204030204" pitchFamily="49" charset="0"/>
+                          <a:cs typeface="Consolas" panose="020B0609020204030204" pitchFamily="49" charset="0"/>
+                        </a:rPr>
+                        <a:t>-1</a:t>
+                      </a:r>
                       <a:endParaRPr lang="en-CA" sz="2400" b="0" i="0" u="none" strike="noStrike" dirty="0">
                         <a:solidFill>
                           <a:srgbClr val="000000"/>
                         </a:solidFill>
                         <a:effectLst/>
                         <a:latin typeface="Consolas" panose="020B0609020204030204" pitchFamily="49" charset="0"/>
-                      </a:endParaRPr>
-                    </a:p>
-                  </a:txBody>
-                  <a:tcPr marL="7620" marR="7620" marT="7620" marB="0" anchor="b">
-                    <a:lnL w="12700" cap="flat" cmpd="sng" algn="ctr">
-                      <a:solidFill>
-                        <a:schemeClr val="tx1"/>
-                      </a:solidFill>
-                      <a:prstDash val="solid"/>
-                      <a:round/>
-                      <a:headEnd type="none" w="med" len="med"/>
-                      <a:tailEnd type="none" w="med" len="med"/>
-                    </a:lnL>
-                  </a:tcPr>
+                        <a:cs typeface="Consolas" panose="020B0609020204030204" pitchFamily="49" charset="0"/>
+                      </a:endParaRPr>
+                    </a:p>
+                  </a:txBody>
+                  <a:tcPr marL="7620" marR="7620" marT="7620" marB="0" anchor="b"/>
                 </a:tc>
                 <a:tc>
                   <a:txBody>
@@ -5275,8 +4395,9 @@
                         <a:rPr lang="en-CA" sz="2400" b="0" u="none" strike="noStrike" dirty="0">
                           <a:effectLst/>
                           <a:latin typeface="Consolas" panose="020B0609020204030204" pitchFamily="49" charset="0"/>
-                        </a:rPr>
-                        <a:t>_</a:t>
+                          <a:cs typeface="Consolas" panose="020B0609020204030204" pitchFamily="49" charset="0"/>
+                        </a:rPr>
+                        <a:t>0</a:t>
                       </a:r>
                       <a:endParaRPr lang="en-CA" sz="2400" b="0" i="0" u="none" strike="noStrike" dirty="0">
                         <a:solidFill>
@@ -5284,6 +4405,7 @@
                         </a:solidFill>
                         <a:effectLst/>
                         <a:latin typeface="Consolas" panose="020B0609020204030204" pitchFamily="49" charset="0"/>
+                        <a:cs typeface="Consolas" panose="020B0609020204030204" pitchFamily="49" charset="0"/>
                       </a:endParaRPr>
                     </a:p>
                   </a:txBody>
@@ -5299,8 +4421,9 @@
                         <a:rPr lang="en-CA" sz="2400" b="0" u="none" strike="noStrike">
                           <a:effectLst/>
                           <a:latin typeface="Consolas" panose="020B0609020204030204" pitchFamily="49" charset="0"/>
-                        </a:rPr>
-                        <a:t>-1</a:t>
+                          <a:cs typeface="Consolas" panose="020B0609020204030204" pitchFamily="49" charset="0"/>
+                        </a:rPr>
+                        <a:t>1</a:t>
                       </a:r>
                       <a:endParaRPr lang="en-CA" sz="2400" b="0" i="0" u="none" strike="noStrike">
                         <a:solidFill>
@@ -5308,72 +4431,26 @@
                         </a:solidFill>
                         <a:effectLst/>
                         <a:latin typeface="Consolas" panose="020B0609020204030204" pitchFamily="49" charset="0"/>
-                      </a:endParaRPr>
-                    </a:p>
-                  </a:txBody>
-                  <a:tcPr marL="7620" marR="7620" marT="7620" marB="0" anchor="b"/>
-                </a:tc>
-                <a:tc>
-                  <a:txBody>
-                    <a:bodyPr/>
-                    <a:lstStyle/>
-                    <a:p>
-                      <a:pPr algn="l" fontAlgn="b"/>
-                      <a:r>
-                        <a:rPr lang="en-CA" sz="2400" b="0" u="none" strike="noStrike" dirty="0">
-                          <a:effectLst/>
-                          <a:latin typeface="Consolas" panose="020B0609020204030204" pitchFamily="49" charset="0"/>
-                        </a:rPr>
-                        <a:t>0</a:t>
-                      </a:r>
-                      <a:endParaRPr lang="en-CA" sz="2400" b="0" i="0" u="none" strike="noStrike" dirty="0">
-                        <a:solidFill>
-                          <a:srgbClr val="000000"/>
-                        </a:solidFill>
-                        <a:effectLst/>
-                        <a:latin typeface="Consolas" panose="020B0609020204030204" pitchFamily="49" charset="0"/>
-                      </a:endParaRPr>
-                    </a:p>
-                  </a:txBody>
-                  <a:tcPr marL="7620" marR="7620" marT="7620" marB="0" anchor="b"/>
-                </a:tc>
-                <a:tc>
-                  <a:txBody>
-                    <a:bodyPr/>
-                    <a:lstStyle/>
-                    <a:p>
-                      <a:pPr algn="l" fontAlgn="b"/>
-                      <a:r>
-                        <a:rPr lang="en-CA" sz="2400" b="0" u="none" strike="noStrike">
-                          <a:effectLst/>
-                          <a:latin typeface="Consolas" panose="020B0609020204030204" pitchFamily="49" charset="0"/>
-                        </a:rPr>
-                        <a:t>1</a:t>
-                      </a:r>
-                      <a:endParaRPr lang="en-CA" sz="2400" b="0" i="0" u="none" strike="noStrike">
-                        <a:solidFill>
-                          <a:srgbClr val="000000"/>
-                        </a:solidFill>
-                        <a:effectLst/>
-                        <a:latin typeface="Consolas" panose="020B0609020204030204" pitchFamily="49" charset="0"/>
-                      </a:endParaRPr>
-                    </a:p>
-                  </a:txBody>
-                  <a:tcPr marL="7620" marR="7620" marT="7620" marB="0" anchor="b"/>
-                </a:tc>
-                <a:tc>
-                  <a:txBody>
-                    <a:bodyPr/>
-                    <a:lstStyle/>
-                    <a:p>
-                      <a:pPr algn="l" fontAlgn="b"/>
-                      <a:r>
-                        <a:rPr lang="en-US" sz="2400" b="0" i="0" u="none" strike="noStrike" dirty="0">
+                        <a:cs typeface="Consolas" panose="020B0609020204030204" pitchFamily="49" charset="0"/>
+                      </a:endParaRPr>
+                    </a:p>
+                  </a:txBody>
+                  <a:tcPr marL="7620" marR="7620" marT="7620" marB="0" anchor="b"/>
+                </a:tc>
+                <a:tc>
+                  <a:txBody>
+                    <a:bodyPr/>
+                    <a:lstStyle/>
+                    <a:p>
+                      <a:pPr algn="l" fontAlgn="b"/>
+                      <a:r>
+                        <a:rPr lang="en-US" sz="2400" b="0" u="none" strike="noStrike" dirty="0">
                           <a:solidFill>
                             <a:srgbClr val="000000"/>
                           </a:solidFill>
                           <a:effectLst/>
                           <a:latin typeface="Consolas" panose="020B0609020204030204" pitchFamily="49" charset="0"/>
+                          <a:cs typeface="Consolas" panose="020B0609020204030204" pitchFamily="49" charset="0"/>
                         </a:rPr>
                         <a:t>0</a:t>
                       </a:r>
@@ -5383,24 +4460,26 @@
                         </a:solidFill>
                         <a:effectLst/>
                         <a:latin typeface="Consolas" panose="020B0609020204030204" pitchFamily="49" charset="0"/>
-                      </a:endParaRPr>
-                    </a:p>
-                  </a:txBody>
-                  <a:tcPr marL="7620" marR="7620" marT="7620" marB="0" anchor="b"/>
-                </a:tc>
-                <a:tc>
-                  <a:txBody>
-                    <a:bodyPr/>
-                    <a:lstStyle/>
-                    <a:p>
-                      <a:pPr algn="l" fontAlgn="b"/>
-                      <a:r>
-                        <a:rPr lang="en-US" sz="2400" b="0" i="0" u="none" strike="noStrike" dirty="0">
+                        <a:cs typeface="Consolas" panose="020B0609020204030204" pitchFamily="49" charset="0"/>
+                      </a:endParaRPr>
+                    </a:p>
+                  </a:txBody>
+                  <a:tcPr marL="7620" marR="7620" marT="7620" marB="0" anchor="b"/>
+                </a:tc>
+                <a:tc>
+                  <a:txBody>
+                    <a:bodyPr/>
+                    <a:lstStyle/>
+                    <a:p>
+                      <a:pPr algn="l" fontAlgn="b"/>
+                      <a:r>
+                        <a:rPr lang="en-US" sz="2400" b="0" u="none" strike="noStrike" dirty="0">
                           <a:solidFill>
                             <a:srgbClr val="000000"/>
                           </a:solidFill>
                           <a:effectLst/>
                           <a:latin typeface="Consolas" panose="020B0609020204030204" pitchFamily="49" charset="0"/>
+                          <a:cs typeface="Consolas" panose="020B0609020204030204" pitchFamily="49" charset="0"/>
                         </a:rPr>
                         <a:t>0</a:t>
                       </a:r>
@@ -5410,24 +4489,26 @@
                         </a:solidFill>
                         <a:effectLst/>
                         <a:latin typeface="Consolas" panose="020B0609020204030204" pitchFamily="49" charset="0"/>
-                      </a:endParaRPr>
-                    </a:p>
-                  </a:txBody>
-                  <a:tcPr marL="7620" marR="7620" marT="7620" marB="0" anchor="b"/>
-                </a:tc>
-                <a:tc>
-                  <a:txBody>
-                    <a:bodyPr/>
-                    <a:lstStyle/>
-                    <a:p>
-                      <a:pPr algn="l" fontAlgn="b"/>
-                      <a:r>
-                        <a:rPr lang="en-US" sz="2400" b="0" i="0" u="none" strike="noStrike" dirty="0">
+                        <a:cs typeface="Consolas" panose="020B0609020204030204" pitchFamily="49" charset="0"/>
+                      </a:endParaRPr>
+                    </a:p>
+                  </a:txBody>
+                  <a:tcPr marL="7620" marR="7620" marT="7620" marB="0" anchor="b"/>
+                </a:tc>
+                <a:tc>
+                  <a:txBody>
+                    <a:bodyPr/>
+                    <a:lstStyle/>
+                    <a:p>
+                      <a:pPr algn="l" fontAlgn="b"/>
+                      <a:r>
+                        <a:rPr lang="en-US" sz="2400" b="0" u="none" strike="noStrike" dirty="0">
                           <a:solidFill>
                             <a:srgbClr val="000000"/>
                           </a:solidFill>
                           <a:effectLst/>
                           <a:latin typeface="Consolas" panose="020B0609020204030204" pitchFamily="49" charset="0"/>
+                          <a:cs typeface="Consolas" panose="020B0609020204030204" pitchFamily="49" charset="0"/>
                         </a:rPr>
                         <a:t>0</a:t>
                       </a:r>
@@ -5437,6 +4518,7 @@
                         </a:solidFill>
                         <a:effectLst/>
                         <a:latin typeface="Consolas" panose="020B0609020204030204" pitchFamily="49" charset="0"/>
+                        <a:cs typeface="Consolas" panose="020B0609020204030204" pitchFamily="49" charset="0"/>
                       </a:endParaRPr>
                     </a:p>
                   </a:txBody>
@@ -5448,7 +4530,7 @@
                   </a:ext>
                 </a:extLst>
               </a:tr>
-              <a:tr h="345131">
+              <a:tr h="430703">
                 <a:tc>
                   <a:txBody>
                     <a:bodyPr/>
@@ -5458,6 +4540,7 @@
                       <a:r>
                         <a:rPr lang="en-CA" sz="2400" u="none" strike="noStrike">
                           <a:effectLst/>
+                          <a:latin typeface="Franklin Gothic Book" panose="020B0503020102020204" pitchFamily="34" charset="0"/>
                         </a:rPr>
                         <a:t>Pitch</a:t>
                       </a:r>
@@ -5466,48 +4549,132 @@
                           <a:srgbClr val="000000"/>
                         </a:solidFill>
                         <a:effectLst/>
+                        <a:latin typeface="Franklin Gothic Book" panose="020B0503020102020204" pitchFamily="34" charset="0"/>
+                      </a:endParaRPr>
+                    </a:p>
+                  </a:txBody>
+                  <a:tcPr marL="7620" marR="7620" marT="7620" marB="0" anchor="b"/>
+                </a:tc>
+                <a:tc>
+                  <a:txBody>
+                    <a:bodyPr/>
+                    <a:lstStyle/>
+                    <a:p>
+                      <a:pPr algn="l" fontAlgn="b"/>
+                      <a:endParaRPr lang="en-CA" sz="2400" b="0" i="0" u="none" strike="noStrike">
+                        <a:solidFill>
+                          <a:srgbClr val="000000"/>
+                        </a:solidFill>
+                        <a:effectLst/>
+                        <a:latin typeface="Franklin Gothic Book" panose="020B0503020102020204" pitchFamily="34" charset="0"/>
+                      </a:endParaRPr>
+                    </a:p>
+                  </a:txBody>
+                  <a:tcPr marL="7620" marR="7620" marT="7620" marB="0" anchor="b"/>
+                </a:tc>
+                <a:tc>
+                  <a:txBody>
+                    <a:bodyPr/>
+                    <a:lstStyle/>
+                    <a:p>
+                      <a:pPr algn="l" fontAlgn="b"/>
+                      <a:r>
+                        <a:rPr lang="en-CA" sz="2400" b="0" u="none" strike="noStrike" dirty="0">
+                          <a:effectLst/>
+                          <a:latin typeface="Consolas" panose="020B0609020204030204" pitchFamily="49" charset="0"/>
+                          <a:cs typeface="Consolas" panose="020B0609020204030204" pitchFamily="49" charset="0"/>
+                        </a:rPr>
+                        <a:t>A</a:t>
+                      </a:r>
+                      <a:endParaRPr lang="en-CA" sz="2400" b="0" i="0" u="none" strike="noStrike" dirty="0">
+                        <a:solidFill>
+                          <a:srgbClr val="000000"/>
+                        </a:solidFill>
+                        <a:effectLst/>
                         <a:latin typeface="Consolas" panose="020B0609020204030204" pitchFamily="49" charset="0"/>
-                      </a:endParaRPr>
-                    </a:p>
-                  </a:txBody>
-                  <a:tcPr marL="7620" marR="7620" marT="7620" marB="0" anchor="b">
-                    <a:lnR w="12700" cap="flat" cmpd="sng" algn="ctr">
-                      <a:solidFill>
-                        <a:schemeClr val="tx1"/>
-                      </a:solidFill>
-                      <a:prstDash val="solid"/>
-                      <a:round/>
-                      <a:headEnd type="none" w="med" len="med"/>
-                      <a:tailEnd type="none" w="med" len="med"/>
-                    </a:lnR>
-                  </a:tcPr>
-                </a:tc>
-                <a:tc>
-                  <a:txBody>
-                    <a:bodyPr/>
-                    <a:lstStyle/>
-                    <a:p>
-                      <a:pPr algn="l" fontAlgn="b"/>
+                        <a:cs typeface="Consolas" panose="020B0609020204030204" pitchFamily="49" charset="0"/>
+                      </a:endParaRPr>
+                    </a:p>
+                  </a:txBody>
+                  <a:tcPr marL="7620" marR="7620" marT="7620" marB="0" anchor="b"/>
+                </a:tc>
+                <a:tc>
+                  <a:txBody>
+                    <a:bodyPr/>
+                    <a:lstStyle/>
+                    <a:p>
+                      <a:pPr algn="l" fontAlgn="b"/>
+                      <a:r>
+                        <a:rPr lang="en-CA" sz="2400" b="0" u="none" strike="noStrike" dirty="0">
+                          <a:effectLst/>
+                          <a:latin typeface="Consolas" panose="020B0609020204030204" pitchFamily="49" charset="0"/>
+                          <a:cs typeface="Consolas" panose="020B0609020204030204" pitchFamily="49" charset="0"/>
+                        </a:rPr>
+                        <a:t>Bb</a:t>
+                      </a:r>
+                      <a:endParaRPr lang="en-CA" sz="2400" b="0" i="0" u="none" strike="noStrike" dirty="0">
+                        <a:solidFill>
+                          <a:srgbClr val="000000"/>
+                        </a:solidFill>
+                        <a:effectLst/>
+                        <a:latin typeface="Consolas" panose="020B0609020204030204" pitchFamily="49" charset="0"/>
+                        <a:cs typeface="Consolas" panose="020B0609020204030204" pitchFamily="49" charset="0"/>
+                      </a:endParaRPr>
+                    </a:p>
+                  </a:txBody>
+                  <a:tcPr marL="7620" marR="7620" marT="7620" marB="0" anchor="b"/>
+                </a:tc>
+                <a:tc>
+                  <a:txBody>
+                    <a:bodyPr/>
+                    <a:lstStyle/>
+                    <a:p>
+                      <a:pPr algn="l" fontAlgn="b"/>
+                      <a:r>
+                        <a:rPr lang="en-CA" sz="2400" b="0" u="none" strike="noStrike">
+                          <a:effectLst/>
+                          <a:latin typeface="Consolas" panose="020B0609020204030204" pitchFamily="49" charset="0"/>
+                          <a:cs typeface="Consolas" panose="020B0609020204030204" pitchFamily="49" charset="0"/>
+                        </a:rPr>
+                        <a:t>A</a:t>
+                      </a:r>
                       <a:endParaRPr lang="en-CA" sz="2400" b="0" i="0" u="none" strike="noStrike">
                         <a:solidFill>
                           <a:srgbClr val="000000"/>
                         </a:solidFill>
                         <a:effectLst/>
                         <a:latin typeface="Consolas" panose="020B0609020204030204" pitchFamily="49" charset="0"/>
-                      </a:endParaRPr>
-                    </a:p>
-                  </a:txBody>
-                  <a:tcPr marL="7620" marR="7620" marT="7620" marB="0" anchor="b">
-                    <a:lnL w="12700" cap="flat" cmpd="sng" algn="ctr">
-                      <a:solidFill>
-                        <a:schemeClr val="tx1"/>
-                      </a:solidFill>
-                      <a:prstDash val="solid"/>
-                      <a:round/>
-                      <a:headEnd type="none" w="med" len="med"/>
-                      <a:tailEnd type="none" w="med" len="med"/>
-                    </a:lnL>
-                  </a:tcPr>
+                        <a:cs typeface="Consolas" panose="020B0609020204030204" pitchFamily="49" charset="0"/>
+                      </a:endParaRPr>
+                    </a:p>
+                  </a:txBody>
+                  <a:tcPr marL="7620" marR="7620" marT="7620" marB="0" anchor="b"/>
+                </a:tc>
+                <a:tc>
+                  <a:txBody>
+                    <a:bodyPr/>
+                    <a:lstStyle/>
+                    <a:p>
+                      <a:pPr algn="l" fontAlgn="b"/>
+                      <a:r>
+                        <a:rPr lang="en-CA" sz="2400" b="0" u="none" strike="noStrike">
+                          <a:effectLst/>
+                          <a:latin typeface="Consolas" panose="020B0609020204030204" pitchFamily="49" charset="0"/>
+                          <a:cs typeface="Consolas" panose="020B0609020204030204" pitchFamily="49" charset="0"/>
+                        </a:rPr>
+                        <a:t>G</a:t>
+                      </a:r>
+                      <a:endParaRPr lang="en-CA" sz="2400" b="0" i="0" u="none" strike="noStrike">
+                        <a:solidFill>
+                          <a:srgbClr val="000000"/>
+                        </a:solidFill>
+                        <a:effectLst/>
+                        <a:latin typeface="Consolas" panose="020B0609020204030204" pitchFamily="49" charset="0"/>
+                        <a:cs typeface="Consolas" panose="020B0609020204030204" pitchFamily="49" charset="0"/>
+                      </a:endParaRPr>
+                    </a:p>
+                  </a:txBody>
+                  <a:tcPr marL="7620" marR="7620" marT="7620" marB="0" anchor="b"/>
                 </a:tc>
                 <a:tc>
                   <a:txBody>
@@ -5519,8 +4686,9 @@
                         <a:rPr lang="en-CA" sz="2400" b="0" u="none" strike="noStrike" dirty="0">
                           <a:effectLst/>
                           <a:latin typeface="Consolas" panose="020B0609020204030204" pitchFamily="49" charset="0"/>
-                        </a:rPr>
-                        <a:t>A</a:t>
+                          <a:cs typeface="Consolas" panose="020B0609020204030204" pitchFamily="49" charset="0"/>
+                        </a:rPr>
+                        <a:t>Gb</a:t>
                       </a:r>
                       <a:endParaRPr lang="en-CA" sz="2400" b="0" i="0" u="none" strike="noStrike" dirty="0">
                         <a:solidFill>
@@ -5528,6 +4696,7 @@
                         </a:solidFill>
                         <a:effectLst/>
                         <a:latin typeface="Consolas" panose="020B0609020204030204" pitchFamily="49" charset="0"/>
+                        <a:cs typeface="Consolas" panose="020B0609020204030204" pitchFamily="49" charset="0"/>
                       </a:endParaRPr>
                     </a:p>
                   </a:txBody>
@@ -5543,8 +4712,9 @@
                         <a:rPr lang="en-CA" sz="2400" b="0" u="none" strike="noStrike">
                           <a:effectLst/>
                           <a:latin typeface="Consolas" panose="020B0609020204030204" pitchFamily="49" charset="0"/>
-                        </a:rPr>
-                        <a:t>Bb</a:t>
+                          <a:cs typeface="Consolas" panose="020B0609020204030204" pitchFamily="49" charset="0"/>
+                        </a:rPr>
+                        <a:t>F</a:t>
                       </a:r>
                       <a:endParaRPr lang="en-CA" sz="2400" b="0" i="0" u="none" strike="noStrike">
                         <a:solidFill>
@@ -5552,126 +4722,33 @@
                         </a:solidFill>
                         <a:effectLst/>
                         <a:latin typeface="Consolas" panose="020B0609020204030204" pitchFamily="49" charset="0"/>
-                      </a:endParaRPr>
-                    </a:p>
-                  </a:txBody>
-                  <a:tcPr marL="7620" marR="7620" marT="7620" marB="0" anchor="b"/>
-                </a:tc>
-                <a:tc>
-                  <a:txBody>
-                    <a:bodyPr/>
-                    <a:lstStyle/>
-                    <a:p>
-                      <a:pPr algn="l" fontAlgn="b"/>
-                      <a:r>
-                        <a:rPr lang="en-CA" sz="2400" b="0" u="none" strike="noStrike">
+                        <a:cs typeface="Consolas" panose="020B0609020204030204" pitchFamily="49" charset="0"/>
+                      </a:endParaRPr>
+                    </a:p>
+                  </a:txBody>
+                  <a:tcPr marL="7620" marR="7620" marT="7620" marB="0" anchor="b"/>
+                </a:tc>
+                <a:tc>
+                  <a:txBody>
+                    <a:bodyPr/>
+                    <a:lstStyle/>
+                    <a:p>
+                      <a:pPr algn="l" fontAlgn="b"/>
+                      <a:r>
+                        <a:rPr lang="en-CA" sz="2400" b="0" u="none" strike="noStrike" dirty="0">
                           <a:effectLst/>
                           <a:latin typeface="Consolas" panose="020B0609020204030204" pitchFamily="49" charset="0"/>
-                        </a:rPr>
-                        <a:t>A</a:t>
-                      </a:r>
-                      <a:endParaRPr lang="en-CA" sz="2400" b="0" i="0" u="none" strike="noStrike">
+                          <a:cs typeface="Consolas" panose="020B0609020204030204" pitchFamily="49" charset="0"/>
+                        </a:rPr>
+                        <a:t>B</a:t>
+                      </a:r>
+                      <a:endParaRPr lang="en-CA" sz="2400" b="0" i="0" u="none" strike="noStrike" dirty="0">
                         <a:solidFill>
                           <a:srgbClr val="000000"/>
                         </a:solidFill>
                         <a:effectLst/>
                         <a:latin typeface="Consolas" panose="020B0609020204030204" pitchFamily="49" charset="0"/>
-                      </a:endParaRPr>
-                    </a:p>
-                  </a:txBody>
-                  <a:tcPr marL="7620" marR="7620" marT="7620" marB="0" anchor="b"/>
-                </a:tc>
-                <a:tc>
-                  <a:txBody>
-                    <a:bodyPr/>
-                    <a:lstStyle/>
-                    <a:p>
-                      <a:pPr algn="l" fontAlgn="b"/>
-                      <a:r>
-                        <a:rPr lang="en-CA" sz="2400" b="0" u="none" strike="noStrike">
-                          <a:effectLst/>
-                          <a:latin typeface="Consolas" panose="020B0609020204030204" pitchFamily="49" charset="0"/>
-                        </a:rPr>
-                        <a:t>G</a:t>
-                      </a:r>
-                      <a:endParaRPr lang="en-CA" sz="2400" b="0" i="0" u="none" strike="noStrike">
-                        <a:solidFill>
-                          <a:srgbClr val="000000"/>
-                        </a:solidFill>
-                        <a:effectLst/>
-                        <a:latin typeface="Consolas" panose="020B0609020204030204" pitchFamily="49" charset="0"/>
-                      </a:endParaRPr>
-                    </a:p>
-                  </a:txBody>
-                  <a:tcPr marL="7620" marR="7620" marT="7620" marB="0" anchor="b"/>
-                </a:tc>
-                <a:tc>
-                  <a:txBody>
-                    <a:bodyPr/>
-                    <a:lstStyle/>
-                    <a:p>
-                      <a:pPr algn="l" fontAlgn="b"/>
-                      <a:r>
-                        <a:rPr lang="en-CA" sz="2400" b="0" u="none" strike="noStrike">
-                          <a:effectLst/>
-                          <a:latin typeface="Consolas" panose="020B0609020204030204" pitchFamily="49" charset="0"/>
-                        </a:rPr>
-                        <a:t>Gb</a:t>
-                      </a:r>
-                      <a:endParaRPr lang="en-CA" sz="2400" b="0" i="0" u="none" strike="noStrike">
-                        <a:solidFill>
-                          <a:srgbClr val="000000"/>
-                        </a:solidFill>
-                        <a:effectLst/>
-                        <a:latin typeface="Consolas" panose="020B0609020204030204" pitchFamily="49" charset="0"/>
-                      </a:endParaRPr>
-                    </a:p>
-                  </a:txBody>
-                  <a:tcPr marL="7620" marR="7620" marT="7620" marB="0" anchor="b"/>
-                </a:tc>
-                <a:tc>
-                  <a:txBody>
-                    <a:bodyPr/>
-                    <a:lstStyle/>
-                    <a:p>
-                      <a:pPr algn="l" fontAlgn="b"/>
-                      <a:r>
-                        <a:rPr lang="en-CA" sz="2400" b="0" u="none" strike="noStrike">
-                          <a:effectLst/>
-                          <a:latin typeface="Consolas" panose="020B0609020204030204" pitchFamily="49" charset="0"/>
-                        </a:rPr>
-                        <a:t>F</a:t>
-                      </a:r>
-                      <a:endParaRPr lang="en-CA" sz="2400" b="0" i="0" u="none" strike="noStrike">
-                        <a:solidFill>
-                          <a:srgbClr val="000000"/>
-                        </a:solidFill>
-                        <a:effectLst/>
-                        <a:latin typeface="Consolas" panose="020B0609020204030204" pitchFamily="49" charset="0"/>
-                      </a:endParaRPr>
-                    </a:p>
-                  </a:txBody>
-                  <a:tcPr marL="7620" marR="7620" marT="7620" marB="0" anchor="b"/>
-                </a:tc>
-                <a:tc>
-                  <a:txBody>
-                    <a:bodyPr/>
-                    <a:lstStyle/>
-                    <a:p>
-                      <a:pPr algn="l" fontAlgn="b"/>
-                      <a:r>
-                        <a:rPr lang="en-CA" sz="2400" b="0" u="none" strike="noStrike" dirty="0">
-                          <a:effectLst/>
-                          <a:latin typeface="Consolas" panose="020B0609020204030204" pitchFamily="49" charset="0"/>
-                        </a:rPr>
-                        <a:t>B</a:t>
-                      </a:r>
-                      <a:endParaRPr lang="en-CA" sz="2400" b="0" i="0" u="none" strike="noStrike" dirty="0">
-                        <a:solidFill>
-                          <a:srgbClr val="000000"/>
-                        </a:solidFill>
-                        <a:effectLst/>
-                        <a:latin typeface="Consolas" panose="020B0609020204030204" pitchFamily="49" charset="0"/>
+                        <a:cs typeface="Consolas" panose="020B0609020204030204" pitchFamily="49" charset="0"/>
                       </a:endParaRPr>
                     </a:p>
                   </a:txBody>
@@ -5683,7 +4760,7 @@
                   </a:ext>
                 </a:extLst>
               </a:tr>
-              <a:tr h="378275">
+              <a:tr h="436350">
                 <a:tc>
                   <a:txBody>
                     <a:bodyPr/>
@@ -5693,6 +4770,7 @@
                       <a:r>
                         <a:rPr lang="en-CA" sz="2400" u="none" strike="noStrike">
                           <a:effectLst/>
+                          <a:latin typeface="Franklin Gothic Book" panose="020B0503020102020204" pitchFamily="34" charset="0"/>
                         </a:rPr>
                         <a:t>Diatonic Pitch</a:t>
                       </a:r>
@@ -5701,48 +4779,106 @@
                           <a:srgbClr val="000000"/>
                         </a:solidFill>
                         <a:effectLst/>
+                        <a:latin typeface="Franklin Gothic Book" panose="020B0503020102020204" pitchFamily="34" charset="0"/>
+                      </a:endParaRPr>
+                    </a:p>
+                  </a:txBody>
+                  <a:tcPr marL="7620" marR="7620" marT="7620" marB="0" anchor="b"/>
+                </a:tc>
+                <a:tc>
+                  <a:txBody>
+                    <a:bodyPr/>
+                    <a:lstStyle/>
+                    <a:p>
+                      <a:pPr algn="l" fontAlgn="b"/>
+                      <a:endParaRPr lang="en-CA" sz="2400" b="0" i="0" u="none" strike="noStrike">
+                        <a:solidFill>
+                          <a:srgbClr val="000000"/>
+                        </a:solidFill>
+                        <a:effectLst/>
+                        <a:latin typeface="Franklin Gothic Book" panose="020B0503020102020204" pitchFamily="34" charset="0"/>
+                      </a:endParaRPr>
+                    </a:p>
+                  </a:txBody>
+                  <a:tcPr marL="7620" marR="7620" marT="7620" marB="0" anchor="b"/>
+                </a:tc>
+                <a:tc>
+                  <a:txBody>
+                    <a:bodyPr/>
+                    <a:lstStyle/>
+                    <a:p>
+                      <a:pPr algn="l" fontAlgn="b"/>
+                      <a:r>
+                        <a:rPr lang="en-CA" sz="2400" b="0" u="none" strike="noStrike">
+                          <a:effectLst/>
+                          <a:latin typeface="Consolas" panose="020B0609020204030204" pitchFamily="49" charset="0"/>
+                          <a:cs typeface="Consolas" panose="020B0609020204030204" pitchFamily="49" charset="0"/>
+                        </a:rPr>
+                        <a:t>A</a:t>
+                      </a:r>
+                      <a:endParaRPr lang="en-CA" sz="2400" b="0" i="0" u="none" strike="noStrike">
+                        <a:solidFill>
+                          <a:srgbClr val="000000"/>
+                        </a:solidFill>
+                        <a:effectLst/>
                         <a:latin typeface="Consolas" panose="020B0609020204030204" pitchFamily="49" charset="0"/>
-                      </a:endParaRPr>
-                    </a:p>
-                  </a:txBody>
-                  <a:tcPr marL="7620" marR="7620" marT="7620" marB="0" anchor="b">
-                    <a:lnR w="12700" cap="flat" cmpd="sng" algn="ctr">
-                      <a:solidFill>
-                        <a:schemeClr val="tx1"/>
-                      </a:solidFill>
-                      <a:prstDash val="solid"/>
-                      <a:round/>
-                      <a:headEnd type="none" w="med" len="med"/>
-                      <a:tailEnd type="none" w="med" len="med"/>
-                    </a:lnR>
-                  </a:tcPr>
-                </a:tc>
-                <a:tc>
-                  <a:txBody>
-                    <a:bodyPr/>
-                    <a:lstStyle/>
-                    <a:p>
-                      <a:pPr algn="l" fontAlgn="b"/>
+                        <a:cs typeface="Consolas" panose="020B0609020204030204" pitchFamily="49" charset="0"/>
+                      </a:endParaRPr>
+                    </a:p>
+                  </a:txBody>
+                  <a:tcPr marL="7620" marR="7620" marT="7620" marB="0" anchor="b"/>
+                </a:tc>
+                <a:tc>
+                  <a:txBody>
+                    <a:bodyPr/>
+                    <a:lstStyle/>
+                    <a:p>
+                      <a:pPr algn="l" fontAlgn="b"/>
+                      <a:r>
+                        <a:rPr lang="en-CA" sz="2400" b="0" u="none" strike="noStrike">
+                          <a:effectLst/>
+                          <a:latin typeface="Consolas" panose="020B0609020204030204" pitchFamily="49" charset="0"/>
+                          <a:cs typeface="Consolas" panose="020B0609020204030204" pitchFamily="49" charset="0"/>
+                        </a:rPr>
+                        <a:t>B</a:t>
+                      </a:r>
                       <a:endParaRPr lang="en-CA" sz="2400" b="0" i="0" u="none" strike="noStrike">
                         <a:solidFill>
                           <a:srgbClr val="000000"/>
                         </a:solidFill>
                         <a:effectLst/>
                         <a:latin typeface="Consolas" panose="020B0609020204030204" pitchFamily="49" charset="0"/>
-                      </a:endParaRPr>
-                    </a:p>
-                  </a:txBody>
-                  <a:tcPr marL="7620" marR="7620" marT="7620" marB="0" anchor="b">
-                    <a:lnL w="12700" cap="flat" cmpd="sng" algn="ctr">
-                      <a:solidFill>
-                        <a:schemeClr val="tx1"/>
-                      </a:solidFill>
-                      <a:prstDash val="solid"/>
-                      <a:round/>
-                      <a:headEnd type="none" w="med" len="med"/>
-                      <a:tailEnd type="none" w="med" len="med"/>
-                    </a:lnL>
-                  </a:tcPr>
+                        <a:cs typeface="Consolas" panose="020B0609020204030204" pitchFamily="49" charset="0"/>
+                      </a:endParaRPr>
+                    </a:p>
+                  </a:txBody>
+                  <a:tcPr marL="7620" marR="7620" marT="7620" marB="0" anchor="b"/>
+                </a:tc>
+                <a:tc>
+                  <a:txBody>
+                    <a:bodyPr/>
+                    <a:lstStyle/>
+                    <a:p>
+                      <a:pPr algn="l" fontAlgn="b"/>
+                      <a:r>
+                        <a:rPr lang="en-CA" sz="2400" b="0" u="none" strike="noStrike" dirty="0">
+                          <a:effectLst/>
+                          <a:latin typeface="Consolas" panose="020B0609020204030204" pitchFamily="49" charset="0"/>
+                          <a:cs typeface="Consolas" panose="020B0609020204030204" pitchFamily="49" charset="0"/>
+                        </a:rPr>
+                        <a:t>A</a:t>
+                      </a:r>
+                      <a:endParaRPr lang="en-CA" sz="2400" b="0" i="0" u="none" strike="noStrike" dirty="0">
+                        <a:solidFill>
+                          <a:srgbClr val="000000"/>
+                        </a:solidFill>
+                        <a:effectLst/>
+                        <a:latin typeface="Consolas" panose="020B0609020204030204" pitchFamily="49" charset="0"/>
+                        <a:cs typeface="Consolas" panose="020B0609020204030204" pitchFamily="49" charset="0"/>
+                      </a:endParaRPr>
+                    </a:p>
+                  </a:txBody>
+                  <a:tcPr marL="7620" marR="7620" marT="7620" marB="0" anchor="b"/>
                 </a:tc>
                 <a:tc>
                   <a:txBody>
@@ -5754,8 +4890,9 @@
                         <a:rPr lang="en-CA" sz="2400" b="0" u="none" strike="noStrike">
                           <a:effectLst/>
                           <a:latin typeface="Consolas" panose="020B0609020204030204" pitchFamily="49" charset="0"/>
-                        </a:rPr>
-                        <a:t>A</a:t>
+                          <a:cs typeface="Consolas" panose="020B0609020204030204" pitchFamily="49" charset="0"/>
+                        </a:rPr>
+                        <a:t>G</a:t>
                       </a:r>
                       <a:endParaRPr lang="en-CA" sz="2400" b="0" i="0" u="none" strike="noStrike">
                         <a:solidFill>
@@ -5763,6 +4900,7 @@
                         </a:solidFill>
                         <a:effectLst/>
                         <a:latin typeface="Consolas" panose="020B0609020204030204" pitchFamily="49" charset="0"/>
+                        <a:cs typeface="Consolas" panose="020B0609020204030204" pitchFamily="49" charset="0"/>
                       </a:endParaRPr>
                     </a:p>
                   </a:txBody>
@@ -5778,135 +4916,69 @@
                         <a:rPr lang="en-CA" sz="2400" b="0" u="none" strike="noStrike">
                           <a:effectLst/>
                           <a:latin typeface="Consolas" panose="020B0609020204030204" pitchFamily="49" charset="0"/>
+                          <a:cs typeface="Consolas" panose="020B0609020204030204" pitchFamily="49" charset="0"/>
+                        </a:rPr>
+                        <a:t>G</a:t>
+                      </a:r>
+                      <a:endParaRPr lang="en-CA" sz="2400" b="0" i="0" u="none" strike="noStrike">
+                        <a:solidFill>
+                          <a:srgbClr val="000000"/>
+                        </a:solidFill>
+                        <a:effectLst/>
+                        <a:latin typeface="Consolas" panose="020B0609020204030204" pitchFamily="49" charset="0"/>
+                        <a:cs typeface="Consolas" panose="020B0609020204030204" pitchFamily="49" charset="0"/>
+                      </a:endParaRPr>
+                    </a:p>
+                  </a:txBody>
+                  <a:tcPr marL="7620" marR="7620" marT="7620" marB="0" anchor="b"/>
+                </a:tc>
+                <a:tc>
+                  <a:txBody>
+                    <a:bodyPr/>
+                    <a:lstStyle/>
+                    <a:p>
+                      <a:pPr algn="l" fontAlgn="b"/>
+                      <a:r>
+                        <a:rPr lang="en-CA" sz="2400" b="0" u="none" strike="noStrike">
+                          <a:effectLst/>
+                          <a:latin typeface="Consolas" panose="020B0609020204030204" pitchFamily="49" charset="0"/>
+                          <a:cs typeface="Consolas" panose="020B0609020204030204" pitchFamily="49" charset="0"/>
+                        </a:rPr>
+                        <a:t>F</a:t>
+                      </a:r>
+                      <a:endParaRPr lang="en-CA" sz="2400" b="0" i="0" u="none" strike="noStrike">
+                        <a:solidFill>
+                          <a:srgbClr val="000000"/>
+                        </a:solidFill>
+                        <a:effectLst/>
+                        <a:latin typeface="Consolas" panose="020B0609020204030204" pitchFamily="49" charset="0"/>
+                        <a:cs typeface="Consolas" panose="020B0609020204030204" pitchFamily="49" charset="0"/>
+                      </a:endParaRPr>
+                    </a:p>
+                  </a:txBody>
+                  <a:tcPr marL="7620" marR="7620" marT="7620" marB="0" anchor="b"/>
+                </a:tc>
+                <a:tc>
+                  <a:txBody>
+                    <a:bodyPr/>
+                    <a:lstStyle/>
+                    <a:p>
+                      <a:pPr algn="l" fontAlgn="b"/>
+                      <a:r>
+                        <a:rPr lang="en-CA" sz="2400" b="0" u="none" strike="noStrike" dirty="0">
+                          <a:effectLst/>
+                          <a:latin typeface="Consolas" panose="020B0609020204030204" pitchFamily="49" charset="0"/>
+                          <a:cs typeface="Consolas" panose="020B0609020204030204" pitchFamily="49" charset="0"/>
                         </a:rPr>
                         <a:t>B</a:t>
                       </a:r>
-                      <a:endParaRPr lang="en-CA" sz="2400" b="0" i="0" u="none" strike="noStrike">
+                      <a:endParaRPr lang="en-CA" sz="2400" b="0" i="0" u="none" strike="noStrike" dirty="0">
                         <a:solidFill>
                           <a:srgbClr val="000000"/>
                         </a:solidFill>
                         <a:effectLst/>
                         <a:latin typeface="Consolas" panose="020B0609020204030204" pitchFamily="49" charset="0"/>
-                      </a:endParaRPr>
-                    </a:p>
-                  </a:txBody>
-                  <a:tcPr marL="7620" marR="7620" marT="7620" marB="0" anchor="b"/>
-                </a:tc>
-                <a:tc>
-                  <a:txBody>
-                    <a:bodyPr/>
-                    <a:lstStyle/>
-                    <a:p>
-                      <a:pPr algn="l" fontAlgn="b"/>
-                      <a:r>
-                        <a:rPr lang="en-CA" sz="2400" b="0" u="none" strike="noStrike">
-                          <a:effectLst/>
-                          <a:latin typeface="Consolas" panose="020B0609020204030204" pitchFamily="49" charset="0"/>
-                        </a:rPr>
-                        <a:t>A</a:t>
-                      </a:r>
-                      <a:endParaRPr lang="en-CA" sz="2400" b="0" i="0" u="none" strike="noStrike">
-                        <a:solidFill>
-                          <a:srgbClr val="000000"/>
-                        </a:solidFill>
-                        <a:effectLst/>
-                        <a:latin typeface="Consolas" panose="020B0609020204030204" pitchFamily="49" charset="0"/>
-                      </a:endParaRPr>
-                    </a:p>
-                  </a:txBody>
-                  <a:tcPr marL="7620" marR="7620" marT="7620" marB="0" anchor="b"/>
-                </a:tc>
-                <a:tc>
-                  <a:txBody>
-                    <a:bodyPr/>
-                    <a:lstStyle/>
-                    <a:p>
-                      <a:pPr algn="l" fontAlgn="b"/>
-                      <a:r>
-                        <a:rPr lang="en-CA" sz="2400" b="0" u="none" strike="noStrike">
-                          <a:effectLst/>
-                          <a:latin typeface="Consolas" panose="020B0609020204030204" pitchFamily="49" charset="0"/>
-                        </a:rPr>
-                        <a:t>G</a:t>
-                      </a:r>
-                      <a:endParaRPr lang="en-CA" sz="2400" b="0" i="0" u="none" strike="noStrike">
-                        <a:solidFill>
-                          <a:srgbClr val="000000"/>
-                        </a:solidFill>
-                        <a:effectLst/>
-                        <a:latin typeface="Consolas" panose="020B0609020204030204" pitchFamily="49" charset="0"/>
-                      </a:endParaRPr>
-                    </a:p>
-                  </a:txBody>
-                  <a:tcPr marL="7620" marR="7620" marT="7620" marB="0" anchor="b"/>
-                </a:tc>
-                <a:tc>
-                  <a:txBody>
-                    <a:bodyPr/>
-                    <a:lstStyle/>
-                    <a:p>
-                      <a:pPr algn="l" fontAlgn="b"/>
-                      <a:r>
-                        <a:rPr lang="en-CA" sz="2400" b="0" u="none" strike="noStrike">
-                          <a:effectLst/>
-                          <a:latin typeface="Consolas" panose="020B0609020204030204" pitchFamily="49" charset="0"/>
-                        </a:rPr>
-                        <a:t>G</a:t>
-                      </a:r>
-                      <a:endParaRPr lang="en-CA" sz="2400" b="0" i="0" u="none" strike="noStrike">
-                        <a:solidFill>
-                          <a:srgbClr val="000000"/>
-                        </a:solidFill>
-                        <a:effectLst/>
-                        <a:latin typeface="Consolas" panose="020B0609020204030204" pitchFamily="49" charset="0"/>
-                      </a:endParaRPr>
-                    </a:p>
-                  </a:txBody>
-                  <a:tcPr marL="7620" marR="7620" marT="7620" marB="0" anchor="b"/>
-                </a:tc>
-                <a:tc>
-                  <a:txBody>
-                    <a:bodyPr/>
-                    <a:lstStyle/>
-                    <a:p>
-                      <a:pPr algn="l" fontAlgn="b"/>
-                      <a:r>
-                        <a:rPr lang="en-CA" sz="2400" b="0" u="none" strike="noStrike">
-                          <a:effectLst/>
-                          <a:latin typeface="Consolas" panose="020B0609020204030204" pitchFamily="49" charset="0"/>
-                        </a:rPr>
-                        <a:t>F</a:t>
-                      </a:r>
-                      <a:endParaRPr lang="en-CA" sz="2400" b="0" i="0" u="none" strike="noStrike">
-                        <a:solidFill>
-                          <a:srgbClr val="000000"/>
-                        </a:solidFill>
-                        <a:effectLst/>
-                        <a:latin typeface="Consolas" panose="020B0609020204030204" pitchFamily="49" charset="0"/>
-                      </a:endParaRPr>
-                    </a:p>
-                  </a:txBody>
-                  <a:tcPr marL="7620" marR="7620" marT="7620" marB="0" anchor="b"/>
-                </a:tc>
-                <a:tc>
-                  <a:txBody>
-                    <a:bodyPr/>
-                    <a:lstStyle/>
-                    <a:p>
-                      <a:pPr algn="l" fontAlgn="b"/>
-                      <a:r>
-                        <a:rPr lang="en-CA" sz="2400" b="0" u="none" strike="noStrike">
-                          <a:effectLst/>
-                          <a:latin typeface="Consolas" panose="020B0609020204030204" pitchFamily="49" charset="0"/>
-                        </a:rPr>
-                        <a:t>B</a:t>
-                      </a:r>
-                      <a:endParaRPr lang="en-CA" sz="2400" b="0" i="0" u="none" strike="noStrike">
-                        <a:solidFill>
-                          <a:srgbClr val="000000"/>
-                        </a:solidFill>
-                        <a:effectLst/>
-                        <a:latin typeface="Consolas" panose="020B0609020204030204" pitchFamily="49" charset="0"/>
+                        <a:cs typeface="Consolas" panose="020B0609020204030204" pitchFamily="49" charset="0"/>
                       </a:endParaRPr>
                     </a:p>
                   </a:txBody>
@@ -5918,7 +4990,7 @@
                   </a:ext>
                 </a:extLst>
               </a:tr>
-              <a:tr h="345131">
+              <a:tr h="430703">
                 <a:tc>
                   <a:txBody>
                     <a:bodyPr/>
@@ -5928,6 +5000,7 @@
                       <a:r>
                         <a:rPr lang="en-CA" sz="2400" u="none" strike="noStrike" dirty="0">
                           <a:effectLst/>
+                          <a:latin typeface="Franklin Gothic Book" panose="020B0503020102020204" pitchFamily="34" charset="0"/>
                         </a:rPr>
                         <a:t>Interval</a:t>
                       </a:r>
@@ -5936,48 +5009,132 @@
                           <a:srgbClr val="000000"/>
                         </a:solidFill>
                         <a:effectLst/>
+                        <a:latin typeface="Franklin Gothic Book" panose="020B0503020102020204" pitchFamily="34" charset="0"/>
+                      </a:endParaRPr>
+                    </a:p>
+                  </a:txBody>
+                  <a:tcPr marL="7620" marR="7620" marT="7620" marB="0" anchor="b"/>
+                </a:tc>
+                <a:tc>
+                  <a:txBody>
+                    <a:bodyPr/>
+                    <a:lstStyle/>
+                    <a:p>
+                      <a:pPr algn="l" fontAlgn="b"/>
+                      <a:endParaRPr lang="en-CA" sz="2400" b="0" i="0" u="none" strike="noStrike" dirty="0">
+                        <a:solidFill>
+                          <a:srgbClr val="000000"/>
+                        </a:solidFill>
+                        <a:effectLst/>
+                        <a:latin typeface="Franklin Gothic Book" panose="020B0503020102020204" pitchFamily="34" charset="0"/>
+                      </a:endParaRPr>
+                    </a:p>
+                  </a:txBody>
+                  <a:tcPr marL="7620" marR="7620" marT="7620" marB="0" anchor="b"/>
+                </a:tc>
+                <a:tc>
+                  <a:txBody>
+                    <a:bodyPr/>
+                    <a:lstStyle/>
+                    <a:p>
+                      <a:pPr algn="l" fontAlgn="b"/>
+                      <a:r>
+                        <a:rPr lang="en-CA" sz="2400" b="0" u="none" strike="noStrike" dirty="0">
+                          <a:effectLst/>
+                          <a:latin typeface="Consolas" panose="020B0609020204030204" pitchFamily="49" charset="0"/>
+                          <a:cs typeface="Consolas" panose="020B0609020204030204" pitchFamily="49" charset="0"/>
+                        </a:rPr>
+                        <a:t>_</a:t>
+                      </a:r>
+                      <a:endParaRPr lang="en-CA" sz="2400" b="0" i="0" u="none" strike="noStrike" dirty="0">
+                        <a:solidFill>
+                          <a:srgbClr val="000000"/>
+                        </a:solidFill>
+                        <a:effectLst/>
                         <a:latin typeface="Consolas" panose="020B0609020204030204" pitchFamily="49" charset="0"/>
-                      </a:endParaRPr>
-                    </a:p>
-                  </a:txBody>
-                  <a:tcPr marL="7620" marR="7620" marT="7620" marB="0" anchor="b">
-                    <a:lnR w="12700" cap="flat" cmpd="sng" algn="ctr">
-                      <a:solidFill>
-                        <a:schemeClr val="tx1"/>
-                      </a:solidFill>
-                      <a:prstDash val="solid"/>
-                      <a:round/>
-                      <a:headEnd type="none" w="med" len="med"/>
-                      <a:tailEnd type="none" w="med" len="med"/>
-                    </a:lnR>
-                  </a:tcPr>
-                </a:tc>
-                <a:tc>
-                  <a:txBody>
-                    <a:bodyPr/>
-                    <a:lstStyle/>
-                    <a:p>
-                      <a:pPr algn="l" fontAlgn="b"/>
+                        <a:cs typeface="Consolas" panose="020B0609020204030204" pitchFamily="49" charset="0"/>
+                      </a:endParaRPr>
+                    </a:p>
+                  </a:txBody>
+                  <a:tcPr marL="7620" marR="7620" marT="7620" marB="0" anchor="b"/>
+                </a:tc>
+                <a:tc>
+                  <a:txBody>
+                    <a:bodyPr/>
+                    <a:lstStyle/>
+                    <a:p>
+                      <a:pPr algn="l" fontAlgn="b"/>
+                      <a:r>
+                        <a:rPr lang="en-CA" sz="2400" b="0" u="none" strike="noStrike" dirty="0">
+                          <a:effectLst/>
+                          <a:latin typeface="Consolas" panose="020B0609020204030204" pitchFamily="49" charset="0"/>
+                          <a:cs typeface="Consolas" panose="020B0609020204030204" pitchFamily="49" charset="0"/>
+                        </a:rPr>
+                        <a:t>m2↑ </a:t>
+                      </a:r>
                       <a:endParaRPr lang="en-CA" sz="2400" b="0" i="0" u="none" strike="noStrike" dirty="0">
                         <a:solidFill>
                           <a:srgbClr val="000000"/>
                         </a:solidFill>
                         <a:effectLst/>
                         <a:latin typeface="Consolas" panose="020B0609020204030204" pitchFamily="49" charset="0"/>
-                      </a:endParaRPr>
-                    </a:p>
-                  </a:txBody>
-                  <a:tcPr marL="7620" marR="7620" marT="7620" marB="0" anchor="b">
-                    <a:lnL w="12700" cap="flat" cmpd="sng" algn="ctr">
-                      <a:solidFill>
-                        <a:schemeClr val="tx1"/>
-                      </a:solidFill>
-                      <a:prstDash val="solid"/>
-                      <a:round/>
-                      <a:headEnd type="none" w="med" len="med"/>
-                      <a:tailEnd type="none" w="med" len="med"/>
-                    </a:lnL>
-                  </a:tcPr>
+                        <a:cs typeface="Consolas" panose="020B0609020204030204" pitchFamily="49" charset="0"/>
+                      </a:endParaRPr>
+                    </a:p>
+                  </a:txBody>
+                  <a:tcPr marL="7620" marR="7620" marT="7620" marB="0" anchor="b"/>
+                </a:tc>
+                <a:tc>
+                  <a:txBody>
+                    <a:bodyPr/>
+                    <a:lstStyle/>
+                    <a:p>
+                      <a:pPr algn="l" fontAlgn="b"/>
+                      <a:r>
+                        <a:rPr lang="en-CA" sz="2400" b="0" u="none" strike="noStrike">
+                          <a:effectLst/>
+                          <a:latin typeface="Consolas" panose="020B0609020204030204" pitchFamily="49" charset="0"/>
+                          <a:cs typeface="Consolas" panose="020B0609020204030204" pitchFamily="49" charset="0"/>
+                        </a:rPr>
+                        <a:t>m2↓</a:t>
+                      </a:r>
+                      <a:endParaRPr lang="en-CA" sz="2400" b="0" i="0" u="none" strike="noStrike">
+                        <a:solidFill>
+                          <a:srgbClr val="000000"/>
+                        </a:solidFill>
+                        <a:effectLst/>
+                        <a:latin typeface="Consolas" panose="020B0609020204030204" pitchFamily="49" charset="0"/>
+                        <a:cs typeface="Consolas" panose="020B0609020204030204" pitchFamily="49" charset="0"/>
+                      </a:endParaRPr>
+                    </a:p>
+                  </a:txBody>
+                  <a:tcPr marL="7620" marR="7620" marT="7620" marB="0" anchor="b"/>
+                </a:tc>
+                <a:tc>
+                  <a:txBody>
+                    <a:bodyPr/>
+                    <a:lstStyle/>
+                    <a:p>
+                      <a:pPr algn="l" fontAlgn="b"/>
+                      <a:r>
+                        <a:rPr lang="en-CA" sz="2400" b="0" u="none" strike="noStrike">
+                          <a:effectLst/>
+                          <a:latin typeface="Consolas" panose="020B0609020204030204" pitchFamily="49" charset="0"/>
+                          <a:cs typeface="Consolas" panose="020B0609020204030204" pitchFamily="49" charset="0"/>
+                        </a:rPr>
+                        <a:t>M2↓</a:t>
+                      </a:r>
+                      <a:endParaRPr lang="en-CA" sz="2400" b="0" i="0" u="none" strike="noStrike">
+                        <a:solidFill>
+                          <a:srgbClr val="000000"/>
+                        </a:solidFill>
+                        <a:effectLst/>
+                        <a:latin typeface="Consolas" panose="020B0609020204030204" pitchFamily="49" charset="0"/>
+                        <a:cs typeface="Consolas" panose="020B0609020204030204" pitchFamily="49" charset="0"/>
+                      </a:endParaRPr>
+                    </a:p>
+                  </a:txBody>
+                  <a:tcPr marL="7620" marR="7620" marT="7620" marB="0" anchor="b"/>
                 </a:tc>
                 <a:tc>
                   <a:txBody>
@@ -5989,8 +5146,9 @@
                         <a:rPr lang="en-CA" sz="2400" b="0" u="none" strike="noStrike" dirty="0">
                           <a:effectLst/>
                           <a:latin typeface="Consolas" panose="020B0609020204030204" pitchFamily="49" charset="0"/>
-                        </a:rPr>
-                        <a:t>_</a:t>
+                          <a:cs typeface="Consolas" panose="020B0609020204030204" pitchFamily="49" charset="0"/>
+                        </a:rPr>
+                        <a:t>m2↓</a:t>
                       </a:r>
                       <a:endParaRPr lang="en-CA" sz="2400" b="0" i="0" u="none" strike="noStrike" dirty="0">
                         <a:solidFill>
@@ -5998,6 +5156,33 @@
                         </a:solidFill>
                         <a:effectLst/>
                         <a:latin typeface="Consolas" panose="020B0609020204030204" pitchFamily="49" charset="0"/>
+                        <a:cs typeface="Consolas" panose="020B0609020204030204" pitchFamily="49" charset="0"/>
+                      </a:endParaRPr>
+                    </a:p>
+                  </a:txBody>
+                  <a:tcPr marL="7620" marR="7620" marT="7620" marB="0" anchor="b"/>
+                </a:tc>
+                <a:tc>
+                  <a:txBody>
+                    <a:bodyPr/>
+                    <a:lstStyle/>
+                    <a:p>
+                      <a:pPr algn="l" fontAlgn="b"/>
+                      <a:r>
+                        <a:rPr lang="en-CA" sz="2400" b="0" u="none" strike="noStrike">
+                          <a:effectLst/>
+                          <a:latin typeface="Consolas" panose="020B0609020204030204" pitchFamily="49" charset="0"/>
+                          <a:cs typeface="Consolas" panose="020B0609020204030204" pitchFamily="49" charset="0"/>
+                        </a:rPr>
+                        <a:t>m2↓</a:t>
+                      </a:r>
+                      <a:endParaRPr lang="en-CA" sz="2400" b="0" i="0" u="none" strike="noStrike">
+                        <a:solidFill>
+                          <a:srgbClr val="000000"/>
+                        </a:solidFill>
+                        <a:effectLst/>
+                        <a:latin typeface="Consolas" panose="020B0609020204030204" pitchFamily="49" charset="0"/>
+                        <a:cs typeface="Consolas" panose="020B0609020204030204" pitchFamily="49" charset="0"/>
                       </a:endParaRPr>
                     </a:p>
                   </a:txBody>
@@ -6013,8 +5198,9 @@
                         <a:rPr lang="en-CA" sz="2400" b="0" u="none" strike="noStrike" dirty="0">
                           <a:effectLst/>
                           <a:latin typeface="Consolas" panose="020B0609020204030204" pitchFamily="49" charset="0"/>
-                        </a:rPr>
-                        <a:t>m2↑ </a:t>
+                          <a:cs typeface="Consolas" panose="020B0609020204030204" pitchFamily="49" charset="0"/>
+                        </a:rPr>
+                        <a:t>dim5↓</a:t>
                       </a:r>
                       <a:endParaRPr lang="en-CA" sz="2400" b="0" i="0" u="none" strike="noStrike" dirty="0">
                         <a:solidFill>
@@ -6022,126 +5208,7 @@
                         </a:solidFill>
                         <a:effectLst/>
                         <a:latin typeface="Consolas" panose="020B0609020204030204" pitchFamily="49" charset="0"/>
-                      </a:endParaRPr>
-                    </a:p>
-                  </a:txBody>
-                  <a:tcPr marL="7620" marR="7620" marT="7620" marB="0" anchor="b"/>
-                </a:tc>
-                <a:tc>
-                  <a:txBody>
-                    <a:bodyPr/>
-                    <a:lstStyle/>
-                    <a:p>
-                      <a:pPr algn="l" fontAlgn="b"/>
-                      <a:r>
-                        <a:rPr lang="en-CA" sz="2400" b="0" u="none" strike="noStrike">
-                          <a:effectLst/>
-                          <a:latin typeface="Consolas" panose="020B0609020204030204" pitchFamily="49" charset="0"/>
-                        </a:rPr>
-                        <a:t>m2↓</a:t>
-                      </a:r>
-                      <a:endParaRPr lang="en-CA" sz="2400" b="0" i="0" u="none" strike="noStrike">
-                        <a:solidFill>
-                          <a:srgbClr val="000000"/>
-                        </a:solidFill>
-                        <a:effectLst/>
-                        <a:latin typeface="Consolas" panose="020B0609020204030204" pitchFamily="49" charset="0"/>
-                      </a:endParaRPr>
-                    </a:p>
-                  </a:txBody>
-                  <a:tcPr marL="7620" marR="7620" marT="7620" marB="0" anchor="b"/>
-                </a:tc>
-                <a:tc>
-                  <a:txBody>
-                    <a:bodyPr/>
-                    <a:lstStyle/>
-                    <a:p>
-                      <a:pPr algn="l" fontAlgn="b"/>
-                      <a:r>
-                        <a:rPr lang="en-CA" sz="2400" b="0" u="none" strike="noStrike">
-                          <a:effectLst/>
-                          <a:latin typeface="Consolas" panose="020B0609020204030204" pitchFamily="49" charset="0"/>
-                        </a:rPr>
-                        <a:t>M2↓</a:t>
-                      </a:r>
-                      <a:endParaRPr lang="en-CA" sz="2400" b="0" i="0" u="none" strike="noStrike">
-                        <a:solidFill>
-                          <a:srgbClr val="000000"/>
-                        </a:solidFill>
-                        <a:effectLst/>
-                        <a:latin typeface="Consolas" panose="020B0609020204030204" pitchFamily="49" charset="0"/>
-                      </a:endParaRPr>
-                    </a:p>
-                  </a:txBody>
-                  <a:tcPr marL="7620" marR="7620" marT="7620" marB="0" anchor="b"/>
-                </a:tc>
-                <a:tc>
-                  <a:txBody>
-                    <a:bodyPr/>
-                    <a:lstStyle/>
-                    <a:p>
-                      <a:pPr algn="l" fontAlgn="b"/>
-                      <a:r>
-                        <a:rPr lang="en-CA" sz="2400" b="0" u="none" strike="noStrike" dirty="0">
-                          <a:effectLst/>
-                          <a:latin typeface="Consolas" panose="020B0609020204030204" pitchFamily="49" charset="0"/>
-                        </a:rPr>
-                        <a:t>m2↓</a:t>
-                      </a:r>
-                      <a:endParaRPr lang="en-CA" sz="2400" b="0" i="0" u="none" strike="noStrike" dirty="0">
-                        <a:solidFill>
-                          <a:srgbClr val="000000"/>
-                        </a:solidFill>
-                        <a:effectLst/>
-                        <a:latin typeface="Consolas" panose="020B0609020204030204" pitchFamily="49" charset="0"/>
-                      </a:endParaRPr>
-                    </a:p>
-                  </a:txBody>
-                  <a:tcPr marL="7620" marR="7620" marT="7620" marB="0" anchor="b"/>
-                </a:tc>
-                <a:tc>
-                  <a:txBody>
-                    <a:bodyPr/>
-                    <a:lstStyle/>
-                    <a:p>
-                      <a:pPr algn="l" fontAlgn="b"/>
-                      <a:r>
-                        <a:rPr lang="en-CA" sz="2400" b="0" u="none" strike="noStrike">
-                          <a:effectLst/>
-                          <a:latin typeface="Consolas" panose="020B0609020204030204" pitchFamily="49" charset="0"/>
-                        </a:rPr>
-                        <a:t>m2↓</a:t>
-                      </a:r>
-                      <a:endParaRPr lang="en-CA" sz="2400" b="0" i="0" u="none" strike="noStrike">
-                        <a:solidFill>
-                          <a:srgbClr val="000000"/>
-                        </a:solidFill>
-                        <a:effectLst/>
-                        <a:latin typeface="Consolas" panose="020B0609020204030204" pitchFamily="49" charset="0"/>
-                      </a:endParaRPr>
-                    </a:p>
-                  </a:txBody>
-                  <a:tcPr marL="7620" marR="7620" marT="7620" marB="0" anchor="b"/>
-                </a:tc>
-                <a:tc>
-                  <a:txBody>
-                    <a:bodyPr/>
-                    <a:lstStyle/>
-                    <a:p>
-                      <a:pPr algn="l" fontAlgn="b"/>
-                      <a:r>
-                        <a:rPr lang="en-CA" sz="2400" b="0" u="none" strike="noStrike">
-                          <a:effectLst/>
-                          <a:latin typeface="Consolas" panose="020B0609020204030204" pitchFamily="49" charset="0"/>
-                        </a:rPr>
-                        <a:t>dim5↓</a:t>
-                      </a:r>
-                      <a:endParaRPr lang="en-CA" sz="2400" b="0" i="0" u="none" strike="noStrike">
-                        <a:solidFill>
-                          <a:srgbClr val="000000"/>
-                        </a:solidFill>
-                        <a:effectLst/>
-                        <a:latin typeface="Consolas" panose="020B0609020204030204" pitchFamily="49" charset="0"/>
+                        <a:cs typeface="Consolas" panose="020B0609020204030204" pitchFamily="49" charset="0"/>
                       </a:endParaRPr>
                     </a:p>
                   </a:txBody>
@@ -6153,7 +5220,7 @@
                   </a:ext>
                 </a:extLst>
               </a:tr>
-              <a:tr h="345131">
+              <a:tr h="430703">
                 <a:tc>
                   <a:txBody>
                     <a:bodyPr/>
@@ -6163,6 +5230,7 @@
                       <a:r>
                         <a:rPr lang="en-CA" sz="2400" u="none" strike="noStrike" dirty="0">
                           <a:effectLst/>
+                          <a:latin typeface="Franklin Gothic Book" panose="020B0503020102020204" pitchFamily="34" charset="0"/>
                         </a:rPr>
                         <a:t>Diatonic Interval</a:t>
                       </a:r>
@@ -6171,48 +5239,158 @@
                           <a:srgbClr val="000000"/>
                         </a:solidFill>
                         <a:effectLst/>
+                        <a:latin typeface="Franklin Gothic Book" panose="020B0503020102020204" pitchFamily="34" charset="0"/>
+                      </a:endParaRPr>
+                    </a:p>
+                  </a:txBody>
+                  <a:tcPr marL="7620" marR="7620" marT="7620" marB="0" anchor="b"/>
+                </a:tc>
+                <a:tc>
+                  <a:txBody>
+                    <a:bodyPr/>
+                    <a:lstStyle/>
+                    <a:p>
+                      <a:pPr algn="l" fontAlgn="b"/>
+                      <a:endParaRPr lang="en-CA" sz="2400" b="0" i="0" u="none" strike="noStrike">
+                        <a:solidFill>
+                          <a:srgbClr val="000000"/>
+                        </a:solidFill>
+                        <a:effectLst/>
+                        <a:latin typeface="Franklin Gothic Book" panose="020B0503020102020204" pitchFamily="34" charset="0"/>
+                      </a:endParaRPr>
+                    </a:p>
+                  </a:txBody>
+                  <a:tcPr marL="7620" marR="7620" marT="7620" marB="0" anchor="b"/>
+                </a:tc>
+                <a:tc>
+                  <a:txBody>
+                    <a:bodyPr/>
+                    <a:lstStyle/>
+                    <a:p>
+                      <a:pPr algn="l" fontAlgn="b"/>
+                      <a:r>
+                        <a:rPr lang="en-CA" sz="2400" b="0" u="none" strike="noStrike">
+                          <a:effectLst/>
+                          <a:latin typeface="Consolas" panose="020B0609020204030204" pitchFamily="49" charset="0"/>
+                          <a:cs typeface="Consolas" panose="020B0609020204030204" pitchFamily="49" charset="0"/>
+                        </a:rPr>
+                        <a:t>_</a:t>
+                      </a:r>
+                      <a:endParaRPr lang="en-CA" sz="2400" b="0" i="0" u="none" strike="noStrike">
+                        <a:solidFill>
+                          <a:srgbClr val="000000"/>
+                        </a:solidFill>
+                        <a:effectLst/>
                         <a:latin typeface="Consolas" panose="020B0609020204030204" pitchFamily="49" charset="0"/>
-                      </a:endParaRPr>
-                    </a:p>
-                  </a:txBody>
-                  <a:tcPr marL="7620" marR="7620" marT="7620" marB="0" anchor="b">
-                    <a:lnR w="12700" cap="flat" cmpd="sng" algn="ctr">
-                      <a:solidFill>
-                        <a:schemeClr val="tx1"/>
-                      </a:solidFill>
-                      <a:prstDash val="solid"/>
-                      <a:round/>
-                      <a:headEnd type="none" w="med" len="med"/>
-                      <a:tailEnd type="none" w="med" len="med"/>
-                    </a:lnR>
-                  </a:tcPr>
-                </a:tc>
-                <a:tc>
-                  <a:txBody>
-                    <a:bodyPr/>
-                    <a:lstStyle/>
-                    <a:p>
-                      <a:pPr algn="l" fontAlgn="b"/>
+                        <a:cs typeface="Consolas" panose="020B0609020204030204" pitchFamily="49" charset="0"/>
+                      </a:endParaRPr>
+                    </a:p>
+                  </a:txBody>
+                  <a:tcPr marL="7620" marR="7620" marT="7620" marB="0" anchor="b"/>
+                </a:tc>
+                <a:tc>
+                  <a:txBody>
+                    <a:bodyPr/>
+                    <a:lstStyle/>
+                    <a:p>
+                      <a:pPr algn="l" fontAlgn="b"/>
+                      <a:r>
+                        <a:rPr lang="en-CA" sz="2400" b="0" u="none" strike="noStrike" dirty="0">
+                          <a:effectLst/>
+                          <a:latin typeface="Consolas" panose="020B0609020204030204" pitchFamily="49" charset="0"/>
+                          <a:cs typeface="Consolas" panose="020B0609020204030204" pitchFamily="49" charset="0"/>
+                        </a:rPr>
+                        <a:t>2↑ </a:t>
+                      </a:r>
+                      <a:endParaRPr lang="en-CA" sz="2400" b="0" i="0" u="none" strike="noStrike" dirty="0">
+                        <a:solidFill>
+                          <a:srgbClr val="000000"/>
+                        </a:solidFill>
+                        <a:effectLst/>
+                        <a:latin typeface="Consolas" panose="020B0609020204030204" pitchFamily="49" charset="0"/>
+                        <a:cs typeface="Consolas" panose="020B0609020204030204" pitchFamily="49" charset="0"/>
+                      </a:endParaRPr>
+                    </a:p>
+                  </a:txBody>
+                  <a:tcPr marL="7620" marR="7620" marT="7620" marB="0" anchor="b"/>
+                </a:tc>
+                <a:tc>
+                  <a:txBody>
+                    <a:bodyPr/>
+                    <a:lstStyle/>
+                    <a:p>
+                      <a:pPr algn="l" fontAlgn="b"/>
+                      <a:r>
+                        <a:rPr lang="en-CA" sz="2400" b="0" u="none" strike="noStrike" dirty="0">
+                          <a:effectLst/>
+                          <a:latin typeface="Consolas" panose="020B0609020204030204" pitchFamily="49" charset="0"/>
+                          <a:cs typeface="Consolas" panose="020B0609020204030204" pitchFamily="49" charset="0"/>
+                        </a:rPr>
+                        <a:t>2↓</a:t>
+                      </a:r>
+                      <a:endParaRPr lang="en-CA" sz="2400" b="0" i="0" u="none" strike="noStrike" dirty="0">
+                        <a:solidFill>
+                          <a:srgbClr val="000000"/>
+                        </a:solidFill>
+                        <a:effectLst/>
+                        <a:latin typeface="Consolas" panose="020B0609020204030204" pitchFamily="49" charset="0"/>
+                        <a:cs typeface="Consolas" panose="020B0609020204030204" pitchFamily="49" charset="0"/>
+                      </a:endParaRPr>
+                    </a:p>
+                  </a:txBody>
+                  <a:tcPr marL="7620" marR="7620" marT="7620" marB="0" anchor="b"/>
+                </a:tc>
+                <a:tc>
+                  <a:txBody>
+                    <a:bodyPr/>
+                    <a:lstStyle/>
+                    <a:p>
+                      <a:pPr algn="l" fontAlgn="b"/>
+                      <a:r>
+                        <a:rPr lang="en-CA" sz="2400" b="0" u="none" strike="noStrike" dirty="0">
+                          <a:effectLst/>
+                          <a:latin typeface="Consolas" panose="020B0609020204030204" pitchFamily="49" charset="0"/>
+                          <a:cs typeface="Consolas" panose="020B0609020204030204" pitchFamily="49" charset="0"/>
+                        </a:rPr>
+                        <a:t>2↓</a:t>
+                      </a:r>
+                      <a:endParaRPr lang="en-CA" sz="2400" b="0" i="0" u="none" strike="noStrike" dirty="0">
+                        <a:solidFill>
+                          <a:srgbClr val="000000"/>
+                        </a:solidFill>
+                        <a:effectLst/>
+                        <a:latin typeface="Consolas" panose="020B0609020204030204" pitchFamily="49" charset="0"/>
+                        <a:cs typeface="Consolas" panose="020B0609020204030204" pitchFamily="49" charset="0"/>
+                      </a:endParaRPr>
+                    </a:p>
+                  </a:txBody>
+                  <a:tcPr marL="7620" marR="7620" marT="7620" marB="0" anchor="b"/>
+                </a:tc>
+                <a:tc>
+                  <a:txBody>
+                    <a:bodyPr/>
+                    <a:lstStyle/>
+                    <a:p>
+                      <a:pPr algn="l" fontAlgn="b"/>
+                      <a:r>
+                        <a:rPr lang="en-CA" sz="2400" b="0" u="none" strike="noStrike">
+                          <a:effectLst/>
+                          <a:latin typeface="Consolas" panose="020B0609020204030204" pitchFamily="49" charset="0"/>
+                          <a:cs typeface="Consolas" panose="020B0609020204030204" pitchFamily="49" charset="0"/>
+                        </a:rPr>
+                        <a:t>2↓</a:t>
+                      </a:r>
                       <a:endParaRPr lang="en-CA" sz="2400" b="0" i="0" u="none" strike="noStrike">
                         <a:solidFill>
                           <a:srgbClr val="000000"/>
                         </a:solidFill>
                         <a:effectLst/>
                         <a:latin typeface="Consolas" panose="020B0609020204030204" pitchFamily="49" charset="0"/>
-                      </a:endParaRPr>
-                    </a:p>
-                  </a:txBody>
-                  <a:tcPr marL="7620" marR="7620" marT="7620" marB="0" anchor="b">
-                    <a:lnL w="12700" cap="flat" cmpd="sng" algn="ctr">
-                      <a:solidFill>
-                        <a:schemeClr val="tx1"/>
-                      </a:solidFill>
-                      <a:prstDash val="solid"/>
-                      <a:round/>
-                      <a:headEnd type="none" w="med" len="med"/>
-                      <a:tailEnd type="none" w="med" len="med"/>
-                    </a:lnL>
-                  </a:tcPr>
+                        <a:cs typeface="Consolas" panose="020B0609020204030204" pitchFamily="49" charset="0"/>
+                      </a:endParaRPr>
+                    </a:p>
+                  </a:txBody>
+                  <a:tcPr marL="7620" marR="7620" marT="7620" marB="0" anchor="b"/>
                 </a:tc>
                 <a:tc>
                   <a:txBody>
@@ -6224,8 +5402,9 @@
                         <a:rPr lang="en-CA" sz="2400" b="0" u="none" strike="noStrike">
                           <a:effectLst/>
                           <a:latin typeface="Consolas" panose="020B0609020204030204" pitchFamily="49" charset="0"/>
-                        </a:rPr>
-                        <a:t>_</a:t>
+                          <a:cs typeface="Consolas" panose="020B0609020204030204" pitchFamily="49" charset="0"/>
+                        </a:rPr>
+                        <a:t>2↓</a:t>
                       </a:r>
                       <a:endParaRPr lang="en-CA" sz="2400" b="0" i="0" u="none" strike="noStrike">
                         <a:solidFill>
@@ -6233,150 +5412,33 @@
                         </a:solidFill>
                         <a:effectLst/>
                         <a:latin typeface="Consolas" panose="020B0609020204030204" pitchFamily="49" charset="0"/>
-                      </a:endParaRPr>
-                    </a:p>
-                  </a:txBody>
-                  <a:tcPr marL="7620" marR="7620" marT="7620" marB="0" anchor="b"/>
-                </a:tc>
-                <a:tc>
-                  <a:txBody>
-                    <a:bodyPr/>
-                    <a:lstStyle/>
-                    <a:p>
-                      <a:pPr algn="l" fontAlgn="b"/>
-                      <a:r>
-                        <a:rPr lang="en-CA" sz="2400" b="0" u="none" strike="noStrike">
+                        <a:cs typeface="Consolas" panose="020B0609020204030204" pitchFamily="49" charset="0"/>
+                      </a:endParaRPr>
+                    </a:p>
+                  </a:txBody>
+                  <a:tcPr marL="7620" marR="7620" marT="7620" marB="0" anchor="b"/>
+                </a:tc>
+                <a:tc>
+                  <a:txBody>
+                    <a:bodyPr/>
+                    <a:lstStyle/>
+                    <a:p>
+                      <a:pPr algn="l" fontAlgn="b"/>
+                      <a:r>
+                        <a:rPr lang="en-CA" sz="2400" b="0" u="none" strike="noStrike" dirty="0">
                           <a:effectLst/>
                           <a:latin typeface="Consolas" panose="020B0609020204030204" pitchFamily="49" charset="0"/>
-                        </a:rPr>
-                        <a:t>2↑ </a:t>
-                      </a:r>
-                      <a:endParaRPr lang="en-CA" sz="2400" b="0" i="0" u="none" strike="noStrike">
+                          <a:cs typeface="Consolas" panose="020B0609020204030204" pitchFamily="49" charset="0"/>
+                        </a:rPr>
+                        <a:t>5↓</a:t>
+                      </a:r>
+                      <a:endParaRPr lang="en-CA" sz="2400" b="0" i="0" u="none" strike="noStrike" dirty="0">
                         <a:solidFill>
                           <a:srgbClr val="000000"/>
                         </a:solidFill>
                         <a:effectLst/>
                         <a:latin typeface="Consolas" panose="020B0609020204030204" pitchFamily="49" charset="0"/>
-                      </a:endParaRPr>
-                    </a:p>
-                  </a:txBody>
-                  <a:tcPr marL="7620" marR="7620" marT="7620" marB="0" anchor="b"/>
-                </a:tc>
-                <a:tc>
-                  <a:txBody>
-                    <a:bodyPr/>
-                    <a:lstStyle/>
-                    <a:p>
-                      <a:pPr algn="l" fontAlgn="b"/>
-                      <a:r>
-                        <a:rPr lang="en-CA" sz="2400" b="0" u="none" strike="noStrike" dirty="0">
-                          <a:effectLst/>
-                          <a:latin typeface="Consolas" panose="020B0609020204030204" pitchFamily="49" charset="0"/>
-                        </a:rPr>
-                        <a:t>2↓</a:t>
-                      </a:r>
-                      <a:endParaRPr lang="en-CA" sz="2400" b="0" i="0" u="none" strike="noStrike" dirty="0">
-                        <a:solidFill>
-                          <a:srgbClr val="000000"/>
-                        </a:solidFill>
-                        <a:effectLst/>
-                        <a:latin typeface="Consolas" panose="020B0609020204030204" pitchFamily="49" charset="0"/>
-                      </a:endParaRPr>
-                    </a:p>
-                  </a:txBody>
-                  <a:tcPr marL="7620" marR="7620" marT="7620" marB="0" anchor="b"/>
-                </a:tc>
-                <a:tc>
-                  <a:txBody>
-                    <a:bodyPr/>
-                    <a:lstStyle/>
-                    <a:p>
-                      <a:pPr algn="l" fontAlgn="b"/>
-                      <a:r>
-                        <a:rPr lang="en-CA" sz="2400" b="0" u="none" strike="noStrike" dirty="0">
-                          <a:effectLst/>
-                          <a:latin typeface="Consolas" panose="020B0609020204030204" pitchFamily="49" charset="0"/>
-                        </a:rPr>
-                        <a:t>2↓</a:t>
-                      </a:r>
-                      <a:endParaRPr lang="en-CA" sz="2400" b="0" i="0" u="none" strike="noStrike" dirty="0">
-                        <a:solidFill>
-                          <a:srgbClr val="000000"/>
-                        </a:solidFill>
-                        <a:effectLst/>
-                        <a:latin typeface="Consolas" panose="020B0609020204030204" pitchFamily="49" charset="0"/>
-                      </a:endParaRPr>
-                    </a:p>
-                  </a:txBody>
-                  <a:tcPr marL="7620" marR="7620" marT="7620" marB="0" anchor="b"/>
-                </a:tc>
-                <a:tc>
-                  <a:txBody>
-                    <a:bodyPr/>
-                    <a:lstStyle/>
-                    <a:p>
-                      <a:pPr algn="l" fontAlgn="b"/>
-                      <a:r>
-                        <a:rPr lang="en-CA" sz="2400" b="0" u="none" strike="noStrike">
-                          <a:effectLst/>
-                          <a:latin typeface="Consolas" panose="020B0609020204030204" pitchFamily="49" charset="0"/>
-                        </a:rPr>
-                        <a:t>2↓</a:t>
-                      </a:r>
-                      <a:endParaRPr lang="en-CA" sz="2400" b="0" i="0" u="none" strike="noStrike">
-                        <a:solidFill>
-                          <a:srgbClr val="000000"/>
-                        </a:solidFill>
-                        <a:effectLst/>
-                        <a:latin typeface="Consolas" panose="020B0609020204030204" pitchFamily="49" charset="0"/>
-                      </a:endParaRPr>
-                    </a:p>
-                  </a:txBody>
-                  <a:tcPr marL="7620" marR="7620" marT="7620" marB="0" anchor="b"/>
-                </a:tc>
-                <a:tc>
-                  <a:txBody>
-                    <a:bodyPr/>
-                    <a:lstStyle/>
-                    <a:p>
-                      <a:pPr algn="l" fontAlgn="b"/>
-                      <a:r>
-                        <a:rPr lang="en-CA" sz="2400" b="0" u="none" strike="noStrike">
-                          <a:effectLst/>
-                          <a:latin typeface="Consolas" panose="020B0609020204030204" pitchFamily="49" charset="0"/>
-                        </a:rPr>
-                        <a:t>2↓</a:t>
-                      </a:r>
-                      <a:endParaRPr lang="en-CA" sz="2400" b="0" i="0" u="none" strike="noStrike">
-                        <a:solidFill>
-                          <a:srgbClr val="000000"/>
-                        </a:solidFill>
-                        <a:effectLst/>
-                        <a:latin typeface="Consolas" panose="020B0609020204030204" pitchFamily="49" charset="0"/>
-                      </a:endParaRPr>
-                    </a:p>
-                  </a:txBody>
-                  <a:tcPr marL="7620" marR="7620" marT="7620" marB="0" anchor="b"/>
-                </a:tc>
-                <a:tc>
-                  <a:txBody>
-                    <a:bodyPr/>
-                    <a:lstStyle/>
-                    <a:p>
-                      <a:pPr algn="l" fontAlgn="b"/>
-                      <a:r>
-                        <a:rPr lang="en-CA" sz="2400" b="0" u="none" strike="noStrike">
-                          <a:effectLst/>
-                          <a:latin typeface="Consolas" panose="020B0609020204030204" pitchFamily="49" charset="0"/>
-                        </a:rPr>
-                        <a:t>5↓</a:t>
-                      </a:r>
-                      <a:endParaRPr lang="en-CA" sz="2400" b="0" i="0" u="none" strike="noStrike">
-                        <a:solidFill>
-                          <a:srgbClr val="000000"/>
-                        </a:solidFill>
-                        <a:effectLst/>
-                        <a:latin typeface="Consolas" panose="020B0609020204030204" pitchFamily="49" charset="0"/>
+                        <a:cs typeface="Consolas" panose="020B0609020204030204" pitchFamily="49" charset="0"/>
                       </a:endParaRPr>
                     </a:p>
                   </a:txBody>
@@ -6388,7 +5450,7 @@
                   </a:ext>
                 </a:extLst>
               </a:tr>
-              <a:tr h="345131">
+              <a:tr h="430703">
                 <a:tc>
                   <a:txBody>
                     <a:bodyPr/>
@@ -6398,6 +5460,7 @@
                       <a:r>
                         <a:rPr lang="en-CA" sz="2400" u="none" strike="noStrike" dirty="0">
                           <a:effectLst/>
+                          <a:latin typeface="Franklin Gothic Book" panose="020B0503020102020204" pitchFamily="34" charset="0"/>
                         </a:rPr>
                         <a:t>Pitch Contour</a:t>
                       </a:r>
@@ -6406,48 +5469,158 @@
                           <a:srgbClr val="000000"/>
                         </a:solidFill>
                         <a:effectLst/>
+                        <a:latin typeface="Franklin Gothic Book" panose="020B0503020102020204" pitchFamily="34" charset="0"/>
+                      </a:endParaRPr>
+                    </a:p>
+                  </a:txBody>
+                  <a:tcPr marL="7620" marR="7620" marT="7620" marB="0" anchor="b"/>
+                </a:tc>
+                <a:tc>
+                  <a:txBody>
+                    <a:bodyPr/>
+                    <a:lstStyle/>
+                    <a:p>
+                      <a:pPr algn="l" fontAlgn="b"/>
+                      <a:endParaRPr lang="en-CA" sz="2400" b="0" i="0" u="none" strike="noStrike" dirty="0">
+                        <a:solidFill>
+                          <a:srgbClr val="000000"/>
+                        </a:solidFill>
+                        <a:effectLst/>
+                        <a:latin typeface="Franklin Gothic Book" panose="020B0503020102020204" pitchFamily="34" charset="0"/>
+                      </a:endParaRPr>
+                    </a:p>
+                  </a:txBody>
+                  <a:tcPr marL="7620" marR="7620" marT="7620" marB="0" anchor="b"/>
+                </a:tc>
+                <a:tc>
+                  <a:txBody>
+                    <a:bodyPr/>
+                    <a:lstStyle/>
+                    <a:p>
+                      <a:pPr algn="l" fontAlgn="b"/>
+                      <a:r>
+                        <a:rPr lang="en-CA" sz="2400" b="0" u="none" strike="noStrike">
+                          <a:effectLst/>
+                          <a:latin typeface="Consolas" panose="020B0609020204030204" pitchFamily="49" charset="0"/>
+                          <a:cs typeface="Consolas" panose="020B0609020204030204" pitchFamily="49" charset="0"/>
+                        </a:rPr>
+                        <a:t>_</a:t>
+                      </a:r>
+                      <a:endParaRPr lang="en-CA" sz="2400" b="0" i="0" u="none" strike="noStrike">
+                        <a:solidFill>
+                          <a:srgbClr val="000000"/>
+                        </a:solidFill>
+                        <a:effectLst/>
                         <a:latin typeface="Consolas" panose="020B0609020204030204" pitchFamily="49" charset="0"/>
-                      </a:endParaRPr>
-                    </a:p>
-                  </a:txBody>
-                  <a:tcPr marL="7620" marR="7620" marT="7620" marB="0" anchor="b">
-                    <a:lnR w="12700" cap="flat" cmpd="sng" algn="ctr">
-                      <a:solidFill>
-                        <a:schemeClr val="tx1"/>
-                      </a:solidFill>
-                      <a:prstDash val="solid"/>
-                      <a:round/>
-                      <a:headEnd type="none" w="med" len="med"/>
-                      <a:tailEnd type="none" w="med" len="med"/>
-                    </a:lnR>
-                  </a:tcPr>
-                </a:tc>
-                <a:tc>
-                  <a:txBody>
-                    <a:bodyPr/>
-                    <a:lstStyle/>
-                    <a:p>
-                      <a:pPr algn="l" fontAlgn="b"/>
+                        <a:cs typeface="Consolas" panose="020B0609020204030204" pitchFamily="49" charset="0"/>
+                      </a:endParaRPr>
+                    </a:p>
+                  </a:txBody>
+                  <a:tcPr marL="7620" marR="7620" marT="7620" marB="0" anchor="b"/>
+                </a:tc>
+                <a:tc>
+                  <a:txBody>
+                    <a:bodyPr/>
+                    <a:lstStyle/>
+                    <a:p>
+                      <a:pPr algn="l" fontAlgn="b"/>
+                      <a:r>
+                        <a:rPr lang="en-CA" sz="2400" b="0" u="none" strike="noStrike">
+                          <a:effectLst/>
+                          <a:latin typeface="Consolas" panose="020B0609020204030204" pitchFamily="49" charset="0"/>
+                          <a:cs typeface="Consolas" panose="020B0609020204030204" pitchFamily="49" charset="0"/>
+                        </a:rPr>
+                        <a:t>1</a:t>
+                      </a:r>
+                      <a:endParaRPr lang="en-CA" sz="2400" b="0" i="0" u="none" strike="noStrike">
+                        <a:solidFill>
+                          <a:srgbClr val="000000"/>
+                        </a:solidFill>
+                        <a:effectLst/>
+                        <a:latin typeface="Consolas" panose="020B0609020204030204" pitchFamily="49" charset="0"/>
+                        <a:cs typeface="Consolas" panose="020B0609020204030204" pitchFamily="49" charset="0"/>
+                      </a:endParaRPr>
+                    </a:p>
+                  </a:txBody>
+                  <a:tcPr marL="7620" marR="7620" marT="7620" marB="0" anchor="b"/>
+                </a:tc>
+                <a:tc>
+                  <a:txBody>
+                    <a:bodyPr/>
+                    <a:lstStyle/>
+                    <a:p>
+                      <a:pPr algn="l" fontAlgn="b"/>
+                      <a:r>
+                        <a:rPr lang="en-CA" sz="2400" b="0" u="none" strike="noStrike" dirty="0">
+                          <a:effectLst/>
+                          <a:latin typeface="Consolas" panose="020B0609020204030204" pitchFamily="49" charset="0"/>
+                          <a:cs typeface="Consolas" panose="020B0609020204030204" pitchFamily="49" charset="0"/>
+                        </a:rPr>
+                        <a:t>-1</a:t>
+                      </a:r>
                       <a:endParaRPr lang="en-CA" sz="2400" b="0" i="0" u="none" strike="noStrike" dirty="0">
                         <a:solidFill>
                           <a:srgbClr val="000000"/>
                         </a:solidFill>
                         <a:effectLst/>
                         <a:latin typeface="Consolas" panose="020B0609020204030204" pitchFamily="49" charset="0"/>
-                      </a:endParaRPr>
-                    </a:p>
-                  </a:txBody>
-                  <a:tcPr marL="7620" marR="7620" marT="7620" marB="0" anchor="b">
-                    <a:lnL w="12700" cap="flat" cmpd="sng" algn="ctr">
-                      <a:solidFill>
-                        <a:schemeClr val="tx1"/>
-                      </a:solidFill>
-                      <a:prstDash val="solid"/>
-                      <a:round/>
-                      <a:headEnd type="none" w="med" len="med"/>
-                      <a:tailEnd type="none" w="med" len="med"/>
-                    </a:lnL>
-                  </a:tcPr>
+                        <a:cs typeface="Consolas" panose="020B0609020204030204" pitchFamily="49" charset="0"/>
+                      </a:endParaRPr>
+                    </a:p>
+                  </a:txBody>
+                  <a:tcPr marL="7620" marR="7620" marT="7620" marB="0" anchor="b"/>
+                </a:tc>
+                <a:tc>
+                  <a:txBody>
+                    <a:bodyPr/>
+                    <a:lstStyle/>
+                    <a:p>
+                      <a:pPr algn="l" fontAlgn="b"/>
+                      <a:r>
+                        <a:rPr lang="en-CA" sz="2400" b="0" u="none" strike="noStrike" dirty="0">
+                          <a:effectLst/>
+                          <a:latin typeface="Consolas" panose="020B0609020204030204" pitchFamily="49" charset="0"/>
+                          <a:cs typeface="Consolas" panose="020B0609020204030204" pitchFamily="49" charset="0"/>
+                        </a:rPr>
+                        <a:t>-1</a:t>
+                      </a:r>
+                      <a:endParaRPr lang="en-CA" sz="2400" b="0" i="0" u="none" strike="noStrike" dirty="0">
+                        <a:solidFill>
+                          <a:srgbClr val="000000"/>
+                        </a:solidFill>
+                        <a:effectLst/>
+                        <a:latin typeface="Consolas" panose="020B0609020204030204" pitchFamily="49" charset="0"/>
+                        <a:cs typeface="Consolas" panose="020B0609020204030204" pitchFamily="49" charset="0"/>
+                      </a:endParaRPr>
+                    </a:p>
+                  </a:txBody>
+                  <a:tcPr marL="7620" marR="7620" marT="7620" marB="0" anchor="b"/>
+                </a:tc>
+                <a:tc>
+                  <a:txBody>
+                    <a:bodyPr/>
+                    <a:lstStyle/>
+                    <a:p>
+                      <a:pPr algn="l" fontAlgn="b"/>
+                      <a:r>
+                        <a:rPr lang="en-CA" sz="2400" b="0" u="none" strike="noStrike" dirty="0">
+                          <a:effectLst/>
+                          <a:latin typeface="Consolas" panose="020B0609020204030204" pitchFamily="49" charset="0"/>
+                          <a:cs typeface="Consolas" panose="020B0609020204030204" pitchFamily="49" charset="0"/>
+                        </a:rPr>
+                        <a:t>-1</a:t>
+                      </a:r>
+                      <a:endParaRPr lang="en-CA" sz="2400" b="0" i="0" u="none" strike="noStrike" dirty="0">
+                        <a:solidFill>
+                          <a:srgbClr val="000000"/>
+                        </a:solidFill>
+                        <a:effectLst/>
+                        <a:latin typeface="Consolas" panose="020B0609020204030204" pitchFamily="49" charset="0"/>
+                        <a:cs typeface="Consolas" panose="020B0609020204030204" pitchFamily="49" charset="0"/>
+                      </a:endParaRPr>
+                    </a:p>
+                  </a:txBody>
+                  <a:tcPr marL="7620" marR="7620" marT="7620" marB="0" anchor="b"/>
                 </a:tc>
                 <a:tc>
                   <a:txBody>
@@ -6459,8 +5632,9 @@
                         <a:rPr lang="en-CA" sz="2400" b="0" u="none" strike="noStrike">
                           <a:effectLst/>
                           <a:latin typeface="Consolas" panose="020B0609020204030204" pitchFamily="49" charset="0"/>
-                        </a:rPr>
-                        <a:t>_</a:t>
+                          <a:cs typeface="Consolas" panose="020B0609020204030204" pitchFamily="49" charset="0"/>
+                        </a:rPr>
+                        <a:t>-1</a:t>
                       </a:r>
                       <a:endParaRPr lang="en-CA" sz="2400" b="0" i="0" u="none" strike="noStrike">
                         <a:solidFill>
@@ -6468,150 +5642,33 @@
                         </a:solidFill>
                         <a:effectLst/>
                         <a:latin typeface="Consolas" panose="020B0609020204030204" pitchFamily="49" charset="0"/>
-                      </a:endParaRPr>
-                    </a:p>
-                  </a:txBody>
-                  <a:tcPr marL="7620" marR="7620" marT="7620" marB="0" anchor="b"/>
-                </a:tc>
-                <a:tc>
-                  <a:txBody>
-                    <a:bodyPr/>
-                    <a:lstStyle/>
-                    <a:p>
-                      <a:pPr algn="l" fontAlgn="b"/>
-                      <a:r>
-                        <a:rPr lang="en-CA" sz="2400" b="0" u="none" strike="noStrike">
+                        <a:cs typeface="Consolas" panose="020B0609020204030204" pitchFamily="49" charset="0"/>
+                      </a:endParaRPr>
+                    </a:p>
+                  </a:txBody>
+                  <a:tcPr marL="7620" marR="7620" marT="7620" marB="0" anchor="b"/>
+                </a:tc>
+                <a:tc>
+                  <a:txBody>
+                    <a:bodyPr/>
+                    <a:lstStyle/>
+                    <a:p>
+                      <a:pPr algn="l" fontAlgn="b"/>
+                      <a:r>
+                        <a:rPr lang="en-CA" sz="2400" b="0" u="none" strike="noStrike" dirty="0">
                           <a:effectLst/>
                           <a:latin typeface="Consolas" panose="020B0609020204030204" pitchFamily="49" charset="0"/>
-                        </a:rPr>
-                        <a:t>1</a:t>
-                      </a:r>
-                      <a:endParaRPr lang="en-CA" sz="2400" b="0" i="0" u="none" strike="noStrike">
+                          <a:cs typeface="Consolas" panose="020B0609020204030204" pitchFamily="49" charset="0"/>
+                        </a:rPr>
+                        <a:t>-1</a:t>
+                      </a:r>
+                      <a:endParaRPr lang="en-CA" sz="2400" b="0" i="0" u="none" strike="noStrike" dirty="0">
                         <a:solidFill>
                           <a:srgbClr val="000000"/>
                         </a:solidFill>
                         <a:effectLst/>
                         <a:latin typeface="Consolas" panose="020B0609020204030204" pitchFamily="49" charset="0"/>
-                      </a:endParaRPr>
-                    </a:p>
-                  </a:txBody>
-                  <a:tcPr marL="7620" marR="7620" marT="7620" marB="0" anchor="b"/>
-                </a:tc>
-                <a:tc>
-                  <a:txBody>
-                    <a:bodyPr/>
-                    <a:lstStyle/>
-                    <a:p>
-                      <a:pPr algn="l" fontAlgn="b"/>
-                      <a:r>
-                        <a:rPr lang="en-CA" sz="2400" b="0" u="none" strike="noStrike">
-                          <a:effectLst/>
-                          <a:latin typeface="Consolas" panose="020B0609020204030204" pitchFamily="49" charset="0"/>
-                        </a:rPr>
-                        <a:t>-1</a:t>
-                      </a:r>
-                      <a:endParaRPr lang="en-CA" sz="2400" b="0" i="0" u="none" strike="noStrike">
-                        <a:solidFill>
-                          <a:srgbClr val="000000"/>
-                        </a:solidFill>
-                        <a:effectLst/>
-                        <a:latin typeface="Consolas" panose="020B0609020204030204" pitchFamily="49" charset="0"/>
-                      </a:endParaRPr>
-                    </a:p>
-                  </a:txBody>
-                  <a:tcPr marL="7620" marR="7620" marT="7620" marB="0" anchor="b"/>
-                </a:tc>
-                <a:tc>
-                  <a:txBody>
-                    <a:bodyPr/>
-                    <a:lstStyle/>
-                    <a:p>
-                      <a:pPr algn="l" fontAlgn="b"/>
-                      <a:r>
-                        <a:rPr lang="en-CA" sz="2400" b="0" u="none" strike="noStrike" dirty="0">
-                          <a:effectLst/>
-                          <a:latin typeface="Consolas" panose="020B0609020204030204" pitchFamily="49" charset="0"/>
-                        </a:rPr>
-                        <a:t>-1</a:t>
-                      </a:r>
-                      <a:endParaRPr lang="en-CA" sz="2400" b="0" i="0" u="none" strike="noStrike" dirty="0">
-                        <a:solidFill>
-                          <a:srgbClr val="000000"/>
-                        </a:solidFill>
-                        <a:effectLst/>
-                        <a:latin typeface="Consolas" panose="020B0609020204030204" pitchFamily="49" charset="0"/>
-                      </a:endParaRPr>
-                    </a:p>
-                  </a:txBody>
-                  <a:tcPr marL="7620" marR="7620" marT="7620" marB="0" anchor="b"/>
-                </a:tc>
-                <a:tc>
-                  <a:txBody>
-                    <a:bodyPr/>
-                    <a:lstStyle/>
-                    <a:p>
-                      <a:pPr algn="l" fontAlgn="b"/>
-                      <a:r>
-                        <a:rPr lang="en-CA" sz="2400" b="0" u="none" strike="noStrike">
-                          <a:effectLst/>
-                          <a:latin typeface="Consolas" panose="020B0609020204030204" pitchFamily="49" charset="0"/>
-                        </a:rPr>
-                        <a:t>-1</a:t>
-                      </a:r>
-                      <a:endParaRPr lang="en-CA" sz="2400" b="0" i="0" u="none" strike="noStrike">
-                        <a:solidFill>
-                          <a:srgbClr val="000000"/>
-                        </a:solidFill>
-                        <a:effectLst/>
-                        <a:latin typeface="Consolas" panose="020B0609020204030204" pitchFamily="49" charset="0"/>
-                      </a:endParaRPr>
-                    </a:p>
-                  </a:txBody>
-                  <a:tcPr marL="7620" marR="7620" marT="7620" marB="0" anchor="b"/>
-                </a:tc>
-                <a:tc>
-                  <a:txBody>
-                    <a:bodyPr/>
-                    <a:lstStyle/>
-                    <a:p>
-                      <a:pPr algn="l" fontAlgn="b"/>
-                      <a:r>
-                        <a:rPr lang="en-CA" sz="2400" b="0" u="none" strike="noStrike">
-                          <a:effectLst/>
-                          <a:latin typeface="Consolas" panose="020B0609020204030204" pitchFamily="49" charset="0"/>
-                        </a:rPr>
-                        <a:t>-1</a:t>
-                      </a:r>
-                      <a:endParaRPr lang="en-CA" sz="2400" b="0" i="0" u="none" strike="noStrike">
-                        <a:solidFill>
-                          <a:srgbClr val="000000"/>
-                        </a:solidFill>
-                        <a:effectLst/>
-                        <a:latin typeface="Consolas" panose="020B0609020204030204" pitchFamily="49" charset="0"/>
-                      </a:endParaRPr>
-                    </a:p>
-                  </a:txBody>
-                  <a:tcPr marL="7620" marR="7620" marT="7620" marB="0" anchor="b"/>
-                </a:tc>
-                <a:tc>
-                  <a:txBody>
-                    <a:bodyPr/>
-                    <a:lstStyle/>
-                    <a:p>
-                      <a:pPr algn="l" fontAlgn="b"/>
-                      <a:r>
-                        <a:rPr lang="en-CA" sz="2400" b="0" u="none" strike="noStrike">
-                          <a:effectLst/>
-                          <a:latin typeface="Consolas" panose="020B0609020204030204" pitchFamily="49" charset="0"/>
-                        </a:rPr>
-                        <a:t>-1</a:t>
-                      </a:r>
-                      <a:endParaRPr lang="en-CA" sz="2400" b="0" i="0" u="none" strike="noStrike">
-                        <a:solidFill>
-                          <a:srgbClr val="000000"/>
-                        </a:solidFill>
-                        <a:effectLst/>
-                        <a:latin typeface="Consolas" panose="020B0609020204030204" pitchFamily="49" charset="0"/>
+                        <a:cs typeface="Consolas" panose="020B0609020204030204" pitchFamily="49" charset="0"/>
                       </a:endParaRPr>
                     </a:p>
                   </a:txBody>
@@ -6623,7 +5680,7 @@
                   </a:ext>
                 </a:extLst>
               </a:tr>
-              <a:tr h="345131">
+              <a:tr h="430703">
                 <a:tc>
                   <a:txBody>
                     <a:bodyPr/>
@@ -6633,6 +5690,7 @@
                       <a:r>
                         <a:rPr lang="en-CA" sz="2400" u="none" strike="noStrike" dirty="0">
                           <a:effectLst/>
+                          <a:latin typeface="Franklin Gothic Book" panose="020B0503020102020204" pitchFamily="34" charset="0"/>
                         </a:rPr>
                         <a:t>Is Skip</a:t>
                       </a:r>
@@ -6641,48 +5699,80 @@
                           <a:srgbClr val="000000"/>
                         </a:solidFill>
                         <a:effectLst/>
+                        <a:latin typeface="Franklin Gothic Book" panose="020B0503020102020204" pitchFamily="34" charset="0"/>
+                      </a:endParaRPr>
+                    </a:p>
+                  </a:txBody>
+                  <a:tcPr marL="7620" marR="7620" marT="7620" marB="0" anchor="b"/>
+                </a:tc>
+                <a:tc>
+                  <a:txBody>
+                    <a:bodyPr/>
+                    <a:lstStyle/>
+                    <a:p>
+                      <a:pPr algn="l" fontAlgn="b"/>
+                      <a:endParaRPr lang="en-CA" sz="2400" b="0" i="0" u="none" strike="noStrike">
+                        <a:solidFill>
+                          <a:srgbClr val="000000"/>
+                        </a:solidFill>
+                        <a:effectLst/>
+                        <a:latin typeface="Franklin Gothic Book" panose="020B0503020102020204" pitchFamily="34" charset="0"/>
+                      </a:endParaRPr>
+                    </a:p>
+                  </a:txBody>
+                  <a:tcPr marL="7620" marR="7620" marT="7620" marB="0" anchor="b"/>
+                </a:tc>
+                <a:tc>
+                  <a:txBody>
+                    <a:bodyPr/>
+                    <a:lstStyle/>
+                    <a:p>
+                      <a:pPr algn="l" fontAlgn="b"/>
+                      <a:r>
+                        <a:rPr lang="en-CA" sz="2400" b="0" u="none" strike="noStrike" dirty="0">
+                          <a:effectLst/>
+                          <a:latin typeface="Consolas" panose="020B0609020204030204" pitchFamily="49" charset="0"/>
+                          <a:cs typeface="Consolas" panose="020B0609020204030204" pitchFamily="49" charset="0"/>
+                        </a:rPr>
+                        <a:t>_</a:t>
+                      </a:r>
+                      <a:endParaRPr lang="en-CA" sz="2400" b="0" i="0" u="none" strike="noStrike" dirty="0">
+                        <a:solidFill>
+                          <a:srgbClr val="000000"/>
+                        </a:solidFill>
+                        <a:effectLst/>
                         <a:latin typeface="Consolas" panose="020B0609020204030204" pitchFamily="49" charset="0"/>
-                      </a:endParaRPr>
-                    </a:p>
-                  </a:txBody>
-                  <a:tcPr marL="7620" marR="7620" marT="7620" marB="0" anchor="b">
-                    <a:lnR w="12700" cap="flat" cmpd="sng" algn="ctr">
-                      <a:solidFill>
-                        <a:schemeClr val="tx1"/>
-                      </a:solidFill>
-                      <a:prstDash val="solid"/>
-                      <a:round/>
-                      <a:headEnd type="none" w="med" len="med"/>
-                      <a:tailEnd type="none" w="med" len="med"/>
-                    </a:lnR>
-                  </a:tcPr>
-                </a:tc>
-                <a:tc>
-                  <a:txBody>
-                    <a:bodyPr/>
-                    <a:lstStyle/>
-                    <a:p>
-                      <a:pPr algn="l" fontAlgn="b"/>
+                        <a:cs typeface="Consolas" panose="020B0609020204030204" pitchFamily="49" charset="0"/>
+                      </a:endParaRPr>
+                    </a:p>
+                  </a:txBody>
+                  <a:tcPr marL="7620" marR="7620" marT="7620" marB="0" anchor="b"/>
+                </a:tc>
+                <a:tc>
+                  <a:txBody>
+                    <a:bodyPr/>
+                    <a:lstStyle/>
+                    <a:p>
+                      <a:pPr algn="l" fontAlgn="b"/>
+                      <a:r>
+                        <a:rPr lang="en-CA" sz="2400" b="0" u="none" strike="noStrike">
+                          <a:effectLst/>
+                          <a:latin typeface="Consolas" panose="020B0609020204030204" pitchFamily="49" charset="0"/>
+                          <a:cs typeface="Consolas" panose="020B0609020204030204" pitchFamily="49" charset="0"/>
+                        </a:rPr>
+                        <a:t>0</a:t>
+                      </a:r>
                       <a:endParaRPr lang="en-CA" sz="2400" b="0" i="0" u="none" strike="noStrike">
                         <a:solidFill>
                           <a:srgbClr val="000000"/>
                         </a:solidFill>
                         <a:effectLst/>
                         <a:latin typeface="Consolas" panose="020B0609020204030204" pitchFamily="49" charset="0"/>
-                      </a:endParaRPr>
-                    </a:p>
-                  </a:txBody>
-                  <a:tcPr marL="7620" marR="7620" marT="7620" marB="0" anchor="b">
-                    <a:lnL w="12700" cap="flat" cmpd="sng" algn="ctr">
-                      <a:solidFill>
-                        <a:schemeClr val="tx1"/>
-                      </a:solidFill>
-                      <a:prstDash val="solid"/>
-                      <a:round/>
-                      <a:headEnd type="none" w="med" len="med"/>
-                      <a:tailEnd type="none" w="med" len="med"/>
-                    </a:lnL>
-                  </a:tcPr>
+                        <a:cs typeface="Consolas" panose="020B0609020204030204" pitchFamily="49" charset="0"/>
+                      </a:endParaRPr>
+                    </a:p>
+                  </a:txBody>
+                  <a:tcPr marL="7620" marR="7620" marT="7620" marB="0" anchor="b"/>
                 </a:tc>
                 <a:tc>
                   <a:txBody>
@@ -6694,8 +5784,9 @@
                         <a:rPr lang="en-CA" sz="2400" b="0" u="none" strike="noStrike">
                           <a:effectLst/>
                           <a:latin typeface="Consolas" panose="020B0609020204030204" pitchFamily="49" charset="0"/>
-                        </a:rPr>
-                        <a:t>_</a:t>
+                          <a:cs typeface="Consolas" panose="020B0609020204030204" pitchFamily="49" charset="0"/>
+                        </a:rPr>
+                        <a:t>0</a:t>
                       </a:r>
                       <a:endParaRPr lang="en-CA" sz="2400" b="0" i="0" u="none" strike="noStrike">
                         <a:solidFill>
@@ -6703,6 +5794,7 @@
                         </a:solidFill>
                         <a:effectLst/>
                         <a:latin typeface="Consolas" panose="020B0609020204030204" pitchFamily="49" charset="0"/>
+                        <a:cs typeface="Consolas" panose="020B0609020204030204" pitchFamily="49" charset="0"/>
                       </a:endParaRPr>
                     </a:p>
                   </a:txBody>
@@ -6718,6 +5810,7 @@
                         <a:rPr lang="en-CA" sz="2400" b="0" u="none" strike="noStrike">
                           <a:effectLst/>
                           <a:latin typeface="Consolas" panose="020B0609020204030204" pitchFamily="49" charset="0"/>
+                          <a:cs typeface="Consolas" panose="020B0609020204030204" pitchFamily="49" charset="0"/>
                         </a:rPr>
                         <a:t>0</a:t>
                       </a:r>
@@ -6727,6 +5820,33 @@
                         </a:solidFill>
                         <a:effectLst/>
                         <a:latin typeface="Consolas" panose="020B0609020204030204" pitchFamily="49" charset="0"/>
+                        <a:cs typeface="Consolas" panose="020B0609020204030204" pitchFamily="49" charset="0"/>
+                      </a:endParaRPr>
+                    </a:p>
+                  </a:txBody>
+                  <a:tcPr marL="7620" marR="7620" marT="7620" marB="0" anchor="b"/>
+                </a:tc>
+                <a:tc>
+                  <a:txBody>
+                    <a:bodyPr/>
+                    <a:lstStyle/>
+                    <a:p>
+                      <a:pPr algn="l" fontAlgn="b"/>
+                      <a:r>
+                        <a:rPr lang="en-CA" sz="2400" b="0" u="none" strike="noStrike" dirty="0">
+                          <a:effectLst/>
+                          <a:latin typeface="Consolas" panose="020B0609020204030204" pitchFamily="49" charset="0"/>
+                          <a:cs typeface="Consolas" panose="020B0609020204030204" pitchFamily="49" charset="0"/>
+                        </a:rPr>
+                        <a:t>0</a:t>
+                      </a:r>
+                      <a:endParaRPr lang="en-CA" sz="2400" b="0" i="0" u="none" strike="noStrike" dirty="0">
+                        <a:solidFill>
+                          <a:srgbClr val="000000"/>
+                        </a:solidFill>
+                        <a:effectLst/>
+                        <a:latin typeface="Consolas" panose="020B0609020204030204" pitchFamily="49" charset="0"/>
+                        <a:cs typeface="Consolas" panose="020B0609020204030204" pitchFamily="49" charset="0"/>
                       </a:endParaRPr>
                     </a:p>
                   </a:txBody>
@@ -6742,6 +5862,7 @@
                         <a:rPr lang="en-CA" sz="2400" b="0" u="none" strike="noStrike">
                           <a:effectLst/>
                           <a:latin typeface="Consolas" panose="020B0609020204030204" pitchFamily="49" charset="0"/>
+                          <a:cs typeface="Consolas" panose="020B0609020204030204" pitchFamily="49" charset="0"/>
                         </a:rPr>
                         <a:t>0</a:t>
                       </a:r>
@@ -6751,102 +5872,33 @@
                         </a:solidFill>
                         <a:effectLst/>
                         <a:latin typeface="Consolas" panose="020B0609020204030204" pitchFamily="49" charset="0"/>
-                      </a:endParaRPr>
-                    </a:p>
-                  </a:txBody>
-                  <a:tcPr marL="7620" marR="7620" marT="7620" marB="0" anchor="b"/>
-                </a:tc>
-                <a:tc>
-                  <a:txBody>
-                    <a:bodyPr/>
-                    <a:lstStyle/>
-                    <a:p>
-                      <a:pPr algn="l" fontAlgn="b"/>
-                      <a:r>
-                        <a:rPr lang="en-CA" sz="2400" b="0" u="none" strike="noStrike">
+                        <a:cs typeface="Consolas" panose="020B0609020204030204" pitchFamily="49" charset="0"/>
+                      </a:endParaRPr>
+                    </a:p>
+                  </a:txBody>
+                  <a:tcPr marL="7620" marR="7620" marT="7620" marB="0" anchor="b"/>
+                </a:tc>
+                <a:tc>
+                  <a:txBody>
+                    <a:bodyPr/>
+                    <a:lstStyle/>
+                    <a:p>
+                      <a:pPr algn="l" fontAlgn="b"/>
+                      <a:r>
+                        <a:rPr lang="en-CA" sz="2400" b="0" u="none" strike="noStrike" dirty="0">
                           <a:effectLst/>
                           <a:latin typeface="Consolas" panose="020B0609020204030204" pitchFamily="49" charset="0"/>
-                        </a:rPr>
-                        <a:t>0</a:t>
-                      </a:r>
-                      <a:endParaRPr lang="en-CA" sz="2400" b="0" i="0" u="none" strike="noStrike">
+                          <a:cs typeface="Consolas" panose="020B0609020204030204" pitchFamily="49" charset="0"/>
+                        </a:rPr>
+                        <a:t>1</a:t>
+                      </a:r>
+                      <a:endParaRPr lang="en-CA" sz="2400" b="0" i="0" u="none" strike="noStrike" dirty="0">
                         <a:solidFill>
                           <a:srgbClr val="000000"/>
                         </a:solidFill>
                         <a:effectLst/>
                         <a:latin typeface="Consolas" panose="020B0609020204030204" pitchFamily="49" charset="0"/>
-                      </a:endParaRPr>
-                    </a:p>
-                  </a:txBody>
-                  <a:tcPr marL="7620" marR="7620" marT="7620" marB="0" anchor="b"/>
-                </a:tc>
-                <a:tc>
-                  <a:txBody>
-                    <a:bodyPr/>
-                    <a:lstStyle/>
-                    <a:p>
-                      <a:pPr algn="l" fontAlgn="b"/>
-                      <a:r>
-                        <a:rPr lang="en-CA" sz="2400" b="0" u="none" strike="noStrike">
-                          <a:effectLst/>
-                          <a:latin typeface="Consolas" panose="020B0609020204030204" pitchFamily="49" charset="0"/>
-                        </a:rPr>
-                        <a:t>0</a:t>
-                      </a:r>
-                      <a:endParaRPr lang="en-CA" sz="2400" b="0" i="0" u="none" strike="noStrike">
-                        <a:solidFill>
-                          <a:srgbClr val="000000"/>
-                        </a:solidFill>
-                        <a:effectLst/>
-                        <a:latin typeface="Consolas" panose="020B0609020204030204" pitchFamily="49" charset="0"/>
-                      </a:endParaRPr>
-                    </a:p>
-                  </a:txBody>
-                  <a:tcPr marL="7620" marR="7620" marT="7620" marB="0" anchor="b"/>
-                </a:tc>
-                <a:tc>
-                  <a:txBody>
-                    <a:bodyPr/>
-                    <a:lstStyle/>
-                    <a:p>
-                      <a:pPr algn="l" fontAlgn="b"/>
-                      <a:r>
-                        <a:rPr lang="en-CA" sz="2400" b="0" u="none" strike="noStrike">
-                          <a:effectLst/>
-                          <a:latin typeface="Consolas" panose="020B0609020204030204" pitchFamily="49" charset="0"/>
-                        </a:rPr>
-                        <a:t>0</a:t>
-                      </a:r>
-                      <a:endParaRPr lang="en-CA" sz="2400" b="0" i="0" u="none" strike="noStrike">
-                        <a:solidFill>
-                          <a:srgbClr val="000000"/>
-                        </a:solidFill>
-                        <a:effectLst/>
-                        <a:latin typeface="Consolas" panose="020B0609020204030204" pitchFamily="49" charset="0"/>
-                      </a:endParaRPr>
-                    </a:p>
-                  </a:txBody>
-                  <a:tcPr marL="7620" marR="7620" marT="7620" marB="0" anchor="b"/>
-                </a:tc>
-                <a:tc>
-                  <a:txBody>
-                    <a:bodyPr/>
-                    <a:lstStyle/>
-                    <a:p>
-                      <a:pPr algn="l" fontAlgn="b"/>
-                      <a:r>
-                        <a:rPr lang="en-CA" sz="2400" b="0" u="none" strike="noStrike" dirty="0">
-                          <a:effectLst/>
-                          <a:latin typeface="Consolas" panose="020B0609020204030204" pitchFamily="49" charset="0"/>
-                        </a:rPr>
-                        <a:t>1</a:t>
-                      </a:r>
-                      <a:endParaRPr lang="en-CA" sz="2400" b="0" i="0" u="none" strike="noStrike" dirty="0">
-                        <a:solidFill>
-                          <a:srgbClr val="000000"/>
-                        </a:solidFill>
-                        <a:effectLst/>
-                        <a:latin typeface="Consolas" panose="020B0609020204030204" pitchFamily="49" charset="0"/>
+                        <a:cs typeface="Consolas" panose="020B0609020204030204" pitchFamily="49" charset="0"/>
                       </a:endParaRPr>
                     </a:p>
                   </a:txBody>
@@ -6858,7 +5910,7 @@
                   </a:ext>
                 </a:extLst>
               </a:tr>
-              <a:tr h="352993">
+              <a:tr h="430703">
                 <a:tc>
                   <a:txBody>
                     <a:bodyPr/>
@@ -6868,6 +5920,7 @@
                       <a:r>
                         <a:rPr lang="en-CA" sz="2400" u="none" strike="noStrike" dirty="0">
                           <a:effectLst/>
+                          <a:latin typeface="Franklin Gothic Book" panose="020B0503020102020204" pitchFamily="34" charset="0"/>
                         </a:rPr>
                         <a:t>Has Accidental</a:t>
                       </a:r>
@@ -6876,212 +5929,206 @@
                           <a:srgbClr val="000000"/>
                         </a:solidFill>
                         <a:effectLst/>
+                        <a:latin typeface="Franklin Gothic Book" panose="020B0503020102020204" pitchFamily="34" charset="0"/>
+                      </a:endParaRPr>
+                    </a:p>
+                  </a:txBody>
+                  <a:tcPr marL="7620" marR="7620" marT="7620" marB="0" anchor="b"/>
+                </a:tc>
+                <a:tc>
+                  <a:txBody>
+                    <a:bodyPr/>
+                    <a:lstStyle/>
+                    <a:p>
+                      <a:pPr algn="l" fontAlgn="b"/>
+                      <a:endParaRPr lang="en-CA" sz="2400" b="0" i="0" u="none" strike="noStrike">
+                        <a:solidFill>
+                          <a:srgbClr val="000000"/>
+                        </a:solidFill>
+                        <a:effectLst/>
+                        <a:latin typeface="Franklin Gothic Book" panose="020B0503020102020204" pitchFamily="34" charset="0"/>
+                      </a:endParaRPr>
+                    </a:p>
+                  </a:txBody>
+                  <a:tcPr marL="7620" marR="7620" marT="7620" marB="0" anchor="b"/>
+                </a:tc>
+                <a:tc>
+                  <a:txBody>
+                    <a:bodyPr/>
+                    <a:lstStyle/>
+                    <a:p>
+                      <a:pPr algn="l" fontAlgn="b"/>
+                      <a:r>
+                        <a:rPr lang="en-CA" sz="2400" b="0" u="none" strike="noStrike">
+                          <a:effectLst/>
+                          <a:latin typeface="Consolas" panose="020B0609020204030204" pitchFamily="49" charset="0"/>
+                          <a:cs typeface="Consolas" panose="020B0609020204030204" pitchFamily="49" charset="0"/>
+                        </a:rPr>
+                        <a:t>0</a:t>
+                      </a:r>
+                      <a:endParaRPr lang="en-CA" sz="2400" b="0" i="0" u="none" strike="noStrike">
+                        <a:solidFill>
+                          <a:srgbClr val="000000"/>
+                        </a:solidFill>
+                        <a:effectLst/>
                         <a:latin typeface="Consolas" panose="020B0609020204030204" pitchFamily="49" charset="0"/>
-                      </a:endParaRPr>
-                    </a:p>
-                  </a:txBody>
-                  <a:tcPr marL="7620" marR="7620" marT="7620" marB="0" anchor="b">
-                    <a:lnR w="12700" cap="flat" cmpd="sng" algn="ctr">
-                      <a:solidFill>
-                        <a:schemeClr val="tx1"/>
-                      </a:solidFill>
-                      <a:prstDash val="solid"/>
-                      <a:round/>
-                      <a:headEnd type="none" w="med" len="med"/>
-                      <a:tailEnd type="none" w="med" len="med"/>
-                    </a:lnR>
-                  </a:tcPr>
-                </a:tc>
-                <a:tc>
-                  <a:txBody>
-                    <a:bodyPr/>
-                    <a:lstStyle/>
-                    <a:p>
-                      <a:pPr algn="l" fontAlgn="b"/>
+                        <a:cs typeface="Consolas" panose="020B0609020204030204" pitchFamily="49" charset="0"/>
+                      </a:endParaRPr>
+                    </a:p>
+                  </a:txBody>
+                  <a:tcPr marL="7620" marR="7620" marT="7620" marB="0" anchor="b"/>
+                </a:tc>
+                <a:tc>
+                  <a:txBody>
+                    <a:bodyPr/>
+                    <a:lstStyle/>
+                    <a:p>
+                      <a:pPr algn="l" fontAlgn="b"/>
+                      <a:r>
+                        <a:rPr lang="en-CA" sz="2400" b="0" u="none" strike="noStrike" dirty="0">
+                          <a:effectLst/>
+                          <a:latin typeface="Consolas" panose="020B0609020204030204" pitchFamily="49" charset="0"/>
+                          <a:cs typeface="Consolas" panose="020B0609020204030204" pitchFamily="49" charset="0"/>
+                        </a:rPr>
+                        <a:t>1</a:t>
+                      </a:r>
+                      <a:endParaRPr lang="en-CA" sz="2400" b="0" i="0" u="none" strike="noStrike" dirty="0">
+                        <a:solidFill>
+                          <a:srgbClr val="000000"/>
+                        </a:solidFill>
+                        <a:effectLst/>
+                        <a:latin typeface="Consolas" panose="020B0609020204030204" pitchFamily="49" charset="0"/>
+                        <a:cs typeface="Consolas" panose="020B0609020204030204" pitchFamily="49" charset="0"/>
+                      </a:endParaRPr>
+                    </a:p>
+                  </a:txBody>
+                  <a:tcPr marL="7620" marR="7620" marT="7620" marB="0" anchor="b"/>
+                </a:tc>
+                <a:tc>
+                  <a:txBody>
+                    <a:bodyPr/>
+                    <a:lstStyle/>
+                    <a:p>
+                      <a:pPr algn="l" fontAlgn="b"/>
+                      <a:r>
+                        <a:rPr lang="en-CA" sz="2400" b="0" u="none" strike="noStrike">
+                          <a:effectLst/>
+                          <a:latin typeface="Consolas" panose="020B0609020204030204" pitchFamily="49" charset="0"/>
+                          <a:cs typeface="Consolas" panose="020B0609020204030204" pitchFamily="49" charset="0"/>
+                        </a:rPr>
+                        <a:t>0</a:t>
+                      </a:r>
                       <a:endParaRPr lang="en-CA" sz="2400" b="0" i="0" u="none" strike="noStrike">
                         <a:solidFill>
                           <a:srgbClr val="000000"/>
                         </a:solidFill>
                         <a:effectLst/>
                         <a:latin typeface="Consolas" panose="020B0609020204030204" pitchFamily="49" charset="0"/>
-                      </a:endParaRPr>
-                    </a:p>
-                  </a:txBody>
-                  <a:tcPr marL="7620" marR="7620" marT="7620" marB="0" anchor="b">
-                    <a:lnL w="12700" cap="flat" cmpd="sng" algn="ctr">
-                      <a:solidFill>
-                        <a:schemeClr val="tx1"/>
-                      </a:solidFill>
-                      <a:prstDash val="solid"/>
-                      <a:round/>
-                      <a:headEnd type="none" w="med" len="med"/>
-                      <a:tailEnd type="none" w="med" len="med"/>
-                    </a:lnL>
-                  </a:tcPr>
-                </a:tc>
-                <a:tc>
-                  <a:txBody>
-                    <a:bodyPr/>
-                    <a:lstStyle/>
-                    <a:p>
-                      <a:pPr algn="l" fontAlgn="b"/>
-                      <a:r>
-                        <a:rPr lang="en-CA" sz="2400" b="0" u="none" strike="noStrike">
+                        <a:cs typeface="Consolas" panose="020B0609020204030204" pitchFamily="49" charset="0"/>
+                      </a:endParaRPr>
+                    </a:p>
+                  </a:txBody>
+                  <a:tcPr marL="7620" marR="7620" marT="7620" marB="0" anchor="b"/>
+                </a:tc>
+                <a:tc>
+                  <a:txBody>
+                    <a:bodyPr/>
+                    <a:lstStyle/>
+                    <a:p>
+                      <a:pPr algn="l" fontAlgn="b"/>
+                      <a:r>
+                        <a:rPr lang="en-CA" sz="2400" b="0" u="none" strike="noStrike" dirty="0">
                           <a:effectLst/>
                           <a:latin typeface="Consolas" panose="020B0609020204030204" pitchFamily="49" charset="0"/>
+                          <a:cs typeface="Consolas" panose="020B0609020204030204" pitchFamily="49" charset="0"/>
                         </a:rPr>
                         <a:t>0</a:t>
                       </a:r>
-                      <a:endParaRPr lang="en-CA" sz="2400" b="0" i="0" u="none" strike="noStrike">
+                      <a:endParaRPr lang="en-CA" sz="2400" b="0" i="0" u="none" strike="noStrike" dirty="0">
                         <a:solidFill>
                           <a:srgbClr val="000000"/>
                         </a:solidFill>
                         <a:effectLst/>
                         <a:latin typeface="Consolas" panose="020B0609020204030204" pitchFamily="49" charset="0"/>
-                      </a:endParaRPr>
-                    </a:p>
-                  </a:txBody>
-                  <a:tcPr marL="7620" marR="7620" marT="7620" marB="0" anchor="b"/>
-                </a:tc>
-                <a:tc>
-                  <a:txBody>
-                    <a:bodyPr/>
-                    <a:lstStyle/>
-                    <a:p>
-                      <a:pPr algn="l" fontAlgn="b"/>
-                      <a:r>
-                        <a:rPr lang="en-CA" sz="2400" b="0" u="none" strike="noStrike">
+                        <a:cs typeface="Consolas" panose="020B0609020204030204" pitchFamily="49" charset="0"/>
+                      </a:endParaRPr>
+                    </a:p>
+                  </a:txBody>
+                  <a:tcPr marL="7620" marR="7620" marT="7620" marB="0" anchor="b"/>
+                </a:tc>
+                <a:tc>
+                  <a:txBody>
+                    <a:bodyPr/>
+                    <a:lstStyle/>
+                    <a:p>
+                      <a:pPr algn="l" fontAlgn="b"/>
+                      <a:r>
+                        <a:rPr lang="en-CA" sz="2400" b="0" u="none" strike="noStrike" dirty="0">
                           <a:effectLst/>
                           <a:latin typeface="Consolas" panose="020B0609020204030204" pitchFamily="49" charset="0"/>
+                          <a:cs typeface="Consolas" panose="020B0609020204030204" pitchFamily="49" charset="0"/>
                         </a:rPr>
                         <a:t>1</a:t>
                       </a:r>
-                      <a:endParaRPr lang="en-CA" sz="2400" b="0" i="0" u="none" strike="noStrike">
+                      <a:endParaRPr lang="en-CA" sz="2400" b="0" i="0" u="none" strike="noStrike" dirty="0">
                         <a:solidFill>
                           <a:srgbClr val="000000"/>
                         </a:solidFill>
                         <a:effectLst/>
                         <a:latin typeface="Consolas" panose="020B0609020204030204" pitchFamily="49" charset="0"/>
-                      </a:endParaRPr>
-                    </a:p>
-                  </a:txBody>
-                  <a:tcPr marL="7620" marR="7620" marT="7620" marB="0" anchor="b"/>
-                </a:tc>
-                <a:tc>
-                  <a:txBody>
-                    <a:bodyPr/>
-                    <a:lstStyle/>
-                    <a:p>
-                      <a:pPr algn="l" fontAlgn="b"/>
-                      <a:r>
-                        <a:rPr lang="en-CA" sz="2400" b="0" u="none" strike="noStrike">
+                        <a:cs typeface="Consolas" panose="020B0609020204030204" pitchFamily="49" charset="0"/>
+                      </a:endParaRPr>
+                    </a:p>
+                  </a:txBody>
+                  <a:tcPr marL="7620" marR="7620" marT="7620" marB="0" anchor="b"/>
+                </a:tc>
+                <a:tc>
+                  <a:txBody>
+                    <a:bodyPr/>
+                    <a:lstStyle/>
+                    <a:p>
+                      <a:pPr algn="l" fontAlgn="b"/>
+                      <a:r>
+                        <a:rPr lang="en-CA" sz="2400" b="0" u="none" strike="noStrike" dirty="0">
                           <a:effectLst/>
                           <a:latin typeface="Consolas" panose="020B0609020204030204" pitchFamily="49" charset="0"/>
+                          <a:cs typeface="Consolas" panose="020B0609020204030204" pitchFamily="49" charset="0"/>
                         </a:rPr>
                         <a:t>0</a:t>
                       </a:r>
-                      <a:endParaRPr lang="en-CA" sz="2400" b="0" i="0" u="none" strike="noStrike">
+                      <a:endParaRPr lang="en-CA" sz="2400" b="0" i="0" u="none" strike="noStrike" dirty="0">
                         <a:solidFill>
                           <a:srgbClr val="000000"/>
                         </a:solidFill>
                         <a:effectLst/>
                         <a:latin typeface="Consolas" panose="020B0609020204030204" pitchFamily="49" charset="0"/>
-                      </a:endParaRPr>
-                    </a:p>
-                  </a:txBody>
-                  <a:tcPr marL="7620" marR="7620" marT="7620" marB="0" anchor="b"/>
-                </a:tc>
-                <a:tc>
-                  <a:txBody>
-                    <a:bodyPr/>
-                    <a:lstStyle/>
-                    <a:p>
-                      <a:pPr algn="l" fontAlgn="b"/>
-                      <a:r>
-                        <a:rPr lang="en-CA" sz="2400" b="0" u="none" strike="noStrike">
+                        <a:cs typeface="Consolas" panose="020B0609020204030204" pitchFamily="49" charset="0"/>
+                      </a:endParaRPr>
+                    </a:p>
+                  </a:txBody>
+                  <a:tcPr marL="7620" marR="7620" marT="7620" marB="0" anchor="b"/>
+                </a:tc>
+                <a:tc>
+                  <a:txBody>
+                    <a:bodyPr/>
+                    <a:lstStyle/>
+                    <a:p>
+                      <a:pPr algn="l" fontAlgn="b"/>
+                      <a:r>
+                        <a:rPr lang="en-CA" sz="2400" b="0" u="none" strike="noStrike" dirty="0">
                           <a:effectLst/>
                           <a:latin typeface="Consolas" panose="020B0609020204030204" pitchFamily="49" charset="0"/>
-                        </a:rPr>
-                        <a:t>0</a:t>
-                      </a:r>
-                      <a:endParaRPr lang="en-CA" sz="2400" b="0" i="0" u="none" strike="noStrike">
+                          <a:cs typeface="Consolas" panose="020B0609020204030204" pitchFamily="49" charset="0"/>
+                        </a:rPr>
+                        <a:t>1</a:t>
+                      </a:r>
+                      <a:endParaRPr lang="en-CA" sz="2400" b="0" i="0" u="none" strike="noStrike" dirty="0">
                         <a:solidFill>
                           <a:srgbClr val="000000"/>
                         </a:solidFill>
                         <a:effectLst/>
                         <a:latin typeface="Consolas" panose="020B0609020204030204" pitchFamily="49" charset="0"/>
-                      </a:endParaRPr>
-                    </a:p>
-                  </a:txBody>
-                  <a:tcPr marL="7620" marR="7620" marT="7620" marB="0" anchor="b"/>
-                </a:tc>
-                <a:tc>
-                  <a:txBody>
-                    <a:bodyPr/>
-                    <a:lstStyle/>
-                    <a:p>
-                      <a:pPr algn="l" fontAlgn="b"/>
-                      <a:r>
-                        <a:rPr lang="en-CA" sz="2400" b="0" u="none" strike="noStrike" dirty="0">
-                          <a:effectLst/>
-                          <a:latin typeface="Consolas" panose="020B0609020204030204" pitchFamily="49" charset="0"/>
-                        </a:rPr>
-                        <a:t>1</a:t>
-                      </a:r>
-                      <a:endParaRPr lang="en-CA" sz="2400" b="0" i="0" u="none" strike="noStrike" dirty="0">
-                        <a:solidFill>
-                          <a:srgbClr val="000000"/>
-                        </a:solidFill>
-                        <a:effectLst/>
-                        <a:latin typeface="Consolas" panose="020B0609020204030204" pitchFamily="49" charset="0"/>
-                      </a:endParaRPr>
-                    </a:p>
-                  </a:txBody>
-                  <a:tcPr marL="7620" marR="7620" marT="7620" marB="0" anchor="b"/>
-                </a:tc>
-                <a:tc>
-                  <a:txBody>
-                    <a:bodyPr/>
-                    <a:lstStyle/>
-                    <a:p>
-                      <a:pPr algn="l" fontAlgn="b"/>
-                      <a:r>
-                        <a:rPr lang="en-CA" sz="2400" b="0" u="none" strike="noStrike" dirty="0">
-                          <a:effectLst/>
-                          <a:latin typeface="Consolas" panose="020B0609020204030204" pitchFamily="49" charset="0"/>
-                        </a:rPr>
-                        <a:t>0</a:t>
-                      </a:r>
-                      <a:endParaRPr lang="en-CA" sz="2400" b="0" i="0" u="none" strike="noStrike" dirty="0">
-                        <a:solidFill>
-                          <a:srgbClr val="000000"/>
-                        </a:solidFill>
-                        <a:effectLst/>
-                        <a:latin typeface="Consolas" panose="020B0609020204030204" pitchFamily="49" charset="0"/>
-                      </a:endParaRPr>
-                    </a:p>
-                  </a:txBody>
-                  <a:tcPr marL="7620" marR="7620" marT="7620" marB="0" anchor="b"/>
-                </a:tc>
-                <a:tc>
-                  <a:txBody>
-                    <a:bodyPr/>
-                    <a:lstStyle/>
-                    <a:p>
-                      <a:pPr algn="l" fontAlgn="b"/>
-                      <a:r>
-                        <a:rPr lang="en-CA" sz="2400" b="0" u="none" strike="noStrike" dirty="0">
-                          <a:effectLst/>
-                          <a:latin typeface="Consolas" panose="020B0609020204030204" pitchFamily="49" charset="0"/>
-                        </a:rPr>
-                        <a:t>1</a:t>
-                      </a:r>
-                      <a:endParaRPr lang="en-CA" sz="2400" b="0" i="0" u="none" strike="noStrike" dirty="0">
-                        <a:solidFill>
-                          <a:srgbClr val="000000"/>
-                        </a:solidFill>
-                        <a:effectLst/>
-                        <a:latin typeface="Consolas" panose="020B0609020204030204" pitchFamily="49" charset="0"/>
+                        <a:cs typeface="Consolas" panose="020B0609020204030204" pitchFamily="49" charset="0"/>
                       </a:endParaRPr>
                     </a:p>
                   </a:txBody>
@@ -7097,6 +6144,2044 @@
           </a:graphicData>
         </a:graphic>
       </p:graphicFrame>
+      <p:graphicFrame>
+        <p:nvGraphicFramePr>
+          <p:cNvPr id="36" name="Table 35">
+            <a:extLst>
+              <a:ext uri="{FF2B5EF4-FFF2-40B4-BE49-F238E27FC236}">
+                <a16:creationId xmlns:a16="http://schemas.microsoft.com/office/drawing/2014/main" id="{915582D5-3F8C-C348-9D31-0A0BF91AC779}"/>
+              </a:ext>
+            </a:extLst>
+          </p:cNvPr>
+          <p:cNvGraphicFramePr>
+            <a:graphicFrameLocks noGrp="1"/>
+          </p:cNvGraphicFramePr>
+          <p:nvPr>
+            <p:extLst>
+              <p:ext uri="{D42A27DB-BD31-4B8C-83A1-F6EECF244321}">
+                <p14:modId xmlns:p14="http://schemas.microsoft.com/office/powerpoint/2010/main" val="3822551768"/>
+              </p:ext>
+            </p:extLst>
+          </p:nvPr>
+        </p:nvGraphicFramePr>
+        <p:xfrm>
+          <a:off x="21895140" y="19180955"/>
+          <a:ext cx="9196242" cy="3500601"/>
+        </p:xfrm>
+        <a:graphic>
+          <a:graphicData uri="http://schemas.openxmlformats.org/drawingml/2006/table">
+            <a:tbl>
+              <a:tblPr bandRow="1">
+                <a:tableStyleId>{073A0DAA-6AF3-43AB-8588-CEC1D06C72B9}</a:tableStyleId>
+              </a:tblPr>
+              <a:tblGrid>
+                <a:gridCol w="704641">
+                  <a:extLst>
+                    <a:ext uri="{9D8B030D-6E8A-4147-A177-3AD203B41FA5}">
+                      <a16:colId xmlns:a16="http://schemas.microsoft.com/office/drawing/2014/main" val="4233741142"/>
+                    </a:ext>
+                  </a:extLst>
+                </a:gridCol>
+                <a:gridCol w="2123767">
+                  <a:extLst>
+                    <a:ext uri="{9D8B030D-6E8A-4147-A177-3AD203B41FA5}">
+                      <a16:colId xmlns:a16="http://schemas.microsoft.com/office/drawing/2014/main" val="333512063"/>
+                    </a:ext>
+                  </a:extLst>
+                </a:gridCol>
+                <a:gridCol w="2153265">
+                  <a:extLst>
+                    <a:ext uri="{9D8B030D-6E8A-4147-A177-3AD203B41FA5}">
+                      <a16:colId xmlns:a16="http://schemas.microsoft.com/office/drawing/2014/main" val="1232722109"/>
+                    </a:ext>
+                  </a:extLst>
+                </a:gridCol>
+                <a:gridCol w="1873045">
+                  <a:extLst>
+                    <a:ext uri="{9D8B030D-6E8A-4147-A177-3AD203B41FA5}">
+                      <a16:colId xmlns:a16="http://schemas.microsoft.com/office/drawing/2014/main" val="3482817518"/>
+                    </a:ext>
+                  </a:extLst>
+                </a:gridCol>
+                <a:gridCol w="2341524">
+                  <a:extLst>
+                    <a:ext uri="{9D8B030D-6E8A-4147-A177-3AD203B41FA5}">
+                      <a16:colId xmlns:a16="http://schemas.microsoft.com/office/drawing/2014/main" val="2249361752"/>
+                    </a:ext>
+                  </a:extLst>
+                </a:gridCol>
+              </a:tblGrid>
+              <a:tr h="1315181">
+                <a:tc gridSpan="2">
+                  <a:txBody>
+                    <a:bodyPr/>
+                    <a:lstStyle/>
+                    <a:p>
+                      <a:pPr algn="ctr" fontAlgn="ctr"/>
+                      <a:endParaRPr lang="en-CA" sz="2400" b="0" i="0" u="none" strike="noStrike" dirty="0">
+                        <a:solidFill>
+                          <a:srgbClr val="000000"/>
+                        </a:solidFill>
+                        <a:effectLst/>
+                        <a:latin typeface="Franklin Gothic Book" panose="020B0503020102020204" pitchFamily="34" charset="0"/>
+                      </a:endParaRPr>
+                    </a:p>
+                  </a:txBody>
+                  <a:tcPr marL="9525" marR="9525" marT="10478" marB="0" anchor="ctr"/>
+                </a:tc>
+                <a:tc hMerge="1">
+                  <a:txBody>
+                    <a:bodyPr/>
+                    <a:lstStyle/>
+                    <a:p>
+                      <a:pPr algn="l" fontAlgn="b"/>
+                      <a:endParaRPr lang="en-CA" sz="2400" b="0" i="0" u="none" strike="noStrike" dirty="0">
+                        <a:solidFill>
+                          <a:srgbClr val="000000"/>
+                        </a:solidFill>
+                        <a:effectLst/>
+                        <a:latin typeface="Franklin Gothic Book" panose="020B0503020102020204" pitchFamily="34" charset="0"/>
+                      </a:endParaRPr>
+                    </a:p>
+                  </a:txBody>
+                  <a:tcPr marL="9525" marR="9525" marT="9525" marB="0" anchor="b"/>
+                </a:tc>
+                <a:tc>
+                  <a:txBody>
+                    <a:bodyPr/>
+                    <a:lstStyle/>
+                    <a:p>
+                      <a:pPr algn="ctr" fontAlgn="b"/>
+                      <a:r>
+                        <a:rPr lang="en-CA" sz="2400" b="0" i="1" u="none" strike="noStrike" dirty="0">
+                          <a:solidFill>
+                            <a:srgbClr val="000000"/>
+                          </a:solidFill>
+                          <a:effectLst/>
+                          <a:latin typeface="Franklin Gothic Book" panose="020B0503020102020204" pitchFamily="34" charset="0"/>
+                        </a:rPr>
+                        <a:t>Duration, </a:t>
+                      </a:r>
+                    </a:p>
+                    <a:p>
+                      <a:pPr algn="ctr" fontAlgn="b"/>
+                      <a:r>
+                        <a:rPr lang="en-CA" sz="2400" b="0" i="1" u="none" strike="noStrike" dirty="0">
+                          <a:solidFill>
+                            <a:srgbClr val="000000"/>
+                          </a:solidFill>
+                          <a:effectLst/>
+                          <a:latin typeface="Franklin Gothic Book" panose="020B0503020102020204" pitchFamily="34" charset="0"/>
+                        </a:rPr>
+                        <a:t>Dur. Contour,</a:t>
+                      </a:r>
+                    </a:p>
+                    <a:p>
+                      <a:pPr algn="ctr" fontAlgn="b"/>
+                      <a:r>
+                        <a:rPr lang="en-CA" sz="2400" b="0" i="1" u="none" strike="noStrike" dirty="0">
+                          <a:solidFill>
+                            <a:srgbClr val="000000"/>
+                          </a:solidFill>
+                          <a:effectLst/>
+                          <a:latin typeface="Franklin Gothic Book" panose="020B0503020102020204" pitchFamily="34" charset="0"/>
+                        </a:rPr>
+                        <a:t>Mel. Contour</a:t>
+                      </a:r>
+                    </a:p>
+                  </a:txBody>
+                  <a:tcPr marL="9525" marR="9525" marT="9525" marB="0" anchor="ctr"/>
+                </a:tc>
+                <a:tc>
+                  <a:txBody>
+                    <a:bodyPr/>
+                    <a:lstStyle/>
+                    <a:p>
+                      <a:pPr algn="ctr" fontAlgn="b"/>
+                      <a:r>
+                        <a:rPr lang="en-CA" sz="2400" b="0" i="1" u="none" strike="noStrike" dirty="0">
+                          <a:solidFill>
+                            <a:srgbClr val="000000"/>
+                          </a:solidFill>
+                          <a:effectLst/>
+                          <a:latin typeface="Franklin Gothic Book" panose="020B0503020102020204" pitchFamily="34" charset="0"/>
+                        </a:rPr>
+                        <a:t>Duration, </a:t>
+                      </a:r>
+                    </a:p>
+                    <a:p>
+                      <a:pPr algn="ctr" fontAlgn="b"/>
+                      <a:r>
+                        <a:rPr lang="en-CA" sz="2400" b="0" i="1" u="none" strike="noStrike" dirty="0">
+                          <a:solidFill>
+                            <a:srgbClr val="000000"/>
+                          </a:solidFill>
+                          <a:effectLst/>
+                          <a:latin typeface="Franklin Gothic Book" panose="020B0503020102020204" pitchFamily="34" charset="0"/>
+                        </a:rPr>
+                        <a:t>Mel. Peaks, Mel. Skips</a:t>
+                      </a:r>
+                    </a:p>
+                  </a:txBody>
+                  <a:tcPr marL="9525" marR="9525" marT="9525" marB="0" anchor="ctr"/>
+                </a:tc>
+                <a:tc>
+                  <a:txBody>
+                    <a:bodyPr/>
+                    <a:lstStyle/>
+                    <a:p>
+                      <a:pPr algn="ctr" fontAlgn="b"/>
+                      <a:r>
+                        <a:rPr lang="en-CA" sz="2400" b="0" i="1" u="none" strike="noStrike" dirty="0">
+                          <a:solidFill>
+                            <a:srgbClr val="000000"/>
+                          </a:solidFill>
+                          <a:effectLst/>
+                          <a:latin typeface="Franklin Gothic Book" panose="020B0503020102020204" pitchFamily="34" charset="0"/>
+                        </a:rPr>
+                        <a:t>Duration, </a:t>
+                      </a:r>
+                    </a:p>
+                    <a:p>
+                      <a:pPr algn="ctr" fontAlgn="b"/>
+                      <a:r>
+                        <a:rPr lang="en-CA" sz="2400" b="0" i="1" u="none" strike="noStrike" dirty="0">
+                          <a:solidFill>
+                            <a:srgbClr val="000000"/>
+                          </a:solidFill>
+                          <a:effectLst/>
+                          <a:latin typeface="Franklin Gothic Book" panose="020B0503020102020204" pitchFamily="34" charset="0"/>
+                        </a:rPr>
+                        <a:t>Int. Size, </a:t>
+                      </a:r>
+                    </a:p>
+                    <a:p>
+                      <a:pPr algn="ctr" fontAlgn="b"/>
+                      <a:r>
+                        <a:rPr lang="en-CA" sz="2400" b="0" i="1" u="none" strike="noStrike" dirty="0">
+                          <a:solidFill>
+                            <a:srgbClr val="000000"/>
+                          </a:solidFill>
+                          <a:effectLst/>
+                          <a:latin typeface="Franklin Gothic Book" panose="020B0503020102020204" pitchFamily="34" charset="0"/>
+                        </a:rPr>
+                        <a:t>Diatonic Int. Size</a:t>
+                      </a:r>
+                    </a:p>
+                  </a:txBody>
+                  <a:tcPr marL="9525" marR="9525" marT="9525" marB="0" anchor="ctr"/>
+                </a:tc>
+                <a:extLst>
+                  <a:ext uri="{0D108BD9-81ED-4DB2-BD59-A6C34878D82A}">
+                    <a16:rowId xmlns:a16="http://schemas.microsoft.com/office/drawing/2014/main" val="997029583"/>
+                  </a:ext>
+                </a:extLst>
+              </a:tr>
+              <a:tr h="546355">
+                <a:tc rowSpan="2">
+                  <a:txBody>
+                    <a:bodyPr/>
+                    <a:lstStyle/>
+                    <a:p>
+                      <a:pPr algn="ctr" fontAlgn="ctr"/>
+                      <a:r>
+                        <a:rPr lang="en-CA" sz="2400" u="none" strike="noStrike" dirty="0">
+                          <a:effectLst/>
+                          <a:latin typeface="Franklin Gothic Book" panose="020B0503020102020204" pitchFamily="34" charset="0"/>
+                        </a:rPr>
+                        <a:t>Konitz</a:t>
+                      </a:r>
+                      <a:endParaRPr lang="en-CA" sz="2400" b="0" i="0" u="none" strike="noStrike" dirty="0">
+                        <a:solidFill>
+                          <a:srgbClr val="000000"/>
+                        </a:solidFill>
+                        <a:effectLst/>
+                        <a:latin typeface="Franklin Gothic Book" panose="020B0503020102020204" pitchFamily="34" charset="0"/>
+                      </a:endParaRPr>
+                    </a:p>
+                  </a:txBody>
+                  <a:tcPr marL="9525" marR="9525" marT="50292" marB="50292" vert="vert270" anchor="ctr"/>
+                </a:tc>
+                <a:tc>
+                  <a:txBody>
+                    <a:bodyPr/>
+                    <a:lstStyle/>
+                    <a:p>
+                      <a:pPr algn="l" fontAlgn="b"/>
+                      <a:r>
+                        <a:rPr lang="en-CA" sz="2400" u="none" strike="noStrike" dirty="0">
+                          <a:effectLst/>
+                          <a:latin typeface="Franklin Gothic Book" panose="020B0503020102020204" pitchFamily="34" charset="0"/>
+                        </a:rPr>
+                        <a:t>Num. Motifs</a:t>
+                      </a:r>
+                      <a:endParaRPr lang="en-CA" sz="2400" b="0" i="0" u="none" strike="noStrike" dirty="0">
+                        <a:solidFill>
+                          <a:srgbClr val="000000"/>
+                        </a:solidFill>
+                        <a:effectLst/>
+                        <a:latin typeface="Franklin Gothic Book" panose="020B0503020102020204" pitchFamily="34" charset="0"/>
+                      </a:endParaRPr>
+                    </a:p>
+                  </a:txBody>
+                  <a:tcPr marL="9525" marR="9525" marT="9525" marB="0" anchor="ctr"/>
+                </a:tc>
+                <a:tc>
+                  <a:txBody>
+                    <a:bodyPr/>
+                    <a:lstStyle/>
+                    <a:p>
+                      <a:pPr algn="ctr" fontAlgn="b"/>
+                      <a:r>
+                        <a:rPr lang="en-CA" sz="2400" u="none" strike="noStrike" dirty="0">
+                          <a:effectLst/>
+                          <a:latin typeface="Consolas" panose="020B0609020204030204" pitchFamily="49" charset="0"/>
+                          <a:cs typeface="Consolas" panose="020B0609020204030204" pitchFamily="49" charset="0"/>
+                        </a:rPr>
+                        <a:t>24</a:t>
+                      </a:r>
+                      <a:endParaRPr lang="en-CA" sz="2400" b="0" i="0" u="none" strike="noStrike" dirty="0">
+                        <a:solidFill>
+                          <a:srgbClr val="000000"/>
+                        </a:solidFill>
+                        <a:effectLst/>
+                        <a:latin typeface="Consolas" panose="020B0609020204030204" pitchFamily="49" charset="0"/>
+                        <a:cs typeface="Consolas" panose="020B0609020204030204" pitchFamily="49" charset="0"/>
+                      </a:endParaRPr>
+                    </a:p>
+                  </a:txBody>
+                  <a:tcPr marL="9525" marR="9525" marT="9525" marB="0" anchor="ctr"/>
+                </a:tc>
+                <a:tc>
+                  <a:txBody>
+                    <a:bodyPr/>
+                    <a:lstStyle/>
+                    <a:p>
+                      <a:pPr algn="ctr" fontAlgn="b"/>
+                      <a:r>
+                        <a:rPr lang="en-CA" sz="2400" u="none" strike="noStrike" dirty="0">
+                          <a:effectLst/>
+                          <a:latin typeface="Consolas" panose="020B0609020204030204" pitchFamily="49" charset="0"/>
+                          <a:cs typeface="Consolas" panose="020B0609020204030204" pitchFamily="49" charset="0"/>
+                        </a:rPr>
+                        <a:t>25</a:t>
+                      </a:r>
+                      <a:endParaRPr lang="en-CA" sz="2400" b="0" i="0" u="none" strike="noStrike" dirty="0">
+                        <a:solidFill>
+                          <a:srgbClr val="000000"/>
+                        </a:solidFill>
+                        <a:effectLst/>
+                        <a:latin typeface="Consolas" panose="020B0609020204030204" pitchFamily="49" charset="0"/>
+                        <a:cs typeface="Consolas" panose="020B0609020204030204" pitchFamily="49" charset="0"/>
+                      </a:endParaRPr>
+                    </a:p>
+                  </a:txBody>
+                  <a:tcPr marL="9525" marR="9525" marT="9525" marB="0" anchor="ctr"/>
+                </a:tc>
+                <a:tc>
+                  <a:txBody>
+                    <a:bodyPr/>
+                    <a:lstStyle/>
+                    <a:p>
+                      <a:pPr algn="ctr" fontAlgn="b"/>
+                      <a:r>
+                        <a:rPr lang="en-CA" sz="2400" u="none" strike="noStrike">
+                          <a:effectLst/>
+                          <a:latin typeface="Consolas" panose="020B0609020204030204" pitchFamily="49" charset="0"/>
+                          <a:cs typeface="Consolas" panose="020B0609020204030204" pitchFamily="49" charset="0"/>
+                        </a:rPr>
+                        <a:t>3</a:t>
+                      </a:r>
+                      <a:endParaRPr lang="en-CA" sz="2400" b="0" i="0" u="none" strike="noStrike">
+                        <a:solidFill>
+                          <a:srgbClr val="000000"/>
+                        </a:solidFill>
+                        <a:effectLst/>
+                        <a:latin typeface="Consolas" panose="020B0609020204030204" pitchFamily="49" charset="0"/>
+                        <a:cs typeface="Consolas" panose="020B0609020204030204" pitchFamily="49" charset="0"/>
+                      </a:endParaRPr>
+                    </a:p>
+                  </a:txBody>
+                  <a:tcPr marL="9525" marR="9525" marT="9525" marB="0" anchor="ctr"/>
+                </a:tc>
+                <a:extLst>
+                  <a:ext uri="{0D108BD9-81ED-4DB2-BD59-A6C34878D82A}">
+                    <a16:rowId xmlns:a16="http://schemas.microsoft.com/office/drawing/2014/main" val="4259933639"/>
+                  </a:ext>
+                </a:extLst>
+              </a:tr>
+              <a:tr h="546355">
+                <a:tc vMerge="1">
+                  <a:txBody>
+                    <a:bodyPr/>
+                    <a:lstStyle/>
+                    <a:p>
+                      <a:endParaRPr lang="en-US"/>
+                    </a:p>
+                  </a:txBody>
+                  <a:tcPr/>
+                </a:tc>
+                <a:tc>
+                  <a:txBody>
+                    <a:bodyPr/>
+                    <a:lstStyle/>
+                    <a:p>
+                      <a:pPr algn="l" fontAlgn="b"/>
+                      <a:r>
+                        <a:rPr lang="en-CA" sz="2400" u="none" strike="noStrike" dirty="0">
+                          <a:effectLst/>
+                          <a:latin typeface="Franklin Gothic Book" panose="020B0503020102020204" pitchFamily="34" charset="0"/>
+                        </a:rPr>
+                        <a:t>Avg. Motif Size</a:t>
+                      </a:r>
+                      <a:endParaRPr lang="en-CA" sz="2400" b="0" i="0" u="none" strike="noStrike" dirty="0">
+                        <a:solidFill>
+                          <a:srgbClr val="000000"/>
+                        </a:solidFill>
+                        <a:effectLst/>
+                        <a:latin typeface="Franklin Gothic Book" panose="020B0503020102020204" pitchFamily="34" charset="0"/>
+                      </a:endParaRPr>
+                    </a:p>
+                  </a:txBody>
+                  <a:tcPr marL="9525" marR="9525" marT="9525" marB="0" anchor="ctr"/>
+                </a:tc>
+                <a:tc>
+                  <a:txBody>
+                    <a:bodyPr/>
+                    <a:lstStyle/>
+                    <a:p>
+                      <a:pPr algn="ctr" fontAlgn="b"/>
+                      <a:r>
+                        <a:rPr lang="en-CA" sz="2400" u="none" strike="noStrike" dirty="0">
+                          <a:effectLst/>
+                          <a:latin typeface="Consolas" panose="020B0609020204030204" pitchFamily="49" charset="0"/>
+                          <a:cs typeface="Consolas" panose="020B0609020204030204" pitchFamily="49" charset="0"/>
+                        </a:rPr>
+                        <a:t>6.5</a:t>
+                      </a:r>
+                      <a:endParaRPr lang="en-CA" sz="2400" b="0" i="0" u="none" strike="noStrike" dirty="0">
+                        <a:solidFill>
+                          <a:srgbClr val="000000"/>
+                        </a:solidFill>
+                        <a:effectLst/>
+                        <a:latin typeface="Consolas" panose="020B0609020204030204" pitchFamily="49" charset="0"/>
+                        <a:cs typeface="Consolas" panose="020B0609020204030204" pitchFamily="49" charset="0"/>
+                      </a:endParaRPr>
+                    </a:p>
+                  </a:txBody>
+                  <a:tcPr marL="9525" marR="9525" marT="9525" marB="0" anchor="ctr"/>
+                </a:tc>
+                <a:tc>
+                  <a:txBody>
+                    <a:bodyPr/>
+                    <a:lstStyle/>
+                    <a:p>
+                      <a:pPr algn="ctr" fontAlgn="b"/>
+                      <a:r>
+                        <a:rPr lang="en-CA" sz="2400" u="none" strike="noStrike" dirty="0">
+                          <a:effectLst/>
+                          <a:latin typeface="Consolas" panose="020B0609020204030204" pitchFamily="49" charset="0"/>
+                          <a:cs typeface="Consolas" panose="020B0609020204030204" pitchFamily="49" charset="0"/>
+                        </a:rPr>
+                        <a:t>8.88</a:t>
+                      </a:r>
+                      <a:endParaRPr lang="en-CA" sz="2400" b="0" i="0" u="none" strike="noStrike" dirty="0">
+                        <a:solidFill>
+                          <a:srgbClr val="000000"/>
+                        </a:solidFill>
+                        <a:effectLst/>
+                        <a:latin typeface="Consolas" panose="020B0609020204030204" pitchFamily="49" charset="0"/>
+                        <a:cs typeface="Consolas" panose="020B0609020204030204" pitchFamily="49" charset="0"/>
+                      </a:endParaRPr>
+                    </a:p>
+                  </a:txBody>
+                  <a:tcPr marL="9525" marR="9525" marT="9525" marB="0" anchor="ctr"/>
+                </a:tc>
+                <a:tc>
+                  <a:txBody>
+                    <a:bodyPr/>
+                    <a:lstStyle/>
+                    <a:p>
+                      <a:pPr algn="ctr" fontAlgn="b"/>
+                      <a:r>
+                        <a:rPr lang="en-CA" sz="2400" u="none" strike="noStrike">
+                          <a:effectLst/>
+                          <a:latin typeface="Consolas" panose="020B0609020204030204" pitchFamily="49" charset="0"/>
+                          <a:cs typeface="Consolas" panose="020B0609020204030204" pitchFamily="49" charset="0"/>
+                        </a:rPr>
+                        <a:t>5</a:t>
+                      </a:r>
+                      <a:endParaRPr lang="en-CA" sz="2400" b="0" i="0" u="none" strike="noStrike">
+                        <a:solidFill>
+                          <a:srgbClr val="000000"/>
+                        </a:solidFill>
+                        <a:effectLst/>
+                        <a:latin typeface="Consolas" panose="020B0609020204030204" pitchFamily="49" charset="0"/>
+                        <a:cs typeface="Consolas" panose="020B0609020204030204" pitchFamily="49" charset="0"/>
+                      </a:endParaRPr>
+                    </a:p>
+                  </a:txBody>
+                  <a:tcPr marL="9525" marR="9525" marT="9525" marB="0" anchor="ctr"/>
+                </a:tc>
+                <a:extLst>
+                  <a:ext uri="{0D108BD9-81ED-4DB2-BD59-A6C34878D82A}">
+                    <a16:rowId xmlns:a16="http://schemas.microsoft.com/office/drawing/2014/main" val="4251062401"/>
+                  </a:ext>
+                </a:extLst>
+              </a:tr>
+              <a:tr h="546355">
+                <a:tc rowSpan="2">
+                  <a:txBody>
+                    <a:bodyPr/>
+                    <a:lstStyle/>
+                    <a:p>
+                      <a:pPr algn="ctr" fontAlgn="ctr"/>
+                      <a:r>
+                        <a:rPr lang="en-CA" sz="2400" u="none" strike="noStrike" dirty="0">
+                          <a:effectLst/>
+                          <a:latin typeface="Franklin Gothic Book" panose="020B0503020102020204" pitchFamily="34" charset="0"/>
+                        </a:rPr>
+                        <a:t>Parker</a:t>
+                      </a:r>
+                      <a:endParaRPr lang="en-CA" sz="2400" b="0" i="0" u="none" strike="noStrike" dirty="0">
+                        <a:solidFill>
+                          <a:srgbClr val="000000"/>
+                        </a:solidFill>
+                        <a:effectLst/>
+                        <a:latin typeface="Franklin Gothic Book" panose="020B0503020102020204" pitchFamily="34" charset="0"/>
+                      </a:endParaRPr>
+                    </a:p>
+                  </a:txBody>
+                  <a:tcPr marL="9525" marR="9525" marT="50292" marB="50292" vert="vert270" anchor="ctr"/>
+                </a:tc>
+                <a:tc>
+                  <a:txBody>
+                    <a:bodyPr/>
+                    <a:lstStyle/>
+                    <a:p>
+                      <a:pPr algn="l" fontAlgn="b"/>
+                      <a:r>
+                        <a:rPr lang="en-CA" sz="2400" u="none" strike="noStrike" dirty="0">
+                          <a:effectLst/>
+                          <a:latin typeface="Franklin Gothic Book" panose="020B0503020102020204" pitchFamily="34" charset="0"/>
+                        </a:rPr>
+                        <a:t>Num. Motifs</a:t>
+                      </a:r>
+                      <a:endParaRPr lang="en-CA" sz="2400" b="0" i="0" u="none" strike="noStrike" dirty="0">
+                        <a:solidFill>
+                          <a:srgbClr val="000000"/>
+                        </a:solidFill>
+                        <a:effectLst/>
+                        <a:latin typeface="Franklin Gothic Book" panose="020B0503020102020204" pitchFamily="34" charset="0"/>
+                      </a:endParaRPr>
+                    </a:p>
+                  </a:txBody>
+                  <a:tcPr marL="9525" marR="9525" marT="9525" marB="0" anchor="ctr"/>
+                </a:tc>
+                <a:tc>
+                  <a:txBody>
+                    <a:bodyPr/>
+                    <a:lstStyle/>
+                    <a:p>
+                      <a:pPr algn="ctr" fontAlgn="b"/>
+                      <a:r>
+                        <a:rPr lang="en-CA" sz="2400" u="none" strike="noStrike" dirty="0">
+                          <a:effectLst/>
+                          <a:latin typeface="Consolas" panose="020B0609020204030204" pitchFamily="49" charset="0"/>
+                          <a:cs typeface="Consolas" panose="020B0609020204030204" pitchFamily="49" charset="0"/>
+                        </a:rPr>
+                        <a:t>32</a:t>
+                      </a:r>
+                      <a:endParaRPr lang="en-CA" sz="2400" b="0" i="0" u="none" strike="noStrike" dirty="0">
+                        <a:solidFill>
+                          <a:srgbClr val="000000"/>
+                        </a:solidFill>
+                        <a:effectLst/>
+                        <a:latin typeface="Consolas" panose="020B0609020204030204" pitchFamily="49" charset="0"/>
+                        <a:cs typeface="Consolas" panose="020B0609020204030204" pitchFamily="49" charset="0"/>
+                      </a:endParaRPr>
+                    </a:p>
+                  </a:txBody>
+                  <a:tcPr marL="9525" marR="9525" marT="9525" marB="0" anchor="ctr"/>
+                </a:tc>
+                <a:tc>
+                  <a:txBody>
+                    <a:bodyPr/>
+                    <a:lstStyle/>
+                    <a:p>
+                      <a:pPr algn="ctr" fontAlgn="b"/>
+                      <a:r>
+                        <a:rPr lang="en-CA" sz="2400" u="none" strike="noStrike" dirty="0">
+                          <a:effectLst/>
+                          <a:latin typeface="Consolas" panose="020B0609020204030204" pitchFamily="49" charset="0"/>
+                          <a:cs typeface="Consolas" panose="020B0609020204030204" pitchFamily="49" charset="0"/>
+                        </a:rPr>
+                        <a:t>39</a:t>
+                      </a:r>
+                      <a:endParaRPr lang="en-CA" sz="2400" b="0" i="0" u="none" strike="noStrike" dirty="0">
+                        <a:solidFill>
+                          <a:srgbClr val="000000"/>
+                        </a:solidFill>
+                        <a:effectLst/>
+                        <a:latin typeface="Consolas" panose="020B0609020204030204" pitchFamily="49" charset="0"/>
+                        <a:cs typeface="Consolas" panose="020B0609020204030204" pitchFamily="49" charset="0"/>
+                      </a:endParaRPr>
+                    </a:p>
+                  </a:txBody>
+                  <a:tcPr marL="9525" marR="9525" marT="9525" marB="0" anchor="ctr"/>
+                </a:tc>
+                <a:tc>
+                  <a:txBody>
+                    <a:bodyPr/>
+                    <a:lstStyle/>
+                    <a:p>
+                      <a:pPr algn="ctr" fontAlgn="b"/>
+                      <a:r>
+                        <a:rPr lang="en-CA" sz="2400" u="none" strike="noStrike" dirty="0">
+                          <a:effectLst/>
+                          <a:latin typeface="Consolas" panose="020B0609020204030204" pitchFamily="49" charset="0"/>
+                          <a:cs typeface="Consolas" panose="020B0609020204030204" pitchFamily="49" charset="0"/>
+                        </a:rPr>
+                        <a:t>25</a:t>
+                      </a:r>
+                      <a:endParaRPr lang="en-CA" sz="2400" b="0" i="0" u="none" strike="noStrike" dirty="0">
+                        <a:solidFill>
+                          <a:srgbClr val="000000"/>
+                        </a:solidFill>
+                        <a:effectLst/>
+                        <a:latin typeface="Consolas" panose="020B0609020204030204" pitchFamily="49" charset="0"/>
+                        <a:cs typeface="Consolas" panose="020B0609020204030204" pitchFamily="49" charset="0"/>
+                      </a:endParaRPr>
+                    </a:p>
+                  </a:txBody>
+                  <a:tcPr marL="9525" marR="9525" marT="9525" marB="0" anchor="ctr"/>
+                </a:tc>
+                <a:extLst>
+                  <a:ext uri="{0D108BD9-81ED-4DB2-BD59-A6C34878D82A}">
+                    <a16:rowId xmlns:a16="http://schemas.microsoft.com/office/drawing/2014/main" val="1803107175"/>
+                  </a:ext>
+                </a:extLst>
+              </a:tr>
+              <a:tr h="546355">
+                <a:tc vMerge="1">
+                  <a:txBody>
+                    <a:bodyPr/>
+                    <a:lstStyle/>
+                    <a:p>
+                      <a:endParaRPr lang="en-US"/>
+                    </a:p>
+                  </a:txBody>
+                  <a:tcPr/>
+                </a:tc>
+                <a:tc>
+                  <a:txBody>
+                    <a:bodyPr/>
+                    <a:lstStyle/>
+                    <a:p>
+                      <a:pPr algn="l" fontAlgn="b"/>
+                      <a:r>
+                        <a:rPr lang="en-CA" sz="2400" u="none" strike="noStrike" dirty="0">
+                          <a:effectLst/>
+                          <a:latin typeface="Franklin Gothic Book" panose="020B0503020102020204" pitchFamily="34" charset="0"/>
+                        </a:rPr>
+                        <a:t>Avg. Motif Size</a:t>
+                      </a:r>
+                      <a:endParaRPr lang="en-CA" sz="2400" b="0" i="0" u="none" strike="noStrike" dirty="0">
+                        <a:solidFill>
+                          <a:srgbClr val="000000"/>
+                        </a:solidFill>
+                        <a:effectLst/>
+                        <a:latin typeface="Franklin Gothic Book" panose="020B0503020102020204" pitchFamily="34" charset="0"/>
+                      </a:endParaRPr>
+                    </a:p>
+                  </a:txBody>
+                  <a:tcPr marL="9525" marR="9525" marT="9525" marB="0" anchor="ctr"/>
+                </a:tc>
+                <a:tc>
+                  <a:txBody>
+                    <a:bodyPr/>
+                    <a:lstStyle/>
+                    <a:p>
+                      <a:pPr algn="ctr" fontAlgn="b"/>
+                      <a:r>
+                        <a:rPr lang="en-CA" sz="2400" u="none" strike="noStrike" dirty="0">
+                          <a:effectLst/>
+                          <a:latin typeface="Consolas" panose="020B0609020204030204" pitchFamily="49" charset="0"/>
+                          <a:cs typeface="Consolas" panose="020B0609020204030204" pitchFamily="49" charset="0"/>
+                        </a:rPr>
+                        <a:t>12.1</a:t>
+                      </a:r>
+                      <a:endParaRPr lang="en-CA" sz="2400" b="0" i="0" u="none" strike="noStrike" dirty="0">
+                        <a:solidFill>
+                          <a:srgbClr val="000000"/>
+                        </a:solidFill>
+                        <a:effectLst/>
+                        <a:latin typeface="Consolas" panose="020B0609020204030204" pitchFamily="49" charset="0"/>
+                        <a:cs typeface="Consolas" panose="020B0609020204030204" pitchFamily="49" charset="0"/>
+                      </a:endParaRPr>
+                    </a:p>
+                  </a:txBody>
+                  <a:tcPr marL="9525" marR="9525" marT="9525" marB="0" anchor="ctr"/>
+                </a:tc>
+                <a:tc>
+                  <a:txBody>
+                    <a:bodyPr/>
+                    <a:lstStyle/>
+                    <a:p>
+                      <a:pPr algn="ctr" fontAlgn="b"/>
+                      <a:r>
+                        <a:rPr lang="en-CA" sz="2400" u="none" strike="noStrike" dirty="0">
+                          <a:effectLst/>
+                          <a:latin typeface="Consolas" panose="020B0609020204030204" pitchFamily="49" charset="0"/>
+                          <a:cs typeface="Consolas" panose="020B0609020204030204" pitchFamily="49" charset="0"/>
+                        </a:rPr>
+                        <a:t>11.8</a:t>
+                      </a:r>
+                      <a:endParaRPr lang="en-CA" sz="2400" b="0" i="0" u="none" strike="noStrike" dirty="0">
+                        <a:solidFill>
+                          <a:srgbClr val="000000"/>
+                        </a:solidFill>
+                        <a:effectLst/>
+                        <a:latin typeface="Consolas" panose="020B0609020204030204" pitchFamily="49" charset="0"/>
+                        <a:cs typeface="Consolas" panose="020B0609020204030204" pitchFamily="49" charset="0"/>
+                      </a:endParaRPr>
+                    </a:p>
+                  </a:txBody>
+                  <a:tcPr marL="9525" marR="9525" marT="9525" marB="0" anchor="ctr"/>
+                </a:tc>
+                <a:tc>
+                  <a:txBody>
+                    <a:bodyPr/>
+                    <a:lstStyle/>
+                    <a:p>
+                      <a:pPr algn="ctr" fontAlgn="b"/>
+                      <a:r>
+                        <a:rPr lang="en-CA" sz="2400" u="none" strike="noStrike" dirty="0">
+                          <a:effectLst/>
+                          <a:latin typeface="Consolas" panose="020B0609020204030204" pitchFamily="49" charset="0"/>
+                          <a:cs typeface="Consolas" panose="020B0609020204030204" pitchFamily="49" charset="0"/>
+                        </a:rPr>
+                        <a:t>6.8</a:t>
+                      </a:r>
+                      <a:endParaRPr lang="en-CA" sz="2400" b="0" i="0" u="none" strike="noStrike" dirty="0">
+                        <a:solidFill>
+                          <a:srgbClr val="000000"/>
+                        </a:solidFill>
+                        <a:effectLst/>
+                        <a:latin typeface="Consolas" panose="020B0609020204030204" pitchFamily="49" charset="0"/>
+                        <a:cs typeface="Consolas" panose="020B0609020204030204" pitchFamily="49" charset="0"/>
+                      </a:endParaRPr>
+                    </a:p>
+                  </a:txBody>
+                  <a:tcPr marL="9525" marR="9525" marT="9525" marB="0" anchor="ctr"/>
+                </a:tc>
+                <a:extLst>
+                  <a:ext uri="{0D108BD9-81ED-4DB2-BD59-A6C34878D82A}">
+                    <a16:rowId xmlns:a16="http://schemas.microsoft.com/office/drawing/2014/main" val="276377857"/>
+                  </a:ext>
+                </a:extLst>
+              </a:tr>
+            </a:tbl>
+          </a:graphicData>
+        </a:graphic>
+      </p:graphicFrame>
+      <p:sp>
+        <p:nvSpPr>
+          <p:cNvPr id="40" name="TextBox 39">
+            <a:extLst>
+              <a:ext uri="{FF2B5EF4-FFF2-40B4-BE49-F238E27FC236}">
+                <a16:creationId xmlns:a16="http://schemas.microsoft.com/office/drawing/2014/main" id="{6D58E937-5B0C-CD4A-8E74-627E1393AB9D}"/>
+              </a:ext>
+            </a:extLst>
+          </p:cNvPr>
+          <p:cNvSpPr txBox="1"/>
+          <p:nvPr/>
+        </p:nvSpPr>
+        <p:spPr>
+          <a:xfrm>
+            <a:off x="21706684" y="23134825"/>
+            <a:ext cx="9384698" cy="5016758"/>
+          </a:xfrm>
+          <a:prstGeom prst="rect">
+            <a:avLst/>
+          </a:prstGeom>
+          <a:noFill/>
+        </p:spPr>
+        <p:txBody>
+          <a:bodyPr wrap="square" rtlCol="0">
+            <a:spAutoFit/>
+          </a:bodyPr>
+          <a:lstStyle/>
+          <a:p>
+            <a:r>
+              <a:rPr lang="en-US" sz="3200" b="1" dirty="0">
+                <a:latin typeface="Franklin Gothic Book" panose="020B0503020102020204" pitchFamily="34" charset="0"/>
+              </a:rPr>
+              <a:t>Table 2:</a:t>
+            </a:r>
+            <a:r>
+              <a:rPr lang="en-US" sz="3200" dirty="0">
+                <a:latin typeface="Franklin Gothic Book" panose="020B0503020102020204" pitchFamily="34" charset="0"/>
+              </a:rPr>
+              <a:t> We used our motif-finding algorithm to find motifs that occur between multiple solos of Konitz and Parker. This table shows the number of motifs retrieved and the average number of occurrences of each motif for three different sets of viewpoints on an equal number of Parker and Konitz’s solos.</a:t>
+            </a:r>
+          </a:p>
+          <a:p>
+            <a:endParaRPr lang="en-US" sz="3200" dirty="0">
+              <a:latin typeface="Franklin Gothic Book" panose="020B0503020102020204" pitchFamily="34" charset="0"/>
+            </a:endParaRPr>
+          </a:p>
+          <a:p>
+            <a:r>
+              <a:rPr lang="en-US" sz="3200" dirty="0">
+                <a:latin typeface="Franklin Gothic Book" panose="020B0503020102020204" pitchFamily="34" charset="0"/>
+              </a:rPr>
+              <a:t>Our method finds more motifs from Parker than from Konitz, but motifs found in Parker’s solos are much “noisier” and less valid analytically.</a:t>
+            </a:r>
+          </a:p>
+        </p:txBody>
+      </p:sp>
+      <p:sp>
+        <p:nvSpPr>
+          <p:cNvPr id="41" name="TextBox 40">
+            <a:extLst>
+              <a:ext uri="{FF2B5EF4-FFF2-40B4-BE49-F238E27FC236}">
+                <a16:creationId xmlns:a16="http://schemas.microsoft.com/office/drawing/2014/main" id="{9D08F460-E968-1F4A-BE03-3D025D49C2B8}"/>
+              </a:ext>
+            </a:extLst>
+          </p:cNvPr>
+          <p:cNvSpPr txBox="1"/>
+          <p:nvPr/>
+        </p:nvSpPr>
+        <p:spPr>
+          <a:xfrm>
+            <a:off x="21625661" y="28604852"/>
+            <a:ext cx="10135587" cy="13634502"/>
+          </a:xfrm>
+          <a:prstGeom prst="rect">
+            <a:avLst/>
+          </a:prstGeom>
+          <a:noFill/>
+        </p:spPr>
+        <p:txBody>
+          <a:bodyPr wrap="square" numCol="1" rtlCol="0">
+            <a:spAutoFit/>
+          </a:bodyPr>
+          <a:lstStyle/>
+          <a:p>
+            <a:r>
+              <a:rPr lang="en-US" sz="4400" b="1" dirty="0">
+                <a:latin typeface="Franklin Gothic Book" panose="020B0503020102020204" pitchFamily="34" charset="0"/>
+              </a:rPr>
+              <a:t>DISCUSSION</a:t>
+            </a:r>
+          </a:p>
+          <a:p>
+            <a:endParaRPr lang="en-US" sz="4400" b="1" dirty="0">
+              <a:latin typeface="Franklin Gothic Book" panose="020B0503020102020204" pitchFamily="34" charset="0"/>
+              <a:cs typeface="Arial" panose="020B0604020202020204" pitchFamily="34" charset="0"/>
+            </a:endParaRPr>
+          </a:p>
+          <a:p>
+            <a:pPr marL="571500" indent="-571500">
+              <a:buFont typeface="Arial" panose="020B0604020202020204" pitchFamily="34" charset="0"/>
+              <a:buChar char="•"/>
+            </a:pPr>
+            <a:r>
+              <a:rPr lang="en-US" sz="4400" dirty="0">
+                <a:latin typeface="Franklin Gothic Book" panose="020B0503020102020204" pitchFamily="34" charset="0"/>
+                <a:cs typeface="Arial" panose="020B0604020202020204" pitchFamily="34" charset="0"/>
+              </a:rPr>
+              <a:t>After months of tweaking / rounds of feedback, algorithm still </a:t>
+            </a:r>
+            <a:r>
+              <a:rPr lang="en-US" sz="4400" b="1" dirty="0">
+                <a:latin typeface="Franklin Gothic Book" panose="020B0503020102020204" pitchFamily="34" charset="0"/>
+                <a:cs typeface="Arial" panose="020B0604020202020204" pitchFamily="34" charset="0"/>
+              </a:rPr>
+              <a:t>too noisy</a:t>
+            </a:r>
+          </a:p>
+          <a:p>
+            <a:pPr marL="1028700" lvl="1" indent="-571500">
+              <a:buFont typeface="Arial" panose="020B0604020202020204" pitchFamily="34" charset="0"/>
+              <a:buChar char="•"/>
+            </a:pPr>
+            <a:r>
+              <a:rPr lang="en-US" sz="4400" dirty="0">
+                <a:latin typeface="Franklin Gothic Book" panose="020B0503020102020204" pitchFamily="34" charset="0"/>
+                <a:cs typeface="Arial" panose="020B0604020202020204" pitchFamily="34" charset="0"/>
+              </a:rPr>
+              <a:t>“Best” motifs found when using </a:t>
+            </a:r>
+            <a:r>
+              <a:rPr lang="en-US" sz="4400" i="1" dirty="0">
+                <a:latin typeface="Franklin Gothic Book" panose="020B0503020102020204" pitchFamily="34" charset="0"/>
+                <a:cs typeface="Arial" panose="020B0604020202020204" pitchFamily="34" charset="0"/>
+              </a:rPr>
+              <a:t>Duration</a:t>
+            </a:r>
+            <a:r>
+              <a:rPr lang="en-US" sz="4400" dirty="0">
+                <a:latin typeface="Franklin Gothic Book" panose="020B0503020102020204" pitchFamily="34" charset="0"/>
+                <a:cs typeface="Arial" panose="020B0604020202020204" pitchFamily="34" charset="0"/>
+              </a:rPr>
+              <a:t> and </a:t>
+            </a:r>
+            <a:r>
+              <a:rPr lang="en-US" sz="4400" i="1" dirty="0">
+                <a:latin typeface="Franklin Gothic Book" panose="020B0503020102020204" pitchFamily="34" charset="0"/>
+                <a:cs typeface="Arial" panose="020B0604020202020204" pitchFamily="34" charset="0"/>
+              </a:rPr>
+              <a:t>Pitch Contour</a:t>
+            </a:r>
+          </a:p>
+          <a:p>
+            <a:pPr marL="571500" indent="-571500">
+              <a:buFont typeface="Arial" panose="020B0604020202020204" pitchFamily="34" charset="0"/>
+              <a:buChar char="•"/>
+            </a:pPr>
+            <a:r>
+              <a:rPr lang="en-US" sz="4400" dirty="0">
+                <a:latin typeface="Franklin Gothic Book" panose="020B0503020102020204" pitchFamily="34" charset="0"/>
+                <a:cs typeface="Arial" panose="020B0604020202020204" pitchFamily="34" charset="0"/>
+              </a:rPr>
+              <a:t>Finds interesting </a:t>
+            </a:r>
+            <a:r>
+              <a:rPr lang="en-US" sz="4400" b="1" dirty="0">
+                <a:latin typeface="Franklin Gothic Book" panose="020B0503020102020204" pitchFamily="34" charset="0"/>
+                <a:cs typeface="Arial" panose="020B0604020202020204" pitchFamily="34" charset="0"/>
+              </a:rPr>
+              <a:t>stylistic tendencies </a:t>
+            </a:r>
+            <a:r>
+              <a:rPr lang="en-US" sz="4400" dirty="0">
+                <a:latin typeface="Franklin Gothic Book" panose="020B0503020102020204" pitchFamily="34" charset="0"/>
+                <a:cs typeface="Arial" panose="020B0604020202020204" pitchFamily="34" charset="0"/>
+              </a:rPr>
+              <a:t>that might have gone unnoticed</a:t>
+            </a:r>
+          </a:p>
+          <a:p>
+            <a:pPr marL="571500" indent="-571500">
+              <a:buFont typeface="Arial" panose="020B0604020202020204" pitchFamily="34" charset="0"/>
+              <a:buChar char="•"/>
+            </a:pPr>
+            <a:r>
+              <a:rPr lang="en-US" sz="4400" dirty="0">
+                <a:latin typeface="Franklin Gothic Book" panose="020B0503020102020204" pitchFamily="34" charset="0"/>
+                <a:cs typeface="Arial" panose="020B0604020202020204" pitchFamily="34" charset="0"/>
+              </a:rPr>
+              <a:t>Can confirm some </a:t>
+            </a:r>
+            <a:r>
+              <a:rPr lang="en-US" sz="4400" b="1" dirty="0">
+                <a:latin typeface="Franklin Gothic Book" panose="020B0503020102020204" pitchFamily="34" charset="0"/>
+                <a:cs typeface="Arial" panose="020B0604020202020204" pitchFamily="34" charset="0"/>
+              </a:rPr>
+              <a:t>large-scale statistical facts</a:t>
+            </a:r>
+            <a:r>
+              <a:rPr lang="en-US" sz="4400" dirty="0">
+                <a:latin typeface="Franklin Gothic Book" panose="020B0503020102020204" pitchFamily="34" charset="0"/>
+                <a:cs typeface="Arial" panose="020B0604020202020204" pitchFamily="34" charset="0"/>
+              </a:rPr>
+              <a:t> about style </a:t>
+            </a:r>
+          </a:p>
+          <a:p>
+            <a:pPr marL="1028700" lvl="1" indent="-571500">
+              <a:buFont typeface="Arial" panose="020B0604020202020204" pitchFamily="34" charset="0"/>
+              <a:buChar char="•"/>
+            </a:pPr>
+            <a:r>
+              <a:rPr lang="en-US" sz="4400" dirty="0">
+                <a:latin typeface="Franklin Gothic Book" panose="020B0503020102020204" pitchFamily="34" charset="0"/>
+                <a:cs typeface="Arial" panose="020B0604020202020204" pitchFamily="34" charset="0"/>
+              </a:rPr>
+              <a:t>(e.g., Parker more repetitious than Konitz, especially when looking for repetitions between solos)</a:t>
+            </a:r>
+          </a:p>
+          <a:p>
+            <a:pPr marL="571500" indent="-571500">
+              <a:buFont typeface="Arial" panose="020B0604020202020204" pitchFamily="34" charset="0"/>
+              <a:buChar char="•"/>
+            </a:pPr>
+            <a:r>
+              <a:rPr lang="en-US" sz="4400" dirty="0">
+                <a:latin typeface="Franklin Gothic Book" panose="020B0503020102020204" pitchFamily="34" charset="0"/>
+                <a:cs typeface="Arial" panose="020B0604020202020204" pitchFamily="34" charset="0"/>
+              </a:rPr>
+              <a:t>Biggest issue: finding reasonable </a:t>
+            </a:r>
+            <a:r>
+              <a:rPr lang="en-US" sz="4400" b="1" dirty="0">
+                <a:latin typeface="Franklin Gothic Book" panose="020B0503020102020204" pitchFamily="34" charset="0"/>
+                <a:cs typeface="Arial" panose="020B0604020202020204" pitchFamily="34" charset="0"/>
+              </a:rPr>
+              <a:t>start and end-points </a:t>
+            </a:r>
+          </a:p>
+          <a:p>
+            <a:pPr marL="1028700" lvl="1" indent="-571500">
+              <a:buFont typeface="Arial" panose="020B0604020202020204" pitchFamily="34" charset="0"/>
+              <a:buChar char="•"/>
+            </a:pPr>
+            <a:r>
+              <a:rPr lang="en-US" sz="4400" dirty="0">
+                <a:latin typeface="Franklin Gothic Book" panose="020B0503020102020204" pitchFamily="34" charset="0"/>
+                <a:cs typeface="Arial" panose="020B0604020202020204" pitchFamily="34" charset="0"/>
+              </a:rPr>
+              <a:t>Konitz’s vocabulary of licks is less specific, less identifiable; bad segmentation is more tolerable</a:t>
+            </a:r>
+          </a:p>
+          <a:p>
+            <a:pPr marL="571500" indent="-571500">
+              <a:buFont typeface="Arial" panose="020B0604020202020204" pitchFamily="34" charset="0"/>
+              <a:buChar char="•"/>
+            </a:pPr>
+            <a:endParaRPr lang="en-US" sz="4400" dirty="0">
+              <a:latin typeface="Franklin Gothic Book" panose="020B0503020102020204" pitchFamily="34" charset="0"/>
+              <a:cs typeface="Arial" panose="020B0604020202020204" pitchFamily="34" charset="0"/>
+            </a:endParaRPr>
+          </a:p>
+          <a:p>
+            <a:pPr marL="571500" indent="-571500">
+              <a:buFont typeface="Arial" panose="020B0604020202020204" pitchFamily="34" charset="0"/>
+              <a:buChar char="•"/>
+            </a:pPr>
+            <a:endParaRPr lang="en-US" sz="4400" dirty="0">
+              <a:latin typeface="Franklin Gothic Book" panose="020B0503020102020204" pitchFamily="34" charset="0"/>
+              <a:cs typeface="Arial" panose="020B0604020202020204" pitchFamily="34" charset="0"/>
+            </a:endParaRPr>
+          </a:p>
+        </p:txBody>
+      </p:sp>
+      <p:pic>
+        <p:nvPicPr>
+          <p:cNvPr id="45" name="Picture 44" descr="A picture containing logo&#10;&#10;Description automatically generated">
+            <a:extLst>
+              <a:ext uri="{FF2B5EF4-FFF2-40B4-BE49-F238E27FC236}">
+                <a16:creationId xmlns:a16="http://schemas.microsoft.com/office/drawing/2014/main" id="{DE0E4C8A-FC39-3341-B95F-76B361CC1D62}"/>
+              </a:ext>
+            </a:extLst>
+          </p:cNvPr>
+          <p:cNvPicPr>
+            <a:picLocks noChangeAspect="1"/>
+          </p:cNvPicPr>
+          <p:nvPr/>
+        </p:nvPicPr>
+        <p:blipFill rotWithShape="1">
+          <a:blip r:embed="rId4">
+            <a:extLst>
+              <a:ext uri="{28A0092B-C50C-407E-A947-70E740481C1C}">
+                <a14:useLocalDpi xmlns:a14="http://schemas.microsoft.com/office/drawing/2010/main" val="0"/>
+              </a:ext>
+            </a:extLst>
+          </a:blip>
+          <a:srcRect r="33890"/>
+          <a:stretch/>
+        </p:blipFill>
+        <p:spPr>
+          <a:xfrm>
+            <a:off x="23445730" y="1498882"/>
+            <a:ext cx="6653648" cy="1528796"/>
+          </a:xfrm>
+          <a:prstGeom prst="rect">
+            <a:avLst/>
+          </a:prstGeom>
+        </p:spPr>
+      </p:pic>
+      <p:cxnSp>
+        <p:nvCxnSpPr>
+          <p:cNvPr id="47" name="Straight Connector 46">
+            <a:extLst>
+              <a:ext uri="{FF2B5EF4-FFF2-40B4-BE49-F238E27FC236}">
+                <a16:creationId xmlns:a16="http://schemas.microsoft.com/office/drawing/2014/main" id="{FD74076B-B5D9-B646-9CC2-03C799110073}"/>
+              </a:ext>
+            </a:extLst>
+          </p:cNvPr>
+          <p:cNvCxnSpPr>
+            <a:cxnSpLocks/>
+          </p:cNvCxnSpPr>
+          <p:nvPr/>
+        </p:nvCxnSpPr>
+        <p:spPr>
+          <a:xfrm>
+            <a:off x="-1479285" y="11186443"/>
+            <a:ext cx="0" cy="9637331"/>
+          </a:xfrm>
+          <a:prstGeom prst="line">
+            <a:avLst/>
+          </a:prstGeom>
+          <a:ln w="44450">
+            <a:solidFill>
+              <a:schemeClr val="tx1">
+                <a:lumMod val="95000"/>
+                <a:lumOff val="5000"/>
+              </a:schemeClr>
+            </a:solidFill>
+          </a:ln>
+        </p:spPr>
+        <p:style>
+          <a:lnRef idx="1">
+            <a:schemeClr val="accent1"/>
+          </a:lnRef>
+          <a:fillRef idx="0">
+            <a:schemeClr val="accent1"/>
+          </a:fillRef>
+          <a:effectRef idx="0">
+            <a:schemeClr val="accent1"/>
+          </a:effectRef>
+          <a:fontRef idx="minor">
+            <a:schemeClr val="tx1"/>
+          </a:fontRef>
+        </p:style>
+      </p:cxnSp>
+      <p:sp>
+        <p:nvSpPr>
+          <p:cNvPr id="66" name="TextBox 65">
+            <a:extLst>
+              <a:ext uri="{FF2B5EF4-FFF2-40B4-BE49-F238E27FC236}">
+                <a16:creationId xmlns:a16="http://schemas.microsoft.com/office/drawing/2014/main" id="{24D66AA9-06B3-8046-B811-DE6892D4729A}"/>
+              </a:ext>
+            </a:extLst>
+          </p:cNvPr>
+          <p:cNvSpPr txBox="1"/>
+          <p:nvPr/>
+        </p:nvSpPr>
+        <p:spPr>
+          <a:xfrm>
+            <a:off x="2698037" y="6371898"/>
+            <a:ext cx="26607925" cy="1938992"/>
+          </a:xfrm>
+          <a:prstGeom prst="rect">
+            <a:avLst/>
+          </a:prstGeom>
+          <a:noFill/>
+        </p:spPr>
+        <p:txBody>
+          <a:bodyPr wrap="none" rtlCol="0">
+            <a:spAutoFit/>
+          </a:bodyPr>
+          <a:lstStyle/>
+          <a:p>
+            <a:r>
+              <a:rPr lang="en-US" sz="6000" dirty="0">
+                <a:solidFill>
+                  <a:srgbClr val="FF0000"/>
+                </a:solidFill>
+                <a:latin typeface="Franklin Gothic Book" panose="020B0503020102020204" pitchFamily="34" charset="0"/>
+              </a:rPr>
+              <a:t>Can </a:t>
+            </a:r>
+            <a:r>
+              <a:rPr lang="en-US" sz="6000" b="1" dirty="0">
+                <a:solidFill>
+                  <a:srgbClr val="FF0000"/>
+                </a:solidFill>
+                <a:latin typeface="Franklin Gothic Book" panose="020B0503020102020204" pitchFamily="34" charset="0"/>
+              </a:rPr>
+              <a:t>pattern-finding algorithms</a:t>
+            </a:r>
+            <a:r>
+              <a:rPr lang="en-US" sz="6000" dirty="0">
+                <a:solidFill>
+                  <a:srgbClr val="FF0000"/>
+                </a:solidFill>
+                <a:latin typeface="Franklin Gothic Book" panose="020B0503020102020204" pitchFamily="34" charset="0"/>
+              </a:rPr>
+              <a:t> tell us about jazz performers’ </a:t>
+            </a:r>
+            <a:r>
+              <a:rPr lang="en-US" sz="6000" b="1" dirty="0">
+                <a:solidFill>
+                  <a:srgbClr val="FF0000"/>
+                </a:solidFill>
+                <a:latin typeface="Franklin Gothic Book" panose="020B0503020102020204" pitchFamily="34" charset="0"/>
+              </a:rPr>
+              <a:t>improvisatory styles?</a:t>
+            </a:r>
+          </a:p>
+          <a:p>
+            <a:endParaRPr lang="en-US" sz="6000" dirty="0"/>
+          </a:p>
+        </p:txBody>
+      </p:sp>
+      <p:sp>
+        <p:nvSpPr>
+          <p:cNvPr id="67" name="TextBox 66">
+            <a:extLst>
+              <a:ext uri="{FF2B5EF4-FFF2-40B4-BE49-F238E27FC236}">
+                <a16:creationId xmlns:a16="http://schemas.microsoft.com/office/drawing/2014/main" id="{7C214AEA-4C54-7D43-A6EB-DB13CA87534B}"/>
+              </a:ext>
+            </a:extLst>
+          </p:cNvPr>
+          <p:cNvSpPr txBox="1"/>
+          <p:nvPr/>
+        </p:nvSpPr>
+        <p:spPr>
+          <a:xfrm>
+            <a:off x="10902408" y="7649898"/>
+            <a:ext cx="10516147" cy="11394401"/>
+          </a:xfrm>
+          <a:prstGeom prst="rect">
+            <a:avLst/>
+          </a:prstGeom>
+          <a:noFill/>
+        </p:spPr>
+        <p:txBody>
+          <a:bodyPr wrap="square" rtlCol="0">
+            <a:spAutoFit/>
+          </a:bodyPr>
+          <a:lstStyle/>
+          <a:p>
+            <a:pPr>
+              <a:lnSpc>
+                <a:spcPct val="120000"/>
+              </a:lnSpc>
+            </a:pPr>
+            <a:r>
+              <a:rPr lang="en-US" sz="4400" b="1" dirty="0">
+                <a:latin typeface="Franklin Gothic Book" panose="020B0503020102020204" pitchFamily="34" charset="0"/>
+                <a:cs typeface="Arial" panose="020B0604020202020204" pitchFamily="34" charset="0"/>
+              </a:rPr>
+              <a:t>METHODS</a:t>
+            </a:r>
+          </a:p>
+          <a:p>
+            <a:pPr>
+              <a:lnSpc>
+                <a:spcPct val="120000"/>
+              </a:lnSpc>
+            </a:pPr>
+            <a:r>
+              <a:rPr lang="en-US" sz="4400" dirty="0">
+                <a:latin typeface="Franklin Gothic Book" panose="020B0503020102020204" pitchFamily="34" charset="0"/>
+                <a:cs typeface="Arial" panose="020B0604020202020204" pitchFamily="34" charset="0"/>
+              </a:rPr>
+              <a:t>For motivic analysis, we use a </a:t>
+            </a:r>
+            <a:r>
+              <a:rPr lang="en-US" sz="4400" i="1" dirty="0">
+                <a:latin typeface="Franklin Gothic Book" panose="020B0503020102020204" pitchFamily="34" charset="0"/>
+                <a:cs typeface="Arial" panose="020B0604020202020204" pitchFamily="34" charset="0"/>
+              </a:rPr>
+              <a:t>Multiple Viewpoint Method</a:t>
+            </a:r>
+            <a:r>
+              <a:rPr lang="en-US" sz="4400" baseline="30000" dirty="0">
+                <a:latin typeface="Franklin Gothic Book" panose="020B0503020102020204" pitchFamily="34" charset="0"/>
+              </a:rPr>
+              <a:t>2</a:t>
+            </a:r>
+            <a:r>
+              <a:rPr lang="en-US" sz="4400" dirty="0">
+                <a:latin typeface="Franklin Gothic Book" panose="020B0503020102020204" pitchFamily="34" charset="0"/>
+              </a:rPr>
+              <a:t>, operating on </a:t>
+            </a:r>
+            <a:r>
+              <a:rPr lang="en-US" sz="4400" b="1" dirty="0">
+                <a:latin typeface="Franklin Gothic Book" panose="020B0503020102020204" pitchFamily="34" charset="0"/>
+              </a:rPr>
+              <a:t>simplified versions </a:t>
+            </a:r>
+            <a:r>
+              <a:rPr lang="en-US" sz="4400" dirty="0">
+                <a:latin typeface="Franklin Gothic Book" panose="020B0503020102020204" pitchFamily="34" charset="0"/>
+              </a:rPr>
+              <a:t>of the musical surface</a:t>
+            </a:r>
+          </a:p>
+          <a:p>
+            <a:pPr marL="742950" indent="-742950">
+              <a:lnSpc>
+                <a:spcPct val="120000"/>
+              </a:lnSpc>
+              <a:buFont typeface="+mj-lt"/>
+              <a:buAutoNum type="arabicPeriod"/>
+            </a:pPr>
+            <a:r>
+              <a:rPr lang="en-US" sz="4400" dirty="0">
+                <a:latin typeface="Franklin Gothic Book" panose="020B0503020102020204" pitchFamily="34" charset="0"/>
+                <a:cs typeface="Arial" panose="020B0604020202020204" pitchFamily="34" charset="0"/>
+              </a:rPr>
+              <a:t>Calculate multiple viewpoints on each note onset of a piece</a:t>
+            </a:r>
+          </a:p>
+          <a:p>
+            <a:pPr marL="742950" indent="-742950">
+              <a:lnSpc>
+                <a:spcPct val="120000"/>
+              </a:lnSpc>
+              <a:buFont typeface="+mj-lt"/>
+              <a:buAutoNum type="arabicPeriod"/>
+            </a:pPr>
+            <a:r>
+              <a:rPr lang="en-US" sz="4400" dirty="0">
+                <a:latin typeface="Franklin Gothic Book" panose="020B0503020102020204" pitchFamily="34" charset="0"/>
+                <a:cs typeface="Arial" panose="020B0604020202020204" pitchFamily="34" charset="0"/>
+              </a:rPr>
+              <a:t>Define </a:t>
+            </a:r>
+            <a:r>
+              <a:rPr lang="en-US" sz="4400" b="1" dirty="0">
+                <a:latin typeface="Franklin Gothic Book" panose="020B0503020102020204" pitchFamily="34" charset="0"/>
+                <a:cs typeface="Arial" panose="020B0604020202020204" pitchFamily="34" charset="0"/>
+              </a:rPr>
+              <a:t>similarity</a:t>
+            </a:r>
+            <a:r>
+              <a:rPr lang="en-US" sz="4400" dirty="0">
+                <a:latin typeface="Franklin Gothic Book" panose="020B0503020102020204" pitchFamily="34" charset="0"/>
+                <a:cs typeface="Arial" panose="020B0604020202020204" pitchFamily="34" charset="0"/>
+              </a:rPr>
+              <a:t> between two solo excerpts by comparing viewpoint sequences</a:t>
+            </a:r>
+          </a:p>
+          <a:p>
+            <a:pPr marL="742950" indent="-742950">
+              <a:lnSpc>
+                <a:spcPct val="120000"/>
+              </a:lnSpc>
+              <a:buFont typeface="+mj-lt"/>
+              <a:buAutoNum type="arabicPeriod"/>
+            </a:pPr>
+            <a:r>
+              <a:rPr lang="en-US" sz="4400" dirty="0">
+                <a:latin typeface="Franklin Gothic Book" panose="020B0503020102020204" pitchFamily="34" charset="0"/>
+                <a:cs typeface="Arial" panose="020B0604020202020204" pitchFamily="34" charset="0"/>
+              </a:rPr>
+              <a:t>Get similarity </a:t>
+            </a:r>
+            <a:r>
+              <a:rPr lang="en-US" sz="4400" b="1" dirty="0">
+                <a:latin typeface="Franklin Gothic Book" panose="020B0503020102020204" pitchFamily="34" charset="0"/>
+                <a:cs typeface="Arial" panose="020B0604020202020204" pitchFamily="34" charset="0"/>
+              </a:rPr>
+              <a:t>between all possible excerpts </a:t>
+            </a:r>
+            <a:r>
+              <a:rPr lang="en-US" sz="4400" dirty="0">
+                <a:latin typeface="Franklin Gothic Book" panose="020B0503020102020204" pitchFamily="34" charset="0"/>
+                <a:cs typeface="Arial" panose="020B0604020202020204" pitchFamily="34" charset="0"/>
+              </a:rPr>
+              <a:t>of a solo. Clusters of similar excerpts are motifs</a:t>
+            </a:r>
+          </a:p>
+          <a:p>
+            <a:pPr marL="742950" indent="-742950">
+              <a:lnSpc>
+                <a:spcPct val="120000"/>
+              </a:lnSpc>
+              <a:buFont typeface="+mj-lt"/>
+              <a:buAutoNum type="arabicPeriod"/>
+            </a:pPr>
+            <a:r>
+              <a:rPr lang="en-US" sz="4400" dirty="0">
+                <a:latin typeface="Franklin Gothic Book" panose="020B0503020102020204" pitchFamily="34" charset="0"/>
+                <a:cs typeface="Arial" panose="020B0604020202020204" pitchFamily="34" charset="0"/>
+              </a:rPr>
+              <a:t>Tune until results </a:t>
+            </a:r>
+            <a:r>
+              <a:rPr lang="en-US" sz="4400" b="1" dirty="0">
+                <a:latin typeface="Franklin Gothic Book" panose="020B0503020102020204" pitchFamily="34" charset="0"/>
+                <a:cs typeface="Arial" panose="020B0604020202020204" pitchFamily="34" charset="0"/>
+              </a:rPr>
+              <a:t>match a jazz improviser’s judgment</a:t>
+            </a:r>
+          </a:p>
+        </p:txBody>
+      </p:sp>
+      <p:grpSp>
+        <p:nvGrpSpPr>
+          <p:cNvPr id="78" name="Group 77">
+            <a:extLst>
+              <a:ext uri="{FF2B5EF4-FFF2-40B4-BE49-F238E27FC236}">
+                <a16:creationId xmlns:a16="http://schemas.microsoft.com/office/drawing/2014/main" id="{44871259-30EC-364D-84FF-954C8FBC74B9}"/>
+              </a:ext>
+            </a:extLst>
+          </p:cNvPr>
+          <p:cNvGrpSpPr/>
+          <p:nvPr/>
+        </p:nvGrpSpPr>
+        <p:grpSpPr>
+          <a:xfrm>
+            <a:off x="484092" y="19180955"/>
+            <a:ext cx="10159994" cy="17177812"/>
+            <a:chOff x="268940" y="19180955"/>
+            <a:chExt cx="10159994" cy="17177812"/>
+          </a:xfrm>
+        </p:grpSpPr>
+        <p:sp>
+          <p:nvSpPr>
+            <p:cNvPr id="9" name="TextBox 8">
+              <a:extLst>
+                <a:ext uri="{FF2B5EF4-FFF2-40B4-BE49-F238E27FC236}">
+                  <a16:creationId xmlns:a16="http://schemas.microsoft.com/office/drawing/2014/main" id="{F23883BE-2BD6-BF4A-9DFC-0A0DDA09A4EF}"/>
+                </a:ext>
+              </a:extLst>
+            </p:cNvPr>
+            <p:cNvSpPr txBox="1"/>
+            <p:nvPr/>
+          </p:nvSpPr>
+          <p:spPr>
+            <a:xfrm>
+              <a:off x="620077" y="32475069"/>
+              <a:ext cx="9561611" cy="3539430"/>
+            </a:xfrm>
+            <a:prstGeom prst="rect">
+              <a:avLst/>
+            </a:prstGeom>
+            <a:noFill/>
+          </p:spPr>
+          <p:txBody>
+            <a:bodyPr wrap="square" rtlCol="0">
+              <a:spAutoFit/>
+            </a:bodyPr>
+            <a:lstStyle/>
+            <a:p>
+              <a:r>
+                <a:rPr lang="en-US" sz="3200" b="1" dirty="0">
+                  <a:latin typeface="Franklin Gothic Book" panose="020B0503020102020204" pitchFamily="34" charset="0"/>
+                </a:rPr>
+                <a:t>Figure 1: </a:t>
+              </a:r>
+              <a:r>
+                <a:rPr lang="en-US" sz="3200" dirty="0">
+                  <a:latin typeface="Franklin Gothic Book" panose="020B0503020102020204" pitchFamily="34" charset="0"/>
+                </a:rPr>
+                <a:t>Excerpts from Konitz’s solo on “Donna Lee,” with a single motif found by our algorithm highlighted, using the viewpoint set [</a:t>
+              </a:r>
+              <a:r>
+                <a:rPr lang="en-US" sz="3200" i="1" dirty="0">
+                  <a:latin typeface="Franklin Gothic Book" panose="020B0503020102020204" pitchFamily="34" charset="0"/>
+                </a:rPr>
+                <a:t>Duration, Duration Contour, Pitch Contour</a:t>
+              </a:r>
+              <a:r>
+                <a:rPr lang="en-US" sz="3200" dirty="0">
+                  <a:latin typeface="Franklin Gothic Book" panose="020B0503020102020204" pitchFamily="34" charset="0"/>
+                </a:rPr>
+                <a:t>]. Not all occurrences found are musically relevant, but Nos. 9 and 10 were initially missed by our jazz expert, who noted that they add to the coherence of the solo overall.</a:t>
+              </a:r>
+            </a:p>
+          </p:txBody>
+        </p:sp>
+        <p:pic>
+          <p:nvPicPr>
+            <p:cNvPr id="18" name="Picture 17">
+              <a:extLst>
+                <a:ext uri="{FF2B5EF4-FFF2-40B4-BE49-F238E27FC236}">
+                  <a16:creationId xmlns:a16="http://schemas.microsoft.com/office/drawing/2014/main" id="{5536792C-5C90-6947-860D-F67ABC93899E}"/>
+                </a:ext>
+              </a:extLst>
+            </p:cNvPr>
+            <p:cNvPicPr>
+              <a:picLocks noChangeAspect="1"/>
+            </p:cNvPicPr>
+            <p:nvPr/>
+          </p:nvPicPr>
+          <p:blipFill>
+            <a:blip r:embed="rId5">
+              <a:extLst>
+                <a:ext uri="{28A0092B-C50C-407E-A947-70E740481C1C}">
+                  <a14:useLocalDpi xmlns:a14="http://schemas.microsoft.com/office/drawing/2010/main" val="0"/>
+                </a:ext>
+              </a:extLst>
+            </a:blip>
+            <a:stretch>
+              <a:fillRect/>
+            </a:stretch>
+          </p:blipFill>
+          <p:spPr>
+            <a:xfrm>
+              <a:off x="878645" y="19696446"/>
+              <a:ext cx="9107390" cy="12750346"/>
+            </a:xfrm>
+            <a:prstGeom prst="rect">
+              <a:avLst/>
+            </a:prstGeom>
+          </p:spPr>
+        </p:pic>
+        <p:sp>
+          <p:nvSpPr>
+            <p:cNvPr id="76" name="Rounded Rectangle 75">
+              <a:extLst>
+                <a:ext uri="{FF2B5EF4-FFF2-40B4-BE49-F238E27FC236}">
+                  <a16:creationId xmlns:a16="http://schemas.microsoft.com/office/drawing/2014/main" id="{84EE4F1D-9312-794B-96A3-7A2082AB966E}"/>
+                </a:ext>
+              </a:extLst>
+            </p:cNvPr>
+            <p:cNvSpPr/>
+            <p:nvPr/>
+          </p:nvSpPr>
+          <p:spPr>
+            <a:xfrm>
+              <a:off x="268940" y="19180955"/>
+              <a:ext cx="10159994" cy="17177812"/>
+            </a:xfrm>
+            <a:prstGeom prst="roundRect">
+              <a:avLst>
+                <a:gd name="adj" fmla="val 6079"/>
+              </a:avLst>
+            </a:prstGeom>
+            <a:noFill/>
+            <a:ln w="38100">
+              <a:solidFill>
+                <a:schemeClr val="bg2">
+                  <a:lumMod val="75000"/>
+                </a:schemeClr>
+              </a:solidFill>
+            </a:ln>
+          </p:spPr>
+          <p:style>
+            <a:lnRef idx="2">
+              <a:schemeClr val="accent1">
+                <a:shade val="50000"/>
+              </a:schemeClr>
+            </a:lnRef>
+            <a:fillRef idx="1">
+              <a:schemeClr val="accent1"/>
+            </a:fillRef>
+            <a:effectRef idx="0">
+              <a:schemeClr val="accent1"/>
+            </a:effectRef>
+            <a:fontRef idx="minor">
+              <a:schemeClr val="lt1"/>
+            </a:fontRef>
+          </p:style>
+          <p:txBody>
+            <a:bodyPr rtlCol="0" anchor="ctr"/>
+            <a:lstStyle/>
+            <a:p>
+              <a:pPr algn="ctr"/>
+              <a:endParaRPr lang="en-US"/>
+            </a:p>
+          </p:txBody>
+        </p:sp>
+      </p:grpSp>
+      <p:grpSp>
+        <p:nvGrpSpPr>
+          <p:cNvPr id="2" name="Group 1">
+            <a:extLst>
+              <a:ext uri="{FF2B5EF4-FFF2-40B4-BE49-F238E27FC236}">
+                <a16:creationId xmlns:a16="http://schemas.microsoft.com/office/drawing/2014/main" id="{CC7DD2A1-AC37-334C-BFCF-5B64DFBAAF75}"/>
+              </a:ext>
+            </a:extLst>
+          </p:cNvPr>
+          <p:cNvGrpSpPr/>
+          <p:nvPr/>
+        </p:nvGrpSpPr>
+        <p:grpSpPr>
+          <a:xfrm>
+            <a:off x="11080485" y="19180955"/>
+            <a:ext cx="10159994" cy="13634502"/>
+            <a:chOff x="11329866" y="19180955"/>
+            <a:chExt cx="10159994" cy="13634502"/>
+          </a:xfrm>
+        </p:grpSpPr>
+        <p:sp>
+          <p:nvSpPr>
+            <p:cNvPr id="30" name="TextBox 29">
+              <a:extLst>
+                <a:ext uri="{FF2B5EF4-FFF2-40B4-BE49-F238E27FC236}">
+                  <a16:creationId xmlns:a16="http://schemas.microsoft.com/office/drawing/2014/main" id="{483A7F7C-9258-2B43-8C35-69183CC26990}"/>
+                </a:ext>
+              </a:extLst>
+            </p:cNvPr>
+            <p:cNvSpPr txBox="1"/>
+            <p:nvPr/>
+          </p:nvSpPr>
+          <p:spPr>
+            <a:xfrm>
+              <a:off x="11917589" y="27945442"/>
+              <a:ext cx="9521892" cy="4524315"/>
+            </a:xfrm>
+            <a:prstGeom prst="rect">
+              <a:avLst/>
+            </a:prstGeom>
+            <a:noFill/>
+          </p:spPr>
+          <p:txBody>
+            <a:bodyPr wrap="square" rtlCol="0">
+              <a:spAutoFit/>
+            </a:bodyPr>
+            <a:lstStyle/>
+            <a:p>
+              <a:r>
+                <a:rPr lang="en-US" sz="3200" b="1" dirty="0">
+                  <a:latin typeface="Franklin Gothic Book" panose="020B0503020102020204" pitchFamily="34" charset="0"/>
+                </a:rPr>
+                <a:t>Figure 2: </a:t>
+              </a:r>
+              <a:r>
+                <a:rPr lang="en-US" sz="3200" dirty="0">
+                  <a:latin typeface="Franklin Gothic Book" panose="020B0503020102020204" pitchFamily="34" charset="0"/>
+                </a:rPr>
+                <a:t>Excerpts from various Parker solos, with selected occurrences of a very large motif found by our algorithm (44 total occurrences within 6 solos) highlighted.  While some of these capture a common contour-based feature, their start- and end-points are displaced from what would be analytically sensible. Occurrence Nos. 1, 2 are from Koko; Nos. 3, 4 from Donna Lee; Nos. 5, 6 from Fine and Dandy; Nos. 7, 8 from Star Eyes.</a:t>
+              </a:r>
+            </a:p>
+          </p:txBody>
+        </p:sp>
+        <p:pic>
+          <p:nvPicPr>
+            <p:cNvPr id="28" name="Picture 27">
+              <a:extLst>
+                <a:ext uri="{FF2B5EF4-FFF2-40B4-BE49-F238E27FC236}">
+                  <a16:creationId xmlns:a16="http://schemas.microsoft.com/office/drawing/2014/main" id="{815ABBA5-D851-2844-970B-145AE558D8AA}"/>
+                </a:ext>
+              </a:extLst>
+            </p:cNvPr>
+            <p:cNvPicPr>
+              <a:picLocks noChangeAspect="1"/>
+            </p:cNvPicPr>
+            <p:nvPr/>
+          </p:nvPicPr>
+          <p:blipFill>
+            <a:blip r:embed="rId6">
+              <a:extLst>
+                <a:ext uri="{28A0092B-C50C-407E-A947-70E740481C1C}">
+                  <a14:useLocalDpi xmlns:a14="http://schemas.microsoft.com/office/drawing/2010/main" val="0"/>
+                </a:ext>
+              </a:extLst>
+            </a:blip>
+            <a:stretch>
+              <a:fillRect/>
+            </a:stretch>
+          </p:blipFill>
+          <p:spPr>
+            <a:xfrm>
+              <a:off x="11877286" y="19722788"/>
+              <a:ext cx="9196243" cy="8389997"/>
+            </a:xfrm>
+            <a:prstGeom prst="rect">
+              <a:avLst/>
+            </a:prstGeom>
+          </p:spPr>
+        </p:pic>
+        <p:sp>
+          <p:nvSpPr>
+            <p:cNvPr id="81" name="Rounded Rectangle 80">
+              <a:extLst>
+                <a:ext uri="{FF2B5EF4-FFF2-40B4-BE49-F238E27FC236}">
+                  <a16:creationId xmlns:a16="http://schemas.microsoft.com/office/drawing/2014/main" id="{6482252C-9EF5-1040-91C8-C10E10360FE2}"/>
+                </a:ext>
+              </a:extLst>
+            </p:cNvPr>
+            <p:cNvSpPr/>
+            <p:nvPr/>
+          </p:nvSpPr>
+          <p:spPr>
+            <a:xfrm>
+              <a:off x="11329866" y="19180955"/>
+              <a:ext cx="10159994" cy="13634502"/>
+            </a:xfrm>
+            <a:prstGeom prst="roundRect">
+              <a:avLst>
+                <a:gd name="adj" fmla="val 6079"/>
+              </a:avLst>
+            </a:prstGeom>
+            <a:noFill/>
+            <a:ln w="38100">
+              <a:solidFill>
+                <a:schemeClr val="bg2">
+                  <a:lumMod val="75000"/>
+                </a:schemeClr>
+              </a:solidFill>
+            </a:ln>
+          </p:spPr>
+          <p:style>
+            <a:lnRef idx="2">
+              <a:schemeClr val="accent1">
+                <a:shade val="50000"/>
+              </a:schemeClr>
+            </a:lnRef>
+            <a:fillRef idx="1">
+              <a:schemeClr val="accent1"/>
+            </a:fillRef>
+            <a:effectRef idx="0">
+              <a:schemeClr val="accent1"/>
+            </a:effectRef>
+            <a:fontRef idx="minor">
+              <a:schemeClr val="lt1"/>
+            </a:fontRef>
+          </p:style>
+          <p:txBody>
+            <a:bodyPr rtlCol="0" anchor="ctr"/>
+            <a:lstStyle/>
+            <a:p>
+              <a:pPr algn="ctr"/>
+              <a:endParaRPr lang="en-US"/>
+            </a:p>
+          </p:txBody>
+        </p:sp>
+      </p:grpSp>
+      <p:grpSp>
+        <p:nvGrpSpPr>
+          <p:cNvPr id="3" name="Group 2">
+            <a:extLst>
+              <a:ext uri="{FF2B5EF4-FFF2-40B4-BE49-F238E27FC236}">
+                <a16:creationId xmlns:a16="http://schemas.microsoft.com/office/drawing/2014/main" id="{9AC5FA94-B9CC-B24B-8170-6D74BD57C957}"/>
+              </a:ext>
+            </a:extLst>
+          </p:cNvPr>
+          <p:cNvGrpSpPr/>
+          <p:nvPr/>
+        </p:nvGrpSpPr>
+        <p:grpSpPr>
+          <a:xfrm>
+            <a:off x="11147423" y="33252234"/>
+            <a:ext cx="10159994" cy="7321523"/>
+            <a:chOff x="11396804" y="33418488"/>
+            <a:chExt cx="10159994" cy="7321523"/>
+          </a:xfrm>
+        </p:grpSpPr>
+        <p:sp>
+          <p:nvSpPr>
+            <p:cNvPr id="23" name="TextBox 22">
+              <a:extLst>
+                <a:ext uri="{FF2B5EF4-FFF2-40B4-BE49-F238E27FC236}">
+                  <a16:creationId xmlns:a16="http://schemas.microsoft.com/office/drawing/2014/main" id="{CDBD1440-6CDC-9A4D-921B-5AB8CCB3AFF1}"/>
+                </a:ext>
+              </a:extLst>
+            </p:cNvPr>
+            <p:cNvSpPr txBox="1"/>
+            <p:nvPr/>
+          </p:nvSpPr>
+          <p:spPr>
+            <a:xfrm>
+              <a:off x="11966420" y="36893013"/>
+              <a:ext cx="9107110" cy="3539430"/>
+            </a:xfrm>
+            <a:prstGeom prst="rect">
+              <a:avLst/>
+            </a:prstGeom>
+            <a:noFill/>
+          </p:spPr>
+          <p:txBody>
+            <a:bodyPr wrap="square" rtlCol="0">
+              <a:spAutoFit/>
+            </a:bodyPr>
+            <a:lstStyle/>
+            <a:p>
+              <a:r>
+                <a:rPr lang="en-US" sz="3200" b="1" dirty="0">
+                  <a:latin typeface="Franklin Gothic Book" panose="020B0503020102020204" pitchFamily="34" charset="0"/>
+                </a:rPr>
+                <a:t>Figure 3: </a:t>
+              </a:r>
+              <a:r>
+                <a:rPr lang="en-US" sz="3200" dirty="0">
+                  <a:latin typeface="Franklin Gothic Book" panose="020B0503020102020204" pitchFamily="34" charset="0"/>
+                </a:rPr>
+                <a:t>The first two lines of Konitz’s solo on “Sax </a:t>
+              </a:r>
+              <a:br>
+                <a:rPr lang="en-US" sz="3200" dirty="0">
+                  <a:latin typeface="Franklin Gothic Book" panose="020B0503020102020204" pitchFamily="34" charset="0"/>
+                </a:rPr>
+              </a:br>
+              <a:r>
+                <a:rPr lang="en-US" sz="3200" dirty="0">
+                  <a:latin typeface="Franklin Gothic Book" panose="020B0503020102020204" pitchFamily="34" charset="0"/>
+                </a:rPr>
+                <a:t>of a Kind,” with a motif </a:t>
+              </a:r>
+              <a:r>
+                <a:rPr lang="en-US" sz="3200" i="1" dirty="0">
+                  <a:latin typeface="Franklin Gothic Book" panose="020B0503020102020204" pitchFamily="34" charset="0"/>
+                </a:rPr>
+                <a:t>not</a:t>
+              </a:r>
+              <a:r>
+                <a:rPr lang="en-US" sz="3200" dirty="0">
+                  <a:latin typeface="Franklin Gothic Book" panose="020B0503020102020204" pitchFamily="34" charset="0"/>
+                </a:rPr>
+                <a:t> found by our algorithm highlighted.  Each of the occurrences has a different pitch contour; purely rhythmic motifs are difficult for our algorithm to latch onto unless they involve rare and distinctive sequences of note durations (e.g., </a:t>
+              </a:r>
+              <a:r>
+                <a:rPr lang="en-US" sz="3200" dirty="0" err="1">
+                  <a:latin typeface="Franklin Gothic Book" panose="020B0503020102020204" pitchFamily="34" charset="0"/>
+                </a:rPr>
+                <a:t>tuplets</a:t>
+              </a:r>
+              <a:r>
+                <a:rPr lang="en-US" sz="3200" dirty="0">
+                  <a:latin typeface="Franklin Gothic Book" panose="020B0503020102020204" pitchFamily="34" charset="0"/>
+                </a:rPr>
+                <a:t>).</a:t>
+              </a:r>
+            </a:p>
+          </p:txBody>
+        </p:sp>
+        <p:pic>
+          <p:nvPicPr>
+            <p:cNvPr id="20" name="Picture 19">
+              <a:extLst>
+                <a:ext uri="{FF2B5EF4-FFF2-40B4-BE49-F238E27FC236}">
+                  <a16:creationId xmlns:a16="http://schemas.microsoft.com/office/drawing/2014/main" id="{69580BF9-1A16-3A4F-845B-506368203E9C}"/>
+                </a:ext>
+              </a:extLst>
+            </p:cNvPr>
+            <p:cNvPicPr>
+              <a:picLocks noChangeAspect="1"/>
+            </p:cNvPicPr>
+            <p:nvPr/>
+          </p:nvPicPr>
+          <p:blipFill>
+            <a:blip r:embed="rId7">
+              <a:extLst>
+                <a:ext uri="{28A0092B-C50C-407E-A947-70E740481C1C}">
+                  <a14:useLocalDpi xmlns:a14="http://schemas.microsoft.com/office/drawing/2010/main" val="0"/>
+                </a:ext>
+              </a:extLst>
+            </a:blip>
+            <a:stretch>
+              <a:fillRect/>
+            </a:stretch>
+          </p:blipFill>
+          <p:spPr>
+            <a:xfrm>
+              <a:off x="11966420" y="33996471"/>
+              <a:ext cx="9077013" cy="3058829"/>
+            </a:xfrm>
+            <a:prstGeom prst="rect">
+              <a:avLst/>
+            </a:prstGeom>
+          </p:spPr>
+        </p:pic>
+        <p:sp>
+          <p:nvSpPr>
+            <p:cNvPr id="31" name="Rounded Rectangle 30">
+              <a:extLst>
+                <a:ext uri="{FF2B5EF4-FFF2-40B4-BE49-F238E27FC236}">
+                  <a16:creationId xmlns:a16="http://schemas.microsoft.com/office/drawing/2014/main" id="{7917CD06-F9B2-3740-AEEB-A6AEAEEF4A91}"/>
+                </a:ext>
+              </a:extLst>
+            </p:cNvPr>
+            <p:cNvSpPr/>
+            <p:nvPr/>
+          </p:nvSpPr>
+          <p:spPr>
+            <a:xfrm>
+              <a:off x="11396804" y="33418488"/>
+              <a:ext cx="10159994" cy="7321523"/>
+            </a:xfrm>
+            <a:prstGeom prst="roundRect">
+              <a:avLst>
+                <a:gd name="adj" fmla="val 10259"/>
+              </a:avLst>
+            </a:prstGeom>
+            <a:noFill/>
+            <a:ln w="38100">
+              <a:solidFill>
+                <a:schemeClr val="bg2">
+                  <a:lumMod val="75000"/>
+                </a:schemeClr>
+              </a:solidFill>
+            </a:ln>
+          </p:spPr>
+          <p:style>
+            <a:lnRef idx="2">
+              <a:schemeClr val="accent1">
+                <a:shade val="50000"/>
+              </a:schemeClr>
+            </a:lnRef>
+            <a:fillRef idx="1">
+              <a:schemeClr val="accent1"/>
+            </a:fillRef>
+            <a:effectRef idx="0">
+              <a:schemeClr val="accent1"/>
+            </a:effectRef>
+            <a:fontRef idx="minor">
+              <a:schemeClr val="lt1"/>
+            </a:fontRef>
+          </p:style>
+          <p:txBody>
+            <a:bodyPr rtlCol="0" anchor="ctr"/>
+            <a:lstStyle/>
+            <a:p>
+              <a:pPr algn="ctr"/>
+              <a:endParaRPr lang="en-US"/>
+            </a:p>
+          </p:txBody>
+        </p:sp>
+      </p:grpSp>
+      <p:sp>
+        <p:nvSpPr>
+          <p:cNvPr id="33" name="TextBox 32">
+            <a:extLst>
+              <a:ext uri="{FF2B5EF4-FFF2-40B4-BE49-F238E27FC236}">
+                <a16:creationId xmlns:a16="http://schemas.microsoft.com/office/drawing/2014/main" id="{ABAEB1E9-BDC6-E14C-94A5-4B5D2DE9DBFE}"/>
+              </a:ext>
+            </a:extLst>
+          </p:cNvPr>
+          <p:cNvSpPr txBox="1"/>
+          <p:nvPr/>
+        </p:nvSpPr>
+        <p:spPr>
+          <a:xfrm>
+            <a:off x="21959836" y="15243176"/>
+            <a:ext cx="8785840" cy="3539430"/>
+          </a:xfrm>
+          <a:prstGeom prst="rect">
+            <a:avLst/>
+          </a:prstGeom>
+          <a:noFill/>
+        </p:spPr>
+        <p:txBody>
+          <a:bodyPr wrap="square" rtlCol="0">
+            <a:spAutoFit/>
+          </a:bodyPr>
+          <a:lstStyle/>
+          <a:p>
+            <a:r>
+              <a:rPr lang="en-US" sz="3200" b="1" dirty="0">
+                <a:latin typeface="Franklin Gothic Book" panose="020B0503020102020204" pitchFamily="34" charset="0"/>
+              </a:rPr>
+              <a:t>Table 1: </a:t>
+            </a:r>
+            <a:r>
+              <a:rPr lang="en-US" sz="3200" dirty="0">
+                <a:latin typeface="Franklin Gothic Book" panose="020B0503020102020204" pitchFamily="34" charset="0"/>
+              </a:rPr>
+              <a:t>A brief excerpt of music along with its representation as multiple different viewpoints. When finding patterns, we select a few different viewpoints and match excerpts of music based on those. This lets us tailor our pattern-finding to focus on a specific subset of qualities of the musical surface. </a:t>
+            </a:r>
+          </a:p>
+        </p:txBody>
+      </p:sp>
+      <p:sp>
+        <p:nvSpPr>
+          <p:cNvPr id="37" name="Rectangle 36">
+            <a:extLst>
+              <a:ext uri="{FF2B5EF4-FFF2-40B4-BE49-F238E27FC236}">
+                <a16:creationId xmlns:a16="http://schemas.microsoft.com/office/drawing/2014/main" id="{54F29F40-F7A5-C442-B243-71418107E961}"/>
+              </a:ext>
+            </a:extLst>
+          </p:cNvPr>
+          <p:cNvSpPr/>
+          <p:nvPr/>
+        </p:nvSpPr>
+        <p:spPr>
+          <a:xfrm>
+            <a:off x="24558" y="41211279"/>
+            <a:ext cx="32004000" cy="2427509"/>
+          </a:xfrm>
+          <a:prstGeom prst="rect">
+            <a:avLst/>
+          </a:prstGeom>
+          <a:solidFill>
+            <a:schemeClr val="bg2"/>
+          </a:solidFill>
+          <a:ln>
+            <a:noFill/>
+          </a:ln>
+        </p:spPr>
+        <p:style>
+          <a:lnRef idx="2">
+            <a:schemeClr val="accent1">
+              <a:shade val="50000"/>
+            </a:schemeClr>
+          </a:lnRef>
+          <a:fillRef idx="1">
+            <a:schemeClr val="accent1"/>
+          </a:fillRef>
+          <a:effectRef idx="0">
+            <a:schemeClr val="accent1"/>
+          </a:effectRef>
+          <a:fontRef idx="minor">
+            <a:schemeClr val="lt1"/>
+          </a:fontRef>
+        </p:style>
+        <p:txBody>
+          <a:bodyPr rtlCol="0" anchor="ctr"/>
+          <a:lstStyle/>
+          <a:p>
+            <a:pPr algn="ctr"/>
+            <a:endParaRPr lang="en-US" dirty="0">
+              <a:solidFill>
+                <a:schemeClr val="bg1">
+                  <a:lumMod val="65000"/>
+                </a:schemeClr>
+              </a:solidFill>
+            </a:endParaRPr>
+          </a:p>
+        </p:txBody>
+      </p:sp>
+      <p:sp>
+        <p:nvSpPr>
+          <p:cNvPr id="38" name="TextBox 37">
+            <a:extLst>
+              <a:ext uri="{FF2B5EF4-FFF2-40B4-BE49-F238E27FC236}">
+                <a16:creationId xmlns:a16="http://schemas.microsoft.com/office/drawing/2014/main" id="{85EBD0CA-E64C-3846-A64D-7185C74B73D2}"/>
+              </a:ext>
+            </a:extLst>
+          </p:cNvPr>
+          <p:cNvSpPr txBox="1"/>
+          <p:nvPr/>
+        </p:nvSpPr>
+        <p:spPr>
+          <a:xfrm>
+            <a:off x="5133410" y="41658182"/>
+            <a:ext cx="21922173" cy="1446550"/>
+          </a:xfrm>
+          <a:prstGeom prst="rect">
+            <a:avLst/>
+          </a:prstGeom>
+          <a:noFill/>
+        </p:spPr>
+        <p:txBody>
+          <a:bodyPr wrap="square" rtlCol="0">
+            <a:spAutoFit/>
+          </a:bodyPr>
+          <a:lstStyle/>
+          <a:p>
+            <a:pPr algn="ctr"/>
+            <a:r>
+              <a:rPr lang="en-US" sz="4400" dirty="0">
+                <a:latin typeface="Franklin Gothic Book" panose="020B0503020102020204" pitchFamily="34" charset="0"/>
+                <a:cs typeface="Courier New" panose="02070309020205020404" pitchFamily="49" charset="0"/>
+              </a:rPr>
+              <a:t>Code available at:</a:t>
+            </a:r>
+          </a:p>
+          <a:p>
+            <a:pPr algn="ctr"/>
+            <a:r>
+              <a:rPr lang="en-US" sz="4400" dirty="0" err="1">
+                <a:latin typeface="Consolas" panose="020B0609020204030204" pitchFamily="49" charset="0"/>
+                <a:cs typeface="Courier New" panose="02070309020205020404" pitchFamily="49" charset="0"/>
+              </a:rPr>
+              <a:t>github.com</a:t>
+            </a:r>
+            <a:r>
+              <a:rPr lang="en-US" sz="4400" dirty="0">
+                <a:latin typeface="Consolas" panose="020B0609020204030204" pitchFamily="49" charset="0"/>
+                <a:cs typeface="Courier New" panose="02070309020205020404" pitchFamily="49" charset="0"/>
+              </a:rPr>
+              <a:t>/</a:t>
+            </a:r>
+            <a:r>
+              <a:rPr lang="en-US" sz="4400" dirty="0" err="1">
+                <a:latin typeface="Consolas" panose="020B0609020204030204" pitchFamily="49" charset="0"/>
+                <a:cs typeface="Courier New" panose="02070309020205020404" pitchFamily="49" charset="0"/>
+              </a:rPr>
+              <a:t>timothydereuse</a:t>
+            </a:r>
+            <a:r>
+              <a:rPr lang="en-US" sz="4400" dirty="0">
+                <a:latin typeface="Consolas" panose="020B0609020204030204" pitchFamily="49" charset="0"/>
+                <a:cs typeface="Courier New" panose="02070309020205020404" pitchFamily="49" charset="0"/>
+              </a:rPr>
+              <a:t>/jazz-viewpoint-patterns</a:t>
+            </a:r>
+          </a:p>
+        </p:txBody>
+      </p:sp>
     </p:spTree>
     <p:extLst>
       <p:ext uri="{BB962C8B-B14F-4D97-AF65-F5344CB8AC3E}">
